--- a/Презентация.pptx
+++ b/Презентация.pptx
@@ -1,8 +1,8 @@
 
 <file path=ppt/presentation.xml><?xml version="1.0" encoding="utf-8"?>
-<p:presentation xmlns:a="http://schemas.openxmlformats.org/drawingml/2006/main" xmlns:r="http://schemas.openxmlformats.org/officeDocument/2006/relationships" xmlns:p="http://schemas.openxmlformats.org/presentationml/2006/main" saveSubsetFonts="1">
+<p:presentation xmlns:a="http://schemas.openxmlformats.org/drawingml/2006/main" xmlns:r="http://schemas.openxmlformats.org/officeDocument/2006/relationships" xmlns:p="http://schemas.openxmlformats.org/presentationml/2006/main" showSpecialPlsOnTitleSld="0" saveSubsetFonts="1">
   <p:sldMasterIdLst>
-    <p:sldMasterId id="2147483648" r:id="rId1"/>
+    <p:sldMasterId id="2147483660" r:id="rId1"/>
   </p:sldMasterIdLst>
   <p:notesMasterIdLst>
     <p:notesMasterId r:id="rId18"/>
@@ -25,13 +25,13 @@
     <p:sldId id="271" r:id="rId16"/>
     <p:sldId id="272" r:id="rId17"/>
   </p:sldIdLst>
-  <p:sldSz cx="12192000" cy="6858000"/>
+  <p:sldSz cx="9144000" cy="6858000" type="screen4x3"/>
   <p:notesSz cx="6858000" cy="9144000"/>
   <p:defaultTextStyle>
     <a:defPPr>
-      <a:defRPr lang="ru-RU"/>
+      <a:defRPr lang="en-US"/>
     </a:defPPr>
-    <a:lvl1pPr marL="0" algn="l" defTabSz="914400" rtl="0" eaLnBrk="1" latinLnBrk="0" hangingPunct="1">
+    <a:lvl1pPr marL="0" algn="l" defTabSz="457200" rtl="0" eaLnBrk="1" latinLnBrk="0" hangingPunct="1">
       <a:defRPr sz="1800" kern="1200">
         <a:solidFill>
           <a:schemeClr val="tx1"/>
@@ -41,7 +41,7 @@
         <a:cs typeface="+mn-cs"/>
       </a:defRPr>
     </a:lvl1pPr>
-    <a:lvl2pPr marL="457200" algn="l" defTabSz="914400" rtl="0" eaLnBrk="1" latinLnBrk="0" hangingPunct="1">
+    <a:lvl2pPr marL="457200" algn="l" defTabSz="457200" rtl="0" eaLnBrk="1" latinLnBrk="0" hangingPunct="1">
       <a:defRPr sz="1800" kern="1200">
         <a:solidFill>
           <a:schemeClr val="tx1"/>
@@ -51,7 +51,7 @@
         <a:cs typeface="+mn-cs"/>
       </a:defRPr>
     </a:lvl2pPr>
-    <a:lvl3pPr marL="914400" algn="l" defTabSz="914400" rtl="0" eaLnBrk="1" latinLnBrk="0" hangingPunct="1">
+    <a:lvl3pPr marL="914400" algn="l" defTabSz="457200" rtl="0" eaLnBrk="1" latinLnBrk="0" hangingPunct="1">
       <a:defRPr sz="1800" kern="1200">
         <a:solidFill>
           <a:schemeClr val="tx1"/>
@@ -61,7 +61,7 @@
         <a:cs typeface="+mn-cs"/>
       </a:defRPr>
     </a:lvl3pPr>
-    <a:lvl4pPr marL="1371600" algn="l" defTabSz="914400" rtl="0" eaLnBrk="1" latinLnBrk="0" hangingPunct="1">
+    <a:lvl4pPr marL="1371600" algn="l" defTabSz="457200" rtl="0" eaLnBrk="1" latinLnBrk="0" hangingPunct="1">
       <a:defRPr sz="1800" kern="1200">
         <a:solidFill>
           <a:schemeClr val="tx1"/>
@@ -71,7 +71,7 @@
         <a:cs typeface="+mn-cs"/>
       </a:defRPr>
     </a:lvl4pPr>
-    <a:lvl5pPr marL="1828800" algn="l" defTabSz="914400" rtl="0" eaLnBrk="1" latinLnBrk="0" hangingPunct="1">
+    <a:lvl5pPr marL="1828800" algn="l" defTabSz="457200" rtl="0" eaLnBrk="1" latinLnBrk="0" hangingPunct="1">
       <a:defRPr sz="1800" kern="1200">
         <a:solidFill>
           <a:schemeClr val="tx1"/>
@@ -81,7 +81,7 @@
         <a:cs typeface="+mn-cs"/>
       </a:defRPr>
     </a:lvl5pPr>
-    <a:lvl6pPr marL="2286000" algn="l" defTabSz="914400" rtl="0" eaLnBrk="1" latinLnBrk="0" hangingPunct="1">
+    <a:lvl6pPr marL="2286000" algn="l" defTabSz="457200" rtl="0" eaLnBrk="1" latinLnBrk="0" hangingPunct="1">
       <a:defRPr sz="1800" kern="1200">
         <a:solidFill>
           <a:schemeClr val="tx1"/>
@@ -91,7 +91,7 @@
         <a:cs typeface="+mn-cs"/>
       </a:defRPr>
     </a:lvl6pPr>
-    <a:lvl7pPr marL="2743200" algn="l" defTabSz="914400" rtl="0" eaLnBrk="1" latinLnBrk="0" hangingPunct="1">
+    <a:lvl7pPr marL="2743200" algn="l" defTabSz="457200" rtl="0" eaLnBrk="1" latinLnBrk="0" hangingPunct="1">
       <a:defRPr sz="1800" kern="1200">
         <a:solidFill>
           <a:schemeClr val="tx1"/>
@@ -101,7 +101,7 @@
         <a:cs typeface="+mn-cs"/>
       </a:defRPr>
     </a:lvl7pPr>
-    <a:lvl8pPr marL="3200400" algn="l" defTabSz="914400" rtl="0" eaLnBrk="1" latinLnBrk="0" hangingPunct="1">
+    <a:lvl8pPr marL="3200400" algn="l" defTabSz="457200" rtl="0" eaLnBrk="1" latinLnBrk="0" hangingPunct="1">
       <a:defRPr sz="1800" kern="1200">
         <a:solidFill>
           <a:schemeClr val="tx1"/>
@@ -111,7 +111,7 @@
         <a:cs typeface="+mn-cs"/>
       </a:defRPr>
     </a:lvl8pPr>
-    <a:lvl9pPr marL="3657600" algn="l" defTabSz="914400" rtl="0" eaLnBrk="1" latinLnBrk="0" hangingPunct="1">
+    <a:lvl9pPr marL="3657600" algn="l" defTabSz="457200" rtl="0" eaLnBrk="1" latinLnBrk="0" hangingPunct="1">
       <a:defRPr sz="1800" kern="1200">
         <a:solidFill>
           <a:schemeClr val="tx1"/>
@@ -122,6 +122,11 @@
       </a:defRPr>
     </a:lvl9pPr>
   </p:defaultTextStyle>
+  <p:extLst>
+    <p:ext uri="{EFAFB233-063F-42B5-8137-9DF3F51BA10A}">
+      <p15:sldGuideLst xmlns:p15="http://schemas.microsoft.com/office/powerpoint/2012/main"/>
+    </p:ext>
+  </p:extLst>
 </p:presentation>
 </file>
 
@@ -207,7 +212,7 @@
           <a:p>
             <a:fld id="{338AFE6B-1BA7-417F-854B-3EEAC671311F}" type="datetimeFigureOut">
               <a:rPr lang="ru-RU" smtClean="0"/>
-              <a:t>11.02.2018</a:t>
+              <a:t>12.02.2018</a:t>
             </a:fld>
             <a:endParaRPr lang="ru-RU"/>
           </a:p>
@@ -225,8 +230,8 @@
         </p:nvSpPr>
         <p:spPr>
           <a:xfrm>
-            <a:off x="685800" y="1143000"/>
-            <a:ext cx="5486400" cy="3086100"/>
+            <a:off x="1371600" y="1143000"/>
+            <a:ext cx="4114800" cy="3086100"/>
           </a:xfrm>
           <a:prstGeom prst="rect">
             <a:avLst/>
@@ -503,6 +508,10 @@
           </p:nvPr>
         </p:nvSpPr>
         <p:spPr>
+          <a:xfrm>
+            <a:off x="1371600" y="1143000"/>
+            <a:ext cx="4114800" cy="3086100"/>
+          </a:xfrm>
           <a:noFill/>
           <a:ln>
             <a:headEnd/>
@@ -574,7 +583,7 @@
       </p:grpSpPr>
       <p:sp>
         <p:nvSpPr>
-          <p:cNvPr id="2" name="Заголовок 1"/>
+          <p:cNvPr id="2" name="Title 1"/>
           <p:cNvSpPr>
             <a:spLocks noGrp="1"/>
           </p:cNvSpPr>
@@ -584,8 +593,8 @@
         </p:nvSpPr>
         <p:spPr>
           <a:xfrm>
-            <a:off x="1524000" y="1122363"/>
-            <a:ext cx="9144000" cy="2387600"/>
+            <a:off x="685800" y="1122363"/>
+            <a:ext cx="7772400" cy="2387600"/>
           </a:xfrm>
         </p:spPr>
         <p:txBody>
@@ -600,13 +609,13 @@
               <a:rPr lang="ru-RU" smtClean="0"/>
               <a:t>Образец заголовка</a:t>
             </a:r>
-            <a:endParaRPr lang="ru-RU"/>
-          </a:p>
-        </p:txBody>
-      </p:sp>
-      <p:sp>
-        <p:nvSpPr>
-          <p:cNvPr id="3" name="Подзаголовок 2"/>
+            <a:endParaRPr lang="en-US" dirty="0"/>
+          </a:p>
+        </p:txBody>
+      </p:sp>
+      <p:sp>
+        <p:nvSpPr>
+          <p:cNvPr id="3" name="Subtitle 2"/>
           <p:cNvSpPr>
             <a:spLocks noGrp="1"/>
           </p:cNvSpPr>
@@ -616,8 +625,8 @@
         </p:nvSpPr>
         <p:spPr>
           <a:xfrm>
-            <a:off x="1524000" y="3602038"/>
-            <a:ext cx="9144000" cy="1655762"/>
+            <a:off x="1143000" y="3602038"/>
+            <a:ext cx="6858000" cy="1655762"/>
           </a:xfrm>
         </p:spPr>
         <p:txBody>
@@ -665,13 +674,13 @@
               <a:rPr lang="ru-RU" smtClean="0"/>
               <a:t>Образец подзаголовка</a:t>
             </a:r>
-            <a:endParaRPr lang="ru-RU"/>
-          </a:p>
-        </p:txBody>
-      </p:sp>
-      <p:sp>
-        <p:nvSpPr>
-          <p:cNvPr id="4" name="Дата 3"/>
+            <a:endParaRPr lang="en-US" dirty="0"/>
+          </a:p>
+        </p:txBody>
+      </p:sp>
+      <p:sp>
+        <p:nvSpPr>
+          <p:cNvPr id="4" name="Date Placeholder 3"/>
           <p:cNvSpPr>
             <a:spLocks noGrp="1"/>
           </p:cNvSpPr>
@@ -684,9 +693,9 @@
           <a:bodyPr/>
           <a:lstStyle/>
           <a:p>
-            <a:fld id="{D6EDC46C-3679-4253-B794-398CEDD1DA12}" type="datetimeFigureOut">
-              <a:rPr lang="ru-RU" smtClean="0"/>
-              <a:t>11.02.2018</a:t>
+            <a:fld id="{4CE6CAEA-1D8D-48AF-B421-F4D8F6218CA6}" type="datetime1">
+              <a:rPr lang="ru-RU" smtClean="0"/>
+              <a:t>12.02.2018</a:t>
             </a:fld>
             <a:endParaRPr lang="ru-RU"/>
           </a:p>
@@ -694,7 +703,7 @@
       </p:sp>
       <p:sp>
         <p:nvSpPr>
-          <p:cNvPr id="5" name="Нижний колонтитул 4"/>
+          <p:cNvPr id="5" name="Footer Placeholder 4"/>
           <p:cNvSpPr>
             <a:spLocks noGrp="1"/>
           </p:cNvSpPr>
@@ -713,7 +722,7 @@
       </p:sp>
       <p:sp>
         <p:nvSpPr>
-          <p:cNvPr id="6" name="Номер слайда 5"/>
+          <p:cNvPr id="6" name="Slide Number Placeholder 5"/>
           <p:cNvSpPr>
             <a:spLocks noGrp="1"/>
           </p:cNvSpPr>
@@ -737,7 +746,7 @@
     </p:spTree>
     <p:extLst>
       <p:ext uri="{BB962C8B-B14F-4D97-AF65-F5344CB8AC3E}">
-        <p14:creationId xmlns:p14="http://schemas.microsoft.com/office/powerpoint/2010/main" val="189606659"/>
+        <p14:creationId xmlns:p14="http://schemas.microsoft.com/office/powerpoint/2010/main" val="1176932099"/>
       </p:ext>
     </p:extLst>
   </p:cSld>
@@ -766,7 +775,7 @@
       </p:grpSpPr>
       <p:sp>
         <p:nvSpPr>
-          <p:cNvPr id="2" name="Заголовок 1"/>
+          <p:cNvPr id="2" name="Title 1"/>
           <p:cNvSpPr>
             <a:spLocks noGrp="1"/>
           </p:cNvSpPr>
@@ -783,13 +792,13 @@
               <a:rPr lang="ru-RU" smtClean="0"/>
               <a:t>Образец заголовка</a:t>
             </a:r>
-            <a:endParaRPr lang="ru-RU"/>
-          </a:p>
-        </p:txBody>
-      </p:sp>
-      <p:sp>
-        <p:nvSpPr>
-          <p:cNvPr id="3" name="Вертикальный текст 2"/>
+            <a:endParaRPr lang="en-US" dirty="0"/>
+          </a:p>
+        </p:txBody>
+      </p:sp>
+      <p:sp>
+        <p:nvSpPr>
+          <p:cNvPr id="3" name="Vertical Text Placeholder 2"/>
           <p:cNvSpPr>
             <a:spLocks noGrp="1"/>
           </p:cNvSpPr>
@@ -835,13 +844,13 @@
               <a:rPr lang="ru-RU" smtClean="0"/>
               <a:t>Пятый уровень</a:t>
             </a:r>
-            <a:endParaRPr lang="ru-RU"/>
-          </a:p>
-        </p:txBody>
-      </p:sp>
-      <p:sp>
-        <p:nvSpPr>
-          <p:cNvPr id="4" name="Дата 3"/>
+            <a:endParaRPr lang="en-US" dirty="0"/>
+          </a:p>
+        </p:txBody>
+      </p:sp>
+      <p:sp>
+        <p:nvSpPr>
+          <p:cNvPr id="4" name="Date Placeholder 3"/>
           <p:cNvSpPr>
             <a:spLocks noGrp="1"/>
           </p:cNvSpPr>
@@ -854,9 +863,9 @@
           <a:bodyPr/>
           <a:lstStyle/>
           <a:p>
-            <a:fld id="{D6EDC46C-3679-4253-B794-398CEDD1DA12}" type="datetimeFigureOut">
-              <a:rPr lang="ru-RU" smtClean="0"/>
-              <a:t>11.02.2018</a:t>
+            <a:fld id="{0AFE9DDD-ECC2-4E17-A7D9-13BDD5FCBA37}" type="datetime1">
+              <a:rPr lang="ru-RU" smtClean="0"/>
+              <a:t>12.02.2018</a:t>
             </a:fld>
             <a:endParaRPr lang="ru-RU"/>
           </a:p>
@@ -864,7 +873,7 @@
       </p:sp>
       <p:sp>
         <p:nvSpPr>
-          <p:cNvPr id="5" name="Нижний колонтитул 4"/>
+          <p:cNvPr id="5" name="Footer Placeholder 4"/>
           <p:cNvSpPr>
             <a:spLocks noGrp="1"/>
           </p:cNvSpPr>
@@ -883,7 +892,7 @@
       </p:sp>
       <p:sp>
         <p:nvSpPr>
-          <p:cNvPr id="6" name="Номер слайда 5"/>
+          <p:cNvPr id="6" name="Slide Number Placeholder 5"/>
           <p:cNvSpPr>
             <a:spLocks noGrp="1"/>
           </p:cNvSpPr>
@@ -907,7 +916,7 @@
     </p:spTree>
     <p:extLst>
       <p:ext uri="{BB962C8B-B14F-4D97-AF65-F5344CB8AC3E}">
-        <p14:creationId xmlns:p14="http://schemas.microsoft.com/office/powerpoint/2010/main" val="3984555025"/>
+        <p14:creationId xmlns:p14="http://schemas.microsoft.com/office/powerpoint/2010/main" val="3837974479"/>
       </p:ext>
     </p:extLst>
   </p:cSld>
@@ -936,7 +945,7 @@
       </p:grpSpPr>
       <p:sp>
         <p:nvSpPr>
-          <p:cNvPr id="2" name="Вертикальный заголовок 1"/>
+          <p:cNvPr id="2" name="Vertical Title 1"/>
           <p:cNvSpPr>
             <a:spLocks noGrp="1"/>
           </p:cNvSpPr>
@@ -946,8 +955,8 @@
         </p:nvSpPr>
         <p:spPr>
           <a:xfrm>
-            <a:off x="8724900" y="365125"/>
-            <a:ext cx="2628900" cy="5811838"/>
+            <a:off x="6543675" y="365125"/>
+            <a:ext cx="1971675" cy="5811838"/>
           </a:xfrm>
         </p:spPr>
         <p:txBody>
@@ -958,13 +967,13 @@
               <a:rPr lang="ru-RU" smtClean="0"/>
               <a:t>Образец заголовка</a:t>
             </a:r>
-            <a:endParaRPr lang="ru-RU"/>
-          </a:p>
-        </p:txBody>
-      </p:sp>
-      <p:sp>
-        <p:nvSpPr>
-          <p:cNvPr id="3" name="Вертикальный текст 2"/>
+            <a:endParaRPr lang="en-US" dirty="0"/>
+          </a:p>
+        </p:txBody>
+      </p:sp>
+      <p:sp>
+        <p:nvSpPr>
+          <p:cNvPr id="3" name="Vertical Text Placeholder 2"/>
           <p:cNvSpPr>
             <a:spLocks noGrp="1"/>
           </p:cNvSpPr>
@@ -974,8 +983,8 @@
         </p:nvSpPr>
         <p:spPr>
           <a:xfrm>
-            <a:off x="838200" y="365125"/>
-            <a:ext cx="7734300" cy="5811838"/>
+            <a:off x="628650" y="365125"/>
+            <a:ext cx="5800725" cy="5811838"/>
           </a:xfrm>
         </p:spPr>
         <p:txBody>
@@ -1015,13 +1024,13 @@
               <a:rPr lang="ru-RU" smtClean="0"/>
               <a:t>Пятый уровень</a:t>
             </a:r>
-            <a:endParaRPr lang="ru-RU"/>
-          </a:p>
-        </p:txBody>
-      </p:sp>
-      <p:sp>
-        <p:nvSpPr>
-          <p:cNvPr id="4" name="Дата 3"/>
+            <a:endParaRPr lang="en-US" dirty="0"/>
+          </a:p>
+        </p:txBody>
+      </p:sp>
+      <p:sp>
+        <p:nvSpPr>
+          <p:cNvPr id="4" name="Date Placeholder 3"/>
           <p:cNvSpPr>
             <a:spLocks noGrp="1"/>
           </p:cNvSpPr>
@@ -1034,9 +1043,9 @@
           <a:bodyPr/>
           <a:lstStyle/>
           <a:p>
-            <a:fld id="{D6EDC46C-3679-4253-B794-398CEDD1DA12}" type="datetimeFigureOut">
-              <a:rPr lang="ru-RU" smtClean="0"/>
-              <a:t>11.02.2018</a:t>
+            <a:fld id="{ADEBCD0F-955F-48B0-AC10-D71D557FF7DB}" type="datetime1">
+              <a:rPr lang="ru-RU" smtClean="0"/>
+              <a:t>12.02.2018</a:t>
             </a:fld>
             <a:endParaRPr lang="ru-RU"/>
           </a:p>
@@ -1044,7 +1053,7 @@
       </p:sp>
       <p:sp>
         <p:nvSpPr>
-          <p:cNvPr id="5" name="Нижний колонтитул 4"/>
+          <p:cNvPr id="5" name="Footer Placeholder 4"/>
           <p:cNvSpPr>
             <a:spLocks noGrp="1"/>
           </p:cNvSpPr>
@@ -1063,7 +1072,7 @@
       </p:sp>
       <p:sp>
         <p:nvSpPr>
-          <p:cNvPr id="6" name="Номер слайда 5"/>
+          <p:cNvPr id="6" name="Slide Number Placeholder 5"/>
           <p:cNvSpPr>
             <a:spLocks noGrp="1"/>
           </p:cNvSpPr>
@@ -1087,7 +1096,7 @@
     </p:spTree>
     <p:extLst>
       <p:ext uri="{BB962C8B-B14F-4D97-AF65-F5344CB8AC3E}">
-        <p14:creationId xmlns:p14="http://schemas.microsoft.com/office/powerpoint/2010/main" val="3287800341"/>
+        <p14:creationId xmlns:p14="http://schemas.microsoft.com/office/powerpoint/2010/main" val="2378139690"/>
       </p:ext>
     </p:extLst>
   </p:cSld>
@@ -1116,7 +1125,7 @@
       </p:grpSpPr>
       <p:sp>
         <p:nvSpPr>
-          <p:cNvPr id="2" name="Заголовок 1"/>
+          <p:cNvPr id="2" name="Title 1"/>
           <p:cNvSpPr>
             <a:spLocks noGrp="1"/>
           </p:cNvSpPr>
@@ -1133,13 +1142,13 @@
               <a:rPr lang="ru-RU" smtClean="0"/>
               <a:t>Образец заголовка</a:t>
             </a:r>
-            <a:endParaRPr lang="ru-RU"/>
-          </a:p>
-        </p:txBody>
-      </p:sp>
-      <p:sp>
-        <p:nvSpPr>
-          <p:cNvPr id="3" name="Объект 2"/>
+            <a:endParaRPr lang="en-US" dirty="0"/>
+          </a:p>
+        </p:txBody>
+      </p:sp>
+      <p:sp>
+        <p:nvSpPr>
+          <p:cNvPr id="3" name="Content Placeholder 2"/>
           <p:cNvSpPr>
             <a:spLocks noGrp="1"/>
           </p:cNvSpPr>
@@ -1185,13 +1194,13 @@
               <a:rPr lang="ru-RU" smtClean="0"/>
               <a:t>Пятый уровень</a:t>
             </a:r>
-            <a:endParaRPr lang="ru-RU"/>
-          </a:p>
-        </p:txBody>
-      </p:sp>
-      <p:sp>
-        <p:nvSpPr>
-          <p:cNvPr id="4" name="Дата 3"/>
+            <a:endParaRPr lang="en-US" dirty="0"/>
+          </a:p>
+        </p:txBody>
+      </p:sp>
+      <p:sp>
+        <p:nvSpPr>
+          <p:cNvPr id="4" name="Date Placeholder 3"/>
           <p:cNvSpPr>
             <a:spLocks noGrp="1"/>
           </p:cNvSpPr>
@@ -1204,9 +1213,9 @@
           <a:bodyPr/>
           <a:lstStyle/>
           <a:p>
-            <a:fld id="{D6EDC46C-3679-4253-B794-398CEDD1DA12}" type="datetimeFigureOut">
-              <a:rPr lang="ru-RU" smtClean="0"/>
-              <a:t>11.02.2018</a:t>
+            <a:fld id="{3EE7A430-53E8-4536-81AD-5D1FFAD5F145}" type="datetime1">
+              <a:rPr lang="ru-RU" smtClean="0"/>
+              <a:t>12.02.2018</a:t>
             </a:fld>
             <a:endParaRPr lang="ru-RU"/>
           </a:p>
@@ -1214,7 +1223,7 @@
       </p:sp>
       <p:sp>
         <p:nvSpPr>
-          <p:cNvPr id="5" name="Нижний колонтитул 4"/>
+          <p:cNvPr id="5" name="Footer Placeholder 4"/>
           <p:cNvSpPr>
             <a:spLocks noGrp="1"/>
           </p:cNvSpPr>
@@ -1233,7 +1242,7 @@
       </p:sp>
       <p:sp>
         <p:nvSpPr>
-          <p:cNvPr id="6" name="Номер слайда 5"/>
+          <p:cNvPr id="6" name="Slide Number Placeholder 5"/>
           <p:cNvSpPr>
             <a:spLocks noGrp="1"/>
           </p:cNvSpPr>
@@ -1257,7 +1266,7 @@
     </p:spTree>
     <p:extLst>
       <p:ext uri="{BB962C8B-B14F-4D97-AF65-F5344CB8AC3E}">
-        <p14:creationId xmlns:p14="http://schemas.microsoft.com/office/powerpoint/2010/main" val="3170955793"/>
+        <p14:creationId xmlns:p14="http://schemas.microsoft.com/office/powerpoint/2010/main" val="3801865063"/>
       </p:ext>
     </p:extLst>
   </p:cSld>
@@ -1286,7 +1295,7 @@
       </p:grpSpPr>
       <p:sp>
         <p:nvSpPr>
-          <p:cNvPr id="2" name="Заголовок 1"/>
+          <p:cNvPr id="2" name="Title 1"/>
           <p:cNvSpPr>
             <a:spLocks noGrp="1"/>
           </p:cNvSpPr>
@@ -1296,8 +1305,8 @@
         </p:nvSpPr>
         <p:spPr>
           <a:xfrm>
-            <a:off x="831850" y="1709738"/>
-            <a:ext cx="10515600" cy="2852737"/>
+            <a:off x="623888" y="1709739"/>
+            <a:ext cx="7886700" cy="2852737"/>
           </a:xfrm>
         </p:spPr>
         <p:txBody>
@@ -1312,13 +1321,13 @@
               <a:rPr lang="ru-RU" smtClean="0"/>
               <a:t>Образец заголовка</a:t>
             </a:r>
-            <a:endParaRPr lang="ru-RU"/>
-          </a:p>
-        </p:txBody>
-      </p:sp>
-      <p:sp>
-        <p:nvSpPr>
-          <p:cNvPr id="3" name="Текст 2"/>
+            <a:endParaRPr lang="en-US" dirty="0"/>
+          </a:p>
+        </p:txBody>
+      </p:sp>
+      <p:sp>
+        <p:nvSpPr>
+          <p:cNvPr id="3" name="Text Placeholder 2"/>
           <p:cNvSpPr>
             <a:spLocks noGrp="1"/>
           </p:cNvSpPr>
@@ -1328,8 +1337,8 @@
         </p:nvSpPr>
         <p:spPr>
           <a:xfrm>
-            <a:off x="831850" y="4589463"/>
-            <a:ext cx="10515600" cy="1500187"/>
+            <a:off x="623888" y="4589464"/>
+            <a:ext cx="7886700" cy="1500187"/>
           </a:xfrm>
         </p:spPr>
         <p:txBody>
@@ -1339,9 +1348,7 @@
               <a:buNone/>
               <a:defRPr sz="2400">
                 <a:solidFill>
-                  <a:schemeClr val="tx1">
-                    <a:tint val="75000"/>
-                  </a:schemeClr>
+                  <a:schemeClr val="tx1"/>
                 </a:solidFill>
               </a:defRPr>
             </a:lvl1pPr>
@@ -1437,7 +1444,7 @@
       </p:sp>
       <p:sp>
         <p:nvSpPr>
-          <p:cNvPr id="4" name="Дата 3"/>
+          <p:cNvPr id="4" name="Date Placeholder 3"/>
           <p:cNvSpPr>
             <a:spLocks noGrp="1"/>
           </p:cNvSpPr>
@@ -1450,9 +1457,9 @@
           <a:bodyPr/>
           <a:lstStyle/>
           <a:p>
-            <a:fld id="{D6EDC46C-3679-4253-B794-398CEDD1DA12}" type="datetimeFigureOut">
-              <a:rPr lang="ru-RU" smtClean="0"/>
-              <a:t>11.02.2018</a:t>
+            <a:fld id="{56161664-82EA-4B43-A86F-99793E0C0766}" type="datetime1">
+              <a:rPr lang="ru-RU" smtClean="0"/>
+              <a:t>12.02.2018</a:t>
             </a:fld>
             <a:endParaRPr lang="ru-RU"/>
           </a:p>
@@ -1460,7 +1467,7 @@
       </p:sp>
       <p:sp>
         <p:nvSpPr>
-          <p:cNvPr id="5" name="Нижний колонтитул 4"/>
+          <p:cNvPr id="5" name="Footer Placeholder 4"/>
           <p:cNvSpPr>
             <a:spLocks noGrp="1"/>
           </p:cNvSpPr>
@@ -1479,7 +1486,7 @@
       </p:sp>
       <p:sp>
         <p:nvSpPr>
-          <p:cNvPr id="6" name="Номер слайда 5"/>
+          <p:cNvPr id="6" name="Slide Number Placeholder 5"/>
           <p:cNvSpPr>
             <a:spLocks noGrp="1"/>
           </p:cNvSpPr>
@@ -1503,7 +1510,7 @@
     </p:spTree>
     <p:extLst>
       <p:ext uri="{BB962C8B-B14F-4D97-AF65-F5344CB8AC3E}">
-        <p14:creationId xmlns:p14="http://schemas.microsoft.com/office/powerpoint/2010/main" val="2916712158"/>
+        <p14:creationId xmlns:p14="http://schemas.microsoft.com/office/powerpoint/2010/main" val="3152412460"/>
       </p:ext>
     </p:extLst>
   </p:cSld>
@@ -1532,7 +1539,7 @@
       </p:grpSpPr>
       <p:sp>
         <p:nvSpPr>
-          <p:cNvPr id="2" name="Заголовок 1"/>
+          <p:cNvPr id="2" name="Title 1"/>
           <p:cNvSpPr>
             <a:spLocks noGrp="1"/>
           </p:cNvSpPr>
@@ -1549,13 +1556,13 @@
               <a:rPr lang="ru-RU" smtClean="0"/>
               <a:t>Образец заголовка</a:t>
             </a:r>
-            <a:endParaRPr lang="ru-RU"/>
-          </a:p>
-        </p:txBody>
-      </p:sp>
-      <p:sp>
-        <p:nvSpPr>
-          <p:cNvPr id="3" name="Объект 2"/>
+            <a:endParaRPr lang="en-US" dirty="0"/>
+          </a:p>
+        </p:txBody>
+      </p:sp>
+      <p:sp>
+        <p:nvSpPr>
+          <p:cNvPr id="3" name="Content Placeholder 2"/>
           <p:cNvSpPr>
             <a:spLocks noGrp="1"/>
           </p:cNvSpPr>
@@ -1565,8 +1572,8 @@
         </p:nvSpPr>
         <p:spPr>
           <a:xfrm>
-            <a:off x="838200" y="1825625"/>
-            <a:ext cx="5181600" cy="4351338"/>
+            <a:off x="628650" y="1825625"/>
+            <a:ext cx="3886200" cy="4351338"/>
           </a:xfrm>
         </p:spPr>
         <p:txBody>
@@ -1606,13 +1613,13 @@
               <a:rPr lang="ru-RU" smtClean="0"/>
               <a:t>Пятый уровень</a:t>
             </a:r>
-            <a:endParaRPr lang="ru-RU"/>
-          </a:p>
-        </p:txBody>
-      </p:sp>
-      <p:sp>
-        <p:nvSpPr>
-          <p:cNvPr id="4" name="Объект 3"/>
+            <a:endParaRPr lang="en-US" dirty="0"/>
+          </a:p>
+        </p:txBody>
+      </p:sp>
+      <p:sp>
+        <p:nvSpPr>
+          <p:cNvPr id="4" name="Content Placeholder 3"/>
           <p:cNvSpPr>
             <a:spLocks noGrp="1"/>
           </p:cNvSpPr>
@@ -1622,8 +1629,8 @@
         </p:nvSpPr>
         <p:spPr>
           <a:xfrm>
-            <a:off x="6172200" y="1825625"/>
-            <a:ext cx="5181600" cy="4351338"/>
+            <a:off x="4629150" y="1825625"/>
+            <a:ext cx="3886200" cy="4351338"/>
           </a:xfrm>
         </p:spPr>
         <p:txBody>
@@ -1663,13 +1670,13 @@
               <a:rPr lang="ru-RU" smtClean="0"/>
               <a:t>Пятый уровень</a:t>
             </a:r>
-            <a:endParaRPr lang="ru-RU"/>
-          </a:p>
-        </p:txBody>
-      </p:sp>
-      <p:sp>
-        <p:nvSpPr>
-          <p:cNvPr id="5" name="Дата 4"/>
+            <a:endParaRPr lang="en-US" dirty="0"/>
+          </a:p>
+        </p:txBody>
+      </p:sp>
+      <p:sp>
+        <p:nvSpPr>
+          <p:cNvPr id="5" name="Date Placeholder 4"/>
           <p:cNvSpPr>
             <a:spLocks noGrp="1"/>
           </p:cNvSpPr>
@@ -1682,9 +1689,9 @@
           <a:bodyPr/>
           <a:lstStyle/>
           <a:p>
-            <a:fld id="{D6EDC46C-3679-4253-B794-398CEDD1DA12}" type="datetimeFigureOut">
-              <a:rPr lang="ru-RU" smtClean="0"/>
-              <a:t>11.02.2018</a:t>
+            <a:fld id="{64DE9A3D-5A38-4B55-BDB2-48CF755714FC}" type="datetime1">
+              <a:rPr lang="ru-RU" smtClean="0"/>
+              <a:t>12.02.2018</a:t>
             </a:fld>
             <a:endParaRPr lang="ru-RU"/>
           </a:p>
@@ -1692,7 +1699,7 @@
       </p:sp>
       <p:sp>
         <p:nvSpPr>
-          <p:cNvPr id="6" name="Нижний колонтитул 5"/>
+          <p:cNvPr id="6" name="Footer Placeholder 5"/>
           <p:cNvSpPr>
             <a:spLocks noGrp="1"/>
           </p:cNvSpPr>
@@ -1711,7 +1718,7 @@
       </p:sp>
       <p:sp>
         <p:nvSpPr>
-          <p:cNvPr id="7" name="Номер слайда 6"/>
+          <p:cNvPr id="7" name="Slide Number Placeholder 6"/>
           <p:cNvSpPr>
             <a:spLocks noGrp="1"/>
           </p:cNvSpPr>
@@ -1735,7 +1742,7 @@
     </p:spTree>
     <p:extLst>
       <p:ext uri="{BB962C8B-B14F-4D97-AF65-F5344CB8AC3E}">
-        <p14:creationId xmlns:p14="http://schemas.microsoft.com/office/powerpoint/2010/main" val="1961390833"/>
+        <p14:creationId xmlns:p14="http://schemas.microsoft.com/office/powerpoint/2010/main" val="1239563403"/>
       </p:ext>
     </p:extLst>
   </p:cSld>
@@ -1764,7 +1771,7 @@
       </p:grpSpPr>
       <p:sp>
         <p:nvSpPr>
-          <p:cNvPr id="2" name="Заголовок 1"/>
+          <p:cNvPr id="2" name="Title 1"/>
           <p:cNvSpPr>
             <a:spLocks noGrp="1"/>
           </p:cNvSpPr>
@@ -1774,8 +1781,8 @@
         </p:nvSpPr>
         <p:spPr>
           <a:xfrm>
-            <a:off x="839788" y="365125"/>
-            <a:ext cx="10515600" cy="1325563"/>
+            <a:off x="629841" y="365126"/>
+            <a:ext cx="7886700" cy="1325563"/>
           </a:xfrm>
         </p:spPr>
         <p:txBody>
@@ -1786,13 +1793,13 @@
               <a:rPr lang="ru-RU" smtClean="0"/>
               <a:t>Образец заголовка</a:t>
             </a:r>
-            <a:endParaRPr lang="ru-RU"/>
-          </a:p>
-        </p:txBody>
-      </p:sp>
-      <p:sp>
-        <p:nvSpPr>
-          <p:cNvPr id="3" name="Текст 2"/>
+            <a:endParaRPr lang="en-US" dirty="0"/>
+          </a:p>
+        </p:txBody>
+      </p:sp>
+      <p:sp>
+        <p:nvSpPr>
+          <p:cNvPr id="3" name="Text Placeholder 2"/>
           <p:cNvSpPr>
             <a:spLocks noGrp="1"/>
           </p:cNvSpPr>
@@ -1802,8 +1809,8 @@
         </p:nvSpPr>
         <p:spPr>
           <a:xfrm>
-            <a:off x="839788" y="1681163"/>
-            <a:ext cx="5157787" cy="823912"/>
+            <a:off x="629842" y="1681163"/>
+            <a:ext cx="3868340" cy="823912"/>
           </a:xfrm>
         </p:spPr>
         <p:txBody>
@@ -1857,7 +1864,7 @@
       </p:sp>
       <p:sp>
         <p:nvSpPr>
-          <p:cNvPr id="4" name="Объект 3"/>
+          <p:cNvPr id="4" name="Content Placeholder 3"/>
           <p:cNvSpPr>
             <a:spLocks noGrp="1"/>
           </p:cNvSpPr>
@@ -1867,8 +1874,8 @@
         </p:nvSpPr>
         <p:spPr>
           <a:xfrm>
-            <a:off x="839788" y="2505075"/>
-            <a:ext cx="5157787" cy="3684588"/>
+            <a:off x="629842" y="2505075"/>
+            <a:ext cx="3868340" cy="3684588"/>
           </a:xfrm>
         </p:spPr>
         <p:txBody>
@@ -1908,13 +1915,13 @@
               <a:rPr lang="ru-RU" smtClean="0"/>
               <a:t>Пятый уровень</a:t>
             </a:r>
-            <a:endParaRPr lang="ru-RU"/>
-          </a:p>
-        </p:txBody>
-      </p:sp>
-      <p:sp>
-        <p:nvSpPr>
-          <p:cNvPr id="5" name="Текст 4"/>
+            <a:endParaRPr lang="en-US" dirty="0"/>
+          </a:p>
+        </p:txBody>
+      </p:sp>
+      <p:sp>
+        <p:nvSpPr>
+          <p:cNvPr id="5" name="Text Placeholder 4"/>
           <p:cNvSpPr>
             <a:spLocks noGrp="1"/>
           </p:cNvSpPr>
@@ -1924,8 +1931,8 @@
         </p:nvSpPr>
         <p:spPr>
           <a:xfrm>
-            <a:off x="6172200" y="1681163"/>
-            <a:ext cx="5183188" cy="823912"/>
+            <a:off x="4629150" y="1681163"/>
+            <a:ext cx="3887391" cy="823912"/>
           </a:xfrm>
         </p:spPr>
         <p:txBody>
@@ -1979,7 +1986,7 @@
       </p:sp>
       <p:sp>
         <p:nvSpPr>
-          <p:cNvPr id="6" name="Объект 5"/>
+          <p:cNvPr id="6" name="Content Placeholder 5"/>
           <p:cNvSpPr>
             <a:spLocks noGrp="1"/>
           </p:cNvSpPr>
@@ -1989,8 +1996,8 @@
         </p:nvSpPr>
         <p:spPr>
           <a:xfrm>
-            <a:off x="6172200" y="2505075"/>
-            <a:ext cx="5183188" cy="3684588"/>
+            <a:off x="4629150" y="2505075"/>
+            <a:ext cx="3887391" cy="3684588"/>
           </a:xfrm>
         </p:spPr>
         <p:txBody>
@@ -2030,13 +2037,13 @@
               <a:rPr lang="ru-RU" smtClean="0"/>
               <a:t>Пятый уровень</a:t>
             </a:r>
-            <a:endParaRPr lang="ru-RU"/>
-          </a:p>
-        </p:txBody>
-      </p:sp>
-      <p:sp>
-        <p:nvSpPr>
-          <p:cNvPr id="7" name="Дата 6"/>
+            <a:endParaRPr lang="en-US" dirty="0"/>
+          </a:p>
+        </p:txBody>
+      </p:sp>
+      <p:sp>
+        <p:nvSpPr>
+          <p:cNvPr id="7" name="Date Placeholder 6"/>
           <p:cNvSpPr>
             <a:spLocks noGrp="1"/>
           </p:cNvSpPr>
@@ -2049,9 +2056,9 @@
           <a:bodyPr/>
           <a:lstStyle/>
           <a:p>
-            <a:fld id="{D6EDC46C-3679-4253-B794-398CEDD1DA12}" type="datetimeFigureOut">
-              <a:rPr lang="ru-RU" smtClean="0"/>
-              <a:t>11.02.2018</a:t>
+            <a:fld id="{FB2ACDA3-1F57-498F-B810-FF578C6931D3}" type="datetime1">
+              <a:rPr lang="ru-RU" smtClean="0"/>
+              <a:t>12.02.2018</a:t>
             </a:fld>
             <a:endParaRPr lang="ru-RU"/>
           </a:p>
@@ -2059,7 +2066,7 @@
       </p:sp>
       <p:sp>
         <p:nvSpPr>
-          <p:cNvPr id="8" name="Нижний колонтитул 7"/>
+          <p:cNvPr id="8" name="Footer Placeholder 7"/>
           <p:cNvSpPr>
             <a:spLocks noGrp="1"/>
           </p:cNvSpPr>
@@ -2078,7 +2085,7 @@
       </p:sp>
       <p:sp>
         <p:nvSpPr>
-          <p:cNvPr id="9" name="Номер слайда 8"/>
+          <p:cNvPr id="9" name="Slide Number Placeholder 8"/>
           <p:cNvSpPr>
             <a:spLocks noGrp="1"/>
           </p:cNvSpPr>
@@ -2102,7 +2109,7 @@
     </p:spTree>
     <p:extLst>
       <p:ext uri="{BB962C8B-B14F-4D97-AF65-F5344CB8AC3E}">
-        <p14:creationId xmlns:p14="http://schemas.microsoft.com/office/powerpoint/2010/main" val="2391681870"/>
+        <p14:creationId xmlns:p14="http://schemas.microsoft.com/office/powerpoint/2010/main" val="4283104423"/>
       </p:ext>
     </p:extLst>
   </p:cSld>
@@ -2131,7 +2138,7 @@
       </p:grpSpPr>
       <p:sp>
         <p:nvSpPr>
-          <p:cNvPr id="2" name="Заголовок 1"/>
+          <p:cNvPr id="2" name="Title 1"/>
           <p:cNvSpPr>
             <a:spLocks noGrp="1"/>
           </p:cNvSpPr>
@@ -2148,13 +2155,13 @@
               <a:rPr lang="ru-RU" smtClean="0"/>
               <a:t>Образец заголовка</a:t>
             </a:r>
-            <a:endParaRPr lang="ru-RU"/>
-          </a:p>
-        </p:txBody>
-      </p:sp>
-      <p:sp>
-        <p:nvSpPr>
-          <p:cNvPr id="3" name="Дата 2"/>
+            <a:endParaRPr lang="en-US" dirty="0"/>
+          </a:p>
+        </p:txBody>
+      </p:sp>
+      <p:sp>
+        <p:nvSpPr>
+          <p:cNvPr id="3" name="Date Placeholder 2"/>
           <p:cNvSpPr>
             <a:spLocks noGrp="1"/>
           </p:cNvSpPr>
@@ -2167,9 +2174,9 @@
           <a:bodyPr/>
           <a:lstStyle/>
           <a:p>
-            <a:fld id="{D6EDC46C-3679-4253-B794-398CEDD1DA12}" type="datetimeFigureOut">
-              <a:rPr lang="ru-RU" smtClean="0"/>
-              <a:t>11.02.2018</a:t>
+            <a:fld id="{967601B1-7F02-401F-AF97-70B534B2321A}" type="datetime1">
+              <a:rPr lang="ru-RU" smtClean="0"/>
+              <a:t>12.02.2018</a:t>
             </a:fld>
             <a:endParaRPr lang="ru-RU"/>
           </a:p>
@@ -2177,7 +2184,7 @@
       </p:sp>
       <p:sp>
         <p:nvSpPr>
-          <p:cNvPr id="4" name="Нижний колонтитул 3"/>
+          <p:cNvPr id="4" name="Footer Placeholder 3"/>
           <p:cNvSpPr>
             <a:spLocks noGrp="1"/>
           </p:cNvSpPr>
@@ -2196,7 +2203,7 @@
       </p:sp>
       <p:sp>
         <p:nvSpPr>
-          <p:cNvPr id="5" name="Номер слайда 4"/>
+          <p:cNvPr id="5" name="Slide Number Placeholder 4"/>
           <p:cNvSpPr>
             <a:spLocks noGrp="1"/>
           </p:cNvSpPr>
@@ -2220,7 +2227,7 @@
     </p:spTree>
     <p:extLst>
       <p:ext uri="{BB962C8B-B14F-4D97-AF65-F5344CB8AC3E}">
-        <p14:creationId xmlns:p14="http://schemas.microsoft.com/office/powerpoint/2010/main" val="2856748364"/>
+        <p14:creationId xmlns:p14="http://schemas.microsoft.com/office/powerpoint/2010/main" val="824591325"/>
       </p:ext>
     </p:extLst>
   </p:cSld>
@@ -2249,7 +2256,7 @@
       </p:grpSpPr>
       <p:sp>
         <p:nvSpPr>
-          <p:cNvPr id="2" name="Дата 1"/>
+          <p:cNvPr id="2" name="Date Placeholder 1"/>
           <p:cNvSpPr>
             <a:spLocks noGrp="1"/>
           </p:cNvSpPr>
@@ -2262,9 +2269,9 @@
           <a:bodyPr/>
           <a:lstStyle/>
           <a:p>
-            <a:fld id="{D6EDC46C-3679-4253-B794-398CEDD1DA12}" type="datetimeFigureOut">
-              <a:rPr lang="ru-RU" smtClean="0"/>
-              <a:t>11.02.2018</a:t>
+            <a:fld id="{738E77A5-ED5A-47AE-B3EA-DDE409254854}" type="datetime1">
+              <a:rPr lang="ru-RU" smtClean="0"/>
+              <a:t>12.02.2018</a:t>
             </a:fld>
             <a:endParaRPr lang="ru-RU"/>
           </a:p>
@@ -2272,7 +2279,7 @@
       </p:sp>
       <p:sp>
         <p:nvSpPr>
-          <p:cNvPr id="3" name="Нижний колонтитул 2"/>
+          <p:cNvPr id="3" name="Footer Placeholder 2"/>
           <p:cNvSpPr>
             <a:spLocks noGrp="1"/>
           </p:cNvSpPr>
@@ -2291,7 +2298,7 @@
       </p:sp>
       <p:sp>
         <p:nvSpPr>
-          <p:cNvPr id="4" name="Номер слайда 3"/>
+          <p:cNvPr id="4" name="Slide Number Placeholder 3"/>
           <p:cNvSpPr>
             <a:spLocks noGrp="1"/>
           </p:cNvSpPr>
@@ -2315,7 +2322,7 @@
     </p:spTree>
     <p:extLst>
       <p:ext uri="{BB962C8B-B14F-4D97-AF65-F5344CB8AC3E}">
-        <p14:creationId xmlns:p14="http://schemas.microsoft.com/office/powerpoint/2010/main" val="1180080881"/>
+        <p14:creationId xmlns:p14="http://schemas.microsoft.com/office/powerpoint/2010/main" val="3469959343"/>
       </p:ext>
     </p:extLst>
   </p:cSld>
@@ -2344,7 +2351,7 @@
       </p:grpSpPr>
       <p:sp>
         <p:nvSpPr>
-          <p:cNvPr id="2" name="Заголовок 1"/>
+          <p:cNvPr id="2" name="Title 1"/>
           <p:cNvSpPr>
             <a:spLocks noGrp="1"/>
           </p:cNvSpPr>
@@ -2354,8 +2361,8 @@
         </p:nvSpPr>
         <p:spPr>
           <a:xfrm>
-            <a:off x="839788" y="457200"/>
-            <a:ext cx="3932237" cy="1600200"/>
+            <a:off x="629841" y="457200"/>
+            <a:ext cx="2949178" cy="1600200"/>
           </a:xfrm>
         </p:spPr>
         <p:txBody>
@@ -2370,13 +2377,13 @@
               <a:rPr lang="ru-RU" smtClean="0"/>
               <a:t>Образец заголовка</a:t>
             </a:r>
-            <a:endParaRPr lang="ru-RU"/>
-          </a:p>
-        </p:txBody>
-      </p:sp>
-      <p:sp>
-        <p:nvSpPr>
-          <p:cNvPr id="3" name="Объект 2"/>
+            <a:endParaRPr lang="en-US" dirty="0"/>
+          </a:p>
+        </p:txBody>
+      </p:sp>
+      <p:sp>
+        <p:nvSpPr>
+          <p:cNvPr id="3" name="Content Placeholder 2"/>
           <p:cNvSpPr>
             <a:spLocks noGrp="1"/>
           </p:cNvSpPr>
@@ -2386,8 +2393,8 @@
         </p:nvSpPr>
         <p:spPr>
           <a:xfrm>
-            <a:off x="5183188" y="987425"/>
-            <a:ext cx="6172200" cy="4873625"/>
+            <a:off x="3887391" y="987426"/>
+            <a:ext cx="4629150" cy="4873625"/>
           </a:xfrm>
         </p:spPr>
         <p:txBody>
@@ -2455,13 +2462,13 @@
               <a:rPr lang="ru-RU" smtClean="0"/>
               <a:t>Пятый уровень</a:t>
             </a:r>
-            <a:endParaRPr lang="ru-RU"/>
-          </a:p>
-        </p:txBody>
-      </p:sp>
-      <p:sp>
-        <p:nvSpPr>
-          <p:cNvPr id="4" name="Текст 3"/>
+            <a:endParaRPr lang="en-US" dirty="0"/>
+          </a:p>
+        </p:txBody>
+      </p:sp>
+      <p:sp>
+        <p:nvSpPr>
+          <p:cNvPr id="4" name="Text Placeholder 3"/>
           <p:cNvSpPr>
             <a:spLocks noGrp="1"/>
           </p:cNvSpPr>
@@ -2471,8 +2478,8 @@
         </p:nvSpPr>
         <p:spPr>
           <a:xfrm>
-            <a:off x="839788" y="2057400"/>
-            <a:ext cx="3932237" cy="3811588"/>
+            <a:off x="629841" y="2057400"/>
+            <a:ext cx="2949178" cy="3811588"/>
           </a:xfrm>
         </p:spPr>
         <p:txBody>
@@ -2526,7 +2533,7 @@
       </p:sp>
       <p:sp>
         <p:nvSpPr>
-          <p:cNvPr id="5" name="Дата 4"/>
+          <p:cNvPr id="5" name="Date Placeholder 4"/>
           <p:cNvSpPr>
             <a:spLocks noGrp="1"/>
           </p:cNvSpPr>
@@ -2539,9 +2546,9 @@
           <a:bodyPr/>
           <a:lstStyle/>
           <a:p>
-            <a:fld id="{D6EDC46C-3679-4253-B794-398CEDD1DA12}" type="datetimeFigureOut">
-              <a:rPr lang="ru-RU" smtClean="0"/>
-              <a:t>11.02.2018</a:t>
+            <a:fld id="{10397197-E024-4685-8FF6-54477D15AC12}" type="datetime1">
+              <a:rPr lang="ru-RU" smtClean="0"/>
+              <a:t>12.02.2018</a:t>
             </a:fld>
             <a:endParaRPr lang="ru-RU"/>
           </a:p>
@@ -2549,7 +2556,7 @@
       </p:sp>
       <p:sp>
         <p:nvSpPr>
-          <p:cNvPr id="6" name="Нижний колонтитул 5"/>
+          <p:cNvPr id="6" name="Footer Placeholder 5"/>
           <p:cNvSpPr>
             <a:spLocks noGrp="1"/>
           </p:cNvSpPr>
@@ -2568,7 +2575,7 @@
       </p:sp>
       <p:sp>
         <p:nvSpPr>
-          <p:cNvPr id="7" name="Номер слайда 6"/>
+          <p:cNvPr id="7" name="Slide Number Placeholder 6"/>
           <p:cNvSpPr>
             <a:spLocks noGrp="1"/>
           </p:cNvSpPr>
@@ -2592,7 +2599,7 @@
     </p:spTree>
     <p:extLst>
       <p:ext uri="{BB962C8B-B14F-4D97-AF65-F5344CB8AC3E}">
-        <p14:creationId xmlns:p14="http://schemas.microsoft.com/office/powerpoint/2010/main" val="1526531253"/>
+        <p14:creationId xmlns:p14="http://schemas.microsoft.com/office/powerpoint/2010/main" val="1206309364"/>
       </p:ext>
     </p:extLst>
   </p:cSld>
@@ -2621,7 +2628,7 @@
       </p:grpSpPr>
       <p:sp>
         <p:nvSpPr>
-          <p:cNvPr id="2" name="Заголовок 1"/>
+          <p:cNvPr id="2" name="Title 1"/>
           <p:cNvSpPr>
             <a:spLocks noGrp="1"/>
           </p:cNvSpPr>
@@ -2631,8 +2638,8 @@
         </p:nvSpPr>
         <p:spPr>
           <a:xfrm>
-            <a:off x="839788" y="457200"/>
-            <a:ext cx="3932237" cy="1600200"/>
+            <a:off x="629841" y="457200"/>
+            <a:ext cx="2949178" cy="1600200"/>
           </a:xfrm>
         </p:spPr>
         <p:txBody>
@@ -2647,15 +2654,15 @@
               <a:rPr lang="ru-RU" smtClean="0"/>
               <a:t>Образец заголовка</a:t>
             </a:r>
-            <a:endParaRPr lang="ru-RU"/>
-          </a:p>
-        </p:txBody>
-      </p:sp>
-      <p:sp>
-        <p:nvSpPr>
-          <p:cNvPr id="3" name="Рисунок 2"/>
-          <p:cNvSpPr>
-            <a:spLocks noGrp="1"/>
+            <a:endParaRPr lang="en-US" dirty="0"/>
+          </a:p>
+        </p:txBody>
+      </p:sp>
+      <p:sp>
+        <p:nvSpPr>
+          <p:cNvPr id="3" name="Picture Placeholder 2"/>
+          <p:cNvSpPr>
+            <a:spLocks noGrp="1" noChangeAspect="1"/>
           </p:cNvSpPr>
           <p:nvPr>
             <p:ph type="pic" idx="1"/>
@@ -2663,12 +2670,12 @@
         </p:nvSpPr>
         <p:spPr>
           <a:xfrm>
-            <a:off x="5183188" y="987425"/>
-            <a:ext cx="6172200" cy="4873625"/>
+            <a:off x="3887391" y="987426"/>
+            <a:ext cx="4629150" cy="4873625"/>
           </a:xfrm>
         </p:spPr>
         <p:txBody>
-          <a:bodyPr/>
+          <a:bodyPr anchor="t"/>
           <a:lstStyle>
             <a:lvl1pPr marL="0" indent="0">
               <a:buNone/>
@@ -2708,13 +2715,17 @@
             </a:lvl9pPr>
           </a:lstStyle>
           <a:p>
-            <a:endParaRPr lang="ru-RU"/>
-          </a:p>
-        </p:txBody>
-      </p:sp>
-      <p:sp>
-        <p:nvSpPr>
-          <p:cNvPr id="4" name="Текст 3"/>
+            <a:r>
+              <a:rPr lang="ru-RU" smtClean="0"/>
+              <a:t>Вставка рисунка</a:t>
+            </a:r>
+            <a:endParaRPr lang="en-US" dirty="0"/>
+          </a:p>
+        </p:txBody>
+      </p:sp>
+      <p:sp>
+        <p:nvSpPr>
+          <p:cNvPr id="4" name="Text Placeholder 3"/>
           <p:cNvSpPr>
             <a:spLocks noGrp="1"/>
           </p:cNvSpPr>
@@ -2724,8 +2735,8 @@
         </p:nvSpPr>
         <p:spPr>
           <a:xfrm>
-            <a:off x="839788" y="2057400"/>
-            <a:ext cx="3932237" cy="3811588"/>
+            <a:off x="629841" y="2057400"/>
+            <a:ext cx="2949178" cy="3811588"/>
           </a:xfrm>
         </p:spPr>
         <p:txBody>
@@ -2779,7 +2790,7 @@
       </p:sp>
       <p:sp>
         <p:nvSpPr>
-          <p:cNvPr id="5" name="Дата 4"/>
+          <p:cNvPr id="5" name="Date Placeholder 4"/>
           <p:cNvSpPr>
             <a:spLocks noGrp="1"/>
           </p:cNvSpPr>
@@ -2792,9 +2803,9 @@
           <a:bodyPr/>
           <a:lstStyle/>
           <a:p>
-            <a:fld id="{D6EDC46C-3679-4253-B794-398CEDD1DA12}" type="datetimeFigureOut">
-              <a:rPr lang="ru-RU" smtClean="0"/>
-              <a:t>11.02.2018</a:t>
+            <a:fld id="{E73EFA14-FF8B-4A6B-8162-006F02557ABA}" type="datetime1">
+              <a:rPr lang="ru-RU" smtClean="0"/>
+              <a:t>12.02.2018</a:t>
             </a:fld>
             <a:endParaRPr lang="ru-RU"/>
           </a:p>
@@ -2802,7 +2813,7 @@
       </p:sp>
       <p:sp>
         <p:nvSpPr>
-          <p:cNvPr id="6" name="Нижний колонтитул 5"/>
+          <p:cNvPr id="6" name="Footer Placeholder 5"/>
           <p:cNvSpPr>
             <a:spLocks noGrp="1"/>
           </p:cNvSpPr>
@@ -2821,7 +2832,7 @@
       </p:sp>
       <p:sp>
         <p:nvSpPr>
-          <p:cNvPr id="7" name="Номер слайда 6"/>
+          <p:cNvPr id="7" name="Slide Number Placeholder 6"/>
           <p:cNvSpPr>
             <a:spLocks noGrp="1"/>
           </p:cNvSpPr>
@@ -2845,7 +2856,7 @@
     </p:spTree>
     <p:extLst>
       <p:ext uri="{BB962C8B-B14F-4D97-AF65-F5344CB8AC3E}">
-        <p14:creationId xmlns:p14="http://schemas.microsoft.com/office/powerpoint/2010/main" val="233838591"/>
+        <p14:creationId xmlns:p14="http://schemas.microsoft.com/office/powerpoint/2010/main" val="3970150567"/>
       </p:ext>
     </p:extLst>
   </p:cSld>
@@ -2879,7 +2890,7 @@
       </p:grpSpPr>
       <p:sp>
         <p:nvSpPr>
-          <p:cNvPr id="2" name="Заголовок 1"/>
+          <p:cNvPr id="2" name="Title Placeholder 1"/>
           <p:cNvSpPr>
             <a:spLocks noGrp="1"/>
           </p:cNvSpPr>
@@ -2889,8 +2900,8 @@
         </p:nvSpPr>
         <p:spPr>
           <a:xfrm>
-            <a:off x="838200" y="365125"/>
-            <a:ext cx="10515600" cy="1325563"/>
+            <a:off x="628650" y="365126"/>
+            <a:ext cx="7886700" cy="1325563"/>
           </a:xfrm>
           <a:prstGeom prst="rect">
             <a:avLst/>
@@ -2906,13 +2917,13 @@
               <a:rPr lang="ru-RU" smtClean="0"/>
               <a:t>Образец заголовка</a:t>
             </a:r>
-            <a:endParaRPr lang="ru-RU"/>
-          </a:p>
-        </p:txBody>
-      </p:sp>
-      <p:sp>
-        <p:nvSpPr>
-          <p:cNvPr id="3" name="Текст 2"/>
+            <a:endParaRPr lang="en-US" dirty="0"/>
+          </a:p>
+        </p:txBody>
+      </p:sp>
+      <p:sp>
+        <p:nvSpPr>
+          <p:cNvPr id="3" name="Text Placeholder 2"/>
           <p:cNvSpPr>
             <a:spLocks noGrp="1"/>
           </p:cNvSpPr>
@@ -2922,8 +2933,8 @@
         </p:nvSpPr>
         <p:spPr>
           <a:xfrm>
-            <a:off x="838200" y="1825625"/>
-            <a:ext cx="10515600" cy="4351338"/>
+            <a:off x="628650" y="1825625"/>
+            <a:ext cx="7886700" cy="4351338"/>
           </a:xfrm>
           <a:prstGeom prst="rect">
             <a:avLst/>
@@ -2968,13 +2979,13 @@
               <a:rPr lang="ru-RU" smtClean="0"/>
               <a:t>Пятый уровень</a:t>
             </a:r>
-            <a:endParaRPr lang="ru-RU"/>
-          </a:p>
-        </p:txBody>
-      </p:sp>
-      <p:sp>
-        <p:nvSpPr>
-          <p:cNvPr id="4" name="Дата 3"/>
+            <a:endParaRPr lang="en-US" dirty="0"/>
+          </a:p>
+        </p:txBody>
+      </p:sp>
+      <p:sp>
+        <p:nvSpPr>
+          <p:cNvPr id="4" name="Date Placeholder 3"/>
           <p:cNvSpPr>
             <a:spLocks noGrp="1"/>
           </p:cNvSpPr>
@@ -2984,8 +2995,8 @@
         </p:nvSpPr>
         <p:spPr>
           <a:xfrm>
-            <a:off x="838200" y="6356350"/>
-            <a:ext cx="2743200" cy="365125"/>
+            <a:off x="628650" y="6356351"/>
+            <a:ext cx="2057400" cy="365125"/>
           </a:xfrm>
           <a:prstGeom prst="rect">
             <a:avLst/>
@@ -3005,9 +3016,9 @@
             </a:lvl1pPr>
           </a:lstStyle>
           <a:p>
-            <a:fld id="{D6EDC46C-3679-4253-B794-398CEDD1DA12}" type="datetimeFigureOut">
-              <a:rPr lang="ru-RU" smtClean="0"/>
-              <a:t>11.02.2018</a:t>
+            <a:fld id="{419AEEC5-6680-4ADB-A59F-95D4EDF513F7}" type="datetime1">
+              <a:rPr lang="ru-RU" smtClean="0"/>
+              <a:t>12.02.2018</a:t>
             </a:fld>
             <a:endParaRPr lang="ru-RU"/>
           </a:p>
@@ -3015,7 +3026,7 @@
       </p:sp>
       <p:sp>
         <p:nvSpPr>
-          <p:cNvPr id="5" name="Нижний колонтитул 4"/>
+          <p:cNvPr id="5" name="Footer Placeholder 4"/>
           <p:cNvSpPr>
             <a:spLocks noGrp="1"/>
           </p:cNvSpPr>
@@ -3025,8 +3036,8 @@
         </p:nvSpPr>
         <p:spPr>
           <a:xfrm>
-            <a:off x="4038600" y="6356350"/>
-            <a:ext cx="4114800" cy="365125"/>
+            <a:off x="3028950" y="6356351"/>
+            <a:ext cx="3086100" cy="365125"/>
           </a:xfrm>
           <a:prstGeom prst="rect">
             <a:avLst/>
@@ -3052,7 +3063,7 @@
       </p:sp>
       <p:sp>
         <p:nvSpPr>
-          <p:cNvPr id="6" name="Номер слайда 5"/>
+          <p:cNvPr id="6" name="Slide Number Placeholder 5"/>
           <p:cNvSpPr>
             <a:spLocks noGrp="1"/>
           </p:cNvSpPr>
@@ -3062,8 +3073,8 @@
         </p:nvSpPr>
         <p:spPr>
           <a:xfrm>
-            <a:off x="8610600" y="6356350"/>
-            <a:ext cx="2743200" cy="365125"/>
+            <a:off x="6457950" y="6356351"/>
+            <a:ext cx="2057400" cy="365125"/>
           </a:xfrm>
           <a:prstGeom prst="rect">
             <a:avLst/>
@@ -3094,24 +3105,25 @@
     </p:spTree>
     <p:extLst>
       <p:ext uri="{BB962C8B-B14F-4D97-AF65-F5344CB8AC3E}">
-        <p14:creationId xmlns:p14="http://schemas.microsoft.com/office/powerpoint/2010/main" val="3133727573"/>
+        <p14:creationId xmlns:p14="http://schemas.microsoft.com/office/powerpoint/2010/main" val="2102862751"/>
       </p:ext>
     </p:extLst>
   </p:cSld>
   <p:clrMap bg1="lt1" tx1="dk1" bg2="lt2" tx2="dk2" accent1="accent1" accent2="accent2" accent3="accent3" accent4="accent4" accent5="accent5" accent6="accent6" hlink="hlink" folHlink="folHlink"/>
   <p:sldLayoutIdLst>
-    <p:sldLayoutId id="2147483649" r:id="rId1"/>
-    <p:sldLayoutId id="2147483650" r:id="rId2"/>
-    <p:sldLayoutId id="2147483651" r:id="rId3"/>
-    <p:sldLayoutId id="2147483652" r:id="rId4"/>
-    <p:sldLayoutId id="2147483653" r:id="rId5"/>
-    <p:sldLayoutId id="2147483654" r:id="rId6"/>
-    <p:sldLayoutId id="2147483655" r:id="rId7"/>
-    <p:sldLayoutId id="2147483656" r:id="rId8"/>
-    <p:sldLayoutId id="2147483657" r:id="rId9"/>
-    <p:sldLayoutId id="2147483658" r:id="rId10"/>
-    <p:sldLayoutId id="2147483659" r:id="rId11"/>
+    <p:sldLayoutId id="2147483661" r:id="rId1"/>
+    <p:sldLayoutId id="2147483662" r:id="rId2"/>
+    <p:sldLayoutId id="2147483663" r:id="rId3"/>
+    <p:sldLayoutId id="2147483664" r:id="rId4"/>
+    <p:sldLayoutId id="2147483665" r:id="rId5"/>
+    <p:sldLayoutId id="2147483666" r:id="rId6"/>
+    <p:sldLayoutId id="2147483667" r:id="rId7"/>
+    <p:sldLayoutId id="2147483668" r:id="rId8"/>
+    <p:sldLayoutId id="2147483669" r:id="rId9"/>
+    <p:sldLayoutId id="2147483670" r:id="rId10"/>
+    <p:sldLayoutId id="2147483671" r:id="rId11"/>
   </p:sldLayoutIdLst>
+  <p:hf hdr="0" ftr="0" dt="0"/>
   <p:txStyles>
     <p:titleStyle>
       <a:lvl1pPr algn="l" defTabSz="914400" rtl="0" eaLnBrk="1" latinLnBrk="0" hangingPunct="1">
@@ -3298,7 +3310,7 @@
     </p:bodyStyle>
     <p:otherStyle>
       <a:defPPr>
-        <a:defRPr lang="ru-RU"/>
+        <a:defRPr lang="en-US"/>
       </a:defPPr>
       <a:lvl1pPr marL="0" algn="l" defTabSz="914400" rtl="0" eaLnBrk="1" latinLnBrk="0" hangingPunct="1">
         <a:defRPr sz="1800" kern="1200">
@@ -3424,13 +3436,13 @@
         </p:nvSpPr>
         <p:spPr>
           <a:xfrm>
-            <a:off x="375375" y="3153312"/>
-            <a:ext cx="11360151" cy="929218"/>
+            <a:off x="281532" y="3222234"/>
+            <a:ext cx="8520113" cy="696914"/>
           </a:xfrm>
         </p:spPr>
         <p:txBody>
           <a:bodyPr>
-            <a:normAutofit/>
+            <a:noAutofit/>
           </a:bodyPr>
           <a:lstStyle/>
           <a:p>
@@ -3483,7 +3495,7 @@
               <a:t>системы </a:t>
             </a:r>
             <a:r>
-              <a:rPr lang="en-US" sz="2400" dirty="0" err="1" smtClean="0">
+              <a:rPr lang="en-US" sz="2400" dirty="0" err="1">
                 <a:latin typeface="Times New Roman" panose="02020603050405020304" pitchFamily="18" charset="0"/>
                 <a:cs typeface="Times New Roman" panose="02020603050405020304" pitchFamily="18" charset="0"/>
               </a:rPr>
@@ -3508,12 +3520,14 @@
         </p:nvSpPr>
         <p:spPr>
           <a:xfrm>
-            <a:off x="8451852" y="4815417"/>
-            <a:ext cx="3549649" cy="1456267"/>
+            <a:off x="6297325" y="5183707"/>
+            <a:ext cx="2662237" cy="1092200"/>
           </a:xfrm>
         </p:spPr>
         <p:txBody>
-          <a:bodyPr/>
+          <a:bodyPr>
+            <a:normAutofit/>
+          </a:bodyPr>
           <a:lstStyle/>
           <a:p>
             <a:pPr eaLnBrk="1" hangingPunct="1">
@@ -3528,7 +3542,7 @@
               </a:buClr>
             </a:pPr>
             <a:r>
-              <a:rPr lang="ru-RU" dirty="0" smtClean="0">
+              <a:rPr lang="ru-RU" sz="2000" dirty="0" smtClean="0">
                 <a:solidFill>
                   <a:srgbClr val="595959"/>
                 </a:solidFill>
@@ -3538,7 +3552,7 @@
               </a:rPr>
               <a:t>Подготовил:</a:t>
             </a:r>
-            <a:endParaRPr lang="ru-RU" dirty="0">
+            <a:endParaRPr lang="ru-RU" sz="2000" dirty="0">
               <a:solidFill>
                 <a:srgbClr val="595959"/>
               </a:solidFill>
@@ -3560,7 +3574,7 @@
               </a:buClr>
             </a:pPr>
             <a:r>
-              <a:rPr lang="ru-RU" dirty="0" smtClean="0">
+              <a:rPr lang="ru-RU" sz="2000" dirty="0" smtClean="0">
                 <a:solidFill>
                   <a:srgbClr val="595959"/>
                 </a:solidFill>
@@ -3570,7 +3584,7 @@
               </a:rPr>
               <a:t>Николаев Денис</a:t>
             </a:r>
-            <a:endParaRPr lang="ru-RU" dirty="0">
+            <a:endParaRPr lang="ru-RU" sz="2000" dirty="0">
               <a:solidFill>
                 <a:srgbClr val="595959"/>
               </a:solidFill>
@@ -3592,7 +3606,7 @@
               </a:buClr>
             </a:pPr>
             <a:r>
-              <a:rPr lang="ru-RU" dirty="0">
+              <a:rPr lang="ru-RU" sz="2000" dirty="0">
                 <a:solidFill>
                   <a:srgbClr val="595959"/>
                 </a:solidFill>
@@ -3615,8 +3629,8 @@
         </p:nvSpPr>
         <p:spPr bwMode="auto">
           <a:xfrm>
-            <a:off x="480485" y="0"/>
-            <a:ext cx="11711516" cy="1517651"/>
+            <a:off x="360363" y="0"/>
+            <a:ext cx="8783637" cy="1138238"/>
           </a:xfrm>
           <a:prstGeom prst="rect">
             <a:avLst/>
@@ -3630,12 +3644,12 @@
           </a:ln>
         </p:spPr>
         <p:txBody>
-          <a:bodyPr lIns="121900" tIns="121900" rIns="121900" bIns="121900" anchor="ctr"/>
+          <a:bodyPr lIns="91425" tIns="91425" rIns="91425" bIns="91425" anchor="ctr"/>
           <a:lstStyle/>
           <a:p>
             <a:pPr algn="ctr"/>
             <a:r>
-              <a:rPr lang="ru-RU" sz="2400">
+              <a:rPr lang="ru-RU" sz="1600" dirty="0">
                 <a:latin typeface="Times New Roman" pitchFamily="18" charset="0"/>
                 <a:cs typeface="Times New Roman" pitchFamily="18" charset="0"/>
                 <a:sym typeface="Times New Roman" pitchFamily="18" charset="0"/>
@@ -3646,7 +3660,7 @@
           <a:p>
             <a:pPr algn="ctr"/>
             <a:r>
-              <a:rPr lang="ru-RU" sz="2400">
+              <a:rPr lang="ru-RU" sz="1600" dirty="0">
                 <a:latin typeface="Times New Roman" pitchFamily="18" charset="0"/>
                 <a:cs typeface="Times New Roman" pitchFamily="18" charset="0"/>
                 <a:sym typeface="Times New Roman" pitchFamily="18" charset="0"/>
@@ -3666,8 +3680,8 @@
         </p:nvSpPr>
         <p:spPr bwMode="auto">
           <a:xfrm>
-            <a:off x="0" y="789518"/>
-            <a:ext cx="12192000" cy="1983316"/>
+            <a:off x="120650" y="584461"/>
+            <a:ext cx="9144000" cy="1487487"/>
           </a:xfrm>
           <a:prstGeom prst="rect">
             <a:avLst/>
@@ -3681,12 +3695,12 @@
           </a:ln>
         </p:spPr>
         <p:txBody>
-          <a:bodyPr lIns="121900" tIns="121900" rIns="121900" bIns="121900" anchor="ctr"/>
+          <a:bodyPr lIns="91425" tIns="91425" rIns="91425" bIns="91425" anchor="ctr"/>
           <a:lstStyle/>
           <a:p>
             <a:pPr algn="ctr"/>
             <a:r>
-              <a:rPr lang="ru-RU" sz="2400" dirty="0">
+              <a:rPr lang="ru-RU" sz="1600" dirty="0">
                 <a:latin typeface="Times New Roman" pitchFamily="18" charset="0"/>
                 <a:cs typeface="Times New Roman" pitchFamily="18" charset="0"/>
                 <a:sym typeface="Times New Roman" pitchFamily="18" charset="0"/>
@@ -3697,7 +3711,7 @@
           <a:p>
             <a:pPr algn="ctr"/>
             <a:r>
-              <a:rPr lang="ru-RU" sz="2400" dirty="0">
+              <a:rPr lang="ru-RU" sz="1600" dirty="0">
                 <a:latin typeface="Times New Roman" pitchFamily="18" charset="0"/>
                 <a:cs typeface="Times New Roman" pitchFamily="18" charset="0"/>
                 <a:sym typeface="Times New Roman" pitchFamily="18" charset="0"/>
@@ -3708,7 +3722,7 @@
           <a:p>
             <a:pPr algn="ctr"/>
             <a:r>
-              <a:rPr lang="ru-RU" sz="2400" dirty="0">
+              <a:rPr lang="ru-RU" sz="1600" dirty="0">
                 <a:latin typeface="Times New Roman" pitchFamily="18" charset="0"/>
                 <a:cs typeface="Times New Roman" pitchFamily="18" charset="0"/>
                 <a:sym typeface="Times New Roman" pitchFamily="18" charset="0"/>
@@ -3735,8 +3749,8 @@
         </p:blipFill>
         <p:spPr bwMode="auto">
           <a:xfrm>
-            <a:off x="160867" y="349252"/>
-            <a:ext cx="1517651" cy="1517649"/>
+            <a:off x="120650" y="261938"/>
+            <a:ext cx="1138238" cy="1138237"/>
           </a:xfrm>
           <a:prstGeom prst="rect">
             <a:avLst/>
@@ -3760,6 +3774,13 @@
   <p:clrMapOvr>
     <a:masterClrMapping/>
   </p:clrMapOvr>
+  <p:timing>
+    <p:tnLst>
+      <p:par>
+        <p:cTn id="1" dur="indefinite" restart="never" nodeType="tmRoot"/>
+      </p:par>
+    </p:tnLst>
+  </p:timing>
 </p:sld>
 </file>
 
@@ -3780,36 +3801,6 @@
           <a:chExt cx="0" cy="0"/>
         </a:xfrm>
       </p:grpSpPr>
-      <p:sp>
-        <p:nvSpPr>
-          <p:cNvPr id="2" name="Заголовок 1"/>
-          <p:cNvSpPr>
-            <a:spLocks noGrp="1"/>
-          </p:cNvSpPr>
-          <p:nvPr>
-            <p:ph type="title"/>
-          </p:nvPr>
-        </p:nvSpPr>
-        <p:spPr/>
-        <p:txBody>
-          <a:bodyPr/>
-          <a:lstStyle/>
-          <a:p>
-            <a:r>
-              <a:rPr lang="ru-RU" dirty="0"/>
-              <a:t>Диаграмма компонентов</a:t>
-            </a:r>
-            <a:r>
-              <a:rPr lang="ru-RU" b="1" dirty="0"/>
-              <a:t/>
-            </a:r>
-            <a:br>
-              <a:rPr lang="ru-RU" b="1" dirty="0"/>
-            </a:br>
-            <a:endParaRPr lang="ru-RU" dirty="0"/>
-          </a:p>
-        </p:txBody>
-      </p:sp>
       <p:pic>
         <p:nvPicPr>
           <p:cNvPr id="4" name="Объект 3"/>
@@ -3828,14 +3819,96 @@
         </p:blipFill>
         <p:spPr>
           <a:xfrm>
-            <a:off x="3604360" y="1189270"/>
-            <a:ext cx="4983279" cy="5490932"/>
+            <a:off x="2703271" y="1749203"/>
+            <a:ext cx="3737459" cy="4118199"/>
           </a:xfrm>
           <a:prstGeom prst="rect">
             <a:avLst/>
           </a:prstGeom>
         </p:spPr>
       </p:pic>
+      <p:sp>
+        <p:nvSpPr>
+          <p:cNvPr id="3" name="Номер слайда 2"/>
+          <p:cNvSpPr>
+            <a:spLocks noGrp="1"/>
+          </p:cNvSpPr>
+          <p:nvPr>
+            <p:ph type="sldNum" sz="quarter" idx="12"/>
+          </p:nvPr>
+        </p:nvSpPr>
+        <p:spPr/>
+        <p:txBody>
+          <a:bodyPr/>
+          <a:lstStyle/>
+          <a:p>
+            <a:fld id="{3177E89D-76AF-4E24-8F7F-2685DD826F0A}" type="slidenum">
+              <a:rPr lang="ru-RU" sz="1800" smtClean="0"/>
+              <a:t>10</a:t>
+            </a:fld>
+            <a:endParaRPr lang="ru-RU" sz="1800" dirty="0"/>
+          </a:p>
+        </p:txBody>
+      </p:sp>
+      <p:sp>
+        <p:nvSpPr>
+          <p:cNvPr id="5" name="Заголовок 1"/>
+          <p:cNvSpPr txBox="1">
+            <a:spLocks/>
+          </p:cNvSpPr>
+          <p:nvPr/>
+        </p:nvSpPr>
+        <p:spPr>
+          <a:xfrm>
+            <a:off x="628650" y="365126"/>
+            <a:ext cx="7886700" cy="1325563"/>
+          </a:xfrm>
+          <a:prstGeom prst="rect">
+            <a:avLst/>
+          </a:prstGeom>
+        </p:spPr>
+        <p:txBody>
+          <a:bodyPr vert="horz" lIns="91440" tIns="45720" rIns="91440" bIns="45720" rtlCol="0" anchor="ctr">
+            <a:normAutofit/>
+          </a:bodyPr>
+          <a:lstStyle>
+            <a:lvl1pPr algn="l" defTabSz="914400" rtl="0" eaLnBrk="1" latinLnBrk="0" hangingPunct="1">
+              <a:lnSpc>
+                <a:spcPct val="90000"/>
+              </a:lnSpc>
+              <a:spcBef>
+                <a:spcPct val="0"/>
+              </a:spcBef>
+              <a:buNone/>
+              <a:defRPr sz="4400" kern="1200">
+                <a:solidFill>
+                  <a:schemeClr val="tx1"/>
+                </a:solidFill>
+                <a:latin typeface="+mj-lt"/>
+                <a:ea typeface="+mj-ea"/>
+                <a:cs typeface="+mj-cs"/>
+              </a:defRPr>
+            </a:lvl1pPr>
+          </a:lstStyle>
+          <a:p>
+            <a:r>
+              <a:rPr lang="ru-RU" dirty="0">
+                <a:latin typeface="+mn-lt"/>
+              </a:rPr>
+              <a:t>Диаграмма </a:t>
+            </a:r>
+            <a:r>
+              <a:rPr lang="ru-RU" dirty="0" smtClean="0">
+                <a:latin typeface="+mn-lt"/>
+              </a:rPr>
+              <a:t>компонентов</a:t>
+            </a:r>
+            <a:endParaRPr lang="ru-RU" dirty="0">
+              <a:latin typeface="+mn-lt"/>
+            </a:endParaRPr>
+          </a:p>
+        </p:txBody>
+      </p:sp>
     </p:spTree>
     <p:extLst>
       <p:ext uri="{BB962C8B-B14F-4D97-AF65-F5344CB8AC3E}">
@@ -3846,6 +3919,13 @@
   <p:clrMapOvr>
     <a:masterClrMapping/>
   </p:clrMapOvr>
+  <p:timing>
+    <p:tnLst>
+      <p:par>
+        <p:cTn id="1" dur="indefinite" restart="never" nodeType="tmRoot"/>
+      </p:par>
+    </p:tnLst>
+  </p:timing>
 </p:sld>
 </file>
 
@@ -3866,37 +3946,6 @@
           <a:chExt cx="0" cy="0"/>
         </a:xfrm>
       </p:grpSpPr>
-      <p:sp>
-        <p:nvSpPr>
-          <p:cNvPr id="2" name="Заголовок 1"/>
-          <p:cNvSpPr>
-            <a:spLocks noGrp="1"/>
-          </p:cNvSpPr>
-          <p:nvPr>
-            <p:ph type="title"/>
-          </p:nvPr>
-        </p:nvSpPr>
-        <p:spPr>
-          <a:xfrm>
-            <a:off x="206188" y="0"/>
-            <a:ext cx="10515600" cy="1325563"/>
-          </a:xfrm>
-        </p:spPr>
-        <p:txBody>
-          <a:bodyPr/>
-          <a:lstStyle/>
-          <a:p>
-            <a:r>
-              <a:rPr lang="ru-RU" dirty="0">
-                <a:cs typeface="Times New Roman" pitchFamily="18" charset="0"/>
-                <a:sym typeface="Times New Roman" pitchFamily="18" charset="0"/>
-              </a:rPr>
-              <a:t>Диаграмма классов</a:t>
-            </a:r>
-            <a:endParaRPr lang="ru-RU" dirty="0"/>
-          </a:p>
-        </p:txBody>
-      </p:sp>
       <p:pic>
         <p:nvPicPr>
           <p:cNvPr id="4" name="Объект 3" descr="https://pp.userapi.com/c830608/v830608115/2b390/NMNkQnINV98.jpg"/>
@@ -3922,8 +3971,8 @@
         </p:blipFill>
         <p:spPr bwMode="auto">
           <a:xfrm>
-            <a:off x="1788460" y="904612"/>
-            <a:ext cx="8498540" cy="5851454"/>
+            <a:off x="1341345" y="1535709"/>
+            <a:ext cx="6373905" cy="4388591"/>
           </a:xfrm>
           <a:prstGeom prst="rect">
             <a:avLst/>
@@ -3934,6 +3983,84 @@
           </a:ln>
         </p:spPr>
       </p:pic>
+      <p:sp>
+        <p:nvSpPr>
+          <p:cNvPr id="3" name="Номер слайда 2"/>
+          <p:cNvSpPr>
+            <a:spLocks noGrp="1"/>
+          </p:cNvSpPr>
+          <p:nvPr>
+            <p:ph type="sldNum" sz="quarter" idx="12"/>
+          </p:nvPr>
+        </p:nvSpPr>
+        <p:spPr/>
+        <p:txBody>
+          <a:bodyPr/>
+          <a:lstStyle/>
+          <a:p>
+            <a:fld id="{3177E89D-76AF-4E24-8F7F-2685DD826F0A}" type="slidenum">
+              <a:rPr lang="ru-RU" sz="1800" smtClean="0"/>
+              <a:t>11</a:t>
+            </a:fld>
+            <a:endParaRPr lang="ru-RU" sz="1800" dirty="0"/>
+          </a:p>
+        </p:txBody>
+      </p:sp>
+      <p:sp>
+        <p:nvSpPr>
+          <p:cNvPr id="5" name="Заголовок 1"/>
+          <p:cNvSpPr txBox="1">
+            <a:spLocks/>
+          </p:cNvSpPr>
+          <p:nvPr/>
+        </p:nvSpPr>
+        <p:spPr>
+          <a:xfrm>
+            <a:off x="628650" y="365126"/>
+            <a:ext cx="7886700" cy="1325563"/>
+          </a:xfrm>
+          <a:prstGeom prst="rect">
+            <a:avLst/>
+          </a:prstGeom>
+        </p:spPr>
+        <p:txBody>
+          <a:bodyPr vert="horz" lIns="91440" tIns="45720" rIns="91440" bIns="45720" rtlCol="0" anchor="ctr">
+            <a:normAutofit/>
+          </a:bodyPr>
+          <a:lstStyle>
+            <a:lvl1pPr algn="l" defTabSz="914400" rtl="0" eaLnBrk="1" latinLnBrk="0" hangingPunct="1">
+              <a:lnSpc>
+                <a:spcPct val="90000"/>
+              </a:lnSpc>
+              <a:spcBef>
+                <a:spcPct val="0"/>
+              </a:spcBef>
+              <a:buNone/>
+              <a:defRPr sz="4400" kern="1200">
+                <a:solidFill>
+                  <a:schemeClr val="tx1"/>
+                </a:solidFill>
+                <a:latin typeface="+mj-lt"/>
+                <a:ea typeface="+mj-ea"/>
+                <a:cs typeface="+mj-cs"/>
+              </a:defRPr>
+            </a:lvl1pPr>
+          </a:lstStyle>
+          <a:p>
+            <a:r>
+              <a:rPr lang="ru-RU" dirty="0">
+                <a:latin typeface="+mn-lt"/>
+                <a:cs typeface="Times New Roman" pitchFamily="18" charset="0"/>
+                <a:sym typeface="Times New Roman" pitchFamily="18" charset="0"/>
+              </a:rPr>
+              <a:t>Диаграмма классов</a:t>
+            </a:r>
+            <a:endParaRPr lang="ru-RU" dirty="0">
+              <a:latin typeface="+mn-lt"/>
+            </a:endParaRPr>
+          </a:p>
+        </p:txBody>
+      </p:sp>
     </p:spTree>
     <p:extLst>
       <p:ext uri="{BB962C8B-B14F-4D97-AF65-F5344CB8AC3E}">
@@ -3944,6 +4071,13 @@
   <p:clrMapOvr>
     <a:masterClrMapping/>
   </p:clrMapOvr>
+  <p:timing>
+    <p:tnLst>
+      <p:par>
+        <p:cTn id="1" dur="indefinite" restart="never" nodeType="tmRoot"/>
+      </p:par>
+    </p:tnLst>
+  </p:timing>
 </p:sld>
 </file>
 
@@ -3980,14 +4114,26 @@
           <a:lstStyle/>
           <a:p>
             <a:r>
-              <a:rPr lang="ru-RU" dirty="0"/>
-              <a:t>Анализ зависимостей в коде </a:t>
-            </a:r>
-            <a:r>
-              <a:rPr lang="ru-RU" dirty="0" smtClean="0"/>
-              <a:t>системы</a:t>
-            </a:r>
-            <a:endParaRPr lang="ru-RU" dirty="0"/>
+              <a:rPr lang="ru-RU" dirty="0">
+                <a:latin typeface="+mn-lt"/>
+              </a:rPr>
+              <a:t>С</a:t>
+            </a:r>
+            <a:r>
+              <a:rPr lang="ru-RU" dirty="0" smtClean="0">
+                <a:latin typeface="+mn-lt"/>
+              </a:rPr>
+              <a:t>оотношение </a:t>
+            </a:r>
+            <a:r>
+              <a:rPr lang="ru-RU" dirty="0">
+                <a:latin typeface="+mn-lt"/>
+              </a:rPr>
+              <a:t>пакетов проекта по их размеру</a:t>
+            </a:r>
+            <a:endParaRPr lang="ru-RU" dirty="0">
+              <a:latin typeface="+mn-lt"/>
+            </a:endParaRPr>
           </a:p>
         </p:txBody>
       </p:sp>
@@ -4005,14 +4151,37 @@
         </p:blipFill>
         <p:spPr>
           <a:xfrm>
-            <a:off x="642785" y="1801906"/>
-            <a:ext cx="10711015" cy="3563470"/>
+            <a:off x="482089" y="2208679"/>
+            <a:ext cx="8033261" cy="2672603"/>
           </a:xfrm>
           <a:prstGeom prst="rect">
             <a:avLst/>
           </a:prstGeom>
         </p:spPr>
       </p:pic>
+      <p:sp>
+        <p:nvSpPr>
+          <p:cNvPr id="3" name="Номер слайда 2"/>
+          <p:cNvSpPr>
+            <a:spLocks noGrp="1"/>
+          </p:cNvSpPr>
+          <p:nvPr>
+            <p:ph type="sldNum" sz="quarter" idx="12"/>
+          </p:nvPr>
+        </p:nvSpPr>
+        <p:spPr/>
+        <p:txBody>
+          <a:bodyPr/>
+          <a:lstStyle/>
+          <a:p>
+            <a:fld id="{3177E89D-76AF-4E24-8F7F-2685DD826F0A}" type="slidenum">
+              <a:rPr lang="ru-RU" sz="1800" smtClean="0"/>
+              <a:t>12</a:t>
+            </a:fld>
+            <a:endParaRPr lang="ru-RU" sz="1800" dirty="0"/>
+          </a:p>
+        </p:txBody>
+      </p:sp>
     </p:spTree>
     <p:extLst>
       <p:ext uri="{BB962C8B-B14F-4D97-AF65-F5344CB8AC3E}">
@@ -4023,6 +4192,13 @@
   <p:clrMapOvr>
     <a:masterClrMapping/>
   </p:clrMapOvr>
+  <p:timing>
+    <p:tnLst>
+      <p:par>
+        <p:cTn id="1" dur="indefinite" restart="never" nodeType="tmRoot"/>
+      </p:par>
+    </p:tnLst>
+  </p:timing>
 </p:sld>
 </file>
 
@@ -4059,10 +4235,26 @@
           <a:lstStyle/>
           <a:p>
             <a:r>
-              <a:rPr lang="ru-RU" dirty="0" smtClean="0"/>
-              <a:t>Анализ зависимостей в коде системы</a:t>
-            </a:r>
-            <a:endParaRPr lang="ru-RU" dirty="0"/>
+              <a:rPr lang="ru-RU" dirty="0" smtClean="0">
+                <a:latin typeface="+mn-lt"/>
+              </a:rPr>
+              <a:t>Зависимости </a:t>
+            </a:r>
+            <a:r>
+              <a:rPr lang="ru-RU" dirty="0" smtClean="0">
+                <a:latin typeface="+mn-lt"/>
+              </a:rPr>
+              <a:t>в коде </a:t>
+            </a:r>
+            <a:r>
+              <a:rPr lang="ru-RU" dirty="0">
+                <a:latin typeface="+mn-lt"/>
+              </a:rPr>
+              <a:t>и метрики кода системы</a:t>
+            </a:r>
+            <a:endParaRPr lang="ru-RU" dirty="0">
+              <a:latin typeface="+mn-lt"/>
+            </a:endParaRPr>
           </a:p>
         </p:txBody>
       </p:sp>
@@ -4084,8 +4276,8 @@
         </p:blipFill>
         <p:spPr>
           <a:xfrm>
-            <a:off x="0" y="2086488"/>
-            <a:ext cx="7239000" cy="3076575"/>
+            <a:off x="0" y="2422117"/>
+            <a:ext cx="5429250" cy="2307431"/>
           </a:xfrm>
           <a:prstGeom prst="rect">
             <a:avLst/>
@@ -4106,14 +4298,37 @@
         </p:blipFill>
         <p:spPr>
           <a:xfrm>
-            <a:off x="7392240" y="1315571"/>
-            <a:ext cx="4695825" cy="5219700"/>
+            <a:off x="5544180" y="1843928"/>
+            <a:ext cx="3521869" cy="3914775"/>
           </a:xfrm>
           <a:prstGeom prst="rect">
             <a:avLst/>
           </a:prstGeom>
         </p:spPr>
       </p:pic>
+      <p:sp>
+        <p:nvSpPr>
+          <p:cNvPr id="3" name="Номер слайда 2"/>
+          <p:cNvSpPr>
+            <a:spLocks noGrp="1"/>
+          </p:cNvSpPr>
+          <p:nvPr>
+            <p:ph type="sldNum" sz="quarter" idx="12"/>
+          </p:nvPr>
+        </p:nvSpPr>
+        <p:spPr/>
+        <p:txBody>
+          <a:bodyPr/>
+          <a:lstStyle/>
+          <a:p>
+            <a:fld id="{3177E89D-76AF-4E24-8F7F-2685DD826F0A}" type="slidenum">
+              <a:rPr lang="ru-RU" sz="1800" smtClean="0"/>
+              <a:t>13</a:t>
+            </a:fld>
+            <a:endParaRPr lang="ru-RU" sz="1800" dirty="0"/>
+          </a:p>
+        </p:txBody>
+      </p:sp>
     </p:spTree>
     <p:extLst>
       <p:ext uri="{BB962C8B-B14F-4D97-AF65-F5344CB8AC3E}">
@@ -4124,6 +4339,13 @@
   <p:clrMapOvr>
     <a:masterClrMapping/>
   </p:clrMapOvr>
+  <p:timing>
+    <p:tnLst>
+      <p:par>
+        <p:cTn id="1" dur="indefinite" restart="never" nodeType="tmRoot"/>
+      </p:par>
+    </p:tnLst>
+  </p:timing>
 </p:sld>
 </file>
 
@@ -4160,10 +4382,14 @@
           <a:lstStyle/>
           <a:p>
             <a:r>
-              <a:rPr lang="ru-RU" dirty="0" smtClean="0"/>
+              <a:rPr lang="ru-RU" dirty="0" smtClean="0">
+                <a:latin typeface="+mn-lt"/>
+              </a:rPr>
               <a:t>Тестирование проекта и оценка покрытия</a:t>
             </a:r>
-            <a:endParaRPr lang="ru-RU" dirty="0"/>
+            <a:endParaRPr lang="ru-RU" dirty="0">
+              <a:latin typeface="+mn-lt"/>
+            </a:endParaRPr>
           </a:p>
         </p:txBody>
       </p:sp>
@@ -4185,8 +4411,8 @@
         </p:blipFill>
         <p:spPr>
           <a:xfrm>
-            <a:off x="2129118" y="1690688"/>
-            <a:ext cx="7143904" cy="1467458"/>
+            <a:off x="1596839" y="2125266"/>
+            <a:ext cx="5357928" cy="1100594"/>
           </a:xfrm>
           <a:prstGeom prst="rect">
             <a:avLst/>
@@ -4207,14 +4433,37 @@
         </p:blipFill>
         <p:spPr>
           <a:xfrm>
-            <a:off x="838200" y="3801276"/>
-            <a:ext cx="10233206" cy="1364865"/>
+            <a:off x="628650" y="3708207"/>
+            <a:ext cx="7674905" cy="1023649"/>
           </a:xfrm>
           <a:prstGeom prst="rect">
             <a:avLst/>
           </a:prstGeom>
         </p:spPr>
       </p:pic>
+      <p:sp>
+        <p:nvSpPr>
+          <p:cNvPr id="3" name="Номер слайда 2"/>
+          <p:cNvSpPr>
+            <a:spLocks noGrp="1"/>
+          </p:cNvSpPr>
+          <p:nvPr>
+            <p:ph type="sldNum" sz="quarter" idx="12"/>
+          </p:nvPr>
+        </p:nvSpPr>
+        <p:spPr/>
+        <p:txBody>
+          <a:bodyPr/>
+          <a:lstStyle/>
+          <a:p>
+            <a:fld id="{3177E89D-76AF-4E24-8F7F-2685DD826F0A}" type="slidenum">
+              <a:rPr lang="ru-RU" sz="1800" smtClean="0"/>
+              <a:t>14</a:t>
+            </a:fld>
+            <a:endParaRPr lang="ru-RU" sz="1800" dirty="0"/>
+          </a:p>
+        </p:txBody>
+      </p:sp>
     </p:spTree>
     <p:extLst>
       <p:ext uri="{BB962C8B-B14F-4D97-AF65-F5344CB8AC3E}">
@@ -4225,6 +4474,13 @@
   <p:clrMapOvr>
     <a:masterClrMapping/>
   </p:clrMapOvr>
+  <p:timing>
+    <p:tnLst>
+      <p:par>
+        <p:cTn id="1" dur="indefinite" restart="never" nodeType="tmRoot"/>
+      </p:par>
+    </p:tnLst>
+  </p:timing>
 </p:sld>
 </file>
 
@@ -4261,10 +4517,14 @@
           <a:lstStyle/>
           <a:p>
             <a:r>
-              <a:rPr lang="ru-RU" dirty="0" smtClean="0"/>
+              <a:rPr lang="ru-RU" dirty="0" smtClean="0">
+                <a:latin typeface="+mn-lt"/>
+              </a:rPr>
               <a:t>Оценка покрытия</a:t>
             </a:r>
-            <a:endParaRPr lang="ru-RU" dirty="0"/>
+            <a:endParaRPr lang="ru-RU" dirty="0">
+              <a:latin typeface="+mn-lt"/>
+            </a:endParaRPr>
           </a:p>
         </p:txBody>
       </p:sp>
@@ -4286,8 +4546,8 @@
         </p:blipFill>
         <p:spPr>
           <a:xfrm>
-            <a:off x="264458" y="1689591"/>
-            <a:ext cx="7400365" cy="3134999"/>
+            <a:off x="198344" y="2124444"/>
+            <a:ext cx="5550274" cy="2351249"/>
           </a:xfrm>
           <a:prstGeom prst="rect">
             <a:avLst/>
@@ -4302,8 +4562,8 @@
         </p:nvSpPr>
         <p:spPr>
           <a:xfrm>
-            <a:off x="5446059" y="3015154"/>
-            <a:ext cx="6096000" cy="2549159"/>
+            <a:off x="4084544" y="3118615"/>
+            <a:ext cx="4572000" cy="1950534"/>
           </a:xfrm>
           <a:prstGeom prst="rect">
             <a:avLst/>
@@ -4315,18 +4575,15 @@
           </a:bodyPr>
           <a:lstStyle/>
           <a:p>
-            <a:pPr marL="285750" indent="-285750" algn="just">
+            <a:pPr marL="214313" indent="-214313" algn="just">
               <a:lnSpc>
                 <a:spcPct val="115000"/>
               </a:lnSpc>
-              <a:spcAft>
-                <a:spcPts val="0"/>
-              </a:spcAft>
               <a:buFont typeface="Arial" panose="020B0604020202020204" pitchFamily="34" charset="0"/>
               <a:buChar char="•"/>
             </a:pPr>
             <a:r>
-              <a:rPr lang="ru-RU" sz="2000" dirty="0">
+              <a:rPr lang="ru-RU" sz="1500" dirty="0">
                 <a:solidFill>
                   <a:srgbClr val="000000"/>
                 </a:solidFill>
@@ -4336,18 +4593,15 @@
             </a:r>
           </a:p>
           <a:p>
-            <a:pPr marL="285750" indent="-285750" algn="just">
+            <a:pPr marL="214313" indent="-214313" algn="just">
               <a:lnSpc>
                 <a:spcPct val="115000"/>
               </a:lnSpc>
-              <a:spcAft>
-                <a:spcPts val="0"/>
-              </a:spcAft>
               <a:buFont typeface="Arial" panose="020B0604020202020204" pitchFamily="34" charset="0"/>
               <a:buChar char="•"/>
             </a:pPr>
             <a:r>
-              <a:rPr lang="ru-RU" sz="2000" dirty="0">
+              <a:rPr lang="ru-RU" sz="1500" dirty="0">
                 <a:solidFill>
                   <a:srgbClr val="000000"/>
                 </a:solidFill>
@@ -4357,18 +4611,15 @@
             </a:r>
           </a:p>
           <a:p>
-            <a:pPr marL="285750" indent="-285750" algn="just">
+            <a:pPr marL="214313" indent="-214313" algn="just">
               <a:lnSpc>
                 <a:spcPct val="115000"/>
               </a:lnSpc>
-              <a:spcAft>
-                <a:spcPts val="0"/>
-              </a:spcAft>
               <a:buFont typeface="Arial" panose="020B0604020202020204" pitchFamily="34" charset="0"/>
               <a:buChar char="•"/>
             </a:pPr>
             <a:r>
-              <a:rPr lang="ru-RU" sz="2000" dirty="0">
+              <a:rPr lang="ru-RU" sz="1500" dirty="0">
                 <a:solidFill>
                   <a:srgbClr val="000000"/>
                 </a:solidFill>
@@ -4376,6 +4627,29 @@
               </a:rPr>
               <a:t>Красные участки – код не был пройден при тестировании.</a:t>
             </a:r>
+          </a:p>
+        </p:txBody>
+      </p:sp>
+      <p:sp>
+        <p:nvSpPr>
+          <p:cNvPr id="3" name="Номер слайда 2"/>
+          <p:cNvSpPr>
+            <a:spLocks noGrp="1"/>
+          </p:cNvSpPr>
+          <p:nvPr>
+            <p:ph type="sldNum" sz="quarter" idx="12"/>
+          </p:nvPr>
+        </p:nvSpPr>
+        <p:spPr/>
+        <p:txBody>
+          <a:bodyPr/>
+          <a:lstStyle/>
+          <a:p>
+            <a:fld id="{3177E89D-76AF-4E24-8F7F-2685DD826F0A}" type="slidenum">
+              <a:rPr lang="ru-RU" sz="1800" smtClean="0"/>
+              <a:t>15</a:t>
+            </a:fld>
+            <a:endParaRPr lang="ru-RU" sz="1800" dirty="0"/>
           </a:p>
         </p:txBody>
       </p:sp>
@@ -4389,6 +4663,13 @@
   <p:clrMapOvr>
     <a:masterClrMapping/>
   </p:clrMapOvr>
+  <p:timing>
+    <p:tnLst>
+      <p:par>
+        <p:cTn id="1" dur="indefinite" restart="never" nodeType="tmRoot"/>
+      </p:par>
+    </p:tnLst>
+  </p:timing>
 </p:sld>
 </file>
 
@@ -4421,8 +4702,8 @@
         </p:nvSpPr>
         <p:spPr>
           <a:xfrm>
-            <a:off x="649941" y="2718361"/>
-            <a:ext cx="10515600" cy="1325563"/>
+            <a:off x="487456" y="2896021"/>
+            <a:ext cx="7886700" cy="994172"/>
           </a:xfrm>
         </p:spPr>
         <p:txBody>
@@ -4435,6 +4716,29 @@
               <a:t>Спасибо за внимание</a:t>
             </a:r>
             <a:endParaRPr lang="ru-RU" dirty="0"/>
+          </a:p>
+        </p:txBody>
+      </p:sp>
+      <p:sp>
+        <p:nvSpPr>
+          <p:cNvPr id="3" name="Номер слайда 2"/>
+          <p:cNvSpPr>
+            <a:spLocks noGrp="1"/>
+          </p:cNvSpPr>
+          <p:nvPr>
+            <p:ph type="sldNum" sz="quarter" idx="12"/>
+          </p:nvPr>
+        </p:nvSpPr>
+        <p:spPr/>
+        <p:txBody>
+          <a:bodyPr/>
+          <a:lstStyle/>
+          <a:p>
+            <a:fld id="{3177E89D-76AF-4E24-8F7F-2685DD826F0A}" type="slidenum">
+              <a:rPr lang="ru-RU" sz="1800" smtClean="0"/>
+              <a:t>16</a:t>
+            </a:fld>
+            <a:endParaRPr lang="ru-RU" sz="1800" dirty="0"/>
           </a:p>
         </p:txBody>
       </p:sp>
@@ -4448,6 +4752,13 @@
   <p:clrMapOvr>
     <a:masterClrMapping/>
   </p:clrMapOvr>
+  <p:timing>
+    <p:tnLst>
+      <p:par>
+        <p:cTn id="1" dur="indefinite" restart="never" nodeType="tmRoot"/>
+      </p:par>
+    </p:tnLst>
+  </p:timing>
 </p:sld>
 </file>
 
@@ -4484,14 +4795,20 @@
           <a:lstStyle/>
           <a:p>
             <a:r>
-              <a:rPr lang="en-US" dirty="0" smtClean="0"/>
+              <a:rPr lang="en-US" dirty="0" smtClean="0">
+                <a:latin typeface="+mn-lt"/>
+              </a:rPr>
               <a:t>IDS/IPS </a:t>
             </a:r>
             <a:r>
-              <a:rPr lang="en-US" dirty="0" err="1" smtClean="0"/>
+              <a:rPr lang="en-US" dirty="0" err="1" smtClean="0">
+                <a:latin typeface="+mn-lt"/>
+              </a:rPr>
               <a:t>Suricata</a:t>
             </a:r>
-            <a:endParaRPr lang="ru-RU" dirty="0"/>
+            <a:endParaRPr lang="ru-RU" dirty="0">
+              <a:latin typeface="+mn-lt"/>
+            </a:endParaRPr>
           </a:p>
         </p:txBody>
       </p:sp>
@@ -4525,7 +4842,15 @@
           <a:p>
             <a:r>
               <a:rPr lang="ru-RU" dirty="0" smtClean="0"/>
-              <a:t>  Открытый исходный код</a:t>
+              <a:t> </a:t>
+            </a:r>
+            <a:r>
+              <a:rPr lang="ru-RU" dirty="0" smtClean="0"/>
+              <a:t>Открытый </a:t>
+            </a:r>
+            <a:r>
+              <a:rPr lang="ru-RU" dirty="0" smtClean="0"/>
+              <a:t>исходный код</a:t>
             </a:r>
           </a:p>
           <a:p>
@@ -4543,9 +4868,36 @@
           <a:p>
             <a:r>
               <a:rPr lang="ru-RU" dirty="0" smtClean="0"/>
-              <a:t>(Главным образом) проверка на основании сигнатур</a:t>
+              <a:t>(Главным образом) проверка на основании </a:t>
+            </a:r>
+            <a:r>
+              <a:rPr lang="ru-RU" dirty="0" smtClean="0"/>
+              <a:t>сигнатур</a:t>
             </a:r>
             <a:endParaRPr lang="ru-RU" dirty="0"/>
+          </a:p>
+        </p:txBody>
+      </p:sp>
+      <p:sp>
+        <p:nvSpPr>
+          <p:cNvPr id="4" name="Номер слайда 3"/>
+          <p:cNvSpPr>
+            <a:spLocks noGrp="1"/>
+          </p:cNvSpPr>
+          <p:nvPr>
+            <p:ph type="sldNum" sz="quarter" idx="12"/>
+          </p:nvPr>
+        </p:nvSpPr>
+        <p:spPr/>
+        <p:txBody>
+          <a:bodyPr/>
+          <a:lstStyle/>
+          <a:p>
+            <a:fld id="{642E39A4-CAD6-44B9-9EB2-7D4EA1A0AF1F}" type="slidenum">
+              <a:rPr lang="ru-RU" sz="1800" smtClean="0"/>
+              <a:t>2</a:t>
+            </a:fld>
+            <a:endParaRPr lang="ru-RU" sz="1800" dirty="0"/>
           </a:p>
         </p:txBody>
       </p:sp>
@@ -4559,6 +4911,13 @@
   <p:clrMapOvr>
     <a:masterClrMapping/>
   </p:clrMapOvr>
+  <p:timing>
+    <p:tnLst>
+      <p:par>
+        <p:cTn id="1" dur="indefinite" restart="never" nodeType="tmRoot"/>
+      </p:par>
+    </p:tnLst>
+  </p:timing>
 </p:sld>
 </file>
 
@@ -4595,26 +4954,36 @@
           <a:lstStyle/>
           <a:p>
             <a:r>
-              <a:rPr lang="ru-RU" dirty="0" smtClean="0"/>
+              <a:rPr lang="ru-RU" dirty="0" smtClean="0">
+                <a:latin typeface="+mn-lt"/>
+              </a:rPr>
               <a:t>Как </a:t>
             </a:r>
             <a:r>
-              <a:rPr lang="en-US" dirty="0" smtClean="0"/>
+              <a:rPr lang="ru-RU" dirty="0">
+                <a:latin typeface="+mn-lt"/>
+              </a:rPr>
+              <a:t>работает</a:t>
+            </a:r>
+            <a:r>
+              <a:rPr lang="ru-RU" dirty="0"/>
+              <a:t> </a:t>
+            </a:r>
+            <a:r>
+              <a:rPr lang="en-US" dirty="0" smtClean="0">
+                <a:latin typeface="+mn-lt"/>
+              </a:rPr>
               <a:t>IDS </a:t>
             </a:r>
             <a:r>
-              <a:rPr lang="en-US" dirty="0" err="1" smtClean="0"/>
+              <a:rPr lang="en-US" dirty="0" err="1" smtClean="0">
+                <a:latin typeface="+mn-lt"/>
+              </a:rPr>
               <a:t>Suricata</a:t>
             </a:r>
-            <a:r>
-              <a:rPr lang="en-US" dirty="0" smtClean="0"/>
-              <a:t> </a:t>
-            </a:r>
-            <a:r>
-              <a:rPr lang="ru-RU" dirty="0" smtClean="0"/>
-              <a:t>работает</a:t>
-            </a:r>
-            <a:endParaRPr lang="ru-RU" dirty="0"/>
+            <a:endParaRPr lang="ru-RU" dirty="0">
+              <a:latin typeface="+mn-lt"/>
+            </a:endParaRPr>
           </a:p>
         </p:txBody>
       </p:sp>
@@ -4646,18 +5015,16 @@
           </a:p>
           <a:p>
             <a:r>
-              <a:rPr lang="ru-RU" dirty="0" smtClean="0"/>
-              <a:t>Повторно собирает IP-пакетов, потоков TCP</a:t>
-            </a:r>
-          </a:p>
-          <a:p>
-            <a:r>
               <a:rPr lang="ru-RU" dirty="0" err="1" smtClean="0"/>
               <a:t>Парсинг</a:t>
             </a:r>
             <a:r>
               <a:rPr lang="ru-RU" dirty="0" smtClean="0"/>
-              <a:t> протоколов более высокого уровня (например, HTTP)</a:t>
+              <a:t> </a:t>
+            </a:r>
+            <a:r>
+              <a:rPr lang="ru-RU" dirty="0" smtClean="0"/>
+              <a:t>протоколов более высокого уровня (например, HTTP)</a:t>
             </a:r>
           </a:p>
           <a:p>
@@ -4672,6 +5039,29 @@
               <a:t>Выводит  события и оповещения</a:t>
             </a:r>
             <a:endParaRPr lang="ru-RU" dirty="0"/>
+          </a:p>
+        </p:txBody>
+      </p:sp>
+      <p:sp>
+        <p:nvSpPr>
+          <p:cNvPr id="4" name="Номер слайда 3"/>
+          <p:cNvSpPr>
+            <a:spLocks noGrp="1"/>
+          </p:cNvSpPr>
+          <p:nvPr>
+            <p:ph type="sldNum" sz="quarter" idx="12"/>
+          </p:nvPr>
+        </p:nvSpPr>
+        <p:spPr/>
+        <p:txBody>
+          <a:bodyPr/>
+          <a:lstStyle/>
+          <a:p>
+            <a:fld id="{3177E89D-76AF-4E24-8F7F-2685DD826F0A}" type="slidenum">
+              <a:rPr lang="ru-RU" sz="1800" smtClean="0"/>
+              <a:t>3</a:t>
+            </a:fld>
+            <a:endParaRPr lang="ru-RU" sz="1800" dirty="0"/>
           </a:p>
         </p:txBody>
       </p:sp>
@@ -4685,6 +5075,13 @@
   <p:clrMapOvr>
     <a:masterClrMapping/>
   </p:clrMapOvr>
+  <p:timing>
+    <p:tnLst>
+      <p:par>
+        <p:cTn id="1" dur="indefinite" restart="never" nodeType="tmRoot"/>
+      </p:par>
+    </p:tnLst>
+  </p:timing>
 </p:sld>
 </file>
 
@@ -4721,26 +5118,38 @@
           <a:lstStyle/>
           <a:p>
             <a:r>
-              <a:rPr lang="ru-RU" dirty="0" smtClean="0"/>
+              <a:rPr lang="ru-RU" dirty="0" smtClean="0">
+                <a:latin typeface="+mn-lt"/>
+              </a:rPr>
               <a:t>Как </a:t>
             </a:r>
             <a:r>
-              <a:rPr lang="en-US" dirty="0" smtClean="0"/>
+              <a:rPr lang="en-US" dirty="0" smtClean="0">
+                <a:latin typeface="+mn-lt"/>
+              </a:rPr>
               <a:t>IDS </a:t>
             </a:r>
             <a:r>
-              <a:rPr lang="en-US" dirty="0" err="1" smtClean="0"/>
+              <a:rPr lang="en-US" dirty="0" err="1" smtClean="0">
+                <a:latin typeface="+mn-lt"/>
+              </a:rPr>
               <a:t>Suricata</a:t>
             </a:r>
             <a:r>
-              <a:rPr lang="en-US" dirty="0" smtClean="0"/>
+              <a:rPr lang="en-US" dirty="0" smtClean="0">
+                <a:latin typeface="+mn-lt"/>
+              </a:rPr>
               <a:t> </a:t>
             </a:r>
             <a:r>
-              <a:rPr lang="ru-RU" dirty="0" smtClean="0"/>
+              <a:rPr lang="ru-RU" dirty="0" smtClean="0">
+                <a:latin typeface="+mn-lt"/>
+              </a:rPr>
               <a:t>работает</a:t>
             </a:r>
-            <a:endParaRPr lang="ru-RU" dirty="0"/>
+            <a:endParaRPr lang="ru-RU" dirty="0">
+              <a:latin typeface="+mn-lt"/>
+            </a:endParaRPr>
           </a:p>
         </p:txBody>
       </p:sp>
@@ -4769,8 +5178,8 @@
         </p:blipFill>
         <p:spPr bwMode="auto">
           <a:xfrm>
-            <a:off x="575153" y="2074268"/>
-            <a:ext cx="5612704" cy="3507939"/>
+            <a:off x="431365" y="2412952"/>
+            <a:ext cx="4209528" cy="2630954"/>
           </a:xfrm>
           <a:prstGeom prst="rect">
             <a:avLst/>
@@ -4804,8 +5213,8 @@
         </p:blipFill>
         <p:spPr bwMode="auto">
           <a:xfrm>
-            <a:off x="6686855" y="1577953"/>
-            <a:ext cx="4666945" cy="5019559"/>
+            <a:off x="5015142" y="2040715"/>
+            <a:ext cx="3500209" cy="3764669"/>
           </a:xfrm>
           <a:prstGeom prst="rect">
             <a:avLst/>
@@ -4822,6 +5231,29 @@
           </a:extLst>
         </p:spPr>
       </p:pic>
+      <p:sp>
+        <p:nvSpPr>
+          <p:cNvPr id="3" name="Номер слайда 2"/>
+          <p:cNvSpPr>
+            <a:spLocks noGrp="1"/>
+          </p:cNvSpPr>
+          <p:nvPr>
+            <p:ph type="sldNum" sz="quarter" idx="12"/>
+          </p:nvPr>
+        </p:nvSpPr>
+        <p:spPr/>
+        <p:txBody>
+          <a:bodyPr/>
+          <a:lstStyle/>
+          <a:p>
+            <a:fld id="{3177E89D-76AF-4E24-8F7F-2685DD826F0A}" type="slidenum">
+              <a:rPr lang="ru-RU" sz="1800" smtClean="0"/>
+              <a:t>4</a:t>
+            </a:fld>
+            <a:endParaRPr lang="ru-RU" sz="1800" dirty="0"/>
+          </a:p>
+        </p:txBody>
+      </p:sp>
     </p:spTree>
     <p:extLst>
       <p:ext uri="{BB962C8B-B14F-4D97-AF65-F5344CB8AC3E}">
@@ -4832,6 +5264,13 @@
   <p:clrMapOvr>
     <a:masterClrMapping/>
   </p:clrMapOvr>
+  <p:timing>
+    <p:tnLst>
+      <p:par>
+        <p:cTn id="1" dur="indefinite" restart="never" nodeType="tmRoot"/>
+      </p:par>
+    </p:tnLst>
+  </p:timing>
 </p:sld>
 </file>
 
@@ -4868,14 +5307,20 @@
           <a:lstStyle/>
           <a:p>
             <a:r>
-              <a:rPr lang="ru-RU" dirty="0" smtClean="0"/>
+              <a:rPr lang="ru-RU" dirty="0" smtClean="0">
+                <a:latin typeface="+mn-lt"/>
+              </a:rPr>
               <a:t>Преимущества системы </a:t>
             </a:r>
             <a:r>
-              <a:rPr lang="en-US" dirty="0" err="1" smtClean="0"/>
+              <a:rPr lang="en-US" dirty="0" err="1" smtClean="0">
+                <a:latin typeface="+mn-lt"/>
+              </a:rPr>
               <a:t>Suricata</a:t>
             </a:r>
-            <a:endParaRPr lang="ru-RU" dirty="0"/>
+            <a:endParaRPr lang="ru-RU" dirty="0">
+              <a:latin typeface="+mn-lt"/>
+            </a:endParaRPr>
           </a:p>
         </p:txBody>
       </p:sp>
@@ -4891,7 +5336,9 @@
         </p:nvSpPr>
         <p:spPr/>
         <p:txBody>
-          <a:bodyPr/>
+          <a:bodyPr>
+            <a:normAutofit fontScale="92500" lnSpcReduction="10000"/>
+          </a:bodyPr>
           <a:lstStyle/>
           <a:p>
             <a:r>
@@ -4950,6 +5397,29 @@
               <a:t>Расширенная проверка и протоколирование HTTP</a:t>
             </a:r>
             <a:endParaRPr lang="ru-RU" dirty="0"/>
+          </a:p>
+        </p:txBody>
+      </p:sp>
+      <p:sp>
+        <p:nvSpPr>
+          <p:cNvPr id="4" name="Номер слайда 3"/>
+          <p:cNvSpPr>
+            <a:spLocks noGrp="1"/>
+          </p:cNvSpPr>
+          <p:nvPr>
+            <p:ph type="sldNum" sz="quarter" idx="12"/>
+          </p:nvPr>
+        </p:nvSpPr>
+        <p:spPr/>
+        <p:txBody>
+          <a:bodyPr/>
+          <a:lstStyle/>
+          <a:p>
+            <a:fld id="{3177E89D-76AF-4E24-8F7F-2685DD826F0A}" type="slidenum">
+              <a:rPr lang="ru-RU" sz="1800" smtClean="0"/>
+              <a:t>5</a:t>
+            </a:fld>
+            <a:endParaRPr lang="ru-RU" sz="1800" dirty="0"/>
           </a:p>
         </p:txBody>
       </p:sp>
@@ -4963,6 +5433,13 @@
   <p:clrMapOvr>
     <a:masterClrMapping/>
   </p:clrMapOvr>
+  <p:timing>
+    <p:tnLst>
+      <p:par>
+        <p:cTn id="1" dur="indefinite" restart="never" nodeType="tmRoot"/>
+      </p:par>
+    </p:tnLst>
+  </p:timing>
 </p:sld>
 </file>
 
@@ -4999,14 +5476,20 @@
           <a:lstStyle/>
           <a:p>
             <a:r>
-              <a:rPr lang="ru-RU" dirty="0" smtClean="0"/>
+              <a:rPr lang="ru-RU" dirty="0" smtClean="0">
+                <a:latin typeface="+mn-lt"/>
+              </a:rPr>
               <a:t>Недостатки системы </a:t>
             </a:r>
             <a:r>
-              <a:rPr lang="en-US" dirty="0" err="1" smtClean="0"/>
+              <a:rPr lang="en-US" dirty="0" err="1" smtClean="0">
+                <a:latin typeface="+mn-lt"/>
+              </a:rPr>
               <a:t>Suricata</a:t>
             </a:r>
-            <a:endParaRPr lang="ru-RU" dirty="0"/>
+            <a:endParaRPr lang="ru-RU" dirty="0">
+              <a:latin typeface="+mn-lt"/>
+            </a:endParaRPr>
           </a:p>
         </p:txBody>
       </p:sp>
@@ -5047,6 +5530,29 @@
               <a:rPr lang="ru-RU" dirty="0" smtClean="0"/>
               <a:t>Ложные отбрасывания пакетов</a:t>
             </a:r>
+          </a:p>
+        </p:txBody>
+      </p:sp>
+      <p:sp>
+        <p:nvSpPr>
+          <p:cNvPr id="4" name="Номер слайда 3"/>
+          <p:cNvSpPr>
+            <a:spLocks noGrp="1"/>
+          </p:cNvSpPr>
+          <p:nvPr>
+            <p:ph type="sldNum" sz="quarter" idx="12"/>
+          </p:nvPr>
+        </p:nvSpPr>
+        <p:spPr/>
+        <p:txBody>
+          <a:bodyPr/>
+          <a:lstStyle/>
+          <a:p>
+            <a:fld id="{3177E89D-76AF-4E24-8F7F-2685DD826F0A}" type="slidenum">
+              <a:rPr lang="ru-RU" sz="1800" smtClean="0"/>
+              <a:t>6</a:t>
+            </a:fld>
+            <a:endParaRPr lang="ru-RU" sz="1800" dirty="0"/>
           </a:p>
         </p:txBody>
       </p:sp>
@@ -5060,6 +5566,13 @@
   <p:clrMapOvr>
     <a:masterClrMapping/>
   </p:clrMapOvr>
+  <p:timing>
+    <p:tnLst>
+      <p:par>
+        <p:cTn id="1" dur="indefinite" restart="never" nodeType="tmRoot"/>
+      </p:par>
+    </p:tnLst>
+  </p:timing>
 </p:sld>
 </file>
 
@@ -5088,8 +5601,8 @@
         </p:nvSpPr>
         <p:spPr>
           <a:xfrm>
-            <a:off x="450937" y="526094"/>
-            <a:ext cx="11315657" cy="6079613"/>
+            <a:off x="388079" y="1584331"/>
+            <a:ext cx="8486743" cy="3808222"/>
           </a:xfrm>
           <a:prstGeom prst="rect">
             <a:avLst/>
@@ -5101,54 +5614,25 @@
           </a:bodyPr>
           <a:lstStyle/>
           <a:p>
-            <a:pPr lvl="0" algn="just">
+            <a:pPr algn="just">
               <a:lnSpc>
                 <a:spcPct val="115000"/>
               </a:lnSpc>
               <a:spcBef>
-                <a:spcPts val="2000"/>
+                <a:spcPts val="1500"/>
               </a:spcBef>
               <a:spcAft>
-                <a:spcPts val="600"/>
+                <a:spcPts val="450"/>
               </a:spcAft>
               <a:tabLst>
-                <a:tab pos="274320" algn="l"/>
+                <a:tab pos="205740" algn="l"/>
               </a:tabLst>
             </a:pPr>
             <a:r>
-              <a:rPr lang="ru-RU" sz="4000" kern="0" dirty="0" smtClean="0">
+              <a:rPr lang="ru-RU" sz="2100" dirty="0" smtClean="0">
                 <a:solidFill>
                   <a:srgbClr val="000000"/>
                 </a:solidFill>
-                <a:effectLst/>
-                <a:latin typeface="+mj-lt"/>
-                <a:ea typeface="Times New Roman" panose="02020603050405020304" pitchFamily="18" charset="0"/>
-                <a:cs typeface="Times New Roman" panose="02020603050405020304" pitchFamily="18" charset="0"/>
-              </a:rPr>
-              <a:t>Техническое задание</a:t>
-            </a:r>
-          </a:p>
-          <a:p>
-            <a:pPr lvl="0" algn="just">
-              <a:lnSpc>
-                <a:spcPct val="115000"/>
-              </a:lnSpc>
-              <a:spcBef>
-                <a:spcPts val="2000"/>
-              </a:spcBef>
-              <a:spcAft>
-                <a:spcPts val="600"/>
-              </a:spcAft>
-              <a:tabLst>
-                <a:tab pos="274320" algn="l"/>
-              </a:tabLst>
-            </a:pPr>
-            <a:r>
-              <a:rPr lang="ru-RU" sz="2800" dirty="0" smtClean="0">
-                <a:solidFill>
-                  <a:srgbClr val="000000"/>
-                </a:solidFill>
-                <a:effectLst/>
                 <a:latin typeface="Times New Roman" panose="02020603050405020304" pitchFamily="18" charset="0"/>
                 <a:ea typeface="Times New Roman" panose="02020603050405020304" pitchFamily="18" charset="0"/>
                 <a:cs typeface="Times New Roman" panose="02020603050405020304" pitchFamily="18" charset="0"/>
@@ -5156,11 +5640,10 @@
               <a:t>Разработка </a:t>
             </a:r>
             <a:r>
-              <a:rPr lang="ru-RU" sz="2800" dirty="0" err="1" smtClean="0">
+              <a:rPr lang="ru-RU" sz="2100" dirty="0" err="1">
                 <a:solidFill>
                   <a:srgbClr val="000000"/>
                 </a:solidFill>
-                <a:effectLst/>
                 <a:latin typeface="Times New Roman" panose="02020603050405020304" pitchFamily="18" charset="0"/>
                 <a:ea typeface="Times New Roman" panose="02020603050405020304" pitchFamily="18" charset="0"/>
                 <a:cs typeface="Times New Roman" panose="02020603050405020304" pitchFamily="18" charset="0"/>
@@ -5168,11 +5651,10 @@
               <a:t>OSGi</a:t>
             </a:r>
             <a:r>
-              <a:rPr lang="ru-RU" sz="2800" dirty="0" smtClean="0">
+              <a:rPr lang="ru-RU" sz="2100" dirty="0">
                 <a:solidFill>
                   <a:srgbClr val="000000"/>
                 </a:solidFill>
-                <a:effectLst/>
                 <a:latin typeface="Times New Roman" panose="02020603050405020304" pitchFamily="18" charset="0"/>
                 <a:ea typeface="Times New Roman" panose="02020603050405020304" pitchFamily="18" charset="0"/>
                 <a:cs typeface="Times New Roman" panose="02020603050405020304" pitchFamily="18" charset="0"/>
@@ -5180,11 +5662,10 @@
               <a:t> сервиса настройки правил перехвата пакетов IDS системы </a:t>
             </a:r>
             <a:r>
-              <a:rPr lang="ru-RU" sz="2800" dirty="0" err="1" smtClean="0">
+              <a:rPr lang="ru-RU" sz="2100" dirty="0" err="1">
                 <a:solidFill>
                   <a:srgbClr val="000000"/>
                 </a:solidFill>
-                <a:effectLst/>
                 <a:latin typeface="Times New Roman" panose="02020603050405020304" pitchFamily="18" charset="0"/>
                 <a:ea typeface="Times New Roman" panose="02020603050405020304" pitchFamily="18" charset="0"/>
                 <a:cs typeface="Times New Roman" panose="02020603050405020304" pitchFamily="18" charset="0"/>
@@ -5192,11 +5673,10 @@
               <a:t>Suricata</a:t>
             </a:r>
             <a:r>
-              <a:rPr lang="ru-RU" sz="2800" dirty="0" smtClean="0">
+              <a:rPr lang="ru-RU" sz="2100" dirty="0">
                 <a:solidFill>
                   <a:srgbClr val="000000"/>
                 </a:solidFill>
-                <a:effectLst/>
                 <a:latin typeface="Times New Roman" panose="02020603050405020304" pitchFamily="18" charset="0"/>
                 <a:ea typeface="Times New Roman" panose="02020603050405020304" pitchFamily="18" charset="0"/>
                 <a:cs typeface="Times New Roman" panose="02020603050405020304" pitchFamily="18" charset="0"/>
@@ -5205,19 +5685,18 @@
             </a:r>
           </a:p>
           <a:p>
-            <a:pPr marL="342900" lvl="0" indent="-342900">
+            <a:pPr marL="257175" indent="-257175">
               <a:lnSpc>
                 <a:spcPct val="150000"/>
               </a:lnSpc>
               <a:buFont typeface="Symbol" panose="05050102010706020507" pitchFamily="18" charset="2"/>
               <a:buChar char=""/>
               <a:tabLst>
-                <a:tab pos="685800" algn="l"/>
+                <a:tab pos="514350" algn="l"/>
               </a:tabLst>
             </a:pPr>
             <a:r>
-              <a:rPr lang="ru-RU" sz="2800" dirty="0" smtClean="0">
-                <a:effectLst/>
+              <a:rPr lang="ru-RU" sz="2100" dirty="0">
                 <a:latin typeface="Times New Roman" panose="02020603050405020304" pitchFamily="18" charset="0"/>
                 <a:cs typeface="Times New Roman" panose="02020603050405020304" pitchFamily="18" charset="0"/>
               </a:rPr>
@@ -5225,19 +5704,18 @@
             </a:r>
           </a:p>
           <a:p>
-            <a:pPr marL="342900" lvl="0" indent="-342900">
+            <a:pPr marL="257175" indent="-257175">
               <a:lnSpc>
                 <a:spcPct val="150000"/>
               </a:lnSpc>
               <a:buFont typeface="Symbol" panose="05050102010706020507" pitchFamily="18" charset="2"/>
               <a:buChar char=""/>
               <a:tabLst>
-                <a:tab pos="685800" algn="l"/>
+                <a:tab pos="514350" algn="l"/>
               </a:tabLst>
             </a:pPr>
             <a:r>
-              <a:rPr lang="ru-RU" sz="2800" dirty="0" smtClean="0">
-                <a:effectLst/>
+              <a:rPr lang="ru-RU" sz="2100" dirty="0">
                 <a:latin typeface="Times New Roman" panose="02020603050405020304" pitchFamily="18" charset="0"/>
                 <a:cs typeface="Times New Roman" panose="02020603050405020304" pitchFamily="18" charset="0"/>
               </a:rPr>
@@ -5245,19 +5723,18 @@
             </a:r>
           </a:p>
           <a:p>
-            <a:pPr marL="342900" lvl="0" indent="-342900">
+            <a:pPr marL="257175" indent="-257175">
               <a:lnSpc>
                 <a:spcPct val="150000"/>
               </a:lnSpc>
               <a:buFont typeface="Symbol" panose="05050102010706020507" pitchFamily="18" charset="2"/>
               <a:buChar char=""/>
               <a:tabLst>
-                <a:tab pos="685800" algn="l"/>
+                <a:tab pos="514350" algn="l"/>
               </a:tabLst>
             </a:pPr>
             <a:r>
-              <a:rPr lang="ru-RU" sz="2800" dirty="0" smtClean="0">
-                <a:effectLst/>
+              <a:rPr lang="ru-RU" sz="2100" dirty="0">
                 <a:latin typeface="Times New Roman" panose="02020603050405020304" pitchFamily="18" charset="0"/>
                 <a:cs typeface="Times New Roman" panose="02020603050405020304" pitchFamily="18" charset="0"/>
               </a:rPr>
@@ -5265,35 +5742,32 @@
             </a:r>
           </a:p>
           <a:p>
-            <a:pPr marL="342900" lvl="0" indent="-342900">
+            <a:pPr marL="257175" indent="-257175">
               <a:lnSpc>
                 <a:spcPct val="150000"/>
               </a:lnSpc>
               <a:buFont typeface="Symbol" panose="05050102010706020507" pitchFamily="18" charset="2"/>
               <a:buChar char=""/>
               <a:tabLst>
-                <a:tab pos="685800" algn="l"/>
+                <a:tab pos="514350" algn="l"/>
               </a:tabLst>
             </a:pPr>
             <a:r>
-              <a:rPr lang="ru-RU" sz="2800" dirty="0" smtClean="0">
-                <a:effectLst/>
+              <a:rPr lang="ru-RU" sz="2100" dirty="0">
                 <a:latin typeface="Times New Roman" panose="02020603050405020304" pitchFamily="18" charset="0"/>
                 <a:cs typeface="Times New Roman" panose="02020603050405020304" pitchFamily="18" charset="0"/>
               </a:rPr>
               <a:t>спроектировать </a:t>
             </a:r>
             <a:r>
-              <a:rPr lang="ru-RU" sz="2800" dirty="0" err="1" smtClean="0">
-                <a:effectLst/>
+              <a:rPr lang="ru-RU" sz="2100" dirty="0" err="1">
                 <a:latin typeface="Times New Roman" panose="02020603050405020304" pitchFamily="18" charset="0"/>
                 <a:cs typeface="Times New Roman" panose="02020603050405020304" pitchFamily="18" charset="0"/>
               </a:rPr>
               <a:t>JUnit</a:t>
             </a:r>
             <a:r>
-              <a:rPr lang="ru-RU" sz="2800" dirty="0" smtClean="0">
-                <a:effectLst/>
+              <a:rPr lang="ru-RU" sz="2100" dirty="0">
                 <a:latin typeface="Times New Roman" panose="02020603050405020304" pitchFamily="18" charset="0"/>
                 <a:cs typeface="Times New Roman" panose="02020603050405020304" pitchFamily="18" charset="0"/>
               </a:rPr>
@@ -5301,28 +5775,97 @@
             </a:r>
           </a:p>
           <a:p>
-            <a:pPr marL="342900" lvl="0" indent="-342900">
+            <a:pPr marL="257175" indent="-257175">
               <a:lnSpc>
                 <a:spcPct val="150000"/>
               </a:lnSpc>
               <a:buFont typeface="Symbol" panose="05050102010706020507" pitchFamily="18" charset="2"/>
               <a:buChar char=""/>
               <a:tabLst>
-                <a:tab pos="685800" algn="l"/>
+                <a:tab pos="514350" algn="l"/>
               </a:tabLst>
             </a:pPr>
             <a:r>
-              <a:rPr lang="ru-RU" sz="2800" dirty="0" smtClean="0">
-                <a:effectLst/>
+              <a:rPr lang="ru-RU" sz="2100" dirty="0">
                 <a:latin typeface="Times New Roman" panose="02020603050405020304" pitchFamily="18" charset="0"/>
                 <a:cs typeface="Times New Roman" panose="02020603050405020304" pitchFamily="18" charset="0"/>
               </a:rPr>
               <a:t>описать требования, конструкцию, особенности сборки и запуска в документации.</a:t>
             </a:r>
-            <a:endParaRPr lang="ru-RU" sz="2800" dirty="0">
-              <a:effectLst/>
+            <a:endParaRPr lang="ru-RU" sz="2100" dirty="0">
               <a:latin typeface="Times New Roman" panose="02020603050405020304" pitchFamily="18" charset="0"/>
               <a:cs typeface="Times New Roman" panose="02020603050405020304" pitchFamily="18" charset="0"/>
+            </a:endParaRPr>
+          </a:p>
+        </p:txBody>
+      </p:sp>
+      <p:sp>
+        <p:nvSpPr>
+          <p:cNvPr id="2" name="Номер слайда 1"/>
+          <p:cNvSpPr>
+            <a:spLocks noGrp="1"/>
+          </p:cNvSpPr>
+          <p:nvPr>
+            <p:ph type="sldNum" sz="quarter" idx="12"/>
+          </p:nvPr>
+        </p:nvSpPr>
+        <p:spPr/>
+        <p:txBody>
+          <a:bodyPr/>
+          <a:lstStyle/>
+          <a:p>
+            <a:fld id="{3177E89D-76AF-4E24-8F7F-2685DD826F0A}" type="slidenum">
+              <a:rPr lang="ru-RU" sz="1800" smtClean="0"/>
+              <a:t>7</a:t>
+            </a:fld>
+            <a:endParaRPr lang="ru-RU" sz="1800" dirty="0"/>
+          </a:p>
+        </p:txBody>
+      </p:sp>
+      <p:sp>
+        <p:nvSpPr>
+          <p:cNvPr id="7" name="Заголовок 1"/>
+          <p:cNvSpPr>
+            <a:spLocks noGrp="1"/>
+          </p:cNvSpPr>
+          <p:nvPr>
+            <p:ph type="title"/>
+          </p:nvPr>
+        </p:nvSpPr>
+        <p:spPr>
+          <a:xfrm>
+            <a:off x="628650" y="365126"/>
+            <a:ext cx="7886700" cy="1325563"/>
+          </a:xfrm>
+        </p:spPr>
+        <p:txBody>
+          <a:bodyPr/>
+          <a:lstStyle/>
+          <a:p>
+            <a:r>
+              <a:rPr lang="ru-RU" kern="0" dirty="0">
+                <a:solidFill>
+                  <a:srgbClr val="000000"/>
+                </a:solidFill>
+                <a:latin typeface="+mn-lt"/>
+                <a:ea typeface="Times New Roman" panose="02020603050405020304" pitchFamily="18" charset="0"/>
+                <a:cs typeface="Times New Roman" panose="02020603050405020304" pitchFamily="18" charset="0"/>
+              </a:rPr>
+              <a:t>Техническое </a:t>
+            </a:r>
+            <a:r>
+              <a:rPr lang="ru-RU" kern="0" dirty="0" smtClean="0">
+                <a:solidFill>
+                  <a:srgbClr val="000000"/>
+                </a:solidFill>
+                <a:latin typeface="+mn-lt"/>
+                <a:ea typeface="Times New Roman" panose="02020603050405020304" pitchFamily="18" charset="0"/>
+                <a:cs typeface="Times New Roman" panose="02020603050405020304" pitchFamily="18" charset="0"/>
+              </a:rPr>
+              <a:t>задание</a:t>
+            </a:r>
+            <a:endParaRPr lang="ru-RU" dirty="0">
+              <a:latin typeface="+mn-lt"/>
             </a:endParaRPr>
           </a:p>
         </p:txBody>
@@ -5357,40 +5900,6 @@
           <a:chExt cx="0" cy="0"/>
         </a:xfrm>
       </p:grpSpPr>
-      <p:sp>
-        <p:nvSpPr>
-          <p:cNvPr id="2" name="Заголовок 1"/>
-          <p:cNvSpPr>
-            <a:spLocks noGrp="1"/>
-          </p:cNvSpPr>
-          <p:nvPr>
-            <p:ph type="title"/>
-          </p:nvPr>
-        </p:nvSpPr>
-        <p:spPr/>
-        <p:txBody>
-          <a:bodyPr>
-            <a:normAutofit fontScale="90000"/>
-          </a:bodyPr>
-          <a:lstStyle/>
-          <a:p>
-            <a:r>
-              <a:rPr lang="ru-RU" sz="4900" dirty="0">
-                <a:cs typeface="Times New Roman" panose="02020603050405020304" pitchFamily="18" charset="0"/>
-              </a:rPr>
-              <a:t>Выявление заинтересованных сторон и их интересов</a:t>
-            </a:r>
-            <a:r>
-              <a:rPr lang="ru-RU" b="1" dirty="0"/>
-              <a:t/>
-            </a:r>
-            <a:br>
-              <a:rPr lang="ru-RU" b="1" dirty="0"/>
-            </a:br>
-            <a:endParaRPr lang="ru-RU" dirty="0"/>
-          </a:p>
-        </p:txBody>
-      </p:sp>
       <p:graphicFrame>
         <p:nvGraphicFramePr>
           <p:cNvPr id="4" name="Объект 3"/>
@@ -5401,14 +5910,14 @@
             <p:ph idx="1"/>
             <p:extLst>
               <p:ext uri="{D42A27DB-BD31-4B8C-83A1-F6EECF244321}">
-                <p14:modId xmlns:p14="http://schemas.microsoft.com/office/powerpoint/2010/main" val="1225700523"/>
+                <p14:modId xmlns:p14="http://schemas.microsoft.com/office/powerpoint/2010/main" val="3273163149"/>
               </p:ext>
             </p:extLst>
           </p:nvPr>
         </p:nvGraphicFramePr>
         <p:xfrm>
-          <a:off x="838200" y="1690688"/>
-          <a:ext cx="9971762" cy="4839559"/>
+          <a:off x="698268" y="2279811"/>
+          <a:ext cx="7730835" cy="3455971"/>
         </p:xfrm>
         <a:graphic>
           <a:graphicData uri="http://schemas.openxmlformats.org/drawingml/2006/table">
@@ -5417,14 +5926,14 @@
                 <a:tableStyleId>{5C22544A-7EE6-4342-B048-85BDC9FD1C3A}</a:tableStyleId>
               </a:tblPr>
               <a:tblGrid>
-                <a:gridCol w="2711824">
+                <a:gridCol w="2155020">
                   <a:extLst>
                     <a:ext uri="{9D8B030D-6E8A-4147-A177-3AD203B41FA5}">
                       <a16:colId xmlns:a16="http://schemas.microsoft.com/office/drawing/2014/main" val="268853680"/>
                     </a:ext>
                   </a:extLst>
                 </a:gridCol>
-                <a:gridCol w="7259938">
+                <a:gridCol w="5575815">
                   <a:extLst>
                     <a:ext uri="{9D8B030D-6E8A-4147-A177-3AD203B41FA5}">
                       <a16:colId xmlns:a16="http://schemas.microsoft.com/office/drawing/2014/main" val="1879963911"/>
@@ -5432,13 +5941,13 @@
                   </a:extLst>
                 </a:gridCol>
               </a:tblGrid>
-              <a:tr h="650885">
+              <a:tr h="515579">
                 <a:tc>
                   <a:txBody>
                     <a:bodyPr/>
                     <a:lstStyle/>
                     <a:p>
-                      <a:pPr marR="36830" indent="457200" algn="ctr">
+                      <a:pPr marR="36830" lvl="0" indent="457200" algn="ctr">
                         <a:lnSpc>
                           <a:spcPct val="115000"/>
                         </a:lnSpc>
@@ -5447,12 +5956,31 @@
                         </a:spcAft>
                       </a:pPr>
                       <a:r>
-                        <a:rPr lang="ru-RU" sz="1900">
-                          <a:effectLst/>
-                        </a:rPr>
-                        <a:t>Заинтересованные стороны</a:t>
-                      </a:r>
-                      <a:endParaRPr lang="ru-RU" sz="2200">
+                        <a:rPr lang="ru-RU" sz="1200" dirty="0" smtClean="0">
+                          <a:effectLst/>
+                        </a:rPr>
+                        <a:t>Заинтересованные</a:t>
+                      </a:r>
+                      <a:endParaRPr lang="en-US" sz="1200" dirty="0" smtClean="0">
+                        <a:effectLst/>
+                      </a:endParaRPr>
+                    </a:p>
+                    <a:p>
+                      <a:pPr marR="36830" lvl="0" indent="457200" algn="ctr">
+                        <a:lnSpc>
+                          <a:spcPct val="115000"/>
+                        </a:lnSpc>
+                        <a:spcAft>
+                          <a:spcPts val="0"/>
+                        </a:spcAft>
+                      </a:pPr>
+                      <a:r>
+                        <a:rPr lang="ru-RU" sz="1200" dirty="0" smtClean="0">
+                          <a:effectLst/>
+                        </a:rPr>
+                        <a:t>стороны</a:t>
+                      </a:r>
+                      <a:endParaRPr lang="ru-RU" sz="1200" dirty="0">
                         <a:solidFill>
                           <a:srgbClr val="000000"/>
                         </a:solidFill>
@@ -5463,7 +5991,7 @@
                       </a:endParaRPr>
                     </a:p>
                   </a:txBody>
-                  <a:tcPr marL="109580" marR="109580" marT="0" marB="0"/>
+                  <a:tcPr marL="82185" marR="82185" marT="0" marB="0"/>
                 </a:tc>
                 <a:tc>
                   <a:txBody>
@@ -5479,12 +6007,12 @@
                         </a:spcAft>
                       </a:pPr>
                       <a:r>
-                        <a:rPr lang="ru-RU" sz="1900">
+                        <a:rPr lang="ru-RU" sz="1200" dirty="0">
                           <a:effectLst/>
                         </a:rPr>
                         <a:t>Интересы заинтересованных сторон</a:t>
                       </a:r>
-                      <a:endParaRPr lang="ru-RU" sz="2200">
+                      <a:endParaRPr lang="ru-RU" sz="1200" dirty="0">
                         <a:solidFill>
                           <a:srgbClr val="000000"/>
                         </a:solidFill>
@@ -5495,7 +6023,7 @@
                       </a:endParaRPr>
                     </a:p>
                   </a:txBody>
-                  <a:tcPr marL="109580" marR="109580" marT="0" marB="0"/>
+                  <a:tcPr marL="82185" marR="82185" marT="0" marB="0"/>
                 </a:tc>
                 <a:extLst>
                   <a:ext uri="{0D108BD9-81ED-4DB2-BD59-A6C34878D82A}">
@@ -5503,13 +6031,13 @@
                   </a:ext>
                 </a:extLst>
               </a:tr>
-              <a:tr h="1322974">
+              <a:tr h="798791">
                 <a:tc>
                   <a:txBody>
                     <a:bodyPr/>
                     <a:lstStyle/>
                     <a:p>
-                      <a:pPr marR="36830" indent="457200" algn="ctr">
+                      <a:pPr marR="36830" indent="457200" algn="l">
                         <a:lnSpc>
                           <a:spcPct val="115000"/>
                         </a:lnSpc>
@@ -5518,12 +6046,28 @@
                         </a:spcAft>
                       </a:pPr>
                       <a:r>
-                        <a:rPr lang="ru-RU" sz="1900" dirty="0">
-                          <a:effectLst/>
-                        </a:rPr>
-                        <a:t>Системный администратор </a:t>
-                      </a:r>
-                      <a:endParaRPr lang="ru-RU" sz="2200" dirty="0">
+                        <a:rPr lang="ru-RU" sz="1200" b="1" dirty="0" smtClean="0">
+                          <a:effectLst/>
+                        </a:rPr>
+                        <a:t>Системный</a:t>
+                      </a:r>
+                    </a:p>
+                    <a:p>
+                      <a:pPr marR="36830" indent="457200" algn="l">
+                        <a:lnSpc>
+                          <a:spcPct val="115000"/>
+                        </a:lnSpc>
+                        <a:spcAft>
+                          <a:spcPts val="0"/>
+                        </a:spcAft>
+                      </a:pPr>
+                      <a:r>
+                        <a:rPr lang="ru-RU" sz="1200" b="1" dirty="0" smtClean="0">
+                          <a:effectLst/>
+                        </a:rPr>
+                        <a:t>администратор </a:t>
+                      </a:r>
+                      <a:endParaRPr lang="ru-RU" sz="1200" b="1" dirty="0">
                         <a:solidFill>
                           <a:srgbClr val="000000"/>
                         </a:solidFill>
@@ -5534,14 +6078,14 @@
                       </a:endParaRPr>
                     </a:p>
                   </a:txBody>
-                  <a:tcPr marL="109580" marR="109580" marT="0" marB="0"/>
+                  <a:tcPr marL="82185" marR="82185" marT="0" marB="0"/>
                 </a:tc>
                 <a:tc>
                   <a:txBody>
                     <a:bodyPr/>
                     <a:lstStyle/>
                     <a:p>
-                      <a:pPr>
+                      <a:pPr lvl="1">
                         <a:lnSpc>
                           <a:spcPct val="115000"/>
                         </a:lnSpc>
@@ -5550,35 +6094,35 @@
                         </a:spcAft>
                       </a:pPr>
                       <a:r>
-                        <a:rPr lang="ru-RU" sz="1900" dirty="0" smtClean="0">
-                          <a:effectLst/>
-                        </a:rPr>
-                        <a:t>        Добавление </a:t>
-                      </a:r>
-                      <a:r>
-                        <a:rPr lang="ru-RU" sz="1900" dirty="0">
+                        <a:rPr lang="ru-RU" sz="1200" dirty="0" smtClean="0">
+                          <a:effectLst/>
+                        </a:rPr>
+                        <a:t>Добавление </a:t>
+                      </a:r>
+                      <a:r>
+                        <a:rPr lang="ru-RU" sz="1200" dirty="0">
                           <a:effectLst/>
                         </a:rPr>
                         <a:t>правил в конфигурационный файл </a:t>
                       </a:r>
                       <a:r>
-                        <a:rPr lang="en-US" sz="1900" dirty="0">
+                        <a:rPr lang="en-US" sz="1200" dirty="0">
                           <a:effectLst/>
                         </a:rPr>
                         <a:t>IDS </a:t>
                       </a:r>
                       <a:r>
-                        <a:rPr lang="en-US" sz="1900" dirty="0" err="1">
+                        <a:rPr lang="en-US" sz="1200" dirty="0" err="1" smtClean="0">
                           <a:effectLst/>
                         </a:rPr>
                         <a:t>Suricata</a:t>
                       </a:r>
-                      <a:endParaRPr lang="ru-RU" sz="2200" dirty="0">
+                      <a:endParaRPr lang="en-US" sz="1200" dirty="0">
                         <a:effectLst/>
                       </a:endParaRPr>
                     </a:p>
                     <a:p>
-                      <a:pPr indent="457200" algn="just">
+                      <a:pPr lvl="1">
                         <a:lnSpc>
                           <a:spcPct val="115000"/>
                         </a:lnSpc>
@@ -5586,18 +6130,12 @@
                           <a:spcPts val="0"/>
                         </a:spcAft>
                       </a:pPr>
-                      <a:r>
-                        <a:rPr lang="ru-RU" sz="1900" dirty="0">
-                          <a:effectLst/>
-                        </a:rPr>
-                        <a:t> </a:t>
-                      </a:r>
-                      <a:endParaRPr lang="ru-RU" sz="2200" dirty="0">
+                      <a:endParaRPr lang="ru-RU" sz="1200" dirty="0">
                         <a:effectLst/>
                       </a:endParaRPr>
                     </a:p>
                     <a:p>
-                      <a:pPr>
+                      <a:pPr lvl="1">
                         <a:lnSpc>
                           <a:spcPct val="115000"/>
                         </a:lnSpc>
@@ -5606,35 +6144,35 @@
                         </a:spcAft>
                       </a:pPr>
                       <a:r>
-                        <a:rPr lang="ru-RU" sz="1900" dirty="0" smtClean="0">
-                          <a:effectLst/>
-                        </a:rPr>
-                        <a:t>        Удаление </a:t>
-                      </a:r>
-                      <a:r>
-                        <a:rPr lang="ru-RU" sz="1900" dirty="0">
+                        <a:rPr lang="ru-RU" sz="1200" dirty="0" smtClean="0">
+                          <a:effectLst/>
+                        </a:rPr>
+                        <a:t>Удаление </a:t>
+                      </a:r>
+                      <a:r>
+                        <a:rPr lang="ru-RU" sz="1200" dirty="0">
                           <a:effectLst/>
                         </a:rPr>
                         <a:t>правил из конфигурационного файла </a:t>
                       </a:r>
                       <a:r>
-                        <a:rPr lang="en-US" sz="1900" dirty="0">
+                        <a:rPr lang="en-US" sz="1200" dirty="0">
                           <a:effectLst/>
                         </a:rPr>
                         <a:t>IDS </a:t>
                       </a:r>
                       <a:r>
-                        <a:rPr lang="en-US" sz="1900" dirty="0" err="1" smtClean="0">
+                        <a:rPr lang="en-US" sz="1200" dirty="0" err="1" smtClean="0">
                           <a:effectLst/>
                         </a:rPr>
                         <a:t>Suricat</a:t>
                       </a:r>
-                      <a:endParaRPr lang="ru-RU" sz="2200" dirty="0">
+                      <a:endParaRPr lang="ru-RU" sz="1200" dirty="0">
                         <a:effectLst/>
                       </a:endParaRPr>
                     </a:p>
                   </a:txBody>
-                  <a:tcPr marL="109580" marR="109580" marT="0" marB="0"/>
+                  <a:tcPr marL="82185" marR="82185" marT="0" marB="0"/>
                 </a:tc>
                 <a:extLst>
                   <a:ext uri="{0D108BD9-81ED-4DB2-BD59-A6C34878D82A}">
@@ -5642,13 +6180,13 @@
                   </a:ext>
                 </a:extLst>
               </a:tr>
-              <a:tr h="1580181">
+              <a:tr h="1187161">
                 <a:tc>
                   <a:txBody>
                     <a:bodyPr/>
                     <a:lstStyle/>
                     <a:p>
-                      <a:pPr marR="36830" indent="457200" algn="ctr">
+                      <a:pPr marR="36830" lvl="0" indent="457200" algn="l">
                         <a:lnSpc>
                           <a:spcPct val="115000"/>
                         </a:lnSpc>
@@ -5657,36 +6195,78 @@
                         </a:spcAft>
                       </a:pPr>
                       <a:r>
-                        <a:rPr lang="ru-RU" sz="1900" dirty="0">
-                          <a:effectLst/>
-                        </a:rPr>
-                        <a:t>Владелец </a:t>
-                      </a:r>
-                      <a:r>
-                        <a:rPr lang="ru-RU" sz="1900" dirty="0" err="1">
+                        <a:rPr lang="ru-RU" sz="1200" b="1" dirty="0" smtClean="0">
+                          <a:effectLst/>
+                        </a:rPr>
+                        <a:t>Владелец</a:t>
+                      </a:r>
+                    </a:p>
+                    <a:p>
+                      <a:pPr marR="36830" lvl="0" indent="457200" algn="l">
+                        <a:lnSpc>
+                          <a:spcPct val="115000"/>
+                        </a:lnSpc>
+                        <a:spcAft>
+                          <a:spcPts val="0"/>
+                        </a:spcAft>
+                      </a:pPr>
+                      <a:r>
+                        <a:rPr lang="ru-RU" sz="1200" b="1" dirty="0" err="1" smtClean="0">
                           <a:effectLst/>
                         </a:rPr>
                         <a:t>опенсорсного</a:t>
                       </a:r>
-                      <a:r>
-                        <a:rPr lang="ru-RU" sz="1900" dirty="0">
-                          <a:effectLst/>
-                        </a:rPr>
-                        <a:t> проекта (</a:t>
-                      </a:r>
-                      <a:r>
-                        <a:rPr lang="en-US" sz="1900" dirty="0">
+                      <a:endParaRPr lang="ru-RU" sz="1200" b="1" dirty="0" smtClean="0">
+                        <a:effectLst/>
+                      </a:endParaRPr>
+                    </a:p>
+                    <a:p>
+                      <a:pPr marR="36830" lvl="0" indent="457200" algn="l">
+                        <a:lnSpc>
+                          <a:spcPct val="115000"/>
+                        </a:lnSpc>
+                        <a:spcAft>
+                          <a:spcPts val="0"/>
+                        </a:spcAft>
+                      </a:pPr>
+                      <a:r>
+                        <a:rPr lang="ru-RU" sz="1200" b="1" dirty="0" smtClean="0">
+                          <a:effectLst/>
+                        </a:rPr>
+                        <a:t>проекта</a:t>
+                      </a:r>
+                      <a:endParaRPr lang="en-US" sz="1200" b="1" dirty="0" smtClean="0">
+                        <a:effectLst/>
+                      </a:endParaRPr>
+                    </a:p>
+                    <a:p>
+                      <a:pPr marR="36830" lvl="0" indent="457200" algn="l">
+                        <a:lnSpc>
+                          <a:spcPct val="115000"/>
+                        </a:lnSpc>
+                        <a:spcAft>
+                          <a:spcPts val="0"/>
+                        </a:spcAft>
+                      </a:pPr>
+                      <a:r>
+                        <a:rPr lang="ru-RU" sz="1200" b="1" dirty="0" smtClean="0">
+                          <a:effectLst/>
+                        </a:rPr>
+                        <a:t>(</a:t>
+                      </a:r>
+                      <a:r>
+                        <a:rPr lang="en-US" sz="1200" b="1" dirty="0">
                           <a:effectLst/>
                         </a:rPr>
                         <a:t>project owner</a:t>
                       </a:r>
                       <a:r>
-                        <a:rPr lang="ru-RU" sz="1900" dirty="0">
+                        <a:rPr lang="ru-RU" sz="1200" b="1" dirty="0">
                           <a:effectLst/>
                         </a:rPr>
                         <a:t>)</a:t>
                       </a:r>
-                      <a:endParaRPr lang="ru-RU" sz="2200" dirty="0">
+                      <a:endParaRPr lang="ru-RU" sz="1200" b="1" dirty="0">
                         <a:solidFill>
                           <a:srgbClr val="000000"/>
                         </a:solidFill>
@@ -5697,14 +6277,14 @@
                       </a:endParaRPr>
                     </a:p>
                   </a:txBody>
-                  <a:tcPr marL="109580" marR="109580" marT="0" marB="0"/>
+                  <a:tcPr marL="82185" marR="82185" marT="0" marB="0"/>
                 </a:tc>
                 <a:tc>
                   <a:txBody>
                     <a:bodyPr/>
                     <a:lstStyle/>
                     <a:p>
-                      <a:pPr marL="457200" algn="just">
+                      <a:pPr marL="457200" lvl="0" algn="just">
                         <a:lnSpc>
                           <a:spcPct val="106000"/>
                         </a:lnSpc>
@@ -5713,38 +6293,38 @@
                         </a:spcAft>
                       </a:pPr>
                       <a:r>
-                        <a:rPr lang="ru-RU" sz="1900" dirty="0">
+                        <a:rPr lang="ru-RU" sz="1200" dirty="0">
                           <a:effectLst/>
                         </a:rPr>
                         <a:t>Быстрая и полная передача исходного кода, </a:t>
                       </a:r>
                       <a:r>
-                        <a:rPr lang="ru-RU" sz="1900" dirty="0" smtClean="0">
+                        <a:rPr lang="ru-RU" sz="1200" dirty="0" smtClean="0">
                           <a:effectLst/>
                         </a:rPr>
                         <a:t>настроек,</a:t>
                       </a:r>
                       <a:r>
-                        <a:rPr lang="ru-RU" sz="1900" baseline="0" dirty="0" smtClean="0">
+                        <a:rPr lang="ru-RU" sz="1200" baseline="0" dirty="0" smtClean="0">
                           <a:effectLst/>
                         </a:rPr>
                         <a:t> </a:t>
                       </a:r>
                       <a:r>
-                        <a:rPr lang="ru-RU" sz="1900" dirty="0" smtClean="0">
+                        <a:rPr lang="ru-RU" sz="1200" dirty="0" smtClean="0">
                           <a:effectLst/>
                         </a:rPr>
                         <a:t>документов</a:t>
                       </a:r>
                       <a:r>
-                        <a:rPr lang="ru-RU" sz="1900" dirty="0">
+                        <a:rPr lang="ru-RU" sz="1200" dirty="0">
                           <a:effectLst/>
                         </a:rPr>
                         <a:t>.</a:t>
                       </a:r>
                     </a:p>
                     <a:p>
-                      <a:pPr marL="457200" algn="just">
+                      <a:pPr marL="457200" lvl="0" algn="just">
                         <a:lnSpc>
                           <a:spcPct val="106000"/>
                         </a:lnSpc>
@@ -5753,17 +6333,17 @@
                         </a:spcAft>
                       </a:pPr>
                       <a:r>
-                        <a:rPr lang="ru-RU" sz="1900" dirty="0">
+                        <a:rPr lang="ru-RU" sz="1200" dirty="0">
                           <a:effectLst/>
                         </a:rPr>
                         <a:t> </a:t>
                       </a:r>
-                      <a:endParaRPr lang="ru-RU" sz="1900" dirty="0" smtClean="0">
+                      <a:endParaRPr lang="ru-RU" sz="1200" dirty="0" smtClean="0">
                         <a:effectLst/>
                       </a:endParaRPr>
                     </a:p>
                     <a:p>
-                      <a:pPr marL="457200" algn="just">
+                      <a:pPr marL="457200" lvl="0" algn="just">
                         <a:lnSpc>
                           <a:spcPct val="106000"/>
                         </a:lnSpc>
@@ -5772,30 +6352,30 @@
                         </a:spcAft>
                       </a:pPr>
                       <a:r>
-                        <a:rPr lang="ru-RU" sz="1900" dirty="0" smtClean="0">
+                        <a:rPr lang="ru-RU" sz="1200" dirty="0" smtClean="0">
                           <a:effectLst/>
                         </a:rPr>
                         <a:t>Возможность </a:t>
                       </a:r>
                       <a:r>
-                        <a:rPr lang="ru-RU" sz="1900" dirty="0">
+                        <a:rPr lang="ru-RU" sz="1200" dirty="0">
                           <a:effectLst/>
                         </a:rPr>
                         <a:t>в дальнейшем совершенствовать систему, </a:t>
                       </a:r>
                       <a:r>
-                        <a:rPr lang="ru-RU" sz="1900" dirty="0" smtClean="0">
+                        <a:rPr lang="ru-RU" sz="1200" dirty="0" smtClean="0">
                           <a:effectLst/>
                         </a:rPr>
                         <a:t>    например</a:t>
                       </a:r>
                       <a:r>
-                        <a:rPr lang="ru-RU" sz="1900" dirty="0">
+                        <a:rPr lang="ru-RU" sz="1200" dirty="0">
                           <a:effectLst/>
                         </a:rPr>
                         <a:t>, добавляя новые модули и возможности</a:t>
                       </a:r>
-                      <a:endParaRPr lang="ru-RU" sz="2200" dirty="0">
+                      <a:endParaRPr lang="ru-RU" sz="1200" dirty="0">
                         <a:solidFill>
                           <a:srgbClr val="000000"/>
                         </a:solidFill>
@@ -5806,7 +6386,7 @@
                       </a:endParaRPr>
                     </a:p>
                   </a:txBody>
-                  <a:tcPr marL="109580" marR="109580" marT="0" marB="0"/>
+                  <a:tcPr marL="82185" marR="82185" marT="0" marB="0"/>
                 </a:tc>
                 <a:extLst>
                   <a:ext uri="{0D108BD9-81ED-4DB2-BD59-A6C34878D82A}">
@@ -5814,13 +6394,13 @@
                   </a:ext>
                 </a:extLst>
               </a:tr>
-              <a:tr h="1270416">
+              <a:tr h="954440">
                 <a:tc>
                   <a:txBody>
                     <a:bodyPr/>
                     <a:lstStyle/>
                     <a:p>
-                      <a:pPr algn="ctr">
+                      <a:pPr lvl="1" algn="l">
                         <a:lnSpc>
                           <a:spcPct val="115000"/>
                         </a:lnSpc>
@@ -5829,12 +6409,12 @@
                         </a:spcAft>
                       </a:pPr>
                       <a:r>
-                        <a:rPr lang="ru-RU" sz="1900" dirty="0">
+                        <a:rPr lang="ru-RU" sz="1200" b="1" dirty="0">
                           <a:effectLst/>
                         </a:rPr>
                         <a:t>Новый разработчик системы</a:t>
                       </a:r>
-                      <a:endParaRPr lang="ru-RU" sz="2200" dirty="0">
+                      <a:endParaRPr lang="ru-RU" sz="1200" b="1" dirty="0">
                         <a:solidFill>
                           <a:srgbClr val="000000"/>
                         </a:solidFill>
@@ -5845,14 +6425,14 @@
                       </a:endParaRPr>
                     </a:p>
                   </a:txBody>
-                  <a:tcPr marL="109580" marR="109580" marT="0" marB="0"/>
+                  <a:tcPr marL="82185" marR="82185" marT="0" marB="0"/>
                 </a:tc>
                 <a:tc>
                   <a:txBody>
                     <a:bodyPr/>
                     <a:lstStyle/>
                     <a:p>
-                      <a:pPr marL="457200" algn="just">
+                      <a:pPr marL="457200" lvl="0" algn="just">
                         <a:lnSpc>
                           <a:spcPct val="106000"/>
                         </a:lnSpc>
@@ -5861,14 +6441,14 @@
                         </a:spcAft>
                       </a:pPr>
                       <a:r>
-                        <a:rPr lang="ru-RU" sz="1900" dirty="0">
+                        <a:rPr lang="ru-RU" sz="1200" dirty="0">
                           <a:effectLst/>
                         </a:rPr>
                         <a:t>Быстро понять принцип работы системы.</a:t>
                       </a:r>
                     </a:p>
                     <a:p>
-                      <a:pPr marL="457200" algn="just">
+                      <a:pPr marL="457200" lvl="0" algn="just">
                         <a:lnSpc>
                           <a:spcPct val="106000"/>
                         </a:lnSpc>
@@ -5877,17 +6457,17 @@
                         </a:spcAft>
                       </a:pPr>
                       <a:r>
-                        <a:rPr lang="ru-RU" sz="1900" dirty="0">
+                        <a:rPr lang="ru-RU" sz="1200" dirty="0">
                           <a:effectLst/>
                         </a:rPr>
                         <a:t> </a:t>
                       </a:r>
-                      <a:endParaRPr lang="ru-RU" sz="1900" dirty="0" smtClean="0">
+                      <a:endParaRPr lang="ru-RU" sz="1200" dirty="0" smtClean="0">
                         <a:effectLst/>
                       </a:endParaRPr>
                     </a:p>
                     <a:p>
-                      <a:pPr marL="457200" algn="just">
+                      <a:pPr marL="457200" lvl="0" algn="just">
                         <a:lnSpc>
                           <a:spcPct val="106000"/>
                         </a:lnSpc>
@@ -5896,38 +6476,38 @@
                         </a:spcAft>
                       </a:pPr>
                       <a:r>
-                        <a:rPr lang="ru-RU" sz="1900" dirty="0" smtClean="0">
+                        <a:rPr lang="ru-RU" sz="1200" dirty="0" smtClean="0">
                           <a:effectLst/>
                         </a:rPr>
                         <a:t>Быстро </a:t>
                       </a:r>
                       <a:r>
-                        <a:rPr lang="ru-RU" sz="1900" dirty="0">
+                        <a:rPr lang="ru-RU" sz="1200" dirty="0">
                           <a:effectLst/>
                         </a:rPr>
                         <a:t>внести изменения и проверить, что они не </a:t>
                       </a:r>
                       <a:r>
-                        <a:rPr lang="ru-RU" sz="1900" dirty="0" smtClean="0">
+                        <a:rPr lang="ru-RU" sz="1200" dirty="0" smtClean="0">
                           <a:effectLst/>
                         </a:rPr>
                         <a:t>   нарушают </a:t>
                       </a:r>
                       <a:r>
-                        <a:rPr lang="ru-RU" sz="1900" dirty="0">
+                        <a:rPr lang="ru-RU" sz="1200" dirty="0">
                           <a:effectLst/>
                         </a:rPr>
                         <a:t>работу существующего </a:t>
                       </a:r>
                       <a:r>
-                        <a:rPr lang="ru-RU" sz="1900" dirty="0" smtClean="0">
+                        <a:rPr lang="ru-RU" sz="1200" dirty="0" smtClean="0">
                           <a:effectLst/>
                         </a:rPr>
                         <a:t>функционала.</a:t>
                       </a:r>
                     </a:p>
                   </a:txBody>
-                  <a:tcPr marL="109580" marR="109580" marT="0" marB="0"/>
+                  <a:tcPr marL="82185" marR="82185" marT="0" marB="0"/>
                 </a:tc>
                 <a:extLst>
                   <a:ext uri="{0D108BD9-81ED-4DB2-BD59-A6C34878D82A}">
@@ -5939,6 +6519,83 @@
           </a:graphicData>
         </a:graphic>
       </p:graphicFrame>
+      <p:sp>
+        <p:nvSpPr>
+          <p:cNvPr id="3" name="Номер слайда 2"/>
+          <p:cNvSpPr>
+            <a:spLocks noGrp="1"/>
+          </p:cNvSpPr>
+          <p:nvPr>
+            <p:ph type="sldNum" sz="quarter" idx="12"/>
+          </p:nvPr>
+        </p:nvSpPr>
+        <p:spPr/>
+        <p:txBody>
+          <a:bodyPr/>
+          <a:lstStyle/>
+          <a:p>
+            <a:fld id="{3177E89D-76AF-4E24-8F7F-2685DD826F0A}" type="slidenum">
+              <a:rPr lang="ru-RU" sz="1800" smtClean="0"/>
+              <a:t>8</a:t>
+            </a:fld>
+            <a:endParaRPr lang="ru-RU" sz="1800" dirty="0"/>
+          </a:p>
+        </p:txBody>
+      </p:sp>
+      <p:sp>
+        <p:nvSpPr>
+          <p:cNvPr id="5" name="Заголовок 1"/>
+          <p:cNvSpPr txBox="1">
+            <a:spLocks/>
+          </p:cNvSpPr>
+          <p:nvPr/>
+        </p:nvSpPr>
+        <p:spPr>
+          <a:xfrm>
+            <a:off x="628650" y="365126"/>
+            <a:ext cx="7886700" cy="1325563"/>
+          </a:xfrm>
+          <a:prstGeom prst="rect">
+            <a:avLst/>
+          </a:prstGeom>
+        </p:spPr>
+        <p:txBody>
+          <a:bodyPr vert="horz" lIns="91440" tIns="45720" rIns="91440" bIns="45720" rtlCol="0" anchor="ctr">
+            <a:normAutofit/>
+          </a:bodyPr>
+          <a:lstStyle>
+            <a:lvl1pPr algn="l" defTabSz="914400" rtl="0" eaLnBrk="1" latinLnBrk="0" hangingPunct="1">
+              <a:lnSpc>
+                <a:spcPct val="90000"/>
+              </a:lnSpc>
+              <a:spcBef>
+                <a:spcPct val="0"/>
+              </a:spcBef>
+              <a:buNone/>
+              <a:defRPr sz="4400" kern="1200">
+                <a:solidFill>
+                  <a:schemeClr val="tx1"/>
+                </a:solidFill>
+                <a:latin typeface="+mj-lt"/>
+                <a:ea typeface="+mj-ea"/>
+                <a:cs typeface="+mj-cs"/>
+              </a:defRPr>
+            </a:lvl1pPr>
+          </a:lstStyle>
+          <a:p>
+            <a:r>
+              <a:rPr lang="ru-RU" dirty="0">
+                <a:latin typeface="+mn-lt"/>
+                <a:cs typeface="Times New Roman" panose="02020603050405020304" pitchFamily="18" charset="0"/>
+              </a:rPr>
+              <a:t>Выявление заинтересованных сторон и их интересов</a:t>
+            </a:r>
+            <a:endParaRPr lang="ru-RU" dirty="0">
+              <a:latin typeface="+mn-lt"/>
+            </a:endParaRPr>
+          </a:p>
+        </p:txBody>
+      </p:sp>
     </p:spTree>
     <p:extLst>
       <p:ext uri="{BB962C8B-B14F-4D97-AF65-F5344CB8AC3E}">
@@ -5949,6 +6606,13 @@
   <p:clrMapOvr>
     <a:masterClrMapping/>
   </p:clrMapOvr>
+  <p:timing>
+    <p:tnLst>
+      <p:par>
+        <p:cTn id="1" dur="indefinite" restart="never" nodeType="tmRoot"/>
+      </p:par>
+    </p:tnLst>
+  </p:timing>
 </p:sld>
 </file>
 
@@ -5969,36 +6633,6 @@
           <a:chExt cx="0" cy="0"/>
         </a:xfrm>
       </p:grpSpPr>
-      <p:sp>
-        <p:nvSpPr>
-          <p:cNvPr id="2" name="Заголовок 1"/>
-          <p:cNvSpPr>
-            <a:spLocks noGrp="1"/>
-          </p:cNvSpPr>
-          <p:nvPr>
-            <p:ph type="title"/>
-          </p:nvPr>
-        </p:nvSpPr>
-        <p:spPr>
-          <a:xfrm>
-            <a:off x="112059" y="0"/>
-            <a:ext cx="10515600" cy="1325563"/>
-          </a:xfrm>
-        </p:spPr>
-        <p:txBody>
-          <a:bodyPr/>
-          <a:lstStyle/>
-          <a:p>
-            <a:r>
-              <a:rPr lang="ru-RU" dirty="0">
-                <a:cs typeface="Arial" charset="0"/>
-              </a:rPr>
-              <a:t>Выбор технических решений</a:t>
-            </a:r>
-            <a:endParaRPr lang="ru-RU" dirty="0"/>
-          </a:p>
-        </p:txBody>
-      </p:sp>
       <p:graphicFrame>
         <p:nvGraphicFramePr>
           <p:cNvPr id="4" name="Объект 3"/>
@@ -6009,14 +6643,14 @@
             <p:ph idx="1"/>
             <p:extLst>
               <p:ext uri="{D42A27DB-BD31-4B8C-83A1-F6EECF244321}">
-                <p14:modId xmlns:p14="http://schemas.microsoft.com/office/powerpoint/2010/main" val="1914968042"/>
+                <p14:modId xmlns:p14="http://schemas.microsoft.com/office/powerpoint/2010/main" val="431873873"/>
               </p:ext>
             </p:extLst>
           </p:nvPr>
         </p:nvGraphicFramePr>
         <p:xfrm>
-          <a:off x="376519" y="900843"/>
-          <a:ext cx="10797988" cy="5889611"/>
+          <a:off x="416859" y="1711050"/>
+          <a:ext cx="8098491" cy="4495579"/>
         </p:xfrm>
         <a:graphic>
           <a:graphicData uri="http://schemas.openxmlformats.org/drawingml/2006/table">
@@ -6025,14 +6659,14 @@
                 <a:tableStyleId>{5C22544A-7EE6-4342-B048-85BDC9FD1C3A}</a:tableStyleId>
               </a:tblPr>
               <a:tblGrid>
-                <a:gridCol w="5177504">
+                <a:gridCol w="3905759">
                   <a:extLst>
                     <a:ext uri="{9D8B030D-6E8A-4147-A177-3AD203B41FA5}">
                       <a16:colId xmlns:a16="http://schemas.microsoft.com/office/drawing/2014/main" val="580552284"/>
                     </a:ext>
                   </a:extLst>
                 </a:gridCol>
-                <a:gridCol w="5620484">
+                <a:gridCol w="4192732">
                   <a:extLst>
                     <a:ext uri="{9D8B030D-6E8A-4147-A177-3AD203B41FA5}">
                       <a16:colId xmlns:a16="http://schemas.microsoft.com/office/drawing/2014/main" val="1891042016"/>
@@ -6040,7 +6674,7 @@
                   </a:extLst>
                 </a:gridCol>
               </a:tblGrid>
-              <a:tr h="203439">
+              <a:tr h="152579">
                 <a:tc>
                   <a:txBody>
                     <a:bodyPr/>
@@ -6055,23 +6689,24 @@
                         </a:spcAft>
                       </a:pPr>
                       <a:r>
-                        <a:rPr lang="ru-RU" sz="1000">
-                          <a:effectLst/>
+                        <a:rPr lang="ru-RU" sz="1400" dirty="0">
+                          <a:effectLst/>
+                          <a:latin typeface="+mj-lt"/>
                         </a:rPr>
                         <a:t>Интересы заинтересованных сторон</a:t>
                       </a:r>
-                      <a:endParaRPr lang="ru-RU" sz="1400">
+                      <a:endParaRPr lang="ru-RU" sz="1400" dirty="0">
                         <a:solidFill>
                           <a:srgbClr val="000000"/>
                         </a:solidFill>
                         <a:effectLst/>
-                        <a:latin typeface="Times New Roman" panose="02020603050405020304" pitchFamily="18" charset="0"/>
+                        <a:latin typeface="+mj-lt"/>
                         <a:ea typeface="Times New Roman" panose="02020603050405020304" pitchFamily="18" charset="0"/>
                         <a:cs typeface="Times New Roman" panose="02020603050405020304" pitchFamily="18" charset="0"/>
                       </a:endParaRPr>
                     </a:p>
                   </a:txBody>
-                  <a:tcPr marL="68037" marR="68037" marT="0" marB="0"/>
+                  <a:tcPr marL="51028" marR="51028" marT="0" marB="0"/>
                 </a:tc>
                 <a:tc>
                   <a:txBody>
@@ -6087,23 +6722,24 @@
                         </a:spcAft>
                       </a:pPr>
                       <a:r>
-                        <a:rPr lang="ru-RU" sz="1000">
-                          <a:effectLst/>
+                        <a:rPr lang="ru-RU" sz="1400" dirty="0">
+                          <a:effectLst/>
+                          <a:latin typeface="+mj-lt"/>
                         </a:rPr>
                         <a:t>Технические решения</a:t>
                       </a:r>
-                      <a:endParaRPr lang="ru-RU" sz="1400">
+                      <a:endParaRPr lang="ru-RU" sz="1400" dirty="0">
                         <a:solidFill>
                           <a:srgbClr val="000000"/>
                         </a:solidFill>
                         <a:effectLst/>
-                        <a:latin typeface="Times New Roman" panose="02020603050405020304" pitchFamily="18" charset="0"/>
+                        <a:latin typeface="+mj-lt"/>
                         <a:ea typeface="Times New Roman" panose="02020603050405020304" pitchFamily="18" charset="0"/>
                         <a:cs typeface="Times New Roman" panose="02020603050405020304" pitchFamily="18" charset="0"/>
                       </a:endParaRPr>
                     </a:p>
                   </a:txBody>
-                  <a:tcPr marL="68037" marR="68037" marT="0" marB="0"/>
+                  <a:tcPr marL="51028" marR="51028" marT="0" marB="0"/>
                 </a:tc>
                 <a:extLst>
                   <a:ext uri="{0D108BD9-81ED-4DB2-BD59-A6C34878D82A}">
@@ -6111,7 +6747,7 @@
                   </a:ext>
                 </a:extLst>
               </a:tr>
-              <a:tr h="2499160">
+              <a:tr h="1892808">
                 <a:tc>
                   <a:txBody>
                     <a:bodyPr/>
@@ -6126,37 +6762,43 @@
                         </a:spcAft>
                       </a:pPr>
                       <a:r>
-                        <a:rPr lang="ru-RU" sz="1600" dirty="0" smtClean="0">
-                          <a:effectLst/>
+                        <a:rPr lang="ru-RU" sz="1200" b="1" dirty="0" smtClean="0">
+                          <a:effectLst/>
+                          <a:latin typeface="+mj-lt"/>
                         </a:rPr>
                         <a:t> Добавление </a:t>
                       </a:r>
                       <a:r>
-                        <a:rPr lang="ru-RU" sz="1600" dirty="0">
-                          <a:effectLst/>
+                        <a:rPr lang="ru-RU" sz="1200" b="1" dirty="0">
+                          <a:effectLst/>
+                          <a:latin typeface="+mj-lt"/>
                         </a:rPr>
                         <a:t>правил в конфигурационный файл </a:t>
                       </a:r>
                       <a:r>
-                        <a:rPr lang="en-US" sz="1600" dirty="0" smtClean="0">
-                          <a:effectLst/>
+                        <a:rPr lang="en-US" sz="1200" b="1" dirty="0" smtClean="0">
+                          <a:effectLst/>
+                          <a:latin typeface="+mj-lt"/>
                         </a:rPr>
                         <a:t>IDS</a:t>
                       </a:r>
                       <a:r>
-                        <a:rPr lang="ru-RU" sz="1600" baseline="0" dirty="0" smtClean="0">
-                          <a:effectLst/>
+                        <a:rPr lang="ru-RU" sz="1200" b="1" baseline="0" dirty="0" smtClean="0">
+                          <a:effectLst/>
+                          <a:latin typeface="+mj-lt"/>
                         </a:rPr>
                         <a:t> </a:t>
                       </a:r>
                       <a:r>
-                        <a:rPr lang="en-US" sz="1600" dirty="0" err="1" smtClean="0">
-                          <a:effectLst/>
+                        <a:rPr lang="en-US" sz="1200" b="1" dirty="0" err="1" smtClean="0">
+                          <a:effectLst/>
+                          <a:latin typeface="+mj-lt"/>
                         </a:rPr>
                         <a:t>Suricata</a:t>
                       </a:r>
-                      <a:endParaRPr lang="ru-RU" sz="1600" dirty="0">
+                      <a:endParaRPr lang="ru-RU" sz="1200" b="1" dirty="0">
                         <a:effectLst/>
+                        <a:latin typeface="+mj-lt"/>
                       </a:endParaRPr>
                     </a:p>
                     <a:p>
@@ -6169,8 +6811,9 @@
                         </a:spcAft>
                       </a:pPr>
                       <a:r>
-                        <a:rPr lang="ru-RU" sz="1600" dirty="0">
-                          <a:effectLst/>
+                        <a:rPr lang="ru-RU" sz="1200" b="1" dirty="0">
+                          <a:effectLst/>
+                          <a:latin typeface="+mj-lt"/>
                         </a:rPr>
                         <a:t> </a:t>
                       </a:r>
@@ -6185,25 +6828,29 @@
                         </a:spcAft>
                       </a:pPr>
                       <a:r>
-                        <a:rPr lang="ru-RU" sz="1600" dirty="0">
-                          <a:effectLst/>
+                        <a:rPr lang="ru-RU" sz="1200" b="1" dirty="0">
+                          <a:effectLst/>
+                          <a:latin typeface="+mj-lt"/>
                         </a:rPr>
                         <a:t>Удаление правил из конфигурационного файла </a:t>
                       </a:r>
                       <a:r>
-                        <a:rPr lang="en-US" sz="1600" dirty="0">
-                          <a:effectLst/>
+                        <a:rPr lang="en-US" sz="1200" b="1" dirty="0">
+                          <a:effectLst/>
+                          <a:latin typeface="+mj-lt"/>
                         </a:rPr>
                         <a:t>IDS </a:t>
                       </a:r>
                       <a:r>
-                        <a:rPr lang="en-US" sz="1600" dirty="0" err="1">
-                          <a:effectLst/>
+                        <a:rPr lang="en-US" sz="1200" b="1" dirty="0" err="1">
+                          <a:effectLst/>
+                          <a:latin typeface="+mj-lt"/>
                         </a:rPr>
                         <a:t>Suricata</a:t>
                       </a:r>
-                      <a:endParaRPr lang="ru-RU" sz="1600" dirty="0">
+                      <a:endParaRPr lang="ru-RU" sz="1200" b="1" dirty="0">
                         <a:effectLst/>
+                        <a:latin typeface="+mj-lt"/>
                       </a:endParaRPr>
                     </a:p>
                     <a:p>
@@ -6216,23 +6863,24 @@
                         </a:spcAft>
                       </a:pPr>
                       <a:r>
-                        <a:rPr lang="ru-RU" sz="1600" dirty="0">
-                          <a:effectLst/>
+                        <a:rPr lang="ru-RU" sz="1200" b="1" dirty="0">
+                          <a:effectLst/>
+                          <a:latin typeface="+mj-lt"/>
                         </a:rPr>
                         <a:t> </a:t>
                       </a:r>
-                      <a:endParaRPr lang="ru-RU" sz="1600" dirty="0">
+                      <a:endParaRPr lang="ru-RU" sz="1200" b="1" dirty="0">
                         <a:solidFill>
                           <a:srgbClr val="000000"/>
                         </a:solidFill>
                         <a:effectLst/>
-                        <a:latin typeface="Times New Roman" panose="02020603050405020304" pitchFamily="18" charset="0"/>
+                        <a:latin typeface="+mj-lt"/>
                         <a:ea typeface="Times New Roman" panose="02020603050405020304" pitchFamily="18" charset="0"/>
                         <a:cs typeface="Times New Roman" panose="02020603050405020304" pitchFamily="18" charset="0"/>
                       </a:endParaRPr>
                     </a:p>
                   </a:txBody>
-                  <a:tcPr marL="68037" marR="68037" marT="0" marB="0"/>
+                  <a:tcPr marL="51028" marR="51028" marT="0" marB="0"/>
                 </a:tc>
                 <a:tc>
                   <a:txBody>
@@ -6248,14 +6896,16 @@
                         </a:spcAft>
                       </a:pPr>
                       <a:r>
-                        <a:rPr lang="ru-RU" sz="1600" dirty="0">
-                          <a:effectLst/>
+                        <a:rPr lang="ru-RU" sz="1200" dirty="0">
+                          <a:effectLst/>
+                          <a:latin typeface="+mj-lt"/>
                         </a:rPr>
                         <a:t>Новое правило заносится одним из </a:t>
                       </a:r>
                       <a:r>
-                        <a:rPr lang="ru-RU" sz="1600" dirty="0" smtClean="0">
-                          <a:effectLst/>
+                        <a:rPr lang="ru-RU" sz="1200" dirty="0" smtClean="0">
+                          <a:effectLst/>
+                          <a:latin typeface="+mj-lt"/>
                         </a:rPr>
                         <a:t>классов</a:t>
                       </a:r>
@@ -6270,14 +6920,16 @@
                         </a:spcAft>
                       </a:pPr>
                       <a:r>
-                        <a:rPr lang="ru-RU" sz="1600" dirty="0" smtClean="0">
-                          <a:effectLst/>
+                        <a:rPr lang="ru-RU" sz="1200" dirty="0" smtClean="0">
+                          <a:effectLst/>
+                          <a:latin typeface="+mj-lt"/>
                         </a:rPr>
                         <a:t>разработанной </a:t>
                       </a:r>
                       <a:r>
-                        <a:rPr lang="ru-RU" sz="1600" dirty="0">
-                          <a:effectLst/>
+                        <a:rPr lang="ru-RU" sz="1200" dirty="0">
+                          <a:effectLst/>
+                          <a:latin typeface="+mj-lt"/>
                         </a:rPr>
                         <a:t>системы в конфигурационный файл.</a:t>
                       </a:r>
@@ -6292,8 +6944,9 @@
                         </a:spcAft>
                       </a:pPr>
                       <a:r>
-                        <a:rPr lang="ru-RU" sz="1600" dirty="0">
-                          <a:effectLst/>
+                        <a:rPr lang="ru-RU" sz="1200" dirty="0">
+                          <a:effectLst/>
+                          <a:latin typeface="+mj-lt"/>
                         </a:rPr>
                         <a:t> </a:t>
                       </a:r>
@@ -6308,14 +6961,16 @@
                         </a:spcAft>
                       </a:pPr>
                       <a:r>
-                        <a:rPr lang="ru-RU" sz="1600" dirty="0">
-                          <a:effectLst/>
+                        <a:rPr lang="ru-RU" sz="1200" dirty="0">
+                          <a:effectLst/>
+                          <a:latin typeface="+mj-lt"/>
                         </a:rPr>
                         <a:t>Существующее правило удаляется одним из </a:t>
                       </a:r>
                       <a:r>
-                        <a:rPr lang="ru-RU" sz="1600" dirty="0" smtClean="0">
-                          <a:effectLst/>
+                        <a:rPr lang="ru-RU" sz="1200" dirty="0" smtClean="0">
+                          <a:effectLst/>
+                          <a:latin typeface="+mj-lt"/>
                         </a:rPr>
                         <a:t>классов</a:t>
                       </a:r>
@@ -6330,14 +6985,16 @@
                         </a:spcAft>
                       </a:pPr>
                       <a:r>
-                        <a:rPr lang="ru-RU" sz="1600" dirty="0" smtClean="0">
-                          <a:effectLst/>
+                        <a:rPr lang="ru-RU" sz="1200" dirty="0" smtClean="0">
+                          <a:effectLst/>
+                          <a:latin typeface="+mj-lt"/>
                         </a:rPr>
                         <a:t> </a:t>
                       </a:r>
                       <a:r>
-                        <a:rPr lang="ru-RU" sz="1600" dirty="0">
-                          <a:effectLst/>
+                        <a:rPr lang="ru-RU" sz="1200" dirty="0">
+                          <a:effectLst/>
+                          <a:latin typeface="+mj-lt"/>
                         </a:rPr>
                         <a:t>разработанной системы в конфигурационном файле.</a:t>
                       </a:r>
@@ -6352,11 +7009,16 @@
                         </a:spcAft>
                       </a:pPr>
                       <a:r>
-                        <a:rPr lang="ru-RU" sz="1600" dirty="0">
-                          <a:effectLst/>
+                        <a:rPr lang="ru-RU" sz="1200" dirty="0">
+                          <a:effectLst/>
+                          <a:latin typeface="+mj-lt"/>
                         </a:rPr>
                         <a:t> </a:t>
                       </a:r>
+                      <a:endParaRPr lang="ru-RU" sz="1200" dirty="0" smtClean="0">
+                        <a:effectLst/>
+                        <a:latin typeface="+mj-lt"/>
+                      </a:endParaRPr>
                     </a:p>
                     <a:p>
                       <a:pPr indent="457200" algn="just">
@@ -6368,14 +7030,23 @@
                         </a:spcAft>
                       </a:pPr>
                       <a:r>
-                        <a:rPr lang="ru-RU" sz="1600" dirty="0">
-                          <a:effectLst/>
-                        </a:rPr>
-                        <a:t>Корректность работы будет проверяться в </a:t>
-                      </a:r>
-                      <a:r>
-                        <a:rPr lang="ru-RU" sz="1600" dirty="0" smtClean="0">
-                          <a:effectLst/>
+                        <a:rPr lang="ru-RU" sz="1200" dirty="0" smtClean="0">
+                          <a:effectLst/>
+                          <a:latin typeface="+mj-lt"/>
+                        </a:rPr>
+                        <a:t>Корректность </a:t>
+                      </a:r>
+                      <a:r>
+                        <a:rPr lang="ru-RU" sz="1200" dirty="0">
+                          <a:effectLst/>
+                          <a:latin typeface="+mj-lt"/>
+                        </a:rPr>
+                        <a:t>работы будет проверяться в </a:t>
+                      </a:r>
+                      <a:r>
+                        <a:rPr lang="ru-RU" sz="1200" dirty="0" smtClean="0">
+                          <a:effectLst/>
+                          <a:latin typeface="+mj-lt"/>
                         </a:rPr>
                         <a:t>процессе</a:t>
                       </a:r>
@@ -6390,14 +7061,16 @@
                         </a:spcAft>
                       </a:pPr>
                       <a:r>
-                        <a:rPr lang="ru-RU" sz="1600" dirty="0" smtClean="0">
-                          <a:effectLst/>
+                        <a:rPr lang="ru-RU" sz="1200" dirty="0" smtClean="0">
+                          <a:effectLst/>
+                          <a:latin typeface="+mj-lt"/>
                         </a:rPr>
                         <a:t> </a:t>
                       </a:r>
                       <a:r>
-                        <a:rPr lang="ru-RU" sz="1600" dirty="0">
-                          <a:effectLst/>
+                        <a:rPr lang="ru-RU" sz="1200" dirty="0">
+                          <a:effectLst/>
+                          <a:latin typeface="+mj-lt"/>
                         </a:rPr>
                         <a:t>разработки с помощью юнит тестов.</a:t>
                       </a:r>
@@ -6412,23 +7085,24 @@
                         </a:spcAft>
                       </a:pPr>
                       <a:r>
-                        <a:rPr lang="ru-RU" sz="1600" dirty="0">
-                          <a:effectLst/>
+                        <a:rPr lang="ru-RU" sz="1200" dirty="0">
+                          <a:effectLst/>
+                          <a:latin typeface="+mj-lt"/>
                         </a:rPr>
                         <a:t> </a:t>
                       </a:r>
-                      <a:endParaRPr lang="ru-RU" sz="1600" dirty="0">
+                      <a:endParaRPr lang="ru-RU" sz="1200" dirty="0">
                         <a:solidFill>
                           <a:srgbClr val="000000"/>
                         </a:solidFill>
                         <a:effectLst/>
-                        <a:latin typeface="Times New Roman" panose="02020603050405020304" pitchFamily="18" charset="0"/>
+                        <a:latin typeface="+mj-lt"/>
                         <a:ea typeface="Times New Roman" panose="02020603050405020304" pitchFamily="18" charset="0"/>
                         <a:cs typeface="Times New Roman" panose="02020603050405020304" pitchFamily="18" charset="0"/>
                       </a:endParaRPr>
                     </a:p>
                   </a:txBody>
-                  <a:tcPr marL="68037" marR="68037" marT="0" marB="0"/>
+                  <a:tcPr marL="51028" marR="51028" marT="0" marB="0"/>
                 </a:tc>
                 <a:extLst>
                   <a:ext uri="{0D108BD9-81ED-4DB2-BD59-A6C34878D82A}">
@@ -6436,7 +7110,7 @@
                   </a:ext>
                 </a:extLst>
               </a:tr>
-              <a:tr h="1793248">
+              <a:tr h="1356836">
                 <a:tc>
                   <a:txBody>
                     <a:bodyPr/>
@@ -6451,8 +7125,9 @@
                         </a:spcAft>
                       </a:pPr>
                       <a:r>
-                        <a:rPr lang="ru-RU" sz="1600" dirty="0">
-                          <a:effectLst/>
+                        <a:rPr lang="ru-RU" sz="1200" b="1" dirty="0">
+                          <a:effectLst/>
+                          <a:latin typeface="+mj-lt"/>
                         </a:rPr>
                         <a:t>Быстрая и полная передача исходного кода, настроек, документов.</a:t>
                       </a:r>
@@ -6467,8 +7142,9 @@
                         </a:spcAft>
                       </a:pPr>
                       <a:r>
-                        <a:rPr lang="ru-RU" sz="1600" dirty="0">
-                          <a:effectLst/>
+                        <a:rPr lang="ru-RU" sz="1200" b="1" dirty="0">
+                          <a:effectLst/>
+                          <a:latin typeface="+mj-lt"/>
                         </a:rPr>
                         <a:t> </a:t>
                       </a:r>
@@ -6483,14 +7159,19 @@
                         </a:spcAft>
                       </a:pPr>
                       <a:r>
-                        <a:rPr lang="ru-RU" sz="1600" dirty="0">
-                          <a:effectLst/>
-                        </a:rPr>
-                        <a:t>Возможность в дальнейшем совершенствовать </a:t>
-                      </a:r>
-                      <a:endParaRPr lang="ru-RU" sz="1600" dirty="0" smtClean="0">
-                        <a:effectLst/>
-                      </a:endParaRPr>
+                        <a:rPr lang="ru-RU" sz="1200" b="1" dirty="0">
+                          <a:effectLst/>
+                          <a:latin typeface="+mj-lt"/>
+                        </a:rPr>
+                        <a:t>Возможность в </a:t>
+                      </a:r>
+                      <a:r>
+                        <a:rPr lang="ru-RU" sz="1200" b="1" dirty="0" smtClean="0">
+                          <a:effectLst/>
+                          <a:latin typeface="+mj-lt"/>
+                        </a:rPr>
+                        <a:t>дальнейшем</a:t>
+                      </a:r>
                     </a:p>
                     <a:p>
                       <a:pPr marR="36830" indent="457200" algn="l">
@@ -6502,22 +7183,25 @@
                         </a:spcAft>
                       </a:pPr>
                       <a:r>
-                        <a:rPr lang="ru-RU" sz="1600" dirty="0" smtClean="0">
-                          <a:effectLst/>
-                        </a:rPr>
-                        <a:t>систему</a:t>
-                      </a:r>
-                      <a:r>
-                        <a:rPr lang="ru-RU" sz="1600" dirty="0">
-                          <a:effectLst/>
-                        </a:rPr>
-                        <a:t>, например, добавляя новые модули </a:t>
-                      </a:r>
-                      <a:r>
-                        <a:rPr lang="ru-RU" sz="1600" dirty="0" smtClean="0">
-                          <a:effectLst/>
-                        </a:rPr>
-                        <a:t>и</a:t>
+                        <a:rPr lang="ru-RU" sz="1200" b="1" dirty="0" smtClean="0">
+                          <a:effectLst/>
+                          <a:latin typeface="+mj-lt"/>
+                        </a:rPr>
+                        <a:t>совершенствовать систему</a:t>
+                      </a:r>
+                      <a:r>
+                        <a:rPr lang="ru-RU" sz="1200" b="1" dirty="0">
+                          <a:effectLst/>
+                          <a:latin typeface="+mj-lt"/>
+                        </a:rPr>
+                        <a:t>, </a:t>
+                      </a:r>
+                      <a:r>
+                        <a:rPr lang="ru-RU" sz="1200" b="1" dirty="0" smtClean="0">
+                          <a:effectLst/>
+                          <a:latin typeface="+mj-lt"/>
+                        </a:rPr>
+                        <a:t>например,</a:t>
                       </a:r>
                     </a:p>
                     <a:p>
@@ -6530,29 +7214,52 @@
                         </a:spcAft>
                       </a:pPr>
                       <a:r>
-                        <a:rPr lang="ru-RU" sz="1600" dirty="0" smtClean="0">
-                          <a:effectLst/>
+                        <a:rPr lang="ru-RU" sz="1200" b="1" dirty="0" smtClean="0">
+                          <a:effectLst/>
+                          <a:latin typeface="+mj-lt"/>
+                        </a:rPr>
+                        <a:t>добавляя </a:t>
+                      </a:r>
+                      <a:r>
+                        <a:rPr lang="ru-RU" sz="1200" b="1" dirty="0">
+                          <a:effectLst/>
+                          <a:latin typeface="+mj-lt"/>
+                        </a:rPr>
+                        <a:t>новые модули </a:t>
+                      </a:r>
+                      <a:r>
+                        <a:rPr lang="ru-RU" sz="1200" b="1" dirty="0" smtClean="0">
+                          <a:effectLst/>
+                          <a:latin typeface="+mj-lt"/>
+                        </a:rPr>
+                        <a:t>и</a:t>
+                      </a:r>
+                      <a:r>
+                        <a:rPr lang="ru-RU" sz="1200" b="1" baseline="0" dirty="0" smtClean="0">
+                          <a:effectLst/>
+                          <a:latin typeface="+mj-lt"/>
                         </a:rPr>
                         <a:t> </a:t>
                       </a:r>
                       <a:r>
-                        <a:rPr lang="ru-RU" sz="1600" dirty="0">
-                          <a:effectLst/>
+                        <a:rPr lang="ru-RU" sz="1200" b="1" dirty="0" smtClean="0">
+                          <a:effectLst/>
+                          <a:latin typeface="+mj-lt"/>
                         </a:rPr>
                         <a:t>возможности</a:t>
                       </a:r>
-                      <a:endParaRPr lang="ru-RU" sz="1600" dirty="0">
+                      <a:endParaRPr lang="ru-RU" sz="1200" b="1" dirty="0">
                         <a:solidFill>
                           <a:srgbClr val="000000"/>
                         </a:solidFill>
                         <a:effectLst/>
-                        <a:latin typeface="Times New Roman" panose="02020603050405020304" pitchFamily="18" charset="0"/>
+                        <a:latin typeface="+mj-lt"/>
                         <a:ea typeface="Times New Roman" panose="02020603050405020304" pitchFamily="18" charset="0"/>
                         <a:cs typeface="Times New Roman" panose="02020603050405020304" pitchFamily="18" charset="0"/>
                       </a:endParaRPr>
                     </a:p>
                   </a:txBody>
-                  <a:tcPr marL="68037" marR="68037" marT="0" marB="0"/>
+                  <a:tcPr marL="51028" marR="51028" marT="0" marB="0"/>
                 </a:tc>
                 <a:tc>
                   <a:txBody>
@@ -6568,32 +7275,37 @@
                         </a:spcAft>
                       </a:pPr>
                       <a:r>
-                        <a:rPr lang="ru-RU" sz="1600">
-                          <a:effectLst/>
+                        <a:rPr lang="ru-RU" sz="1200" dirty="0">
+                          <a:effectLst/>
+                          <a:latin typeface="+mj-lt"/>
                         </a:rPr>
                         <a:t>Код и настройки разрабатываемого менеджера будут находиться в системе </a:t>
                       </a:r>
                       <a:r>
-                        <a:rPr lang="en-US" sz="1600">
-                          <a:effectLst/>
+                        <a:rPr lang="en-US" sz="1200" dirty="0">
+                          <a:effectLst/>
+                          <a:latin typeface="+mj-lt"/>
                         </a:rPr>
                         <a:t>GitHub</a:t>
                       </a:r>
                       <a:r>
-                        <a:rPr lang="ru-RU" sz="1600">
-                          <a:effectLst/>
+                        <a:rPr lang="ru-RU" sz="1200" dirty="0">
+                          <a:effectLst/>
+                          <a:latin typeface="+mj-lt"/>
                         </a:rPr>
                         <a:t>. Контроль версий будет производиться с использованием системы </a:t>
                       </a:r>
                       <a:r>
-                        <a:rPr lang="en-US" sz="1600">
-                          <a:effectLst/>
+                        <a:rPr lang="en-US" sz="1200" dirty="0" err="1">
+                          <a:effectLst/>
+                          <a:latin typeface="+mj-lt"/>
                         </a:rPr>
                         <a:t>Git</a:t>
                       </a:r>
                       <a:r>
-                        <a:rPr lang="ru-RU" sz="1600">
-                          <a:effectLst/>
+                        <a:rPr lang="ru-RU" sz="1200" dirty="0">
+                          <a:effectLst/>
+                          <a:latin typeface="+mj-lt"/>
                         </a:rPr>
                         <a:t>.</a:t>
                       </a:r>
@@ -6608,8 +7320,9 @@
                         </a:spcAft>
                       </a:pPr>
                       <a:r>
-                        <a:rPr lang="ru-RU" sz="1600">
-                          <a:effectLst/>
+                        <a:rPr lang="ru-RU" sz="1200" dirty="0">
+                          <a:effectLst/>
+                          <a:latin typeface="+mj-lt"/>
                         </a:rPr>
                         <a:t> </a:t>
                       </a:r>
@@ -6624,20 +7337,23 @@
                         </a:spcAft>
                       </a:pPr>
                       <a:r>
-                        <a:rPr lang="ru-RU" sz="1600">
-                          <a:effectLst/>
+                        <a:rPr lang="ru-RU" sz="1200" dirty="0">
+                          <a:effectLst/>
+                          <a:latin typeface="+mj-lt"/>
                         </a:rPr>
                         <a:t>Для модульного тестирования будет использована система </a:t>
                       </a:r>
                       <a:r>
-                        <a:rPr lang="en-US" sz="1600">
-                          <a:effectLst/>
+                        <a:rPr lang="en-US" sz="1200" dirty="0">
+                          <a:effectLst/>
+                          <a:latin typeface="+mj-lt"/>
                         </a:rPr>
                         <a:t>JUnit</a:t>
                       </a:r>
                       <a:r>
-                        <a:rPr lang="ru-RU" sz="1600">
-                          <a:effectLst/>
+                        <a:rPr lang="ru-RU" sz="1200" dirty="0">
+                          <a:effectLst/>
+                          <a:latin typeface="+mj-lt"/>
                         </a:rPr>
                         <a:t>.</a:t>
                       </a:r>
@@ -6652,20 +7368,21 @@
                         </a:spcAft>
                       </a:pPr>
                       <a:r>
-                        <a:rPr lang="ru-RU" sz="1600">
-                          <a:effectLst/>
+                        <a:rPr lang="ru-RU" sz="1200" dirty="0">
+                          <a:effectLst/>
+                          <a:latin typeface="+mj-lt"/>
                         </a:rPr>
                         <a:t> </a:t>
                       </a:r>
-                      <a:endParaRPr lang="ru-RU" sz="1600">
+                      <a:endParaRPr lang="ru-RU" sz="1200" dirty="0">
                         <a:effectLst/>
-                        <a:latin typeface="Calibri" panose="020F0502020204030204" pitchFamily="34" charset="0"/>
+                        <a:latin typeface="+mj-lt"/>
                         <a:ea typeface="Times New Roman" panose="02020603050405020304" pitchFamily="18" charset="0"/>
                         <a:cs typeface="Times New Roman" panose="02020603050405020304" pitchFamily="18" charset="0"/>
                       </a:endParaRPr>
                     </a:p>
                   </a:txBody>
-                  <a:tcPr marL="68037" marR="68037" marT="0" marB="0"/>
+                  <a:tcPr marL="51028" marR="51028" marT="0" marB="0"/>
                 </a:tc>
                 <a:extLst>
                   <a:ext uri="{0D108BD9-81ED-4DB2-BD59-A6C34878D82A}">
@@ -6673,7 +7390,7 @@
                   </a:ext>
                 </a:extLst>
               </a:tr>
-              <a:tr h="1353313">
+              <a:tr h="1014985">
                 <a:tc>
                   <a:txBody>
                     <a:bodyPr/>
@@ -6688,8 +7405,9 @@
                         </a:spcAft>
                       </a:pPr>
                       <a:r>
-                        <a:rPr lang="ru-RU" sz="1600" dirty="0">
-                          <a:effectLst/>
+                        <a:rPr lang="ru-RU" sz="1200" b="1" dirty="0">
+                          <a:effectLst/>
+                          <a:latin typeface="+mj-lt"/>
                         </a:rPr>
                         <a:t>Быстро понять принцип работы системы.</a:t>
                       </a:r>
@@ -6704,8 +7422,9 @@
                         </a:spcAft>
                       </a:pPr>
                       <a:r>
-                        <a:rPr lang="ru-RU" sz="1600" dirty="0">
-                          <a:effectLst/>
+                        <a:rPr lang="ru-RU" sz="1200" b="1" dirty="0">
+                          <a:effectLst/>
+                          <a:latin typeface="+mj-lt"/>
                         </a:rPr>
                         <a:t> </a:t>
                       </a:r>
@@ -6720,17 +7439,23 @@
                         </a:spcAft>
                       </a:pPr>
                       <a:r>
-                        <a:rPr lang="ru-RU" sz="1600" dirty="0">
-                          <a:effectLst/>
-                        </a:rPr>
-                        <a:t>Быстро внести изменения и проверить, что они </a:t>
-                      </a:r>
-                      <a:r>
-                        <a:rPr lang="ru-RU" sz="1600" dirty="0" smtClean="0">
-                          <a:effectLst/>
-                        </a:rPr>
-                        <a:t>не</a:t>
-                      </a:r>
+                        <a:rPr lang="ru-RU" sz="1200" b="1" dirty="0">
+                          <a:effectLst/>
+                          <a:latin typeface="+mj-lt"/>
+                        </a:rPr>
+                        <a:t>Быстро внести изменения и проверить, </a:t>
+                      </a:r>
+                      <a:r>
+                        <a:rPr lang="ru-RU" sz="1200" b="1" dirty="0" smtClean="0">
+                          <a:effectLst/>
+                          <a:latin typeface="+mj-lt"/>
+                        </a:rPr>
+                        <a:t>что</a:t>
+                      </a:r>
+                      <a:endParaRPr lang="ru-RU" sz="1200" b="1" baseline="0" dirty="0" smtClean="0">
+                        <a:effectLst/>
+                        <a:latin typeface="+mj-lt"/>
+                      </a:endParaRPr>
                     </a:p>
                     <a:p>
                       <a:pPr marR="36830" indent="457200" algn="l">
@@ -6742,29 +7467,76 @@
                         </a:spcAft>
                       </a:pPr>
                       <a:r>
-                        <a:rPr lang="ru-RU" sz="1600" dirty="0" smtClean="0">
-                          <a:effectLst/>
+                        <a:rPr lang="ru-RU" sz="1200" b="1" dirty="0" smtClean="0">
+                          <a:effectLst/>
+                          <a:latin typeface="+mj-lt"/>
+                        </a:rPr>
+                        <a:t>они не</a:t>
+                      </a:r>
+                      <a:r>
+                        <a:rPr lang="ru-RU" sz="1200" b="1" baseline="0" dirty="0" smtClean="0">
+                          <a:effectLst/>
+                          <a:latin typeface="+mj-lt"/>
+                        </a:rPr>
+                        <a:t> </a:t>
+                      </a:r>
+                      <a:r>
+                        <a:rPr lang="ru-RU" sz="1200" b="1" dirty="0" smtClean="0">
+                          <a:effectLst/>
+                          <a:latin typeface="+mj-lt"/>
                         </a:rPr>
                         <a:t>нарушают </a:t>
                       </a:r>
                       <a:r>
-                        <a:rPr lang="ru-RU" sz="1600" dirty="0">
-                          <a:effectLst/>
-                        </a:rPr>
-                        <a:t>работу существующего функционала.</a:t>
-                      </a:r>
-                      <a:endParaRPr lang="ru-RU" sz="1600" dirty="0">
+                        <a:rPr lang="ru-RU" sz="1200" b="1" dirty="0">
+                          <a:effectLst/>
+                          <a:latin typeface="+mj-lt"/>
+                        </a:rPr>
+                        <a:t>работу </a:t>
+                      </a:r>
+                      <a:r>
+                        <a:rPr lang="ru-RU" sz="1200" b="1" dirty="0" smtClean="0">
+                          <a:effectLst/>
+                          <a:latin typeface="+mj-lt"/>
+                        </a:rPr>
+                        <a:t>существующего</a:t>
+                      </a:r>
+                    </a:p>
+                    <a:p>
+                      <a:pPr marR="36830" indent="457200" algn="l">
+                        <a:lnSpc>
+                          <a:spcPct val="115000"/>
+                        </a:lnSpc>
+                        <a:spcAft>
+                          <a:spcPts val="0"/>
+                        </a:spcAft>
+                      </a:pPr>
+                      <a:r>
+                        <a:rPr lang="ru-RU" sz="1200" b="1" dirty="0" smtClean="0">
+                          <a:effectLst/>
+                          <a:latin typeface="+mj-lt"/>
+                        </a:rPr>
+                        <a:t>функционала</a:t>
+                      </a:r>
+                      <a:r>
+                        <a:rPr lang="ru-RU" sz="1200" b="1" dirty="0">
+                          <a:effectLst/>
+                          <a:latin typeface="+mj-lt"/>
+                        </a:rPr>
+                        <a:t>.</a:t>
+                      </a:r>
+                      <a:endParaRPr lang="ru-RU" sz="1200" b="1" dirty="0">
                         <a:solidFill>
                           <a:srgbClr val="000000"/>
                         </a:solidFill>
                         <a:effectLst/>
-                        <a:latin typeface="Times New Roman" panose="02020603050405020304" pitchFamily="18" charset="0"/>
+                        <a:latin typeface="+mj-lt"/>
                         <a:ea typeface="Times New Roman" panose="02020603050405020304" pitchFamily="18" charset="0"/>
                         <a:cs typeface="Times New Roman" panose="02020603050405020304" pitchFamily="18" charset="0"/>
                       </a:endParaRPr>
                     </a:p>
                   </a:txBody>
-                  <a:tcPr marL="68037" marR="68037" marT="0" marB="0"/>
+                  <a:tcPr marL="51028" marR="51028" marT="0" marB="0"/>
                 </a:tc>
                 <a:tc>
                   <a:txBody>
@@ -6780,19 +7552,22 @@
                         </a:spcAft>
                       </a:pPr>
                       <a:r>
-                        <a:rPr lang="ru-RU" sz="1600" dirty="0">
-                          <a:effectLst/>
+                        <a:rPr lang="ru-RU" sz="1200" dirty="0">
+                          <a:effectLst/>
+                          <a:latin typeface="+mj-lt"/>
                         </a:rPr>
                         <a:t>Написаны аннотации с помощью </a:t>
                       </a:r>
                       <a:r>
-                        <a:rPr lang="en-US" sz="1600" dirty="0">
-                          <a:effectLst/>
+                        <a:rPr lang="en-US" sz="1200" dirty="0">
+                          <a:effectLst/>
+                          <a:latin typeface="+mj-lt"/>
                         </a:rPr>
                         <a:t>Javadoc</a:t>
                       </a:r>
-                      <a:endParaRPr lang="ru-RU" sz="1600" dirty="0">
+                      <a:endParaRPr lang="ru-RU" sz="1200" dirty="0">
                         <a:effectLst/>
+                        <a:latin typeface="+mj-lt"/>
                       </a:endParaRPr>
                     </a:p>
                     <a:p>
@@ -6805,8 +7580,9 @@
                         </a:spcAft>
                       </a:pPr>
                       <a:r>
-                        <a:rPr lang="ru-RU" sz="1600" dirty="0">
-                          <a:effectLst/>
+                        <a:rPr lang="ru-RU" sz="1200" dirty="0">
+                          <a:effectLst/>
+                          <a:latin typeface="+mj-lt"/>
                         </a:rPr>
                         <a:t> </a:t>
                       </a:r>
@@ -6821,20 +7597,21 @@
                         </a:spcAft>
                       </a:pPr>
                       <a:r>
-                        <a:rPr lang="ru-RU" sz="1600" dirty="0">
-                          <a:effectLst/>
+                        <a:rPr lang="ru-RU" sz="1200" dirty="0">
+                          <a:effectLst/>
+                          <a:latin typeface="+mj-lt"/>
                         </a:rPr>
                         <a:t>Исходный код будет структурирован по пакетам. Повторно-используемые методы будут вынесены в родительские классы.</a:t>
                       </a:r>
-                      <a:endParaRPr lang="ru-RU" sz="1600" dirty="0">
+                      <a:endParaRPr lang="ru-RU" sz="1200" dirty="0">
                         <a:effectLst/>
-                        <a:latin typeface="Calibri" panose="020F0502020204030204" pitchFamily="34" charset="0"/>
+                        <a:latin typeface="+mj-lt"/>
                         <a:ea typeface="Times New Roman" panose="02020603050405020304" pitchFamily="18" charset="0"/>
                         <a:cs typeface="Times New Roman" panose="02020603050405020304" pitchFamily="18" charset="0"/>
                       </a:endParaRPr>
                     </a:p>
                   </a:txBody>
-                  <a:tcPr marL="68037" marR="68037" marT="0" marB="0"/>
+                  <a:tcPr marL="51028" marR="51028" marT="0" marB="0"/>
                 </a:tc>
                 <a:extLst>
                   <a:ext uri="{0D108BD9-81ED-4DB2-BD59-A6C34878D82A}">
@@ -6846,6 +7623,83 @@
           </a:graphicData>
         </a:graphic>
       </p:graphicFrame>
+      <p:sp>
+        <p:nvSpPr>
+          <p:cNvPr id="3" name="Номер слайда 2"/>
+          <p:cNvSpPr>
+            <a:spLocks noGrp="1"/>
+          </p:cNvSpPr>
+          <p:nvPr>
+            <p:ph type="sldNum" sz="quarter" idx="12"/>
+          </p:nvPr>
+        </p:nvSpPr>
+        <p:spPr/>
+        <p:txBody>
+          <a:bodyPr/>
+          <a:lstStyle/>
+          <a:p>
+            <a:fld id="{3177E89D-76AF-4E24-8F7F-2685DD826F0A}" type="slidenum">
+              <a:rPr lang="ru-RU" sz="1800" smtClean="0"/>
+              <a:t>9</a:t>
+            </a:fld>
+            <a:endParaRPr lang="ru-RU" sz="1800" dirty="0"/>
+          </a:p>
+        </p:txBody>
+      </p:sp>
+      <p:sp>
+        <p:nvSpPr>
+          <p:cNvPr id="5" name="Заголовок 1"/>
+          <p:cNvSpPr txBox="1">
+            <a:spLocks/>
+          </p:cNvSpPr>
+          <p:nvPr/>
+        </p:nvSpPr>
+        <p:spPr>
+          <a:xfrm>
+            <a:off x="628650" y="365126"/>
+            <a:ext cx="7886700" cy="1325563"/>
+          </a:xfrm>
+          <a:prstGeom prst="rect">
+            <a:avLst/>
+          </a:prstGeom>
+        </p:spPr>
+        <p:txBody>
+          <a:bodyPr vert="horz" lIns="91440" tIns="45720" rIns="91440" bIns="45720" rtlCol="0" anchor="ctr">
+            <a:normAutofit/>
+          </a:bodyPr>
+          <a:lstStyle>
+            <a:lvl1pPr algn="l" defTabSz="914400" rtl="0" eaLnBrk="1" latinLnBrk="0" hangingPunct="1">
+              <a:lnSpc>
+                <a:spcPct val="90000"/>
+              </a:lnSpc>
+              <a:spcBef>
+                <a:spcPct val="0"/>
+              </a:spcBef>
+              <a:buNone/>
+              <a:defRPr sz="4400" kern="1200">
+                <a:solidFill>
+                  <a:schemeClr val="tx1"/>
+                </a:solidFill>
+                <a:latin typeface="+mj-lt"/>
+                <a:ea typeface="+mj-ea"/>
+                <a:cs typeface="+mj-cs"/>
+              </a:defRPr>
+            </a:lvl1pPr>
+          </a:lstStyle>
+          <a:p>
+            <a:r>
+              <a:rPr lang="ru-RU" dirty="0">
+                <a:latin typeface="+mn-lt"/>
+                <a:cs typeface="Arial" charset="0"/>
+              </a:rPr>
+              <a:t>Выбор технических решений</a:t>
+            </a:r>
+            <a:endParaRPr lang="ru-RU" dirty="0">
+              <a:latin typeface="+mn-lt"/>
+            </a:endParaRPr>
+          </a:p>
+        </p:txBody>
+      </p:sp>
     </p:spTree>
     <p:extLst>
       <p:ext uri="{BB962C8B-B14F-4D97-AF65-F5344CB8AC3E}">
@@ -6856,13 +7710,20 @@
   <p:clrMapOvr>
     <a:masterClrMapping/>
   </p:clrMapOvr>
+  <p:timing>
+    <p:tnLst>
+      <p:par>
+        <p:cTn id="1" dur="indefinite" restart="never" nodeType="tmRoot"/>
+      </p:par>
+    </p:tnLst>
+  </p:timing>
 </p:sld>
 </file>
 
 <file path=ppt/theme/theme1.xml><?xml version="1.0" encoding="utf-8"?>
 <a:theme xmlns:a="http://schemas.openxmlformats.org/drawingml/2006/main" name="Тема Office">
   <a:themeElements>
-    <a:clrScheme name="Стандартная">
+    <a:clrScheme name="Тема Office">
       <a:dk1>
         <a:sysClr val="windowText" lastClr="000000"/>
       </a:dk1>
@@ -6900,7 +7761,7 @@
         <a:srgbClr val="954F72"/>
       </a:folHlink>
     </a:clrScheme>
-    <a:fontScheme name="Стандартная">
+    <a:fontScheme name="Тема Office">
       <a:majorFont>
         <a:latin typeface="Calibri Light" panose="020F0302020204030204"/>
         <a:ea typeface=""/>
@@ -6972,7 +7833,7 @@
         <a:font script="Geor" typeface="Sylfaen"/>
       </a:minorFont>
     </a:fontScheme>
-    <a:fmtScheme name="Стандартная">
+    <a:fmtScheme name="Тема Office">
       <a:fillStyleLst>
         <a:solidFill>
           <a:schemeClr val="phClr"/>

--- a/Презентация.pptx
+++ b/Презентация.pptx
@@ -15,9 +15,9 @@
     <p:sldId id="261" r:id="rId6"/>
     <p:sldId id="262" r:id="rId7"/>
     <p:sldId id="263" r:id="rId8"/>
-    <p:sldId id="264" r:id="rId9"/>
-    <p:sldId id="265" r:id="rId10"/>
-    <p:sldId id="266" r:id="rId11"/>
+    <p:sldId id="266" r:id="rId9"/>
+    <p:sldId id="264" r:id="rId10"/>
+    <p:sldId id="265" r:id="rId11"/>
     <p:sldId id="267" r:id="rId12"/>
     <p:sldId id="268" r:id="rId13"/>
     <p:sldId id="269" r:id="rId14"/>
@@ -212,7 +212,7 @@
           <a:p>
             <a:fld id="{338AFE6B-1BA7-417F-854B-3EEAC671311F}" type="datetimeFigureOut">
               <a:rPr lang="ru-RU" smtClean="0"/>
-              <a:t>12.02.2018</a:t>
+              <a:t>20.02.2018</a:t>
             </a:fld>
             <a:endParaRPr lang="ru-RU"/>
           </a:p>
@@ -276,38 +276,37 @@
           <a:p>
             <a:pPr lvl="0"/>
             <a:r>
-              <a:rPr lang="ru-RU" smtClean="0"/>
+              <a:rPr lang="ru-RU"/>
               <a:t>Образец текста</a:t>
             </a:r>
           </a:p>
           <a:p>
             <a:pPr lvl="1"/>
             <a:r>
-              <a:rPr lang="ru-RU" smtClean="0"/>
+              <a:rPr lang="ru-RU"/>
               <a:t>Второй уровень</a:t>
             </a:r>
           </a:p>
           <a:p>
             <a:pPr lvl="2"/>
             <a:r>
-              <a:rPr lang="ru-RU" smtClean="0"/>
+              <a:rPr lang="ru-RU"/>
               <a:t>Третий уровень</a:t>
             </a:r>
           </a:p>
           <a:p>
             <a:pPr lvl="3"/>
             <a:r>
-              <a:rPr lang="ru-RU" smtClean="0"/>
+              <a:rPr lang="ru-RU"/>
               <a:t>Четвертый уровень</a:t>
             </a:r>
           </a:p>
           <a:p>
             <a:pPr lvl="4"/>
             <a:r>
-              <a:rPr lang="ru-RU" smtClean="0"/>
+              <a:rPr lang="ru-RU"/>
               <a:t>Пятый уровень</a:t>
             </a:r>
-            <a:endParaRPr lang="ru-RU"/>
           </a:p>
         </p:txBody>
       </p:sp>
@@ -547,7 +546,7 @@
               <a:buFontTx/>
               <a:buNone/>
             </a:pPr>
-            <a:endParaRPr lang="ru-RU" smtClean="0"/>
+            <a:endParaRPr lang="ru-RU"/>
           </a:p>
         </p:txBody>
       </p:sp>
@@ -606,7 +605,7 @@
           </a:lstStyle>
           <a:p>
             <a:r>
-              <a:rPr lang="ru-RU" smtClean="0"/>
+              <a:rPr lang="ru-RU"/>
               <a:t>Образец заголовка</a:t>
             </a:r>
             <a:endParaRPr lang="en-US" dirty="0"/>
@@ -671,7 +670,7 @@
           </a:lstStyle>
           <a:p>
             <a:r>
-              <a:rPr lang="ru-RU" smtClean="0"/>
+              <a:rPr lang="ru-RU"/>
               <a:t>Образец подзаголовка</a:t>
             </a:r>
             <a:endParaRPr lang="en-US" dirty="0"/>
@@ -695,7 +694,7 @@
           <a:p>
             <a:fld id="{4CE6CAEA-1D8D-48AF-B421-F4D8F6218CA6}" type="datetime1">
               <a:rPr lang="ru-RU" smtClean="0"/>
-              <a:t>12.02.2018</a:t>
+              <a:t>20.02.2018</a:t>
             </a:fld>
             <a:endParaRPr lang="ru-RU"/>
           </a:p>
@@ -789,7 +788,7 @@
           <a:lstStyle/>
           <a:p>
             <a:r>
-              <a:rPr lang="ru-RU" smtClean="0"/>
+              <a:rPr lang="ru-RU"/>
               <a:t>Образец заголовка</a:t>
             </a:r>
             <a:endParaRPr lang="en-US" dirty="0"/>
@@ -813,35 +812,35 @@
           <a:p>
             <a:pPr lvl="0"/>
             <a:r>
-              <a:rPr lang="ru-RU" smtClean="0"/>
+              <a:rPr lang="ru-RU"/>
               <a:t>Образец текста</a:t>
             </a:r>
           </a:p>
           <a:p>
             <a:pPr lvl="1"/>
             <a:r>
-              <a:rPr lang="ru-RU" smtClean="0"/>
+              <a:rPr lang="ru-RU"/>
               <a:t>Второй уровень</a:t>
             </a:r>
           </a:p>
           <a:p>
             <a:pPr lvl="2"/>
             <a:r>
-              <a:rPr lang="ru-RU" smtClean="0"/>
+              <a:rPr lang="ru-RU"/>
               <a:t>Третий уровень</a:t>
             </a:r>
           </a:p>
           <a:p>
             <a:pPr lvl="3"/>
             <a:r>
-              <a:rPr lang="ru-RU" smtClean="0"/>
+              <a:rPr lang="ru-RU"/>
               <a:t>Четвертый уровень</a:t>
             </a:r>
           </a:p>
           <a:p>
             <a:pPr lvl="4"/>
             <a:r>
-              <a:rPr lang="ru-RU" smtClean="0"/>
+              <a:rPr lang="ru-RU"/>
               <a:t>Пятый уровень</a:t>
             </a:r>
             <a:endParaRPr lang="en-US" dirty="0"/>
@@ -865,7 +864,7 @@
           <a:p>
             <a:fld id="{0AFE9DDD-ECC2-4E17-A7D9-13BDD5FCBA37}" type="datetime1">
               <a:rPr lang="ru-RU" smtClean="0"/>
-              <a:t>12.02.2018</a:t>
+              <a:t>20.02.2018</a:t>
             </a:fld>
             <a:endParaRPr lang="ru-RU"/>
           </a:p>
@@ -964,7 +963,7 @@
           <a:lstStyle/>
           <a:p>
             <a:r>
-              <a:rPr lang="ru-RU" smtClean="0"/>
+              <a:rPr lang="ru-RU"/>
               <a:t>Образец заголовка</a:t>
             </a:r>
             <a:endParaRPr lang="en-US" dirty="0"/>
@@ -993,35 +992,35 @@
           <a:p>
             <a:pPr lvl="0"/>
             <a:r>
-              <a:rPr lang="ru-RU" smtClean="0"/>
+              <a:rPr lang="ru-RU"/>
               <a:t>Образец текста</a:t>
             </a:r>
           </a:p>
           <a:p>
             <a:pPr lvl="1"/>
             <a:r>
-              <a:rPr lang="ru-RU" smtClean="0"/>
+              <a:rPr lang="ru-RU"/>
               <a:t>Второй уровень</a:t>
             </a:r>
           </a:p>
           <a:p>
             <a:pPr lvl="2"/>
             <a:r>
-              <a:rPr lang="ru-RU" smtClean="0"/>
+              <a:rPr lang="ru-RU"/>
               <a:t>Третий уровень</a:t>
             </a:r>
           </a:p>
           <a:p>
             <a:pPr lvl="3"/>
             <a:r>
-              <a:rPr lang="ru-RU" smtClean="0"/>
+              <a:rPr lang="ru-RU"/>
               <a:t>Четвертый уровень</a:t>
             </a:r>
           </a:p>
           <a:p>
             <a:pPr lvl="4"/>
             <a:r>
-              <a:rPr lang="ru-RU" smtClean="0"/>
+              <a:rPr lang="ru-RU"/>
               <a:t>Пятый уровень</a:t>
             </a:r>
             <a:endParaRPr lang="en-US" dirty="0"/>
@@ -1045,7 +1044,7 @@
           <a:p>
             <a:fld id="{ADEBCD0F-955F-48B0-AC10-D71D557FF7DB}" type="datetime1">
               <a:rPr lang="ru-RU" smtClean="0"/>
-              <a:t>12.02.2018</a:t>
+              <a:t>20.02.2018</a:t>
             </a:fld>
             <a:endParaRPr lang="ru-RU"/>
           </a:p>
@@ -1139,7 +1138,7 @@
           <a:lstStyle/>
           <a:p>
             <a:r>
-              <a:rPr lang="ru-RU" smtClean="0"/>
+              <a:rPr lang="ru-RU"/>
               <a:t>Образец заголовка</a:t>
             </a:r>
             <a:endParaRPr lang="en-US" dirty="0"/>
@@ -1163,35 +1162,35 @@
           <a:p>
             <a:pPr lvl="0"/>
             <a:r>
-              <a:rPr lang="ru-RU" smtClean="0"/>
+              <a:rPr lang="ru-RU"/>
               <a:t>Образец текста</a:t>
             </a:r>
           </a:p>
           <a:p>
             <a:pPr lvl="1"/>
             <a:r>
-              <a:rPr lang="ru-RU" smtClean="0"/>
+              <a:rPr lang="ru-RU"/>
               <a:t>Второй уровень</a:t>
             </a:r>
           </a:p>
           <a:p>
             <a:pPr lvl="2"/>
             <a:r>
-              <a:rPr lang="ru-RU" smtClean="0"/>
+              <a:rPr lang="ru-RU"/>
               <a:t>Третий уровень</a:t>
             </a:r>
           </a:p>
           <a:p>
             <a:pPr lvl="3"/>
             <a:r>
-              <a:rPr lang="ru-RU" smtClean="0"/>
+              <a:rPr lang="ru-RU"/>
               <a:t>Четвертый уровень</a:t>
             </a:r>
           </a:p>
           <a:p>
             <a:pPr lvl="4"/>
             <a:r>
-              <a:rPr lang="ru-RU" smtClean="0"/>
+              <a:rPr lang="ru-RU"/>
               <a:t>Пятый уровень</a:t>
             </a:r>
             <a:endParaRPr lang="en-US" dirty="0"/>
@@ -1215,7 +1214,7 @@
           <a:p>
             <a:fld id="{3EE7A430-53E8-4536-81AD-5D1FFAD5F145}" type="datetime1">
               <a:rPr lang="ru-RU" smtClean="0"/>
-              <a:t>12.02.2018</a:t>
+              <a:t>20.02.2018</a:t>
             </a:fld>
             <a:endParaRPr lang="ru-RU"/>
           </a:p>
@@ -1318,7 +1317,7 @@
           </a:lstStyle>
           <a:p>
             <a:r>
-              <a:rPr lang="ru-RU" smtClean="0"/>
+              <a:rPr lang="ru-RU"/>
               <a:t>Образец заголовка</a:t>
             </a:r>
             <a:endParaRPr lang="en-US" dirty="0"/>
@@ -1436,7 +1435,7 @@
           <a:p>
             <a:pPr lvl="0"/>
             <a:r>
-              <a:rPr lang="ru-RU" smtClean="0"/>
+              <a:rPr lang="ru-RU"/>
               <a:t>Образец текста</a:t>
             </a:r>
           </a:p>
@@ -1459,7 +1458,7 @@
           <a:p>
             <a:fld id="{56161664-82EA-4B43-A86F-99793E0C0766}" type="datetime1">
               <a:rPr lang="ru-RU" smtClean="0"/>
-              <a:t>12.02.2018</a:t>
+              <a:t>20.02.2018</a:t>
             </a:fld>
             <a:endParaRPr lang="ru-RU"/>
           </a:p>
@@ -1553,7 +1552,7 @@
           <a:lstStyle/>
           <a:p>
             <a:r>
-              <a:rPr lang="ru-RU" smtClean="0"/>
+              <a:rPr lang="ru-RU"/>
               <a:t>Образец заголовка</a:t>
             </a:r>
             <a:endParaRPr lang="en-US" dirty="0"/>
@@ -1582,35 +1581,35 @@
           <a:p>
             <a:pPr lvl="0"/>
             <a:r>
-              <a:rPr lang="ru-RU" smtClean="0"/>
+              <a:rPr lang="ru-RU"/>
               <a:t>Образец текста</a:t>
             </a:r>
           </a:p>
           <a:p>
             <a:pPr lvl="1"/>
             <a:r>
-              <a:rPr lang="ru-RU" smtClean="0"/>
+              <a:rPr lang="ru-RU"/>
               <a:t>Второй уровень</a:t>
             </a:r>
           </a:p>
           <a:p>
             <a:pPr lvl="2"/>
             <a:r>
-              <a:rPr lang="ru-RU" smtClean="0"/>
+              <a:rPr lang="ru-RU"/>
               <a:t>Третий уровень</a:t>
             </a:r>
           </a:p>
           <a:p>
             <a:pPr lvl="3"/>
             <a:r>
-              <a:rPr lang="ru-RU" smtClean="0"/>
+              <a:rPr lang="ru-RU"/>
               <a:t>Четвертый уровень</a:t>
             </a:r>
           </a:p>
           <a:p>
             <a:pPr lvl="4"/>
             <a:r>
-              <a:rPr lang="ru-RU" smtClean="0"/>
+              <a:rPr lang="ru-RU"/>
               <a:t>Пятый уровень</a:t>
             </a:r>
             <a:endParaRPr lang="en-US" dirty="0"/>
@@ -1639,35 +1638,35 @@
           <a:p>
             <a:pPr lvl="0"/>
             <a:r>
-              <a:rPr lang="ru-RU" smtClean="0"/>
+              <a:rPr lang="ru-RU"/>
               <a:t>Образец текста</a:t>
             </a:r>
           </a:p>
           <a:p>
             <a:pPr lvl="1"/>
             <a:r>
-              <a:rPr lang="ru-RU" smtClean="0"/>
+              <a:rPr lang="ru-RU"/>
               <a:t>Второй уровень</a:t>
             </a:r>
           </a:p>
           <a:p>
             <a:pPr lvl="2"/>
             <a:r>
-              <a:rPr lang="ru-RU" smtClean="0"/>
+              <a:rPr lang="ru-RU"/>
               <a:t>Третий уровень</a:t>
             </a:r>
           </a:p>
           <a:p>
             <a:pPr lvl="3"/>
             <a:r>
-              <a:rPr lang="ru-RU" smtClean="0"/>
+              <a:rPr lang="ru-RU"/>
               <a:t>Четвертый уровень</a:t>
             </a:r>
           </a:p>
           <a:p>
             <a:pPr lvl="4"/>
             <a:r>
-              <a:rPr lang="ru-RU" smtClean="0"/>
+              <a:rPr lang="ru-RU"/>
               <a:t>Пятый уровень</a:t>
             </a:r>
             <a:endParaRPr lang="en-US" dirty="0"/>
@@ -1691,7 +1690,7 @@
           <a:p>
             <a:fld id="{64DE9A3D-5A38-4B55-BDB2-48CF755714FC}" type="datetime1">
               <a:rPr lang="ru-RU" smtClean="0"/>
-              <a:t>12.02.2018</a:t>
+              <a:t>20.02.2018</a:t>
             </a:fld>
             <a:endParaRPr lang="ru-RU"/>
           </a:p>
@@ -1790,7 +1789,7 @@
           <a:lstStyle/>
           <a:p>
             <a:r>
-              <a:rPr lang="ru-RU" smtClean="0"/>
+              <a:rPr lang="ru-RU"/>
               <a:t>Образец заголовка</a:t>
             </a:r>
             <a:endParaRPr lang="en-US" dirty="0"/>
@@ -1856,7 +1855,7 @@
           <a:p>
             <a:pPr lvl="0"/>
             <a:r>
-              <a:rPr lang="ru-RU" smtClean="0"/>
+              <a:rPr lang="ru-RU"/>
               <a:t>Образец текста</a:t>
             </a:r>
           </a:p>
@@ -1884,35 +1883,35 @@
           <a:p>
             <a:pPr lvl="0"/>
             <a:r>
-              <a:rPr lang="ru-RU" smtClean="0"/>
+              <a:rPr lang="ru-RU"/>
               <a:t>Образец текста</a:t>
             </a:r>
           </a:p>
           <a:p>
             <a:pPr lvl="1"/>
             <a:r>
-              <a:rPr lang="ru-RU" smtClean="0"/>
+              <a:rPr lang="ru-RU"/>
               <a:t>Второй уровень</a:t>
             </a:r>
           </a:p>
           <a:p>
             <a:pPr lvl="2"/>
             <a:r>
-              <a:rPr lang="ru-RU" smtClean="0"/>
+              <a:rPr lang="ru-RU"/>
               <a:t>Третий уровень</a:t>
             </a:r>
           </a:p>
           <a:p>
             <a:pPr lvl="3"/>
             <a:r>
-              <a:rPr lang="ru-RU" smtClean="0"/>
+              <a:rPr lang="ru-RU"/>
               <a:t>Четвертый уровень</a:t>
             </a:r>
           </a:p>
           <a:p>
             <a:pPr lvl="4"/>
             <a:r>
-              <a:rPr lang="ru-RU" smtClean="0"/>
+              <a:rPr lang="ru-RU"/>
               <a:t>Пятый уровень</a:t>
             </a:r>
             <a:endParaRPr lang="en-US" dirty="0"/>
@@ -1978,7 +1977,7 @@
           <a:p>
             <a:pPr lvl="0"/>
             <a:r>
-              <a:rPr lang="ru-RU" smtClean="0"/>
+              <a:rPr lang="ru-RU"/>
               <a:t>Образец текста</a:t>
             </a:r>
           </a:p>
@@ -2006,35 +2005,35 @@
           <a:p>
             <a:pPr lvl="0"/>
             <a:r>
-              <a:rPr lang="ru-RU" smtClean="0"/>
+              <a:rPr lang="ru-RU"/>
               <a:t>Образец текста</a:t>
             </a:r>
           </a:p>
           <a:p>
             <a:pPr lvl="1"/>
             <a:r>
-              <a:rPr lang="ru-RU" smtClean="0"/>
+              <a:rPr lang="ru-RU"/>
               <a:t>Второй уровень</a:t>
             </a:r>
           </a:p>
           <a:p>
             <a:pPr lvl="2"/>
             <a:r>
-              <a:rPr lang="ru-RU" smtClean="0"/>
+              <a:rPr lang="ru-RU"/>
               <a:t>Третий уровень</a:t>
             </a:r>
           </a:p>
           <a:p>
             <a:pPr lvl="3"/>
             <a:r>
-              <a:rPr lang="ru-RU" smtClean="0"/>
+              <a:rPr lang="ru-RU"/>
               <a:t>Четвертый уровень</a:t>
             </a:r>
           </a:p>
           <a:p>
             <a:pPr lvl="4"/>
             <a:r>
-              <a:rPr lang="ru-RU" smtClean="0"/>
+              <a:rPr lang="ru-RU"/>
               <a:t>Пятый уровень</a:t>
             </a:r>
             <a:endParaRPr lang="en-US" dirty="0"/>
@@ -2058,7 +2057,7 @@
           <a:p>
             <a:fld id="{FB2ACDA3-1F57-498F-B810-FF578C6931D3}" type="datetime1">
               <a:rPr lang="ru-RU" smtClean="0"/>
-              <a:t>12.02.2018</a:t>
+              <a:t>20.02.2018</a:t>
             </a:fld>
             <a:endParaRPr lang="ru-RU"/>
           </a:p>
@@ -2152,7 +2151,7 @@
           <a:lstStyle/>
           <a:p>
             <a:r>
-              <a:rPr lang="ru-RU" smtClean="0"/>
+              <a:rPr lang="ru-RU"/>
               <a:t>Образец заголовка</a:t>
             </a:r>
             <a:endParaRPr lang="en-US" dirty="0"/>
@@ -2176,7 +2175,7 @@
           <a:p>
             <a:fld id="{967601B1-7F02-401F-AF97-70B534B2321A}" type="datetime1">
               <a:rPr lang="ru-RU" smtClean="0"/>
-              <a:t>12.02.2018</a:t>
+              <a:t>20.02.2018</a:t>
             </a:fld>
             <a:endParaRPr lang="ru-RU"/>
           </a:p>
@@ -2271,7 +2270,7 @@
           <a:p>
             <a:fld id="{738E77A5-ED5A-47AE-B3EA-DDE409254854}" type="datetime1">
               <a:rPr lang="ru-RU" smtClean="0"/>
-              <a:t>12.02.2018</a:t>
+              <a:t>20.02.2018</a:t>
             </a:fld>
             <a:endParaRPr lang="ru-RU"/>
           </a:p>
@@ -2374,7 +2373,7 @@
           </a:lstStyle>
           <a:p>
             <a:r>
-              <a:rPr lang="ru-RU" smtClean="0"/>
+              <a:rPr lang="ru-RU"/>
               <a:t>Образец заголовка</a:t>
             </a:r>
             <a:endParaRPr lang="en-US" dirty="0"/>
@@ -2431,35 +2430,35 @@
           <a:p>
             <a:pPr lvl="0"/>
             <a:r>
-              <a:rPr lang="ru-RU" smtClean="0"/>
+              <a:rPr lang="ru-RU"/>
               <a:t>Образец текста</a:t>
             </a:r>
           </a:p>
           <a:p>
             <a:pPr lvl="1"/>
             <a:r>
-              <a:rPr lang="ru-RU" smtClean="0"/>
+              <a:rPr lang="ru-RU"/>
               <a:t>Второй уровень</a:t>
             </a:r>
           </a:p>
           <a:p>
             <a:pPr lvl="2"/>
             <a:r>
-              <a:rPr lang="ru-RU" smtClean="0"/>
+              <a:rPr lang="ru-RU"/>
               <a:t>Третий уровень</a:t>
             </a:r>
           </a:p>
           <a:p>
             <a:pPr lvl="3"/>
             <a:r>
-              <a:rPr lang="ru-RU" smtClean="0"/>
+              <a:rPr lang="ru-RU"/>
               <a:t>Четвертый уровень</a:t>
             </a:r>
           </a:p>
           <a:p>
             <a:pPr lvl="4"/>
             <a:r>
-              <a:rPr lang="ru-RU" smtClean="0"/>
+              <a:rPr lang="ru-RU"/>
               <a:t>Пятый уровень</a:t>
             </a:r>
             <a:endParaRPr lang="en-US" dirty="0"/>
@@ -2525,7 +2524,7 @@
           <a:p>
             <a:pPr lvl="0"/>
             <a:r>
-              <a:rPr lang="ru-RU" smtClean="0"/>
+              <a:rPr lang="ru-RU"/>
               <a:t>Образец текста</a:t>
             </a:r>
           </a:p>
@@ -2548,7 +2547,7 @@
           <a:p>
             <a:fld id="{10397197-E024-4685-8FF6-54477D15AC12}" type="datetime1">
               <a:rPr lang="ru-RU" smtClean="0"/>
-              <a:t>12.02.2018</a:t>
+              <a:t>20.02.2018</a:t>
             </a:fld>
             <a:endParaRPr lang="ru-RU"/>
           </a:p>
@@ -2651,7 +2650,7 @@
           </a:lstStyle>
           <a:p>
             <a:r>
-              <a:rPr lang="ru-RU" smtClean="0"/>
+              <a:rPr lang="ru-RU"/>
               <a:t>Образец заголовка</a:t>
             </a:r>
             <a:endParaRPr lang="en-US" dirty="0"/>
@@ -2716,7 +2715,7 @@
           </a:lstStyle>
           <a:p>
             <a:r>
-              <a:rPr lang="ru-RU" smtClean="0"/>
+              <a:rPr lang="ru-RU"/>
               <a:t>Вставка рисунка</a:t>
             </a:r>
             <a:endParaRPr lang="en-US" dirty="0"/>
@@ -2782,7 +2781,7 @@
           <a:p>
             <a:pPr lvl="0"/>
             <a:r>
-              <a:rPr lang="ru-RU" smtClean="0"/>
+              <a:rPr lang="ru-RU"/>
               <a:t>Образец текста</a:t>
             </a:r>
           </a:p>
@@ -2805,7 +2804,7 @@
           <a:p>
             <a:fld id="{E73EFA14-FF8B-4A6B-8162-006F02557ABA}" type="datetime1">
               <a:rPr lang="ru-RU" smtClean="0"/>
-              <a:t>12.02.2018</a:t>
+              <a:t>20.02.2018</a:t>
             </a:fld>
             <a:endParaRPr lang="ru-RU"/>
           </a:p>
@@ -2914,7 +2913,7 @@
           <a:lstStyle/>
           <a:p>
             <a:r>
-              <a:rPr lang="ru-RU" smtClean="0"/>
+              <a:rPr lang="ru-RU"/>
               <a:t>Образец заголовка</a:t>
             </a:r>
             <a:endParaRPr lang="en-US" dirty="0"/>
@@ -2948,35 +2947,35 @@
           <a:p>
             <a:pPr lvl="0"/>
             <a:r>
-              <a:rPr lang="ru-RU" smtClean="0"/>
+              <a:rPr lang="ru-RU"/>
               <a:t>Образец текста</a:t>
             </a:r>
           </a:p>
           <a:p>
             <a:pPr lvl="1"/>
             <a:r>
-              <a:rPr lang="ru-RU" smtClean="0"/>
+              <a:rPr lang="ru-RU"/>
               <a:t>Второй уровень</a:t>
             </a:r>
           </a:p>
           <a:p>
             <a:pPr lvl="2"/>
             <a:r>
-              <a:rPr lang="ru-RU" smtClean="0"/>
+              <a:rPr lang="ru-RU"/>
               <a:t>Третий уровень</a:t>
             </a:r>
           </a:p>
           <a:p>
             <a:pPr lvl="3"/>
             <a:r>
-              <a:rPr lang="ru-RU" smtClean="0"/>
+              <a:rPr lang="ru-RU"/>
               <a:t>Четвертый уровень</a:t>
             </a:r>
           </a:p>
           <a:p>
             <a:pPr lvl="4"/>
             <a:r>
-              <a:rPr lang="ru-RU" smtClean="0"/>
+              <a:rPr lang="ru-RU"/>
               <a:t>Пятый уровень</a:t>
             </a:r>
             <a:endParaRPr lang="en-US" dirty="0"/>
@@ -3018,7 +3017,7 @@
           <a:p>
             <a:fld id="{419AEEC5-6680-4ADB-A59F-95D4EDF513F7}" type="datetime1">
               <a:rPr lang="ru-RU" smtClean="0"/>
-              <a:t>12.02.2018</a:t>
+              <a:t>20.02.2018</a:t>
             </a:fld>
             <a:endParaRPr lang="ru-RU"/>
           </a:p>
@@ -3542,7 +3541,7 @@
               </a:buClr>
             </a:pPr>
             <a:r>
-              <a:rPr lang="ru-RU" sz="2000" dirty="0" smtClean="0">
+              <a:rPr lang="ru-RU" sz="2000" dirty="0">
                 <a:solidFill>
                   <a:srgbClr val="595959"/>
                 </a:solidFill>
@@ -3552,14 +3551,6 @@
               </a:rPr>
               <a:t>Подготовил:</a:t>
             </a:r>
-            <a:endParaRPr lang="ru-RU" sz="2000" dirty="0">
-              <a:solidFill>
-                <a:srgbClr val="595959"/>
-              </a:solidFill>
-              <a:latin typeface="Times New Roman" pitchFamily="18" charset="0"/>
-              <a:cs typeface="Times New Roman" pitchFamily="18" charset="0"/>
-              <a:sym typeface="Times New Roman" pitchFamily="18" charset="0"/>
-            </a:endParaRPr>
           </a:p>
           <a:p>
             <a:pPr eaLnBrk="1" hangingPunct="1">
@@ -3574,7 +3565,7 @@
               </a:buClr>
             </a:pPr>
             <a:r>
-              <a:rPr lang="ru-RU" sz="2000" dirty="0" smtClean="0">
+              <a:rPr lang="ru-RU" sz="2000" dirty="0">
                 <a:solidFill>
                   <a:srgbClr val="595959"/>
                 </a:solidFill>
@@ -3584,14 +3575,6 @@
               </a:rPr>
               <a:t>Николаев Денис</a:t>
             </a:r>
-            <a:endParaRPr lang="ru-RU" sz="2000" dirty="0">
-              <a:solidFill>
-                <a:srgbClr val="595959"/>
-              </a:solidFill>
-              <a:latin typeface="Times New Roman" pitchFamily="18" charset="0"/>
-              <a:cs typeface="Times New Roman" pitchFamily="18" charset="0"/>
-              <a:sym typeface="Times New Roman" pitchFamily="18" charset="0"/>
-            </a:endParaRPr>
           </a:p>
           <a:p>
             <a:pPr eaLnBrk="1" hangingPunct="1">
@@ -3774,2116 +3757,10 @@
   <p:clrMapOvr>
     <a:masterClrMapping/>
   </p:clrMapOvr>
-  <p:timing>
-    <p:tnLst>
-      <p:par>
-        <p:cTn id="1" dur="indefinite" restart="never" nodeType="tmRoot"/>
-      </p:par>
-    </p:tnLst>
-  </p:timing>
 </p:sld>
 </file>
 
 <file path=ppt/slides/slide10.xml><?xml version="1.0" encoding="utf-8"?>
-<p:sld xmlns:a="http://schemas.openxmlformats.org/drawingml/2006/main" xmlns:r="http://schemas.openxmlformats.org/officeDocument/2006/relationships" xmlns:p="http://schemas.openxmlformats.org/presentationml/2006/main">
-  <p:cSld>
-    <p:spTree>
-      <p:nvGrpSpPr>
-        <p:cNvPr id="1" name=""/>
-        <p:cNvGrpSpPr/>
-        <p:nvPr/>
-      </p:nvGrpSpPr>
-      <p:grpSpPr>
-        <a:xfrm>
-          <a:off x="0" y="0"/>
-          <a:ext cx="0" cy="0"/>
-          <a:chOff x="0" y="0"/>
-          <a:chExt cx="0" cy="0"/>
-        </a:xfrm>
-      </p:grpSpPr>
-      <p:pic>
-        <p:nvPicPr>
-          <p:cNvPr id="4" name="Объект 3"/>
-          <p:cNvPicPr>
-            <a:picLocks noGrp="1"/>
-          </p:cNvPicPr>
-          <p:nvPr>
-            <p:ph idx="1"/>
-          </p:nvPr>
-        </p:nvPicPr>
-        <p:blipFill>
-          <a:blip r:embed="rId2"/>
-          <a:stretch>
-            <a:fillRect/>
-          </a:stretch>
-        </p:blipFill>
-        <p:spPr>
-          <a:xfrm>
-            <a:off x="2703271" y="1749203"/>
-            <a:ext cx="3737459" cy="4118199"/>
-          </a:xfrm>
-          <a:prstGeom prst="rect">
-            <a:avLst/>
-          </a:prstGeom>
-        </p:spPr>
-      </p:pic>
-      <p:sp>
-        <p:nvSpPr>
-          <p:cNvPr id="3" name="Номер слайда 2"/>
-          <p:cNvSpPr>
-            <a:spLocks noGrp="1"/>
-          </p:cNvSpPr>
-          <p:nvPr>
-            <p:ph type="sldNum" sz="quarter" idx="12"/>
-          </p:nvPr>
-        </p:nvSpPr>
-        <p:spPr/>
-        <p:txBody>
-          <a:bodyPr/>
-          <a:lstStyle/>
-          <a:p>
-            <a:fld id="{3177E89D-76AF-4E24-8F7F-2685DD826F0A}" type="slidenum">
-              <a:rPr lang="ru-RU" sz="1800" smtClean="0"/>
-              <a:t>10</a:t>
-            </a:fld>
-            <a:endParaRPr lang="ru-RU" sz="1800" dirty="0"/>
-          </a:p>
-        </p:txBody>
-      </p:sp>
-      <p:sp>
-        <p:nvSpPr>
-          <p:cNvPr id="5" name="Заголовок 1"/>
-          <p:cNvSpPr txBox="1">
-            <a:spLocks/>
-          </p:cNvSpPr>
-          <p:nvPr/>
-        </p:nvSpPr>
-        <p:spPr>
-          <a:xfrm>
-            <a:off x="628650" y="365126"/>
-            <a:ext cx="7886700" cy="1325563"/>
-          </a:xfrm>
-          <a:prstGeom prst="rect">
-            <a:avLst/>
-          </a:prstGeom>
-        </p:spPr>
-        <p:txBody>
-          <a:bodyPr vert="horz" lIns="91440" tIns="45720" rIns="91440" bIns="45720" rtlCol="0" anchor="ctr">
-            <a:normAutofit/>
-          </a:bodyPr>
-          <a:lstStyle>
-            <a:lvl1pPr algn="l" defTabSz="914400" rtl="0" eaLnBrk="1" latinLnBrk="0" hangingPunct="1">
-              <a:lnSpc>
-                <a:spcPct val="90000"/>
-              </a:lnSpc>
-              <a:spcBef>
-                <a:spcPct val="0"/>
-              </a:spcBef>
-              <a:buNone/>
-              <a:defRPr sz="4400" kern="1200">
-                <a:solidFill>
-                  <a:schemeClr val="tx1"/>
-                </a:solidFill>
-                <a:latin typeface="+mj-lt"/>
-                <a:ea typeface="+mj-ea"/>
-                <a:cs typeface="+mj-cs"/>
-              </a:defRPr>
-            </a:lvl1pPr>
-          </a:lstStyle>
-          <a:p>
-            <a:r>
-              <a:rPr lang="ru-RU" dirty="0">
-                <a:latin typeface="+mn-lt"/>
-              </a:rPr>
-              <a:t>Диаграмма </a:t>
-            </a:r>
-            <a:r>
-              <a:rPr lang="ru-RU" dirty="0" smtClean="0">
-                <a:latin typeface="+mn-lt"/>
-              </a:rPr>
-              <a:t>компонентов</a:t>
-            </a:r>
-            <a:endParaRPr lang="ru-RU" dirty="0">
-              <a:latin typeface="+mn-lt"/>
-            </a:endParaRPr>
-          </a:p>
-        </p:txBody>
-      </p:sp>
-    </p:spTree>
-    <p:extLst>
-      <p:ext uri="{BB962C8B-B14F-4D97-AF65-F5344CB8AC3E}">
-        <p14:creationId xmlns:p14="http://schemas.microsoft.com/office/powerpoint/2010/main" val="2183277275"/>
-      </p:ext>
-    </p:extLst>
-  </p:cSld>
-  <p:clrMapOvr>
-    <a:masterClrMapping/>
-  </p:clrMapOvr>
-  <p:timing>
-    <p:tnLst>
-      <p:par>
-        <p:cTn id="1" dur="indefinite" restart="never" nodeType="tmRoot"/>
-      </p:par>
-    </p:tnLst>
-  </p:timing>
-</p:sld>
-</file>
-
-<file path=ppt/slides/slide11.xml><?xml version="1.0" encoding="utf-8"?>
-<p:sld xmlns:a="http://schemas.openxmlformats.org/drawingml/2006/main" xmlns:r="http://schemas.openxmlformats.org/officeDocument/2006/relationships" xmlns:p="http://schemas.openxmlformats.org/presentationml/2006/main">
-  <p:cSld>
-    <p:spTree>
-      <p:nvGrpSpPr>
-        <p:cNvPr id="1" name=""/>
-        <p:cNvGrpSpPr/>
-        <p:nvPr/>
-      </p:nvGrpSpPr>
-      <p:grpSpPr>
-        <a:xfrm>
-          <a:off x="0" y="0"/>
-          <a:ext cx="0" cy="0"/>
-          <a:chOff x="0" y="0"/>
-          <a:chExt cx="0" cy="0"/>
-        </a:xfrm>
-      </p:grpSpPr>
-      <p:pic>
-        <p:nvPicPr>
-          <p:cNvPr id="4" name="Объект 3" descr="https://pp.userapi.com/c830608/v830608115/2b390/NMNkQnINV98.jpg"/>
-          <p:cNvPicPr>
-            <a:picLocks noGrp="1"/>
-          </p:cNvPicPr>
-          <p:nvPr>
-            <p:ph idx="1"/>
-          </p:nvPr>
-        </p:nvPicPr>
-        <p:blipFill>
-          <a:blip r:embed="rId2">
-            <a:extLst>
-              <a:ext uri="{28A0092B-C50C-407E-A947-70E740481C1C}">
-                <a14:useLocalDpi xmlns:a14="http://schemas.microsoft.com/office/drawing/2010/main" val="0"/>
-              </a:ext>
-            </a:extLst>
-          </a:blip>
-          <a:srcRect/>
-          <a:stretch>
-            <a:fillRect/>
-          </a:stretch>
-        </p:blipFill>
-        <p:spPr bwMode="auto">
-          <a:xfrm>
-            <a:off x="1341345" y="1535709"/>
-            <a:ext cx="6373905" cy="4388591"/>
-          </a:xfrm>
-          <a:prstGeom prst="rect">
-            <a:avLst/>
-          </a:prstGeom>
-          <a:noFill/>
-          <a:ln>
-            <a:noFill/>
-          </a:ln>
-        </p:spPr>
-      </p:pic>
-      <p:sp>
-        <p:nvSpPr>
-          <p:cNvPr id="3" name="Номер слайда 2"/>
-          <p:cNvSpPr>
-            <a:spLocks noGrp="1"/>
-          </p:cNvSpPr>
-          <p:nvPr>
-            <p:ph type="sldNum" sz="quarter" idx="12"/>
-          </p:nvPr>
-        </p:nvSpPr>
-        <p:spPr/>
-        <p:txBody>
-          <a:bodyPr/>
-          <a:lstStyle/>
-          <a:p>
-            <a:fld id="{3177E89D-76AF-4E24-8F7F-2685DD826F0A}" type="slidenum">
-              <a:rPr lang="ru-RU" sz="1800" smtClean="0"/>
-              <a:t>11</a:t>
-            </a:fld>
-            <a:endParaRPr lang="ru-RU" sz="1800" dirty="0"/>
-          </a:p>
-        </p:txBody>
-      </p:sp>
-      <p:sp>
-        <p:nvSpPr>
-          <p:cNvPr id="5" name="Заголовок 1"/>
-          <p:cNvSpPr txBox="1">
-            <a:spLocks/>
-          </p:cNvSpPr>
-          <p:nvPr/>
-        </p:nvSpPr>
-        <p:spPr>
-          <a:xfrm>
-            <a:off x="628650" y="365126"/>
-            <a:ext cx="7886700" cy="1325563"/>
-          </a:xfrm>
-          <a:prstGeom prst="rect">
-            <a:avLst/>
-          </a:prstGeom>
-        </p:spPr>
-        <p:txBody>
-          <a:bodyPr vert="horz" lIns="91440" tIns="45720" rIns="91440" bIns="45720" rtlCol="0" anchor="ctr">
-            <a:normAutofit/>
-          </a:bodyPr>
-          <a:lstStyle>
-            <a:lvl1pPr algn="l" defTabSz="914400" rtl="0" eaLnBrk="1" latinLnBrk="0" hangingPunct="1">
-              <a:lnSpc>
-                <a:spcPct val="90000"/>
-              </a:lnSpc>
-              <a:spcBef>
-                <a:spcPct val="0"/>
-              </a:spcBef>
-              <a:buNone/>
-              <a:defRPr sz="4400" kern="1200">
-                <a:solidFill>
-                  <a:schemeClr val="tx1"/>
-                </a:solidFill>
-                <a:latin typeface="+mj-lt"/>
-                <a:ea typeface="+mj-ea"/>
-                <a:cs typeface="+mj-cs"/>
-              </a:defRPr>
-            </a:lvl1pPr>
-          </a:lstStyle>
-          <a:p>
-            <a:r>
-              <a:rPr lang="ru-RU" dirty="0">
-                <a:latin typeface="+mn-lt"/>
-                <a:cs typeface="Times New Roman" pitchFamily="18" charset="0"/>
-                <a:sym typeface="Times New Roman" pitchFamily="18" charset="0"/>
-              </a:rPr>
-              <a:t>Диаграмма классов</a:t>
-            </a:r>
-            <a:endParaRPr lang="ru-RU" dirty="0">
-              <a:latin typeface="+mn-lt"/>
-            </a:endParaRPr>
-          </a:p>
-        </p:txBody>
-      </p:sp>
-    </p:spTree>
-    <p:extLst>
-      <p:ext uri="{BB962C8B-B14F-4D97-AF65-F5344CB8AC3E}">
-        <p14:creationId xmlns:p14="http://schemas.microsoft.com/office/powerpoint/2010/main" val="2046360976"/>
-      </p:ext>
-    </p:extLst>
-  </p:cSld>
-  <p:clrMapOvr>
-    <a:masterClrMapping/>
-  </p:clrMapOvr>
-  <p:timing>
-    <p:tnLst>
-      <p:par>
-        <p:cTn id="1" dur="indefinite" restart="never" nodeType="tmRoot"/>
-      </p:par>
-    </p:tnLst>
-  </p:timing>
-</p:sld>
-</file>
-
-<file path=ppt/slides/slide12.xml><?xml version="1.0" encoding="utf-8"?>
-<p:sld xmlns:a="http://schemas.openxmlformats.org/drawingml/2006/main" xmlns:r="http://schemas.openxmlformats.org/officeDocument/2006/relationships" xmlns:p="http://schemas.openxmlformats.org/presentationml/2006/main">
-  <p:cSld>
-    <p:spTree>
-      <p:nvGrpSpPr>
-        <p:cNvPr id="1" name=""/>
-        <p:cNvGrpSpPr/>
-        <p:nvPr/>
-      </p:nvGrpSpPr>
-      <p:grpSpPr>
-        <a:xfrm>
-          <a:off x="0" y="0"/>
-          <a:ext cx="0" cy="0"/>
-          <a:chOff x="0" y="0"/>
-          <a:chExt cx="0" cy="0"/>
-        </a:xfrm>
-      </p:grpSpPr>
-      <p:sp>
-        <p:nvSpPr>
-          <p:cNvPr id="2" name="Заголовок 1"/>
-          <p:cNvSpPr>
-            <a:spLocks noGrp="1"/>
-          </p:cNvSpPr>
-          <p:nvPr>
-            <p:ph type="title"/>
-          </p:nvPr>
-        </p:nvSpPr>
-        <p:spPr/>
-        <p:txBody>
-          <a:bodyPr/>
-          <a:lstStyle/>
-          <a:p>
-            <a:r>
-              <a:rPr lang="ru-RU" dirty="0">
-                <a:latin typeface="+mn-lt"/>
-              </a:rPr>
-              <a:t>С</a:t>
-            </a:r>
-            <a:r>
-              <a:rPr lang="ru-RU" dirty="0" smtClean="0">
-                <a:latin typeface="+mn-lt"/>
-              </a:rPr>
-              <a:t>оотношение </a:t>
-            </a:r>
-            <a:r>
-              <a:rPr lang="ru-RU" dirty="0">
-                <a:latin typeface="+mn-lt"/>
-              </a:rPr>
-              <a:t>пакетов проекта по их размеру</a:t>
-            </a:r>
-            <a:endParaRPr lang="ru-RU" dirty="0">
-              <a:latin typeface="+mn-lt"/>
-            </a:endParaRPr>
-          </a:p>
-        </p:txBody>
-      </p:sp>
-      <p:pic>
-        <p:nvPicPr>
-          <p:cNvPr id="5" name="Рисунок 4"/>
-          <p:cNvPicPr/>
-          <p:nvPr/>
-        </p:nvPicPr>
-        <p:blipFill>
-          <a:blip r:embed="rId2"/>
-          <a:stretch>
-            <a:fillRect/>
-          </a:stretch>
-        </p:blipFill>
-        <p:spPr>
-          <a:xfrm>
-            <a:off x="482089" y="2208679"/>
-            <a:ext cx="8033261" cy="2672603"/>
-          </a:xfrm>
-          <a:prstGeom prst="rect">
-            <a:avLst/>
-          </a:prstGeom>
-        </p:spPr>
-      </p:pic>
-      <p:sp>
-        <p:nvSpPr>
-          <p:cNvPr id="3" name="Номер слайда 2"/>
-          <p:cNvSpPr>
-            <a:spLocks noGrp="1"/>
-          </p:cNvSpPr>
-          <p:nvPr>
-            <p:ph type="sldNum" sz="quarter" idx="12"/>
-          </p:nvPr>
-        </p:nvSpPr>
-        <p:spPr/>
-        <p:txBody>
-          <a:bodyPr/>
-          <a:lstStyle/>
-          <a:p>
-            <a:fld id="{3177E89D-76AF-4E24-8F7F-2685DD826F0A}" type="slidenum">
-              <a:rPr lang="ru-RU" sz="1800" smtClean="0"/>
-              <a:t>12</a:t>
-            </a:fld>
-            <a:endParaRPr lang="ru-RU" sz="1800" dirty="0"/>
-          </a:p>
-        </p:txBody>
-      </p:sp>
-    </p:spTree>
-    <p:extLst>
-      <p:ext uri="{BB962C8B-B14F-4D97-AF65-F5344CB8AC3E}">
-        <p14:creationId xmlns:p14="http://schemas.microsoft.com/office/powerpoint/2010/main" val="3223163229"/>
-      </p:ext>
-    </p:extLst>
-  </p:cSld>
-  <p:clrMapOvr>
-    <a:masterClrMapping/>
-  </p:clrMapOvr>
-  <p:timing>
-    <p:tnLst>
-      <p:par>
-        <p:cTn id="1" dur="indefinite" restart="never" nodeType="tmRoot"/>
-      </p:par>
-    </p:tnLst>
-  </p:timing>
-</p:sld>
-</file>
-
-<file path=ppt/slides/slide13.xml><?xml version="1.0" encoding="utf-8"?>
-<p:sld xmlns:a="http://schemas.openxmlformats.org/drawingml/2006/main" xmlns:r="http://schemas.openxmlformats.org/officeDocument/2006/relationships" xmlns:p="http://schemas.openxmlformats.org/presentationml/2006/main">
-  <p:cSld>
-    <p:spTree>
-      <p:nvGrpSpPr>
-        <p:cNvPr id="1" name=""/>
-        <p:cNvGrpSpPr/>
-        <p:nvPr/>
-      </p:nvGrpSpPr>
-      <p:grpSpPr>
-        <a:xfrm>
-          <a:off x="0" y="0"/>
-          <a:ext cx="0" cy="0"/>
-          <a:chOff x="0" y="0"/>
-          <a:chExt cx="0" cy="0"/>
-        </a:xfrm>
-      </p:grpSpPr>
-      <p:sp>
-        <p:nvSpPr>
-          <p:cNvPr id="2" name="Заголовок 1"/>
-          <p:cNvSpPr>
-            <a:spLocks noGrp="1"/>
-          </p:cNvSpPr>
-          <p:nvPr>
-            <p:ph type="title"/>
-          </p:nvPr>
-        </p:nvSpPr>
-        <p:spPr/>
-        <p:txBody>
-          <a:bodyPr/>
-          <a:lstStyle/>
-          <a:p>
-            <a:r>
-              <a:rPr lang="ru-RU" dirty="0" smtClean="0">
-                <a:latin typeface="+mn-lt"/>
-              </a:rPr>
-              <a:t>Зависимости </a:t>
-            </a:r>
-            <a:r>
-              <a:rPr lang="ru-RU" dirty="0" smtClean="0">
-                <a:latin typeface="+mn-lt"/>
-              </a:rPr>
-              <a:t>в коде </a:t>
-            </a:r>
-            <a:r>
-              <a:rPr lang="ru-RU" dirty="0">
-                <a:latin typeface="+mn-lt"/>
-              </a:rPr>
-              <a:t>и метрики кода системы</a:t>
-            </a:r>
-            <a:endParaRPr lang="ru-RU" dirty="0">
-              <a:latin typeface="+mn-lt"/>
-            </a:endParaRPr>
-          </a:p>
-        </p:txBody>
-      </p:sp>
-      <p:pic>
-        <p:nvPicPr>
-          <p:cNvPr id="4" name="Объект 3"/>
-          <p:cNvPicPr>
-            <a:picLocks noGrp="1"/>
-          </p:cNvPicPr>
-          <p:nvPr>
-            <p:ph idx="1"/>
-          </p:nvPr>
-        </p:nvPicPr>
-        <p:blipFill>
-          <a:blip r:embed="rId2"/>
-          <a:stretch>
-            <a:fillRect/>
-          </a:stretch>
-        </p:blipFill>
-        <p:spPr>
-          <a:xfrm>
-            <a:off x="0" y="2422117"/>
-            <a:ext cx="5429250" cy="2307431"/>
-          </a:xfrm>
-          <a:prstGeom prst="rect">
-            <a:avLst/>
-          </a:prstGeom>
-        </p:spPr>
-      </p:pic>
-      <p:pic>
-        <p:nvPicPr>
-          <p:cNvPr id="5" name="Рисунок 4"/>
-          <p:cNvPicPr/>
-          <p:nvPr/>
-        </p:nvPicPr>
-        <p:blipFill>
-          <a:blip r:embed="rId3"/>
-          <a:stretch>
-            <a:fillRect/>
-          </a:stretch>
-        </p:blipFill>
-        <p:spPr>
-          <a:xfrm>
-            <a:off x="5544180" y="1843928"/>
-            <a:ext cx="3521869" cy="3914775"/>
-          </a:xfrm>
-          <a:prstGeom prst="rect">
-            <a:avLst/>
-          </a:prstGeom>
-        </p:spPr>
-      </p:pic>
-      <p:sp>
-        <p:nvSpPr>
-          <p:cNvPr id="3" name="Номер слайда 2"/>
-          <p:cNvSpPr>
-            <a:spLocks noGrp="1"/>
-          </p:cNvSpPr>
-          <p:nvPr>
-            <p:ph type="sldNum" sz="quarter" idx="12"/>
-          </p:nvPr>
-        </p:nvSpPr>
-        <p:spPr/>
-        <p:txBody>
-          <a:bodyPr/>
-          <a:lstStyle/>
-          <a:p>
-            <a:fld id="{3177E89D-76AF-4E24-8F7F-2685DD826F0A}" type="slidenum">
-              <a:rPr lang="ru-RU" sz="1800" smtClean="0"/>
-              <a:t>13</a:t>
-            </a:fld>
-            <a:endParaRPr lang="ru-RU" sz="1800" dirty="0"/>
-          </a:p>
-        </p:txBody>
-      </p:sp>
-    </p:spTree>
-    <p:extLst>
-      <p:ext uri="{BB962C8B-B14F-4D97-AF65-F5344CB8AC3E}">
-        <p14:creationId xmlns:p14="http://schemas.microsoft.com/office/powerpoint/2010/main" val="1039970369"/>
-      </p:ext>
-    </p:extLst>
-  </p:cSld>
-  <p:clrMapOvr>
-    <a:masterClrMapping/>
-  </p:clrMapOvr>
-  <p:timing>
-    <p:tnLst>
-      <p:par>
-        <p:cTn id="1" dur="indefinite" restart="never" nodeType="tmRoot"/>
-      </p:par>
-    </p:tnLst>
-  </p:timing>
-</p:sld>
-</file>
-
-<file path=ppt/slides/slide14.xml><?xml version="1.0" encoding="utf-8"?>
-<p:sld xmlns:a="http://schemas.openxmlformats.org/drawingml/2006/main" xmlns:r="http://schemas.openxmlformats.org/officeDocument/2006/relationships" xmlns:p="http://schemas.openxmlformats.org/presentationml/2006/main">
-  <p:cSld>
-    <p:spTree>
-      <p:nvGrpSpPr>
-        <p:cNvPr id="1" name=""/>
-        <p:cNvGrpSpPr/>
-        <p:nvPr/>
-      </p:nvGrpSpPr>
-      <p:grpSpPr>
-        <a:xfrm>
-          <a:off x="0" y="0"/>
-          <a:ext cx="0" cy="0"/>
-          <a:chOff x="0" y="0"/>
-          <a:chExt cx="0" cy="0"/>
-        </a:xfrm>
-      </p:grpSpPr>
-      <p:sp>
-        <p:nvSpPr>
-          <p:cNvPr id="2" name="Заголовок 1"/>
-          <p:cNvSpPr>
-            <a:spLocks noGrp="1"/>
-          </p:cNvSpPr>
-          <p:nvPr>
-            <p:ph type="title"/>
-          </p:nvPr>
-        </p:nvSpPr>
-        <p:spPr/>
-        <p:txBody>
-          <a:bodyPr/>
-          <a:lstStyle/>
-          <a:p>
-            <a:r>
-              <a:rPr lang="ru-RU" dirty="0" smtClean="0">
-                <a:latin typeface="+mn-lt"/>
-              </a:rPr>
-              <a:t>Тестирование проекта и оценка покрытия</a:t>
-            </a:r>
-            <a:endParaRPr lang="ru-RU" dirty="0">
-              <a:latin typeface="+mn-lt"/>
-            </a:endParaRPr>
-          </a:p>
-        </p:txBody>
-      </p:sp>
-      <p:pic>
-        <p:nvPicPr>
-          <p:cNvPr id="4" name="Объект 3"/>
-          <p:cNvPicPr>
-            <a:picLocks noGrp="1"/>
-          </p:cNvPicPr>
-          <p:nvPr>
-            <p:ph idx="1"/>
-          </p:nvPr>
-        </p:nvPicPr>
-        <p:blipFill>
-          <a:blip r:embed="rId2"/>
-          <a:stretch>
-            <a:fillRect/>
-          </a:stretch>
-        </p:blipFill>
-        <p:spPr>
-          <a:xfrm>
-            <a:off x="1596839" y="2125266"/>
-            <a:ext cx="5357928" cy="1100594"/>
-          </a:xfrm>
-          <a:prstGeom prst="rect">
-            <a:avLst/>
-          </a:prstGeom>
-        </p:spPr>
-      </p:pic>
-      <p:pic>
-        <p:nvPicPr>
-          <p:cNvPr id="5" name="Рисунок 4"/>
-          <p:cNvPicPr/>
-          <p:nvPr/>
-        </p:nvPicPr>
-        <p:blipFill>
-          <a:blip r:embed="rId3"/>
-          <a:stretch>
-            <a:fillRect/>
-          </a:stretch>
-        </p:blipFill>
-        <p:spPr>
-          <a:xfrm>
-            <a:off x="628650" y="3708207"/>
-            <a:ext cx="7674905" cy="1023649"/>
-          </a:xfrm>
-          <a:prstGeom prst="rect">
-            <a:avLst/>
-          </a:prstGeom>
-        </p:spPr>
-      </p:pic>
-      <p:sp>
-        <p:nvSpPr>
-          <p:cNvPr id="3" name="Номер слайда 2"/>
-          <p:cNvSpPr>
-            <a:spLocks noGrp="1"/>
-          </p:cNvSpPr>
-          <p:nvPr>
-            <p:ph type="sldNum" sz="quarter" idx="12"/>
-          </p:nvPr>
-        </p:nvSpPr>
-        <p:spPr/>
-        <p:txBody>
-          <a:bodyPr/>
-          <a:lstStyle/>
-          <a:p>
-            <a:fld id="{3177E89D-76AF-4E24-8F7F-2685DD826F0A}" type="slidenum">
-              <a:rPr lang="ru-RU" sz="1800" smtClean="0"/>
-              <a:t>14</a:t>
-            </a:fld>
-            <a:endParaRPr lang="ru-RU" sz="1800" dirty="0"/>
-          </a:p>
-        </p:txBody>
-      </p:sp>
-    </p:spTree>
-    <p:extLst>
-      <p:ext uri="{BB962C8B-B14F-4D97-AF65-F5344CB8AC3E}">
-        <p14:creationId xmlns:p14="http://schemas.microsoft.com/office/powerpoint/2010/main" val="2693587103"/>
-      </p:ext>
-    </p:extLst>
-  </p:cSld>
-  <p:clrMapOvr>
-    <a:masterClrMapping/>
-  </p:clrMapOvr>
-  <p:timing>
-    <p:tnLst>
-      <p:par>
-        <p:cTn id="1" dur="indefinite" restart="never" nodeType="tmRoot"/>
-      </p:par>
-    </p:tnLst>
-  </p:timing>
-</p:sld>
-</file>
-
-<file path=ppt/slides/slide15.xml><?xml version="1.0" encoding="utf-8"?>
-<p:sld xmlns:a="http://schemas.openxmlformats.org/drawingml/2006/main" xmlns:r="http://schemas.openxmlformats.org/officeDocument/2006/relationships" xmlns:p="http://schemas.openxmlformats.org/presentationml/2006/main">
-  <p:cSld>
-    <p:spTree>
-      <p:nvGrpSpPr>
-        <p:cNvPr id="1" name=""/>
-        <p:cNvGrpSpPr/>
-        <p:nvPr/>
-      </p:nvGrpSpPr>
-      <p:grpSpPr>
-        <a:xfrm>
-          <a:off x="0" y="0"/>
-          <a:ext cx="0" cy="0"/>
-          <a:chOff x="0" y="0"/>
-          <a:chExt cx="0" cy="0"/>
-        </a:xfrm>
-      </p:grpSpPr>
-      <p:sp>
-        <p:nvSpPr>
-          <p:cNvPr id="2" name="Заголовок 1"/>
-          <p:cNvSpPr>
-            <a:spLocks noGrp="1"/>
-          </p:cNvSpPr>
-          <p:nvPr>
-            <p:ph type="title"/>
-          </p:nvPr>
-        </p:nvSpPr>
-        <p:spPr/>
-        <p:txBody>
-          <a:bodyPr/>
-          <a:lstStyle/>
-          <a:p>
-            <a:r>
-              <a:rPr lang="ru-RU" dirty="0" smtClean="0">
-                <a:latin typeface="+mn-lt"/>
-              </a:rPr>
-              <a:t>Оценка покрытия</a:t>
-            </a:r>
-            <a:endParaRPr lang="ru-RU" dirty="0">
-              <a:latin typeface="+mn-lt"/>
-            </a:endParaRPr>
-          </a:p>
-        </p:txBody>
-      </p:sp>
-      <p:pic>
-        <p:nvPicPr>
-          <p:cNvPr id="6" name="Объект 5"/>
-          <p:cNvPicPr>
-            <a:picLocks noGrp="1" noChangeAspect="1"/>
-          </p:cNvPicPr>
-          <p:nvPr>
-            <p:ph idx="1"/>
-          </p:nvPr>
-        </p:nvPicPr>
-        <p:blipFill>
-          <a:blip r:embed="rId2"/>
-          <a:stretch>
-            <a:fillRect/>
-          </a:stretch>
-        </p:blipFill>
-        <p:spPr>
-          <a:xfrm>
-            <a:off x="198344" y="2124444"/>
-            <a:ext cx="5550274" cy="2351249"/>
-          </a:xfrm>
-          <a:prstGeom prst="rect">
-            <a:avLst/>
-          </a:prstGeom>
-        </p:spPr>
-      </p:pic>
-      <p:sp>
-        <p:nvSpPr>
-          <p:cNvPr id="7" name="Прямоугольник 6"/>
-          <p:cNvSpPr/>
-          <p:nvPr/>
-        </p:nvSpPr>
-        <p:spPr>
-          <a:xfrm>
-            <a:off x="4084544" y="3118615"/>
-            <a:ext cx="4572000" cy="1950534"/>
-          </a:xfrm>
-          <a:prstGeom prst="rect">
-            <a:avLst/>
-          </a:prstGeom>
-        </p:spPr>
-        <p:txBody>
-          <a:bodyPr>
-            <a:spAutoFit/>
-          </a:bodyPr>
-          <a:lstStyle/>
-          <a:p>
-            <a:pPr marL="214313" indent="-214313" algn="just">
-              <a:lnSpc>
-                <a:spcPct val="115000"/>
-              </a:lnSpc>
-              <a:buFont typeface="Arial" panose="020B0604020202020204" pitchFamily="34" charset="0"/>
-              <a:buChar char="•"/>
-            </a:pPr>
-            <a:r>
-              <a:rPr lang="ru-RU" sz="1500" dirty="0">
-                <a:solidFill>
-                  <a:srgbClr val="000000"/>
-                </a:solidFill>
-                <a:ea typeface="Times New Roman" panose="02020603050405020304" pitchFamily="18" charset="0"/>
-              </a:rPr>
-              <a:t>Зеленые участки – были пройдены при тестировании;</a:t>
-            </a:r>
-          </a:p>
-          <a:p>
-            <a:pPr marL="214313" indent="-214313" algn="just">
-              <a:lnSpc>
-                <a:spcPct val="115000"/>
-              </a:lnSpc>
-              <a:buFont typeface="Arial" panose="020B0604020202020204" pitchFamily="34" charset="0"/>
-              <a:buChar char="•"/>
-            </a:pPr>
-            <a:r>
-              <a:rPr lang="ru-RU" sz="1500" dirty="0">
-                <a:solidFill>
-                  <a:srgbClr val="000000"/>
-                </a:solidFill>
-                <a:ea typeface="Times New Roman" panose="02020603050405020304" pitchFamily="18" charset="0"/>
-              </a:rPr>
-              <a:t>Желтые участки – были частично затронуты при тестировании. Такими участками обычно являются условные операторы;</a:t>
-            </a:r>
-          </a:p>
-          <a:p>
-            <a:pPr marL="214313" indent="-214313" algn="just">
-              <a:lnSpc>
-                <a:spcPct val="115000"/>
-              </a:lnSpc>
-              <a:buFont typeface="Arial" panose="020B0604020202020204" pitchFamily="34" charset="0"/>
-              <a:buChar char="•"/>
-            </a:pPr>
-            <a:r>
-              <a:rPr lang="ru-RU" sz="1500" dirty="0">
-                <a:solidFill>
-                  <a:srgbClr val="000000"/>
-                </a:solidFill>
-                <a:ea typeface="Times New Roman" panose="02020603050405020304" pitchFamily="18" charset="0"/>
-              </a:rPr>
-              <a:t>Красные участки – код не был пройден при тестировании.</a:t>
-            </a:r>
-          </a:p>
-        </p:txBody>
-      </p:sp>
-      <p:sp>
-        <p:nvSpPr>
-          <p:cNvPr id="3" name="Номер слайда 2"/>
-          <p:cNvSpPr>
-            <a:spLocks noGrp="1"/>
-          </p:cNvSpPr>
-          <p:nvPr>
-            <p:ph type="sldNum" sz="quarter" idx="12"/>
-          </p:nvPr>
-        </p:nvSpPr>
-        <p:spPr/>
-        <p:txBody>
-          <a:bodyPr/>
-          <a:lstStyle/>
-          <a:p>
-            <a:fld id="{3177E89D-76AF-4E24-8F7F-2685DD826F0A}" type="slidenum">
-              <a:rPr lang="ru-RU" sz="1800" smtClean="0"/>
-              <a:t>15</a:t>
-            </a:fld>
-            <a:endParaRPr lang="ru-RU" sz="1800" dirty="0"/>
-          </a:p>
-        </p:txBody>
-      </p:sp>
-    </p:spTree>
-    <p:extLst>
-      <p:ext uri="{BB962C8B-B14F-4D97-AF65-F5344CB8AC3E}">
-        <p14:creationId xmlns:p14="http://schemas.microsoft.com/office/powerpoint/2010/main" val="1855996972"/>
-      </p:ext>
-    </p:extLst>
-  </p:cSld>
-  <p:clrMapOvr>
-    <a:masterClrMapping/>
-  </p:clrMapOvr>
-  <p:timing>
-    <p:tnLst>
-      <p:par>
-        <p:cTn id="1" dur="indefinite" restart="never" nodeType="tmRoot"/>
-      </p:par>
-    </p:tnLst>
-  </p:timing>
-</p:sld>
-</file>
-
-<file path=ppt/slides/slide16.xml><?xml version="1.0" encoding="utf-8"?>
-<p:sld xmlns:a="http://schemas.openxmlformats.org/drawingml/2006/main" xmlns:r="http://schemas.openxmlformats.org/officeDocument/2006/relationships" xmlns:p="http://schemas.openxmlformats.org/presentationml/2006/main">
-  <p:cSld>
-    <p:spTree>
-      <p:nvGrpSpPr>
-        <p:cNvPr id="1" name=""/>
-        <p:cNvGrpSpPr/>
-        <p:nvPr/>
-      </p:nvGrpSpPr>
-      <p:grpSpPr>
-        <a:xfrm>
-          <a:off x="0" y="0"/>
-          <a:ext cx="0" cy="0"/>
-          <a:chOff x="0" y="0"/>
-          <a:chExt cx="0" cy="0"/>
-        </a:xfrm>
-      </p:grpSpPr>
-      <p:sp>
-        <p:nvSpPr>
-          <p:cNvPr id="2" name="Заголовок 1"/>
-          <p:cNvSpPr>
-            <a:spLocks noGrp="1"/>
-          </p:cNvSpPr>
-          <p:nvPr>
-            <p:ph type="title"/>
-          </p:nvPr>
-        </p:nvSpPr>
-        <p:spPr>
-          <a:xfrm>
-            <a:off x="487456" y="2896021"/>
-            <a:ext cx="7886700" cy="994172"/>
-          </a:xfrm>
-        </p:spPr>
-        <p:txBody>
-          <a:bodyPr/>
-          <a:lstStyle/>
-          <a:p>
-            <a:pPr algn="ctr"/>
-            <a:r>
-              <a:rPr lang="ru-RU" dirty="0" smtClean="0"/>
-              <a:t>Спасибо за внимание</a:t>
-            </a:r>
-            <a:endParaRPr lang="ru-RU" dirty="0"/>
-          </a:p>
-        </p:txBody>
-      </p:sp>
-      <p:sp>
-        <p:nvSpPr>
-          <p:cNvPr id="3" name="Номер слайда 2"/>
-          <p:cNvSpPr>
-            <a:spLocks noGrp="1"/>
-          </p:cNvSpPr>
-          <p:nvPr>
-            <p:ph type="sldNum" sz="quarter" idx="12"/>
-          </p:nvPr>
-        </p:nvSpPr>
-        <p:spPr/>
-        <p:txBody>
-          <a:bodyPr/>
-          <a:lstStyle/>
-          <a:p>
-            <a:fld id="{3177E89D-76AF-4E24-8F7F-2685DD826F0A}" type="slidenum">
-              <a:rPr lang="ru-RU" sz="1800" smtClean="0"/>
-              <a:t>16</a:t>
-            </a:fld>
-            <a:endParaRPr lang="ru-RU" sz="1800" dirty="0"/>
-          </a:p>
-        </p:txBody>
-      </p:sp>
-    </p:spTree>
-    <p:extLst>
-      <p:ext uri="{BB962C8B-B14F-4D97-AF65-F5344CB8AC3E}">
-        <p14:creationId xmlns:p14="http://schemas.microsoft.com/office/powerpoint/2010/main" val="706660910"/>
-      </p:ext>
-    </p:extLst>
-  </p:cSld>
-  <p:clrMapOvr>
-    <a:masterClrMapping/>
-  </p:clrMapOvr>
-  <p:timing>
-    <p:tnLst>
-      <p:par>
-        <p:cTn id="1" dur="indefinite" restart="never" nodeType="tmRoot"/>
-      </p:par>
-    </p:tnLst>
-  </p:timing>
-</p:sld>
-</file>
-
-<file path=ppt/slides/slide2.xml><?xml version="1.0" encoding="utf-8"?>
-<p:sld xmlns:a="http://schemas.openxmlformats.org/drawingml/2006/main" xmlns:r="http://schemas.openxmlformats.org/officeDocument/2006/relationships" xmlns:p="http://schemas.openxmlformats.org/presentationml/2006/main">
-  <p:cSld>
-    <p:spTree>
-      <p:nvGrpSpPr>
-        <p:cNvPr id="1" name=""/>
-        <p:cNvGrpSpPr/>
-        <p:nvPr/>
-      </p:nvGrpSpPr>
-      <p:grpSpPr>
-        <a:xfrm>
-          <a:off x="0" y="0"/>
-          <a:ext cx="0" cy="0"/>
-          <a:chOff x="0" y="0"/>
-          <a:chExt cx="0" cy="0"/>
-        </a:xfrm>
-      </p:grpSpPr>
-      <p:sp>
-        <p:nvSpPr>
-          <p:cNvPr id="2" name="Заголовок 1"/>
-          <p:cNvSpPr>
-            <a:spLocks noGrp="1"/>
-          </p:cNvSpPr>
-          <p:nvPr>
-            <p:ph type="title"/>
-          </p:nvPr>
-        </p:nvSpPr>
-        <p:spPr/>
-        <p:txBody>
-          <a:bodyPr/>
-          <a:lstStyle/>
-          <a:p>
-            <a:r>
-              <a:rPr lang="en-US" dirty="0" smtClean="0">
-                <a:latin typeface="+mn-lt"/>
-              </a:rPr>
-              <a:t>IDS/IPS </a:t>
-            </a:r>
-            <a:r>
-              <a:rPr lang="en-US" dirty="0" err="1" smtClean="0">
-                <a:latin typeface="+mn-lt"/>
-              </a:rPr>
-              <a:t>Suricata</a:t>
-            </a:r>
-            <a:endParaRPr lang="ru-RU" dirty="0">
-              <a:latin typeface="+mn-lt"/>
-            </a:endParaRPr>
-          </a:p>
-        </p:txBody>
-      </p:sp>
-      <p:sp>
-        <p:nvSpPr>
-          <p:cNvPr id="3" name="Объект 2"/>
-          <p:cNvSpPr>
-            <a:spLocks noGrp="1"/>
-          </p:cNvSpPr>
-          <p:nvPr>
-            <p:ph idx="1"/>
-          </p:nvPr>
-        </p:nvSpPr>
-        <p:spPr/>
-        <p:txBody>
-          <a:bodyPr/>
-          <a:lstStyle/>
-          <a:p>
-            <a:r>
-              <a:rPr lang="ru-RU" dirty="0" err="1" smtClean="0"/>
-              <a:t>Suricata</a:t>
-            </a:r>
-            <a:r>
-              <a:rPr lang="ru-RU" dirty="0" smtClean="0"/>
-              <a:t> - система обнаружения и предотвращения вторжений в сеть (IDS / IPS)</a:t>
-            </a:r>
-          </a:p>
-          <a:p>
-            <a:endParaRPr lang="ru-RU" dirty="0" smtClean="0"/>
-          </a:p>
-          <a:p>
-            <a:r>
-              <a:rPr lang="ru-RU" dirty="0" smtClean="0"/>
-              <a:t> </a:t>
-            </a:r>
-            <a:r>
-              <a:rPr lang="ru-RU" dirty="0" smtClean="0"/>
-              <a:t>Открытый </a:t>
-            </a:r>
-            <a:r>
-              <a:rPr lang="ru-RU" dirty="0" smtClean="0"/>
-              <a:t>исходный код</a:t>
-            </a:r>
-          </a:p>
-          <a:p>
-            <a:endParaRPr lang="ru-RU" dirty="0" smtClean="0"/>
-          </a:p>
-          <a:p>
-            <a:r>
-              <a:rPr lang="ru-RU" dirty="0" smtClean="0"/>
-              <a:t>Проверяет сетевые пакеты</a:t>
-            </a:r>
-          </a:p>
-          <a:p>
-            <a:endParaRPr lang="ru-RU" dirty="0" smtClean="0"/>
-          </a:p>
-          <a:p>
-            <a:r>
-              <a:rPr lang="ru-RU" dirty="0" smtClean="0"/>
-              <a:t>(Главным образом) проверка на основании </a:t>
-            </a:r>
-            <a:r>
-              <a:rPr lang="ru-RU" dirty="0" smtClean="0"/>
-              <a:t>сигнатур</a:t>
-            </a:r>
-            <a:endParaRPr lang="ru-RU" dirty="0"/>
-          </a:p>
-        </p:txBody>
-      </p:sp>
-      <p:sp>
-        <p:nvSpPr>
-          <p:cNvPr id="4" name="Номер слайда 3"/>
-          <p:cNvSpPr>
-            <a:spLocks noGrp="1"/>
-          </p:cNvSpPr>
-          <p:nvPr>
-            <p:ph type="sldNum" sz="quarter" idx="12"/>
-          </p:nvPr>
-        </p:nvSpPr>
-        <p:spPr/>
-        <p:txBody>
-          <a:bodyPr/>
-          <a:lstStyle/>
-          <a:p>
-            <a:fld id="{642E39A4-CAD6-44B9-9EB2-7D4EA1A0AF1F}" type="slidenum">
-              <a:rPr lang="ru-RU" sz="1800" smtClean="0"/>
-              <a:t>2</a:t>
-            </a:fld>
-            <a:endParaRPr lang="ru-RU" sz="1800" dirty="0"/>
-          </a:p>
-        </p:txBody>
-      </p:sp>
-    </p:spTree>
-    <p:extLst>
-      <p:ext uri="{BB962C8B-B14F-4D97-AF65-F5344CB8AC3E}">
-        <p14:creationId xmlns:p14="http://schemas.microsoft.com/office/powerpoint/2010/main" val="130415054"/>
-      </p:ext>
-    </p:extLst>
-  </p:cSld>
-  <p:clrMapOvr>
-    <a:masterClrMapping/>
-  </p:clrMapOvr>
-  <p:timing>
-    <p:tnLst>
-      <p:par>
-        <p:cTn id="1" dur="indefinite" restart="never" nodeType="tmRoot"/>
-      </p:par>
-    </p:tnLst>
-  </p:timing>
-</p:sld>
-</file>
-
-<file path=ppt/slides/slide3.xml><?xml version="1.0" encoding="utf-8"?>
-<p:sld xmlns:a="http://schemas.openxmlformats.org/drawingml/2006/main" xmlns:r="http://schemas.openxmlformats.org/officeDocument/2006/relationships" xmlns:p="http://schemas.openxmlformats.org/presentationml/2006/main">
-  <p:cSld>
-    <p:spTree>
-      <p:nvGrpSpPr>
-        <p:cNvPr id="1" name=""/>
-        <p:cNvGrpSpPr/>
-        <p:nvPr/>
-      </p:nvGrpSpPr>
-      <p:grpSpPr>
-        <a:xfrm>
-          <a:off x="0" y="0"/>
-          <a:ext cx="0" cy="0"/>
-          <a:chOff x="0" y="0"/>
-          <a:chExt cx="0" cy="0"/>
-        </a:xfrm>
-      </p:grpSpPr>
-      <p:sp>
-        <p:nvSpPr>
-          <p:cNvPr id="2" name="Заголовок 1"/>
-          <p:cNvSpPr>
-            <a:spLocks noGrp="1"/>
-          </p:cNvSpPr>
-          <p:nvPr>
-            <p:ph type="title"/>
-          </p:nvPr>
-        </p:nvSpPr>
-        <p:spPr/>
-        <p:txBody>
-          <a:bodyPr/>
-          <a:lstStyle/>
-          <a:p>
-            <a:r>
-              <a:rPr lang="ru-RU" dirty="0" smtClean="0">
-                <a:latin typeface="+mn-lt"/>
-              </a:rPr>
-              <a:t>Как </a:t>
-            </a:r>
-            <a:r>
-              <a:rPr lang="ru-RU" dirty="0">
-                <a:latin typeface="+mn-lt"/>
-              </a:rPr>
-              <a:t>работает</a:t>
-            </a:r>
-            <a:r>
-              <a:rPr lang="ru-RU" dirty="0"/>
-              <a:t> </a:t>
-            </a:r>
-            <a:r>
-              <a:rPr lang="en-US" dirty="0" smtClean="0">
-                <a:latin typeface="+mn-lt"/>
-              </a:rPr>
-              <a:t>IDS </a:t>
-            </a:r>
-            <a:r>
-              <a:rPr lang="en-US" dirty="0" err="1" smtClean="0">
-                <a:latin typeface="+mn-lt"/>
-              </a:rPr>
-              <a:t>Suricata</a:t>
-            </a:r>
-            <a:endParaRPr lang="ru-RU" dirty="0">
-              <a:latin typeface="+mn-lt"/>
-            </a:endParaRPr>
-          </a:p>
-        </p:txBody>
-      </p:sp>
-      <p:sp>
-        <p:nvSpPr>
-          <p:cNvPr id="3" name="Объект 2"/>
-          <p:cNvSpPr>
-            <a:spLocks noGrp="1"/>
-          </p:cNvSpPr>
-          <p:nvPr>
-            <p:ph idx="1"/>
-          </p:nvPr>
-        </p:nvSpPr>
-        <p:spPr/>
-        <p:txBody>
-          <a:bodyPr/>
-          <a:lstStyle/>
-          <a:p>
-            <a:r>
-              <a:rPr lang="ru-RU" dirty="0" smtClean="0"/>
-              <a:t>Размещается в сети для просмотра пакетов</a:t>
-            </a:r>
-          </a:p>
-          <a:p>
-            <a:r>
-              <a:rPr lang="ru-RU" dirty="0" smtClean="0"/>
-              <a:t>Декодирует пакеты и разбивает их на потоки</a:t>
-            </a:r>
-          </a:p>
-          <a:p>
-            <a:r>
-              <a:rPr lang="ru-RU" dirty="0" err="1" smtClean="0"/>
-              <a:t>Парсинг</a:t>
-            </a:r>
-            <a:r>
-              <a:rPr lang="ru-RU" dirty="0" smtClean="0"/>
-              <a:t> </a:t>
-            </a:r>
-            <a:r>
-              <a:rPr lang="ru-RU" dirty="0" smtClean="0"/>
-              <a:t>протоколов более высокого уровня (например, HTTP)</a:t>
-            </a:r>
-          </a:p>
-          <a:p>
-            <a:r>
-              <a:rPr lang="ru-RU" dirty="0" smtClean="0"/>
-              <a:t>Обнаруживает угрозы</a:t>
-            </a:r>
-          </a:p>
-          <a:p>
-            <a:r>
-              <a:rPr lang="ru-RU" dirty="0" smtClean="0"/>
-              <a:t>Выводит  события и оповещения</a:t>
-            </a:r>
-            <a:endParaRPr lang="ru-RU" dirty="0"/>
-          </a:p>
-        </p:txBody>
-      </p:sp>
-      <p:sp>
-        <p:nvSpPr>
-          <p:cNvPr id="4" name="Номер слайда 3"/>
-          <p:cNvSpPr>
-            <a:spLocks noGrp="1"/>
-          </p:cNvSpPr>
-          <p:nvPr>
-            <p:ph type="sldNum" sz="quarter" idx="12"/>
-          </p:nvPr>
-        </p:nvSpPr>
-        <p:spPr/>
-        <p:txBody>
-          <a:bodyPr/>
-          <a:lstStyle/>
-          <a:p>
-            <a:fld id="{3177E89D-76AF-4E24-8F7F-2685DD826F0A}" type="slidenum">
-              <a:rPr lang="ru-RU" sz="1800" smtClean="0"/>
-              <a:t>3</a:t>
-            </a:fld>
-            <a:endParaRPr lang="ru-RU" sz="1800" dirty="0"/>
-          </a:p>
-        </p:txBody>
-      </p:sp>
-    </p:spTree>
-    <p:extLst>
-      <p:ext uri="{BB962C8B-B14F-4D97-AF65-F5344CB8AC3E}">
-        <p14:creationId xmlns:p14="http://schemas.microsoft.com/office/powerpoint/2010/main" val="2845125234"/>
-      </p:ext>
-    </p:extLst>
-  </p:cSld>
-  <p:clrMapOvr>
-    <a:masterClrMapping/>
-  </p:clrMapOvr>
-  <p:timing>
-    <p:tnLst>
-      <p:par>
-        <p:cTn id="1" dur="indefinite" restart="never" nodeType="tmRoot"/>
-      </p:par>
-    </p:tnLst>
-  </p:timing>
-</p:sld>
-</file>
-
-<file path=ppt/slides/slide4.xml><?xml version="1.0" encoding="utf-8"?>
-<p:sld xmlns:a="http://schemas.openxmlformats.org/drawingml/2006/main" xmlns:r="http://schemas.openxmlformats.org/officeDocument/2006/relationships" xmlns:p="http://schemas.openxmlformats.org/presentationml/2006/main">
-  <p:cSld>
-    <p:spTree>
-      <p:nvGrpSpPr>
-        <p:cNvPr id="1" name=""/>
-        <p:cNvGrpSpPr/>
-        <p:nvPr/>
-      </p:nvGrpSpPr>
-      <p:grpSpPr>
-        <a:xfrm>
-          <a:off x="0" y="0"/>
-          <a:ext cx="0" cy="0"/>
-          <a:chOff x="0" y="0"/>
-          <a:chExt cx="0" cy="0"/>
-        </a:xfrm>
-      </p:grpSpPr>
-      <p:sp>
-        <p:nvSpPr>
-          <p:cNvPr id="2" name="Заголовок 1"/>
-          <p:cNvSpPr>
-            <a:spLocks noGrp="1"/>
-          </p:cNvSpPr>
-          <p:nvPr>
-            <p:ph type="title"/>
-          </p:nvPr>
-        </p:nvSpPr>
-        <p:spPr/>
-        <p:txBody>
-          <a:bodyPr/>
-          <a:lstStyle/>
-          <a:p>
-            <a:r>
-              <a:rPr lang="ru-RU" dirty="0" smtClean="0">
-                <a:latin typeface="+mn-lt"/>
-              </a:rPr>
-              <a:t>Как </a:t>
-            </a:r>
-            <a:r>
-              <a:rPr lang="en-US" dirty="0" smtClean="0">
-                <a:latin typeface="+mn-lt"/>
-              </a:rPr>
-              <a:t>IDS </a:t>
-            </a:r>
-            <a:r>
-              <a:rPr lang="en-US" dirty="0" err="1" smtClean="0">
-                <a:latin typeface="+mn-lt"/>
-              </a:rPr>
-              <a:t>Suricata</a:t>
-            </a:r>
-            <a:r>
-              <a:rPr lang="en-US" dirty="0" smtClean="0">
-                <a:latin typeface="+mn-lt"/>
-              </a:rPr>
-              <a:t> </a:t>
-            </a:r>
-            <a:r>
-              <a:rPr lang="ru-RU" dirty="0" smtClean="0">
-                <a:latin typeface="+mn-lt"/>
-              </a:rPr>
-              <a:t>работает</a:t>
-            </a:r>
-            <a:endParaRPr lang="ru-RU" dirty="0">
-              <a:latin typeface="+mn-lt"/>
-            </a:endParaRPr>
-          </a:p>
-        </p:txBody>
-      </p:sp>
-      <p:pic>
-        <p:nvPicPr>
-          <p:cNvPr id="4" name="Объект 3" descr="Похожее изображение"/>
-          <p:cNvPicPr>
-            <a:picLocks noGrp="1"/>
-          </p:cNvPicPr>
-          <p:nvPr>
-            <p:ph idx="1"/>
-          </p:nvPr>
-        </p:nvPicPr>
-        <p:blipFill>
-          <a:blip r:embed="rId2">
-            <a:extLst>
-              <a:ext uri="{28A0092B-C50C-407E-A947-70E740481C1C}">
-                <a14:useLocalDpi xmlns:a14="http://schemas.microsoft.com/office/drawing/2010/main" val="0"/>
-              </a:ext>
-            </a:extLst>
-          </a:blip>
-          <a:srcRect/>
-          <a:stretch>
-            <a:fillRect/>
-          </a:stretch>
-        </p:blipFill>
-        <p:spPr bwMode="auto">
-          <a:xfrm>
-            <a:off x="431365" y="2412952"/>
-            <a:ext cx="4209528" cy="2630954"/>
-          </a:xfrm>
-          <a:prstGeom prst="rect">
-            <a:avLst/>
-          </a:prstGeom>
-          <a:noFill/>
-          <a:ln>
-            <a:noFill/>
-          </a:ln>
-        </p:spPr>
-      </p:pic>
-      <p:pic>
-        <p:nvPicPr>
-          <p:cNvPr id="2050" name="Picture 2" descr="https://home.regit.org/wp-content/uploads/2012/02/suricata-ecosystem1.png"/>
-          <p:cNvPicPr>
-            <a:picLocks noChangeAspect="1" noChangeArrowheads="1"/>
-          </p:cNvPicPr>
-          <p:nvPr/>
-        </p:nvPicPr>
-        <p:blipFill>
-          <a:blip r:embed="rId3">
-            <a:extLst>
-              <a:ext uri="{28A0092B-C50C-407E-A947-70E740481C1C}">
-                <a14:useLocalDpi xmlns:a14="http://schemas.microsoft.com/office/drawing/2010/main" val="0"/>
-              </a:ext>
-            </a:extLst>
-          </a:blip>
-          <a:srcRect/>
-          <a:stretch>
-            <a:fillRect/>
-          </a:stretch>
-        </p:blipFill>
-        <p:spPr bwMode="auto">
-          <a:xfrm>
-            <a:off x="5015142" y="2040715"/>
-            <a:ext cx="3500209" cy="3764669"/>
-          </a:xfrm>
-          <a:prstGeom prst="rect">
-            <a:avLst/>
-          </a:prstGeom>
-          <a:noFill/>
-          <a:extLst>
-            <a:ext uri="{909E8E84-426E-40DD-AFC4-6F175D3DCCD1}">
-              <a14:hiddenFill xmlns:a14="http://schemas.microsoft.com/office/drawing/2010/main">
-                <a:solidFill>
-                  <a:srgbClr val="FFFFFF"/>
-                </a:solidFill>
-              </a14:hiddenFill>
-            </a:ext>
-          </a:extLst>
-        </p:spPr>
-      </p:pic>
-      <p:sp>
-        <p:nvSpPr>
-          <p:cNvPr id="3" name="Номер слайда 2"/>
-          <p:cNvSpPr>
-            <a:spLocks noGrp="1"/>
-          </p:cNvSpPr>
-          <p:nvPr>
-            <p:ph type="sldNum" sz="quarter" idx="12"/>
-          </p:nvPr>
-        </p:nvSpPr>
-        <p:spPr/>
-        <p:txBody>
-          <a:bodyPr/>
-          <a:lstStyle/>
-          <a:p>
-            <a:fld id="{3177E89D-76AF-4E24-8F7F-2685DD826F0A}" type="slidenum">
-              <a:rPr lang="ru-RU" sz="1800" smtClean="0"/>
-              <a:t>4</a:t>
-            </a:fld>
-            <a:endParaRPr lang="ru-RU" sz="1800" dirty="0"/>
-          </a:p>
-        </p:txBody>
-      </p:sp>
-    </p:spTree>
-    <p:extLst>
-      <p:ext uri="{BB962C8B-B14F-4D97-AF65-F5344CB8AC3E}">
-        <p14:creationId xmlns:p14="http://schemas.microsoft.com/office/powerpoint/2010/main" val="3401770167"/>
-      </p:ext>
-    </p:extLst>
-  </p:cSld>
-  <p:clrMapOvr>
-    <a:masterClrMapping/>
-  </p:clrMapOvr>
-  <p:timing>
-    <p:tnLst>
-      <p:par>
-        <p:cTn id="1" dur="indefinite" restart="never" nodeType="tmRoot"/>
-      </p:par>
-    </p:tnLst>
-  </p:timing>
-</p:sld>
-</file>
-
-<file path=ppt/slides/slide5.xml><?xml version="1.0" encoding="utf-8"?>
-<p:sld xmlns:a="http://schemas.openxmlformats.org/drawingml/2006/main" xmlns:r="http://schemas.openxmlformats.org/officeDocument/2006/relationships" xmlns:p="http://schemas.openxmlformats.org/presentationml/2006/main">
-  <p:cSld>
-    <p:spTree>
-      <p:nvGrpSpPr>
-        <p:cNvPr id="1" name=""/>
-        <p:cNvGrpSpPr/>
-        <p:nvPr/>
-      </p:nvGrpSpPr>
-      <p:grpSpPr>
-        <a:xfrm>
-          <a:off x="0" y="0"/>
-          <a:ext cx="0" cy="0"/>
-          <a:chOff x="0" y="0"/>
-          <a:chExt cx="0" cy="0"/>
-        </a:xfrm>
-      </p:grpSpPr>
-      <p:sp>
-        <p:nvSpPr>
-          <p:cNvPr id="2" name="Заголовок 1"/>
-          <p:cNvSpPr>
-            <a:spLocks noGrp="1"/>
-          </p:cNvSpPr>
-          <p:nvPr>
-            <p:ph type="title"/>
-          </p:nvPr>
-        </p:nvSpPr>
-        <p:spPr/>
-        <p:txBody>
-          <a:bodyPr/>
-          <a:lstStyle/>
-          <a:p>
-            <a:r>
-              <a:rPr lang="ru-RU" dirty="0" smtClean="0">
-                <a:latin typeface="+mn-lt"/>
-              </a:rPr>
-              <a:t>Преимущества системы </a:t>
-            </a:r>
-            <a:r>
-              <a:rPr lang="en-US" dirty="0" err="1" smtClean="0">
-                <a:latin typeface="+mn-lt"/>
-              </a:rPr>
-              <a:t>Suricata</a:t>
-            </a:r>
-            <a:endParaRPr lang="ru-RU" dirty="0">
-              <a:latin typeface="+mn-lt"/>
-            </a:endParaRPr>
-          </a:p>
-        </p:txBody>
-      </p:sp>
-      <p:sp>
-        <p:nvSpPr>
-          <p:cNvPr id="3" name="Объект 2"/>
-          <p:cNvSpPr>
-            <a:spLocks noGrp="1"/>
-          </p:cNvSpPr>
-          <p:nvPr>
-            <p:ph idx="1"/>
-          </p:nvPr>
-        </p:nvSpPr>
-        <p:spPr/>
-        <p:txBody>
-          <a:bodyPr>
-            <a:normAutofit fontScale="92500" lnSpcReduction="10000"/>
-          </a:bodyPr>
-          <a:lstStyle/>
-          <a:p>
-            <a:r>
-              <a:rPr lang="ru-RU" dirty="0" smtClean="0"/>
-              <a:t>Максимально  эффективно использует ваше оборудование: многопоточная передача, карты захвата</a:t>
-            </a:r>
-            <a:r>
-              <a:rPr lang="en-US" dirty="0" smtClean="0"/>
-              <a:t> </a:t>
-            </a:r>
-            <a:r>
-              <a:rPr lang="ru-RU" dirty="0" smtClean="0"/>
-              <a:t>траффика, графический процессор</a:t>
-            </a:r>
-          </a:p>
-          <a:p>
-            <a:endParaRPr lang="ru-RU" dirty="0" smtClean="0"/>
-          </a:p>
-          <a:p>
-            <a:r>
-              <a:rPr lang="ru-RU" dirty="0" smtClean="0"/>
-              <a:t>Обнаружени</a:t>
-            </a:r>
-            <a:r>
-              <a:rPr lang="ru-RU" dirty="0"/>
-              <a:t>е</a:t>
-            </a:r>
-            <a:r>
-              <a:rPr lang="ru-RU" dirty="0" smtClean="0"/>
-              <a:t> протоколов высокого уровня (HTTP и т. д.)</a:t>
-            </a:r>
-          </a:p>
-          <a:p>
-            <a:endParaRPr lang="ru-RU" dirty="0" smtClean="0"/>
-          </a:p>
-          <a:p>
-            <a:r>
-              <a:rPr lang="ru-RU" dirty="0" smtClean="0"/>
-              <a:t>Высокоскоростное</a:t>
-            </a:r>
-            <a:r>
-              <a:rPr lang="en-US" dirty="0" smtClean="0"/>
-              <a:t> </a:t>
-            </a:r>
-            <a:r>
-              <a:rPr lang="ru-RU" dirty="0" smtClean="0"/>
-              <a:t>сопоставление IP-адресов</a:t>
-            </a:r>
-          </a:p>
-          <a:p>
-            <a:endParaRPr lang="ru-RU" dirty="0" smtClean="0"/>
-          </a:p>
-          <a:p>
-            <a:r>
-              <a:rPr lang="ru-RU" dirty="0" smtClean="0"/>
-              <a:t>Расширенная проверка и протоколирование HTTP</a:t>
-            </a:r>
-            <a:endParaRPr lang="ru-RU" dirty="0"/>
-          </a:p>
-        </p:txBody>
-      </p:sp>
-      <p:sp>
-        <p:nvSpPr>
-          <p:cNvPr id="4" name="Номер слайда 3"/>
-          <p:cNvSpPr>
-            <a:spLocks noGrp="1"/>
-          </p:cNvSpPr>
-          <p:nvPr>
-            <p:ph type="sldNum" sz="quarter" idx="12"/>
-          </p:nvPr>
-        </p:nvSpPr>
-        <p:spPr/>
-        <p:txBody>
-          <a:bodyPr/>
-          <a:lstStyle/>
-          <a:p>
-            <a:fld id="{3177E89D-76AF-4E24-8F7F-2685DD826F0A}" type="slidenum">
-              <a:rPr lang="ru-RU" sz="1800" smtClean="0"/>
-              <a:t>5</a:t>
-            </a:fld>
-            <a:endParaRPr lang="ru-RU" sz="1800" dirty="0"/>
-          </a:p>
-        </p:txBody>
-      </p:sp>
-    </p:spTree>
-    <p:extLst>
-      <p:ext uri="{BB962C8B-B14F-4D97-AF65-F5344CB8AC3E}">
-        <p14:creationId xmlns:p14="http://schemas.microsoft.com/office/powerpoint/2010/main" val="102258184"/>
-      </p:ext>
-    </p:extLst>
-  </p:cSld>
-  <p:clrMapOvr>
-    <a:masterClrMapping/>
-  </p:clrMapOvr>
-  <p:timing>
-    <p:tnLst>
-      <p:par>
-        <p:cTn id="1" dur="indefinite" restart="never" nodeType="tmRoot"/>
-      </p:par>
-    </p:tnLst>
-  </p:timing>
-</p:sld>
-</file>
-
-<file path=ppt/slides/slide6.xml><?xml version="1.0" encoding="utf-8"?>
-<p:sld xmlns:a="http://schemas.openxmlformats.org/drawingml/2006/main" xmlns:r="http://schemas.openxmlformats.org/officeDocument/2006/relationships" xmlns:p="http://schemas.openxmlformats.org/presentationml/2006/main">
-  <p:cSld>
-    <p:spTree>
-      <p:nvGrpSpPr>
-        <p:cNvPr id="1" name=""/>
-        <p:cNvGrpSpPr/>
-        <p:nvPr/>
-      </p:nvGrpSpPr>
-      <p:grpSpPr>
-        <a:xfrm>
-          <a:off x="0" y="0"/>
-          <a:ext cx="0" cy="0"/>
-          <a:chOff x="0" y="0"/>
-          <a:chExt cx="0" cy="0"/>
-        </a:xfrm>
-      </p:grpSpPr>
-      <p:sp>
-        <p:nvSpPr>
-          <p:cNvPr id="2" name="Заголовок 1"/>
-          <p:cNvSpPr>
-            <a:spLocks noGrp="1"/>
-          </p:cNvSpPr>
-          <p:nvPr>
-            <p:ph type="title"/>
-          </p:nvPr>
-        </p:nvSpPr>
-        <p:spPr/>
-        <p:txBody>
-          <a:bodyPr/>
-          <a:lstStyle/>
-          <a:p>
-            <a:r>
-              <a:rPr lang="ru-RU" dirty="0" smtClean="0">
-                <a:latin typeface="+mn-lt"/>
-              </a:rPr>
-              <a:t>Недостатки системы </a:t>
-            </a:r>
-            <a:r>
-              <a:rPr lang="en-US" dirty="0" err="1" smtClean="0">
-                <a:latin typeface="+mn-lt"/>
-              </a:rPr>
-              <a:t>Suricata</a:t>
-            </a:r>
-            <a:endParaRPr lang="ru-RU" dirty="0">
-              <a:latin typeface="+mn-lt"/>
-            </a:endParaRPr>
-          </a:p>
-        </p:txBody>
-      </p:sp>
-      <p:sp>
-        <p:nvSpPr>
-          <p:cNvPr id="3" name="Объект 2"/>
-          <p:cNvSpPr>
-            <a:spLocks noGrp="1"/>
-          </p:cNvSpPr>
-          <p:nvPr>
-            <p:ph idx="1"/>
-          </p:nvPr>
-        </p:nvSpPr>
-        <p:spPr/>
-        <p:txBody>
-          <a:bodyPr/>
-          <a:lstStyle/>
-          <a:p>
-            <a:r>
-              <a:rPr lang="ru-RU" dirty="0" smtClean="0"/>
-              <a:t>Потеря пакетов</a:t>
-            </a:r>
-          </a:p>
-          <a:p>
-            <a:endParaRPr lang="ru-RU" dirty="0" smtClean="0"/>
-          </a:p>
-          <a:p>
-            <a:r>
-              <a:rPr lang="ru-RU" dirty="0" smtClean="0"/>
-              <a:t>Ложные срабатывания</a:t>
-            </a:r>
-          </a:p>
-          <a:p>
-            <a:endParaRPr lang="ru-RU" dirty="0" smtClean="0"/>
-          </a:p>
-          <a:p>
-            <a:r>
-              <a:rPr lang="ru-RU" dirty="0" smtClean="0"/>
-              <a:t>Ложные отбрасывания пакетов</a:t>
-            </a:r>
-          </a:p>
-        </p:txBody>
-      </p:sp>
-      <p:sp>
-        <p:nvSpPr>
-          <p:cNvPr id="4" name="Номер слайда 3"/>
-          <p:cNvSpPr>
-            <a:spLocks noGrp="1"/>
-          </p:cNvSpPr>
-          <p:nvPr>
-            <p:ph type="sldNum" sz="quarter" idx="12"/>
-          </p:nvPr>
-        </p:nvSpPr>
-        <p:spPr/>
-        <p:txBody>
-          <a:bodyPr/>
-          <a:lstStyle/>
-          <a:p>
-            <a:fld id="{3177E89D-76AF-4E24-8F7F-2685DD826F0A}" type="slidenum">
-              <a:rPr lang="ru-RU" sz="1800" smtClean="0"/>
-              <a:t>6</a:t>
-            </a:fld>
-            <a:endParaRPr lang="ru-RU" sz="1800" dirty="0"/>
-          </a:p>
-        </p:txBody>
-      </p:sp>
-    </p:spTree>
-    <p:extLst>
-      <p:ext uri="{BB962C8B-B14F-4D97-AF65-F5344CB8AC3E}">
-        <p14:creationId xmlns:p14="http://schemas.microsoft.com/office/powerpoint/2010/main" val="306326157"/>
-      </p:ext>
-    </p:extLst>
-  </p:cSld>
-  <p:clrMapOvr>
-    <a:masterClrMapping/>
-  </p:clrMapOvr>
-  <p:timing>
-    <p:tnLst>
-      <p:par>
-        <p:cTn id="1" dur="indefinite" restart="never" nodeType="tmRoot"/>
-      </p:par>
-    </p:tnLst>
-  </p:timing>
-</p:sld>
-</file>
-
-<file path=ppt/slides/slide7.xml><?xml version="1.0" encoding="utf-8"?>
-<p:sld xmlns:a="http://schemas.openxmlformats.org/drawingml/2006/main" xmlns:r="http://schemas.openxmlformats.org/officeDocument/2006/relationships" xmlns:p="http://schemas.openxmlformats.org/presentationml/2006/main">
-  <p:cSld>
-    <p:spTree>
-      <p:nvGrpSpPr>
-        <p:cNvPr id="1" name=""/>
-        <p:cNvGrpSpPr/>
-        <p:nvPr/>
-      </p:nvGrpSpPr>
-      <p:grpSpPr>
-        <a:xfrm>
-          <a:off x="0" y="0"/>
-          <a:ext cx="0" cy="0"/>
-          <a:chOff x="0" y="0"/>
-          <a:chExt cx="0" cy="0"/>
-        </a:xfrm>
-      </p:grpSpPr>
-      <p:sp>
-        <p:nvSpPr>
-          <p:cNvPr id="4" name="Прямоугольник 3"/>
-          <p:cNvSpPr/>
-          <p:nvPr/>
-        </p:nvSpPr>
-        <p:spPr>
-          <a:xfrm>
-            <a:off x="388079" y="1584331"/>
-            <a:ext cx="8486743" cy="3808222"/>
-          </a:xfrm>
-          <a:prstGeom prst="rect">
-            <a:avLst/>
-          </a:prstGeom>
-        </p:spPr>
-        <p:txBody>
-          <a:bodyPr wrap="square">
-            <a:spAutoFit/>
-          </a:bodyPr>
-          <a:lstStyle/>
-          <a:p>
-            <a:pPr algn="just">
-              <a:lnSpc>
-                <a:spcPct val="115000"/>
-              </a:lnSpc>
-              <a:spcBef>
-                <a:spcPts val="1500"/>
-              </a:spcBef>
-              <a:spcAft>
-                <a:spcPts val="450"/>
-              </a:spcAft>
-              <a:tabLst>
-                <a:tab pos="205740" algn="l"/>
-              </a:tabLst>
-            </a:pPr>
-            <a:r>
-              <a:rPr lang="ru-RU" sz="2100" dirty="0" smtClean="0">
-                <a:solidFill>
-                  <a:srgbClr val="000000"/>
-                </a:solidFill>
-                <a:latin typeface="Times New Roman" panose="02020603050405020304" pitchFamily="18" charset="0"/>
-                <a:ea typeface="Times New Roman" panose="02020603050405020304" pitchFamily="18" charset="0"/>
-                <a:cs typeface="Times New Roman" panose="02020603050405020304" pitchFamily="18" charset="0"/>
-              </a:rPr>
-              <a:t>Разработка </a:t>
-            </a:r>
-            <a:r>
-              <a:rPr lang="ru-RU" sz="2100" dirty="0" err="1">
-                <a:solidFill>
-                  <a:srgbClr val="000000"/>
-                </a:solidFill>
-                <a:latin typeface="Times New Roman" panose="02020603050405020304" pitchFamily="18" charset="0"/>
-                <a:ea typeface="Times New Roman" panose="02020603050405020304" pitchFamily="18" charset="0"/>
-                <a:cs typeface="Times New Roman" panose="02020603050405020304" pitchFamily="18" charset="0"/>
-              </a:rPr>
-              <a:t>OSGi</a:t>
-            </a:r>
-            <a:r>
-              <a:rPr lang="ru-RU" sz="2100" dirty="0">
-                <a:solidFill>
-                  <a:srgbClr val="000000"/>
-                </a:solidFill>
-                <a:latin typeface="Times New Roman" panose="02020603050405020304" pitchFamily="18" charset="0"/>
-                <a:ea typeface="Times New Roman" panose="02020603050405020304" pitchFamily="18" charset="0"/>
-                <a:cs typeface="Times New Roman" panose="02020603050405020304" pitchFamily="18" charset="0"/>
-              </a:rPr>
-              <a:t> сервиса настройки правил перехвата пакетов IDS системы </a:t>
-            </a:r>
-            <a:r>
-              <a:rPr lang="ru-RU" sz="2100" dirty="0" err="1">
-                <a:solidFill>
-                  <a:srgbClr val="000000"/>
-                </a:solidFill>
-                <a:latin typeface="Times New Roman" panose="02020603050405020304" pitchFamily="18" charset="0"/>
-                <a:ea typeface="Times New Roman" panose="02020603050405020304" pitchFamily="18" charset="0"/>
-                <a:cs typeface="Times New Roman" panose="02020603050405020304" pitchFamily="18" charset="0"/>
-              </a:rPr>
-              <a:t>Suricata</a:t>
-            </a:r>
-            <a:r>
-              <a:rPr lang="ru-RU" sz="2100" dirty="0">
-                <a:solidFill>
-                  <a:srgbClr val="000000"/>
-                </a:solidFill>
-                <a:latin typeface="Times New Roman" panose="02020603050405020304" pitchFamily="18" charset="0"/>
-                <a:ea typeface="Times New Roman" panose="02020603050405020304" pitchFamily="18" charset="0"/>
-                <a:cs typeface="Times New Roman" panose="02020603050405020304" pitchFamily="18" charset="0"/>
-              </a:rPr>
-              <a:t>:</a:t>
-            </a:r>
-          </a:p>
-          <a:p>
-            <a:pPr marL="257175" indent="-257175">
-              <a:lnSpc>
-                <a:spcPct val="150000"/>
-              </a:lnSpc>
-              <a:buFont typeface="Symbol" panose="05050102010706020507" pitchFamily="18" charset="2"/>
-              <a:buChar char=""/>
-              <a:tabLst>
-                <a:tab pos="514350" algn="l"/>
-              </a:tabLst>
-            </a:pPr>
-            <a:r>
-              <a:rPr lang="ru-RU" sz="2100" dirty="0">
-                <a:latin typeface="Times New Roman" panose="02020603050405020304" pitchFamily="18" charset="0"/>
-                <a:cs typeface="Times New Roman" panose="02020603050405020304" pitchFamily="18" charset="0"/>
-              </a:rPr>
-              <a:t>изучить соответствующую систему;</a:t>
-            </a:r>
-          </a:p>
-          <a:p>
-            <a:pPr marL="257175" indent="-257175">
-              <a:lnSpc>
-                <a:spcPct val="150000"/>
-              </a:lnSpc>
-              <a:buFont typeface="Symbol" panose="05050102010706020507" pitchFamily="18" charset="2"/>
-              <a:buChar char=""/>
-              <a:tabLst>
-                <a:tab pos="514350" algn="l"/>
-              </a:tabLst>
-            </a:pPr>
-            <a:r>
-              <a:rPr lang="ru-RU" sz="2100" dirty="0">
-                <a:latin typeface="Times New Roman" panose="02020603050405020304" pitchFamily="18" charset="0"/>
-                <a:cs typeface="Times New Roman" panose="02020603050405020304" pitchFamily="18" charset="0"/>
-              </a:rPr>
-              <a:t>спроектировать интерфейс компонента;</a:t>
-            </a:r>
-          </a:p>
-          <a:p>
-            <a:pPr marL="257175" indent="-257175">
-              <a:lnSpc>
-                <a:spcPct val="150000"/>
-              </a:lnSpc>
-              <a:buFont typeface="Symbol" panose="05050102010706020507" pitchFamily="18" charset="2"/>
-              <a:buChar char=""/>
-              <a:tabLst>
-                <a:tab pos="514350" algn="l"/>
-              </a:tabLst>
-            </a:pPr>
-            <a:r>
-              <a:rPr lang="ru-RU" sz="2100" dirty="0">
-                <a:latin typeface="Times New Roman" panose="02020603050405020304" pitchFamily="18" charset="0"/>
-                <a:cs typeface="Times New Roman" panose="02020603050405020304" pitchFamily="18" charset="0"/>
-              </a:rPr>
-              <a:t>реализовать компонент;</a:t>
-            </a:r>
-          </a:p>
-          <a:p>
-            <a:pPr marL="257175" indent="-257175">
-              <a:lnSpc>
-                <a:spcPct val="150000"/>
-              </a:lnSpc>
-              <a:buFont typeface="Symbol" panose="05050102010706020507" pitchFamily="18" charset="2"/>
-              <a:buChar char=""/>
-              <a:tabLst>
-                <a:tab pos="514350" algn="l"/>
-              </a:tabLst>
-            </a:pPr>
-            <a:r>
-              <a:rPr lang="ru-RU" sz="2100" dirty="0">
-                <a:latin typeface="Times New Roman" panose="02020603050405020304" pitchFamily="18" charset="0"/>
-                <a:cs typeface="Times New Roman" panose="02020603050405020304" pitchFamily="18" charset="0"/>
-              </a:rPr>
-              <a:t>спроектировать </a:t>
-            </a:r>
-            <a:r>
-              <a:rPr lang="ru-RU" sz="2100" dirty="0" err="1">
-                <a:latin typeface="Times New Roman" panose="02020603050405020304" pitchFamily="18" charset="0"/>
-                <a:cs typeface="Times New Roman" panose="02020603050405020304" pitchFamily="18" charset="0"/>
-              </a:rPr>
-              <a:t>JUnit</a:t>
-            </a:r>
-            <a:r>
-              <a:rPr lang="ru-RU" sz="2100" dirty="0">
-                <a:latin typeface="Times New Roman" panose="02020603050405020304" pitchFamily="18" charset="0"/>
-                <a:cs typeface="Times New Roman" panose="02020603050405020304" pitchFamily="18" charset="0"/>
-              </a:rPr>
-              <a:t> тесты, провести тестирование;</a:t>
-            </a:r>
-          </a:p>
-          <a:p>
-            <a:pPr marL="257175" indent="-257175">
-              <a:lnSpc>
-                <a:spcPct val="150000"/>
-              </a:lnSpc>
-              <a:buFont typeface="Symbol" panose="05050102010706020507" pitchFamily="18" charset="2"/>
-              <a:buChar char=""/>
-              <a:tabLst>
-                <a:tab pos="514350" algn="l"/>
-              </a:tabLst>
-            </a:pPr>
-            <a:r>
-              <a:rPr lang="ru-RU" sz="2100" dirty="0">
-                <a:latin typeface="Times New Roman" panose="02020603050405020304" pitchFamily="18" charset="0"/>
-                <a:cs typeface="Times New Roman" panose="02020603050405020304" pitchFamily="18" charset="0"/>
-              </a:rPr>
-              <a:t>описать требования, конструкцию, особенности сборки и запуска в документации.</a:t>
-            </a:r>
-            <a:endParaRPr lang="ru-RU" sz="2100" dirty="0">
-              <a:latin typeface="Times New Roman" panose="02020603050405020304" pitchFamily="18" charset="0"/>
-              <a:cs typeface="Times New Roman" panose="02020603050405020304" pitchFamily="18" charset="0"/>
-            </a:endParaRPr>
-          </a:p>
-        </p:txBody>
-      </p:sp>
-      <p:sp>
-        <p:nvSpPr>
-          <p:cNvPr id="2" name="Номер слайда 1"/>
-          <p:cNvSpPr>
-            <a:spLocks noGrp="1"/>
-          </p:cNvSpPr>
-          <p:nvPr>
-            <p:ph type="sldNum" sz="quarter" idx="12"/>
-          </p:nvPr>
-        </p:nvSpPr>
-        <p:spPr/>
-        <p:txBody>
-          <a:bodyPr/>
-          <a:lstStyle/>
-          <a:p>
-            <a:fld id="{3177E89D-76AF-4E24-8F7F-2685DD826F0A}" type="slidenum">
-              <a:rPr lang="ru-RU" sz="1800" smtClean="0"/>
-              <a:t>7</a:t>
-            </a:fld>
-            <a:endParaRPr lang="ru-RU" sz="1800" dirty="0"/>
-          </a:p>
-        </p:txBody>
-      </p:sp>
-      <p:sp>
-        <p:nvSpPr>
-          <p:cNvPr id="7" name="Заголовок 1"/>
-          <p:cNvSpPr>
-            <a:spLocks noGrp="1"/>
-          </p:cNvSpPr>
-          <p:nvPr>
-            <p:ph type="title"/>
-          </p:nvPr>
-        </p:nvSpPr>
-        <p:spPr>
-          <a:xfrm>
-            <a:off x="628650" y="365126"/>
-            <a:ext cx="7886700" cy="1325563"/>
-          </a:xfrm>
-        </p:spPr>
-        <p:txBody>
-          <a:bodyPr/>
-          <a:lstStyle/>
-          <a:p>
-            <a:r>
-              <a:rPr lang="ru-RU" kern="0" dirty="0">
-                <a:solidFill>
-                  <a:srgbClr val="000000"/>
-                </a:solidFill>
-                <a:latin typeface="+mn-lt"/>
-                <a:ea typeface="Times New Roman" panose="02020603050405020304" pitchFamily="18" charset="0"/>
-                <a:cs typeface="Times New Roman" panose="02020603050405020304" pitchFamily="18" charset="0"/>
-              </a:rPr>
-              <a:t>Техническое </a:t>
-            </a:r>
-            <a:r>
-              <a:rPr lang="ru-RU" kern="0" dirty="0" smtClean="0">
-                <a:solidFill>
-                  <a:srgbClr val="000000"/>
-                </a:solidFill>
-                <a:latin typeface="+mn-lt"/>
-                <a:ea typeface="Times New Roman" panose="02020603050405020304" pitchFamily="18" charset="0"/>
-                <a:cs typeface="Times New Roman" panose="02020603050405020304" pitchFamily="18" charset="0"/>
-              </a:rPr>
-              <a:t>задание</a:t>
-            </a:r>
-            <a:endParaRPr lang="ru-RU" dirty="0">
-              <a:latin typeface="+mn-lt"/>
-            </a:endParaRPr>
-          </a:p>
-        </p:txBody>
-      </p:sp>
-    </p:spTree>
-    <p:extLst>
-      <p:ext uri="{BB962C8B-B14F-4D97-AF65-F5344CB8AC3E}">
-        <p14:creationId xmlns:p14="http://schemas.microsoft.com/office/powerpoint/2010/main" val="950923971"/>
-      </p:ext>
-    </p:extLst>
-  </p:cSld>
-  <p:clrMapOvr>
-    <a:masterClrMapping/>
-  </p:clrMapOvr>
-</p:sld>
-</file>
-
-<file path=ppt/slides/slide8.xml><?xml version="1.0" encoding="utf-8"?>
 <p:sld xmlns:a="http://schemas.openxmlformats.org/drawingml/2006/main" xmlns:r="http://schemas.openxmlformats.org/officeDocument/2006/relationships" xmlns:p="http://schemas.openxmlformats.org/presentationml/2006/main">
   <p:cSld>
     <p:spTree>
@@ -5910,14 +3787,14 @@
             <p:ph idx="1"/>
             <p:extLst>
               <p:ext uri="{D42A27DB-BD31-4B8C-83A1-F6EECF244321}">
-                <p14:modId xmlns:p14="http://schemas.microsoft.com/office/powerpoint/2010/main" val="3273163149"/>
+                <p14:modId xmlns:p14="http://schemas.microsoft.com/office/powerpoint/2010/main" val="1084055014"/>
               </p:ext>
             </p:extLst>
           </p:nvPr>
         </p:nvGraphicFramePr>
         <p:xfrm>
-          <a:off x="698268" y="2279811"/>
-          <a:ext cx="7730835" cy="3455971"/>
+          <a:off x="225287" y="1338469"/>
+          <a:ext cx="8680174" cy="5041300"/>
         </p:xfrm>
         <a:graphic>
           <a:graphicData uri="http://schemas.openxmlformats.org/drawingml/2006/table">
@@ -5926,747 +3803,14 @@
                 <a:tableStyleId>{5C22544A-7EE6-4342-B048-85BDC9FD1C3A}</a:tableStyleId>
               </a:tblPr>
               <a:tblGrid>
-                <a:gridCol w="2155020">
-                  <a:extLst>
-                    <a:ext uri="{9D8B030D-6E8A-4147-A177-3AD203B41FA5}">
-                      <a16:colId xmlns:a16="http://schemas.microsoft.com/office/drawing/2014/main" val="268853680"/>
-                    </a:ext>
-                  </a:extLst>
-                </a:gridCol>
-                <a:gridCol w="5575815">
-                  <a:extLst>
-                    <a:ext uri="{9D8B030D-6E8A-4147-A177-3AD203B41FA5}">
-                      <a16:colId xmlns:a16="http://schemas.microsoft.com/office/drawing/2014/main" val="1879963911"/>
-                    </a:ext>
-                  </a:extLst>
-                </a:gridCol>
-              </a:tblGrid>
-              <a:tr h="515579">
-                <a:tc>
-                  <a:txBody>
-                    <a:bodyPr/>
-                    <a:lstStyle/>
-                    <a:p>
-                      <a:pPr marR="36830" lvl="0" indent="457200" algn="ctr">
-                        <a:lnSpc>
-                          <a:spcPct val="115000"/>
-                        </a:lnSpc>
-                        <a:spcAft>
-                          <a:spcPts val="0"/>
-                        </a:spcAft>
-                      </a:pPr>
-                      <a:r>
-                        <a:rPr lang="ru-RU" sz="1200" dirty="0" smtClean="0">
-                          <a:effectLst/>
-                        </a:rPr>
-                        <a:t>Заинтересованные</a:t>
-                      </a:r>
-                      <a:endParaRPr lang="en-US" sz="1200" dirty="0" smtClean="0">
-                        <a:effectLst/>
-                      </a:endParaRPr>
-                    </a:p>
-                    <a:p>
-                      <a:pPr marR="36830" lvl="0" indent="457200" algn="ctr">
-                        <a:lnSpc>
-                          <a:spcPct val="115000"/>
-                        </a:lnSpc>
-                        <a:spcAft>
-                          <a:spcPts val="0"/>
-                        </a:spcAft>
-                      </a:pPr>
-                      <a:r>
-                        <a:rPr lang="ru-RU" sz="1200" dirty="0" smtClean="0">
-                          <a:effectLst/>
-                        </a:rPr>
-                        <a:t>стороны</a:t>
-                      </a:r>
-                      <a:endParaRPr lang="ru-RU" sz="1200" dirty="0">
-                        <a:solidFill>
-                          <a:srgbClr val="000000"/>
-                        </a:solidFill>
-                        <a:effectLst/>
-                        <a:latin typeface="Times New Roman" panose="02020603050405020304" pitchFamily="18" charset="0"/>
-                        <a:ea typeface="Times New Roman" panose="02020603050405020304" pitchFamily="18" charset="0"/>
-                        <a:cs typeface="Times New Roman" panose="02020603050405020304" pitchFamily="18" charset="0"/>
-                      </a:endParaRPr>
-                    </a:p>
-                  </a:txBody>
-                  <a:tcPr marL="82185" marR="82185" marT="0" marB="0"/>
-                </a:tc>
-                <a:tc>
-                  <a:txBody>
-                    <a:bodyPr/>
-                    <a:lstStyle/>
-                    <a:p>
-                      <a:pPr indent="457200" algn="ctr">
-                        <a:lnSpc>
-                          <a:spcPct val="115000"/>
-                        </a:lnSpc>
-                        <a:spcAft>
-                          <a:spcPts val="0"/>
-                        </a:spcAft>
-                      </a:pPr>
-                      <a:r>
-                        <a:rPr lang="ru-RU" sz="1200" dirty="0">
-                          <a:effectLst/>
-                        </a:rPr>
-                        <a:t>Интересы заинтересованных сторон</a:t>
-                      </a:r>
-                      <a:endParaRPr lang="ru-RU" sz="1200" dirty="0">
-                        <a:solidFill>
-                          <a:srgbClr val="000000"/>
-                        </a:solidFill>
-                        <a:effectLst/>
-                        <a:latin typeface="Times New Roman" panose="02020603050405020304" pitchFamily="18" charset="0"/>
-                        <a:ea typeface="Times New Roman" panose="02020603050405020304" pitchFamily="18" charset="0"/>
-                        <a:cs typeface="Times New Roman" panose="02020603050405020304" pitchFamily="18" charset="0"/>
-                      </a:endParaRPr>
-                    </a:p>
-                  </a:txBody>
-                  <a:tcPr marL="82185" marR="82185" marT="0" marB="0"/>
-                </a:tc>
-                <a:extLst>
-                  <a:ext uri="{0D108BD9-81ED-4DB2-BD59-A6C34878D82A}">
-                    <a16:rowId xmlns:a16="http://schemas.microsoft.com/office/drawing/2014/main" val="3729466663"/>
-                  </a:ext>
-                </a:extLst>
-              </a:tr>
-              <a:tr h="798791">
-                <a:tc>
-                  <a:txBody>
-                    <a:bodyPr/>
-                    <a:lstStyle/>
-                    <a:p>
-                      <a:pPr marR="36830" indent="457200" algn="l">
-                        <a:lnSpc>
-                          <a:spcPct val="115000"/>
-                        </a:lnSpc>
-                        <a:spcAft>
-                          <a:spcPts val="0"/>
-                        </a:spcAft>
-                      </a:pPr>
-                      <a:r>
-                        <a:rPr lang="ru-RU" sz="1200" b="1" dirty="0" smtClean="0">
-                          <a:effectLst/>
-                        </a:rPr>
-                        <a:t>Системный</a:t>
-                      </a:r>
-                    </a:p>
-                    <a:p>
-                      <a:pPr marR="36830" indent="457200" algn="l">
-                        <a:lnSpc>
-                          <a:spcPct val="115000"/>
-                        </a:lnSpc>
-                        <a:spcAft>
-                          <a:spcPts val="0"/>
-                        </a:spcAft>
-                      </a:pPr>
-                      <a:r>
-                        <a:rPr lang="ru-RU" sz="1200" b="1" dirty="0" smtClean="0">
-                          <a:effectLst/>
-                        </a:rPr>
-                        <a:t>администратор </a:t>
-                      </a:r>
-                      <a:endParaRPr lang="ru-RU" sz="1200" b="1" dirty="0">
-                        <a:solidFill>
-                          <a:srgbClr val="000000"/>
-                        </a:solidFill>
-                        <a:effectLst/>
-                        <a:latin typeface="Times New Roman" panose="02020603050405020304" pitchFamily="18" charset="0"/>
-                        <a:ea typeface="Times New Roman" panose="02020603050405020304" pitchFamily="18" charset="0"/>
-                        <a:cs typeface="Times New Roman" panose="02020603050405020304" pitchFamily="18" charset="0"/>
-                      </a:endParaRPr>
-                    </a:p>
-                  </a:txBody>
-                  <a:tcPr marL="82185" marR="82185" marT="0" marB="0"/>
-                </a:tc>
-                <a:tc>
-                  <a:txBody>
-                    <a:bodyPr/>
-                    <a:lstStyle/>
-                    <a:p>
-                      <a:pPr lvl="1">
-                        <a:lnSpc>
-                          <a:spcPct val="115000"/>
-                        </a:lnSpc>
-                        <a:spcAft>
-                          <a:spcPts val="0"/>
-                        </a:spcAft>
-                      </a:pPr>
-                      <a:r>
-                        <a:rPr lang="ru-RU" sz="1200" dirty="0" smtClean="0">
-                          <a:effectLst/>
-                        </a:rPr>
-                        <a:t>Добавление </a:t>
-                      </a:r>
-                      <a:r>
-                        <a:rPr lang="ru-RU" sz="1200" dirty="0">
-                          <a:effectLst/>
-                        </a:rPr>
-                        <a:t>правил в конфигурационный файл </a:t>
-                      </a:r>
-                      <a:r>
-                        <a:rPr lang="en-US" sz="1200" dirty="0">
-                          <a:effectLst/>
-                        </a:rPr>
-                        <a:t>IDS </a:t>
-                      </a:r>
-                      <a:r>
-                        <a:rPr lang="en-US" sz="1200" dirty="0" err="1" smtClean="0">
-                          <a:effectLst/>
-                        </a:rPr>
-                        <a:t>Suricata</a:t>
-                      </a:r>
-                      <a:endParaRPr lang="en-US" sz="1200" dirty="0">
-                        <a:effectLst/>
-                      </a:endParaRPr>
-                    </a:p>
-                    <a:p>
-                      <a:pPr lvl="1">
-                        <a:lnSpc>
-                          <a:spcPct val="115000"/>
-                        </a:lnSpc>
-                        <a:spcAft>
-                          <a:spcPts val="0"/>
-                        </a:spcAft>
-                      </a:pPr>
-                      <a:endParaRPr lang="ru-RU" sz="1200" dirty="0">
-                        <a:effectLst/>
-                      </a:endParaRPr>
-                    </a:p>
-                    <a:p>
-                      <a:pPr lvl="1">
-                        <a:lnSpc>
-                          <a:spcPct val="115000"/>
-                        </a:lnSpc>
-                        <a:spcAft>
-                          <a:spcPts val="0"/>
-                        </a:spcAft>
-                      </a:pPr>
-                      <a:r>
-                        <a:rPr lang="ru-RU" sz="1200" dirty="0" smtClean="0">
-                          <a:effectLst/>
-                        </a:rPr>
-                        <a:t>Удаление </a:t>
-                      </a:r>
-                      <a:r>
-                        <a:rPr lang="ru-RU" sz="1200" dirty="0">
-                          <a:effectLst/>
-                        </a:rPr>
-                        <a:t>правил из конфигурационного файла </a:t>
-                      </a:r>
-                      <a:r>
-                        <a:rPr lang="en-US" sz="1200" dirty="0">
-                          <a:effectLst/>
-                        </a:rPr>
-                        <a:t>IDS </a:t>
-                      </a:r>
-                      <a:r>
-                        <a:rPr lang="en-US" sz="1200" dirty="0" err="1" smtClean="0">
-                          <a:effectLst/>
-                        </a:rPr>
-                        <a:t>Suricat</a:t>
-                      </a:r>
-                      <a:endParaRPr lang="ru-RU" sz="1200" dirty="0">
-                        <a:effectLst/>
-                      </a:endParaRPr>
-                    </a:p>
-                  </a:txBody>
-                  <a:tcPr marL="82185" marR="82185" marT="0" marB="0"/>
-                </a:tc>
-                <a:extLst>
-                  <a:ext uri="{0D108BD9-81ED-4DB2-BD59-A6C34878D82A}">
-                    <a16:rowId xmlns:a16="http://schemas.microsoft.com/office/drawing/2014/main" val="79674379"/>
-                  </a:ext>
-                </a:extLst>
-              </a:tr>
-              <a:tr h="1187161">
-                <a:tc>
-                  <a:txBody>
-                    <a:bodyPr/>
-                    <a:lstStyle/>
-                    <a:p>
-                      <a:pPr marR="36830" lvl="0" indent="457200" algn="l">
-                        <a:lnSpc>
-                          <a:spcPct val="115000"/>
-                        </a:lnSpc>
-                        <a:spcAft>
-                          <a:spcPts val="0"/>
-                        </a:spcAft>
-                      </a:pPr>
-                      <a:r>
-                        <a:rPr lang="ru-RU" sz="1200" b="1" dirty="0" smtClean="0">
-                          <a:effectLst/>
-                        </a:rPr>
-                        <a:t>Владелец</a:t>
-                      </a:r>
-                    </a:p>
-                    <a:p>
-                      <a:pPr marR="36830" lvl="0" indent="457200" algn="l">
-                        <a:lnSpc>
-                          <a:spcPct val="115000"/>
-                        </a:lnSpc>
-                        <a:spcAft>
-                          <a:spcPts val="0"/>
-                        </a:spcAft>
-                      </a:pPr>
-                      <a:r>
-                        <a:rPr lang="ru-RU" sz="1200" b="1" dirty="0" err="1" smtClean="0">
-                          <a:effectLst/>
-                        </a:rPr>
-                        <a:t>опенсорсного</a:t>
-                      </a:r>
-                      <a:endParaRPr lang="ru-RU" sz="1200" b="1" dirty="0" smtClean="0">
-                        <a:effectLst/>
-                      </a:endParaRPr>
-                    </a:p>
-                    <a:p>
-                      <a:pPr marR="36830" lvl="0" indent="457200" algn="l">
-                        <a:lnSpc>
-                          <a:spcPct val="115000"/>
-                        </a:lnSpc>
-                        <a:spcAft>
-                          <a:spcPts val="0"/>
-                        </a:spcAft>
-                      </a:pPr>
-                      <a:r>
-                        <a:rPr lang="ru-RU" sz="1200" b="1" dirty="0" smtClean="0">
-                          <a:effectLst/>
-                        </a:rPr>
-                        <a:t>проекта</a:t>
-                      </a:r>
-                      <a:endParaRPr lang="en-US" sz="1200" b="1" dirty="0" smtClean="0">
-                        <a:effectLst/>
-                      </a:endParaRPr>
-                    </a:p>
-                    <a:p>
-                      <a:pPr marR="36830" lvl="0" indent="457200" algn="l">
-                        <a:lnSpc>
-                          <a:spcPct val="115000"/>
-                        </a:lnSpc>
-                        <a:spcAft>
-                          <a:spcPts val="0"/>
-                        </a:spcAft>
-                      </a:pPr>
-                      <a:r>
-                        <a:rPr lang="ru-RU" sz="1200" b="1" dirty="0" smtClean="0">
-                          <a:effectLst/>
-                        </a:rPr>
-                        <a:t>(</a:t>
-                      </a:r>
-                      <a:r>
-                        <a:rPr lang="en-US" sz="1200" b="1" dirty="0">
-                          <a:effectLst/>
-                        </a:rPr>
-                        <a:t>project owner</a:t>
-                      </a:r>
-                      <a:r>
-                        <a:rPr lang="ru-RU" sz="1200" b="1" dirty="0">
-                          <a:effectLst/>
-                        </a:rPr>
-                        <a:t>)</a:t>
-                      </a:r>
-                      <a:endParaRPr lang="ru-RU" sz="1200" b="1" dirty="0">
-                        <a:solidFill>
-                          <a:srgbClr val="000000"/>
-                        </a:solidFill>
-                        <a:effectLst/>
-                        <a:latin typeface="Times New Roman" panose="02020603050405020304" pitchFamily="18" charset="0"/>
-                        <a:ea typeface="Times New Roman" panose="02020603050405020304" pitchFamily="18" charset="0"/>
-                        <a:cs typeface="Times New Roman" panose="02020603050405020304" pitchFamily="18" charset="0"/>
-                      </a:endParaRPr>
-                    </a:p>
-                  </a:txBody>
-                  <a:tcPr marL="82185" marR="82185" marT="0" marB="0"/>
-                </a:tc>
-                <a:tc>
-                  <a:txBody>
-                    <a:bodyPr/>
-                    <a:lstStyle/>
-                    <a:p>
-                      <a:pPr marL="457200" lvl="0" algn="just">
-                        <a:lnSpc>
-                          <a:spcPct val="106000"/>
-                        </a:lnSpc>
-                        <a:spcAft>
-                          <a:spcPts val="0"/>
-                        </a:spcAft>
-                      </a:pPr>
-                      <a:r>
-                        <a:rPr lang="ru-RU" sz="1200" dirty="0">
-                          <a:effectLst/>
-                        </a:rPr>
-                        <a:t>Быстрая и полная передача исходного кода, </a:t>
-                      </a:r>
-                      <a:r>
-                        <a:rPr lang="ru-RU" sz="1200" dirty="0" smtClean="0">
-                          <a:effectLst/>
-                        </a:rPr>
-                        <a:t>настроек,</a:t>
-                      </a:r>
-                      <a:r>
-                        <a:rPr lang="ru-RU" sz="1200" baseline="0" dirty="0" smtClean="0">
-                          <a:effectLst/>
-                        </a:rPr>
-                        <a:t> </a:t>
-                      </a:r>
-                      <a:r>
-                        <a:rPr lang="ru-RU" sz="1200" dirty="0" smtClean="0">
-                          <a:effectLst/>
-                        </a:rPr>
-                        <a:t>документов</a:t>
-                      </a:r>
-                      <a:r>
-                        <a:rPr lang="ru-RU" sz="1200" dirty="0">
-                          <a:effectLst/>
-                        </a:rPr>
-                        <a:t>.</a:t>
-                      </a:r>
-                    </a:p>
-                    <a:p>
-                      <a:pPr marL="457200" lvl="0" algn="just">
-                        <a:lnSpc>
-                          <a:spcPct val="106000"/>
-                        </a:lnSpc>
-                        <a:spcAft>
-                          <a:spcPts val="0"/>
-                        </a:spcAft>
-                      </a:pPr>
-                      <a:r>
-                        <a:rPr lang="ru-RU" sz="1200" dirty="0">
-                          <a:effectLst/>
-                        </a:rPr>
-                        <a:t> </a:t>
-                      </a:r>
-                      <a:endParaRPr lang="ru-RU" sz="1200" dirty="0" smtClean="0">
-                        <a:effectLst/>
-                      </a:endParaRPr>
-                    </a:p>
-                    <a:p>
-                      <a:pPr marL="457200" lvl="0" algn="just">
-                        <a:lnSpc>
-                          <a:spcPct val="106000"/>
-                        </a:lnSpc>
-                        <a:spcAft>
-                          <a:spcPts val="0"/>
-                        </a:spcAft>
-                      </a:pPr>
-                      <a:r>
-                        <a:rPr lang="ru-RU" sz="1200" dirty="0" smtClean="0">
-                          <a:effectLst/>
-                        </a:rPr>
-                        <a:t>Возможность </a:t>
-                      </a:r>
-                      <a:r>
-                        <a:rPr lang="ru-RU" sz="1200" dirty="0">
-                          <a:effectLst/>
-                        </a:rPr>
-                        <a:t>в дальнейшем совершенствовать систему, </a:t>
-                      </a:r>
-                      <a:r>
-                        <a:rPr lang="ru-RU" sz="1200" dirty="0" smtClean="0">
-                          <a:effectLst/>
-                        </a:rPr>
-                        <a:t>    например</a:t>
-                      </a:r>
-                      <a:r>
-                        <a:rPr lang="ru-RU" sz="1200" dirty="0">
-                          <a:effectLst/>
-                        </a:rPr>
-                        <a:t>, добавляя новые модули и возможности</a:t>
-                      </a:r>
-                      <a:endParaRPr lang="ru-RU" sz="1200" dirty="0">
-                        <a:solidFill>
-                          <a:srgbClr val="000000"/>
-                        </a:solidFill>
-                        <a:effectLst/>
-                        <a:latin typeface="Times New Roman" panose="02020603050405020304" pitchFamily="18" charset="0"/>
-                        <a:ea typeface="Times New Roman" panose="02020603050405020304" pitchFamily="18" charset="0"/>
-                        <a:cs typeface="Times New Roman" panose="02020603050405020304" pitchFamily="18" charset="0"/>
-                      </a:endParaRPr>
-                    </a:p>
-                  </a:txBody>
-                  <a:tcPr marL="82185" marR="82185" marT="0" marB="0"/>
-                </a:tc>
-                <a:extLst>
-                  <a:ext uri="{0D108BD9-81ED-4DB2-BD59-A6C34878D82A}">
-                    <a16:rowId xmlns:a16="http://schemas.microsoft.com/office/drawing/2014/main" val="2241759687"/>
-                  </a:ext>
-                </a:extLst>
-              </a:tr>
-              <a:tr h="954440">
-                <a:tc>
-                  <a:txBody>
-                    <a:bodyPr/>
-                    <a:lstStyle/>
-                    <a:p>
-                      <a:pPr lvl="1" algn="l">
-                        <a:lnSpc>
-                          <a:spcPct val="115000"/>
-                        </a:lnSpc>
-                        <a:spcAft>
-                          <a:spcPts val="0"/>
-                        </a:spcAft>
-                      </a:pPr>
-                      <a:r>
-                        <a:rPr lang="ru-RU" sz="1200" b="1" dirty="0">
-                          <a:effectLst/>
-                        </a:rPr>
-                        <a:t>Новый разработчик системы</a:t>
-                      </a:r>
-                      <a:endParaRPr lang="ru-RU" sz="1200" b="1" dirty="0">
-                        <a:solidFill>
-                          <a:srgbClr val="000000"/>
-                        </a:solidFill>
-                        <a:effectLst/>
-                        <a:latin typeface="Times New Roman" panose="02020603050405020304" pitchFamily="18" charset="0"/>
-                        <a:ea typeface="Times New Roman" panose="02020603050405020304" pitchFamily="18" charset="0"/>
-                        <a:cs typeface="Times New Roman" panose="02020603050405020304" pitchFamily="18" charset="0"/>
-                      </a:endParaRPr>
-                    </a:p>
-                  </a:txBody>
-                  <a:tcPr marL="82185" marR="82185" marT="0" marB="0"/>
-                </a:tc>
-                <a:tc>
-                  <a:txBody>
-                    <a:bodyPr/>
-                    <a:lstStyle/>
-                    <a:p>
-                      <a:pPr marL="457200" lvl="0" algn="just">
-                        <a:lnSpc>
-                          <a:spcPct val="106000"/>
-                        </a:lnSpc>
-                        <a:spcAft>
-                          <a:spcPts val="0"/>
-                        </a:spcAft>
-                      </a:pPr>
-                      <a:r>
-                        <a:rPr lang="ru-RU" sz="1200" dirty="0">
-                          <a:effectLst/>
-                        </a:rPr>
-                        <a:t>Быстро понять принцип работы системы.</a:t>
-                      </a:r>
-                    </a:p>
-                    <a:p>
-                      <a:pPr marL="457200" lvl="0" algn="just">
-                        <a:lnSpc>
-                          <a:spcPct val="106000"/>
-                        </a:lnSpc>
-                        <a:spcAft>
-                          <a:spcPts val="0"/>
-                        </a:spcAft>
-                      </a:pPr>
-                      <a:r>
-                        <a:rPr lang="ru-RU" sz="1200" dirty="0">
-                          <a:effectLst/>
-                        </a:rPr>
-                        <a:t> </a:t>
-                      </a:r>
-                      <a:endParaRPr lang="ru-RU" sz="1200" dirty="0" smtClean="0">
-                        <a:effectLst/>
-                      </a:endParaRPr>
-                    </a:p>
-                    <a:p>
-                      <a:pPr marL="457200" lvl="0" algn="just">
-                        <a:lnSpc>
-                          <a:spcPct val="106000"/>
-                        </a:lnSpc>
-                        <a:spcAft>
-                          <a:spcPts val="0"/>
-                        </a:spcAft>
-                      </a:pPr>
-                      <a:r>
-                        <a:rPr lang="ru-RU" sz="1200" dirty="0" smtClean="0">
-                          <a:effectLst/>
-                        </a:rPr>
-                        <a:t>Быстро </a:t>
-                      </a:r>
-                      <a:r>
-                        <a:rPr lang="ru-RU" sz="1200" dirty="0">
-                          <a:effectLst/>
-                        </a:rPr>
-                        <a:t>внести изменения и проверить, что они не </a:t>
-                      </a:r>
-                      <a:r>
-                        <a:rPr lang="ru-RU" sz="1200" dirty="0" smtClean="0">
-                          <a:effectLst/>
-                        </a:rPr>
-                        <a:t>   нарушают </a:t>
-                      </a:r>
-                      <a:r>
-                        <a:rPr lang="ru-RU" sz="1200" dirty="0">
-                          <a:effectLst/>
-                        </a:rPr>
-                        <a:t>работу существующего </a:t>
-                      </a:r>
-                      <a:r>
-                        <a:rPr lang="ru-RU" sz="1200" dirty="0" smtClean="0">
-                          <a:effectLst/>
-                        </a:rPr>
-                        <a:t>функционала.</a:t>
-                      </a:r>
-                    </a:p>
-                  </a:txBody>
-                  <a:tcPr marL="82185" marR="82185" marT="0" marB="0"/>
-                </a:tc>
-                <a:extLst>
-                  <a:ext uri="{0D108BD9-81ED-4DB2-BD59-A6C34878D82A}">
-                    <a16:rowId xmlns:a16="http://schemas.microsoft.com/office/drawing/2014/main" val="3761451928"/>
-                  </a:ext>
-                </a:extLst>
-              </a:tr>
-            </a:tbl>
-          </a:graphicData>
-        </a:graphic>
-      </p:graphicFrame>
-      <p:sp>
-        <p:nvSpPr>
-          <p:cNvPr id="3" name="Номер слайда 2"/>
-          <p:cNvSpPr>
-            <a:spLocks noGrp="1"/>
-          </p:cNvSpPr>
-          <p:nvPr>
-            <p:ph type="sldNum" sz="quarter" idx="12"/>
-          </p:nvPr>
-        </p:nvSpPr>
-        <p:spPr/>
-        <p:txBody>
-          <a:bodyPr/>
-          <a:lstStyle/>
-          <a:p>
-            <a:fld id="{3177E89D-76AF-4E24-8F7F-2685DD826F0A}" type="slidenum">
-              <a:rPr lang="ru-RU" sz="1800" smtClean="0"/>
-              <a:t>8</a:t>
-            </a:fld>
-            <a:endParaRPr lang="ru-RU" sz="1800" dirty="0"/>
-          </a:p>
-        </p:txBody>
-      </p:sp>
-      <p:sp>
-        <p:nvSpPr>
-          <p:cNvPr id="5" name="Заголовок 1"/>
-          <p:cNvSpPr txBox="1">
-            <a:spLocks/>
-          </p:cNvSpPr>
-          <p:nvPr/>
-        </p:nvSpPr>
-        <p:spPr>
-          <a:xfrm>
-            <a:off x="628650" y="365126"/>
-            <a:ext cx="7886700" cy="1325563"/>
-          </a:xfrm>
-          <a:prstGeom prst="rect">
-            <a:avLst/>
-          </a:prstGeom>
-        </p:spPr>
-        <p:txBody>
-          <a:bodyPr vert="horz" lIns="91440" tIns="45720" rIns="91440" bIns="45720" rtlCol="0" anchor="ctr">
-            <a:normAutofit/>
-          </a:bodyPr>
-          <a:lstStyle>
-            <a:lvl1pPr algn="l" defTabSz="914400" rtl="0" eaLnBrk="1" latinLnBrk="0" hangingPunct="1">
-              <a:lnSpc>
-                <a:spcPct val="90000"/>
-              </a:lnSpc>
-              <a:spcBef>
-                <a:spcPct val="0"/>
-              </a:spcBef>
-              <a:buNone/>
-              <a:defRPr sz="4400" kern="1200">
-                <a:solidFill>
-                  <a:schemeClr val="tx1"/>
-                </a:solidFill>
-                <a:latin typeface="+mj-lt"/>
-                <a:ea typeface="+mj-ea"/>
-                <a:cs typeface="+mj-cs"/>
-              </a:defRPr>
-            </a:lvl1pPr>
-          </a:lstStyle>
-          <a:p>
-            <a:r>
-              <a:rPr lang="ru-RU" dirty="0">
-                <a:latin typeface="+mn-lt"/>
-                <a:cs typeface="Times New Roman" panose="02020603050405020304" pitchFamily="18" charset="0"/>
-              </a:rPr>
-              <a:t>Выявление заинтересованных сторон и их интересов</a:t>
-            </a:r>
-            <a:endParaRPr lang="ru-RU" dirty="0">
-              <a:latin typeface="+mn-lt"/>
-            </a:endParaRPr>
-          </a:p>
-        </p:txBody>
-      </p:sp>
-    </p:spTree>
-    <p:extLst>
-      <p:ext uri="{BB962C8B-B14F-4D97-AF65-F5344CB8AC3E}">
-        <p14:creationId xmlns:p14="http://schemas.microsoft.com/office/powerpoint/2010/main" val="1009699656"/>
-      </p:ext>
-    </p:extLst>
-  </p:cSld>
-  <p:clrMapOvr>
-    <a:masterClrMapping/>
-  </p:clrMapOvr>
-  <p:timing>
-    <p:tnLst>
-      <p:par>
-        <p:cTn id="1" dur="indefinite" restart="never" nodeType="tmRoot"/>
-      </p:par>
-    </p:tnLst>
-  </p:timing>
-</p:sld>
-</file>
-
-<file path=ppt/slides/slide9.xml><?xml version="1.0" encoding="utf-8"?>
-<p:sld xmlns:a="http://schemas.openxmlformats.org/drawingml/2006/main" xmlns:r="http://schemas.openxmlformats.org/officeDocument/2006/relationships" xmlns:p="http://schemas.openxmlformats.org/presentationml/2006/main">
-  <p:cSld>
-    <p:spTree>
-      <p:nvGrpSpPr>
-        <p:cNvPr id="1" name=""/>
-        <p:cNvGrpSpPr/>
-        <p:nvPr/>
-      </p:nvGrpSpPr>
-      <p:grpSpPr>
-        <a:xfrm>
-          <a:off x="0" y="0"/>
-          <a:ext cx="0" cy="0"/>
-          <a:chOff x="0" y="0"/>
-          <a:chExt cx="0" cy="0"/>
-        </a:xfrm>
-      </p:grpSpPr>
-      <p:graphicFrame>
-        <p:nvGraphicFramePr>
-          <p:cNvPr id="4" name="Объект 3"/>
-          <p:cNvGraphicFramePr>
-            <a:graphicFrameLocks noGrp="1"/>
-          </p:cNvGraphicFramePr>
-          <p:nvPr>
-            <p:ph idx="1"/>
-            <p:extLst>
-              <p:ext uri="{D42A27DB-BD31-4B8C-83A1-F6EECF244321}">
-                <p14:modId xmlns:p14="http://schemas.microsoft.com/office/powerpoint/2010/main" val="431873873"/>
-              </p:ext>
-            </p:extLst>
-          </p:nvPr>
-        </p:nvGraphicFramePr>
-        <p:xfrm>
-          <a:off x="416859" y="1711050"/>
-          <a:ext cx="8098491" cy="4495579"/>
-        </p:xfrm>
-        <a:graphic>
-          <a:graphicData uri="http://schemas.openxmlformats.org/drawingml/2006/table">
-            <a:tbl>
-              <a:tblPr firstRow="1" firstCol="1" bandRow="1" bandCol="1">
-                <a:tableStyleId>{5C22544A-7EE6-4342-B048-85BDC9FD1C3A}</a:tableStyleId>
-              </a:tblPr>
-              <a:tblGrid>
-                <a:gridCol w="3905759">
+                <a:gridCol w="4186295">
                   <a:extLst>
                     <a:ext uri="{9D8B030D-6E8A-4147-A177-3AD203B41FA5}">
                       <a16:colId xmlns:a16="http://schemas.microsoft.com/office/drawing/2014/main" val="580552284"/>
                     </a:ext>
                   </a:extLst>
                 </a:gridCol>
-                <a:gridCol w="4192732">
+                <a:gridCol w="4493879">
                   <a:extLst>
                     <a:ext uri="{9D8B030D-6E8A-4147-A177-3AD203B41FA5}">
                       <a16:colId xmlns:a16="http://schemas.microsoft.com/office/drawing/2014/main" val="1891042016"/>
@@ -6674,7 +3818,7 @@
                   </a:extLst>
                 </a:gridCol>
               </a:tblGrid>
-              <a:tr h="152579">
+              <a:tr h="272759">
                 <a:tc>
                   <a:txBody>
                     <a:bodyPr/>
@@ -6747,7 +3891,7 @@
                   </a:ext>
                 </a:extLst>
               </a:tr>
-              <a:tr h="1892808">
+              <a:tr h="1794581">
                 <a:tc>
                   <a:txBody>
                     <a:bodyPr/>
@@ -6762,41 +3906,34 @@
                         </a:spcAft>
                       </a:pPr>
                       <a:r>
-                        <a:rPr lang="ru-RU" sz="1200" b="1" dirty="0" smtClean="0">
+                        <a:rPr lang="ru-RU" sz="1400" b="1" dirty="0">
                           <a:effectLst/>
                           <a:latin typeface="+mj-lt"/>
                         </a:rPr>
-                        <a:t> Добавление </a:t>
+                        <a:t> Добавление правил в конфигурационный файл </a:t>
                       </a:r>
                       <a:r>
-                        <a:rPr lang="ru-RU" sz="1200" b="1" dirty="0">
-                          <a:effectLst/>
-                          <a:latin typeface="+mj-lt"/>
-                        </a:rPr>
-                        <a:t>правил в конфигурационный файл </a:t>
-                      </a:r>
-                      <a:r>
-                        <a:rPr lang="en-US" sz="1200" b="1" dirty="0" smtClean="0">
+                        <a:rPr lang="en-US" sz="1400" b="1" dirty="0">
                           <a:effectLst/>
                           <a:latin typeface="+mj-lt"/>
                         </a:rPr>
                         <a:t>IDS</a:t>
                       </a:r>
                       <a:r>
-                        <a:rPr lang="ru-RU" sz="1200" b="1" baseline="0" dirty="0" smtClean="0">
+                        <a:rPr lang="ru-RU" sz="1400" b="1" baseline="0" dirty="0">
                           <a:effectLst/>
                           <a:latin typeface="+mj-lt"/>
                         </a:rPr>
                         <a:t> </a:t>
                       </a:r>
                       <a:r>
-                        <a:rPr lang="en-US" sz="1200" b="1" dirty="0" err="1" smtClean="0">
+                        <a:rPr lang="en-US" sz="1400" b="1" dirty="0" err="1">
                           <a:effectLst/>
                           <a:latin typeface="+mj-lt"/>
                         </a:rPr>
                         <a:t>Suricata</a:t>
                       </a:r>
-                      <a:endParaRPr lang="ru-RU" sz="1200" b="1" dirty="0">
+                      <a:endParaRPr lang="ru-RU" sz="1400" b="1" dirty="0">
                         <a:effectLst/>
                         <a:latin typeface="+mj-lt"/>
                       </a:endParaRPr>
@@ -6811,7 +3948,7 @@
                         </a:spcAft>
                       </a:pPr>
                       <a:r>
-                        <a:rPr lang="ru-RU" sz="1200" b="1" dirty="0">
+                        <a:rPr lang="ru-RU" sz="1400" b="1" dirty="0">
                           <a:effectLst/>
                           <a:latin typeface="+mj-lt"/>
                         </a:rPr>
@@ -6828,27 +3965,27 @@
                         </a:spcAft>
                       </a:pPr>
                       <a:r>
-                        <a:rPr lang="ru-RU" sz="1200" b="1" dirty="0">
+                        <a:rPr lang="ru-RU" sz="1400" b="1" dirty="0">
                           <a:effectLst/>
                           <a:latin typeface="+mj-lt"/>
                         </a:rPr>
                         <a:t>Удаление правил из конфигурационного файла </a:t>
                       </a:r>
                       <a:r>
-                        <a:rPr lang="en-US" sz="1200" b="1" dirty="0">
+                        <a:rPr lang="en-US" sz="1400" b="1" dirty="0">
                           <a:effectLst/>
                           <a:latin typeface="+mj-lt"/>
                         </a:rPr>
                         <a:t>IDS </a:t>
                       </a:r>
                       <a:r>
-                        <a:rPr lang="en-US" sz="1200" b="1" dirty="0" err="1">
+                        <a:rPr lang="en-US" sz="1400" b="1" dirty="0" err="1">
                           <a:effectLst/>
                           <a:latin typeface="+mj-lt"/>
                         </a:rPr>
                         <a:t>Suricata</a:t>
                       </a:r>
-                      <a:endParaRPr lang="ru-RU" sz="1200" b="1" dirty="0">
+                      <a:endParaRPr lang="ru-RU" sz="1400" b="1" dirty="0">
                         <a:effectLst/>
                         <a:latin typeface="+mj-lt"/>
                       </a:endParaRPr>
@@ -6863,13 +4000,13 @@
                         </a:spcAft>
                       </a:pPr>
                       <a:r>
-                        <a:rPr lang="ru-RU" sz="1200" b="1" dirty="0">
+                        <a:rPr lang="ru-RU" sz="1400" b="1" dirty="0">
                           <a:effectLst/>
                           <a:latin typeface="+mj-lt"/>
                         </a:rPr>
                         <a:t> </a:t>
                       </a:r>
-                      <a:endParaRPr lang="ru-RU" sz="1200" b="1" dirty="0">
+                      <a:endParaRPr lang="ru-RU" sz="1400" b="1" dirty="0">
                         <a:solidFill>
                           <a:srgbClr val="000000"/>
                         </a:solidFill>
@@ -6896,18 +4033,11 @@
                         </a:spcAft>
                       </a:pPr>
                       <a:r>
-                        <a:rPr lang="ru-RU" sz="1200" dirty="0">
+                        <a:rPr lang="ru-RU" sz="1400" dirty="0">
                           <a:effectLst/>
                           <a:latin typeface="+mj-lt"/>
                         </a:rPr>
-                        <a:t>Новое правило заносится одним из </a:t>
-                      </a:r>
-                      <a:r>
-                        <a:rPr lang="ru-RU" sz="1200" dirty="0" smtClean="0">
-                          <a:effectLst/>
-                          <a:latin typeface="+mj-lt"/>
-                        </a:rPr>
-                        <a:t>классов</a:t>
+                        <a:t>Новое правило заносится одним из классов</a:t>
                       </a:r>
                     </a:p>
                     <a:p>
@@ -6920,18 +4050,11 @@
                         </a:spcAft>
                       </a:pPr>
                       <a:r>
-                        <a:rPr lang="ru-RU" sz="1200" dirty="0" smtClean="0">
+                        <a:rPr lang="ru-RU" sz="1400" dirty="0">
                           <a:effectLst/>
                           <a:latin typeface="+mj-lt"/>
                         </a:rPr>
-                        <a:t>разработанной </a:t>
-                      </a:r>
-                      <a:r>
-                        <a:rPr lang="ru-RU" sz="1200" dirty="0">
-                          <a:effectLst/>
-                          <a:latin typeface="+mj-lt"/>
-                        </a:rPr>
-                        <a:t>системы в конфигурационный файл.</a:t>
+                        <a:t>разработанной системы в конфигурационный файл.</a:t>
                       </a:r>
                     </a:p>
                     <a:p>
@@ -6944,7 +4067,7 @@
                         </a:spcAft>
                       </a:pPr>
                       <a:r>
-                        <a:rPr lang="ru-RU" sz="1200" dirty="0">
+                        <a:rPr lang="ru-RU" sz="1400" dirty="0">
                           <a:effectLst/>
                           <a:latin typeface="+mj-lt"/>
                         </a:rPr>
@@ -6961,18 +4084,11 @@
                         </a:spcAft>
                       </a:pPr>
                       <a:r>
-                        <a:rPr lang="ru-RU" sz="1200" dirty="0">
+                        <a:rPr lang="ru-RU" sz="1400" dirty="0">
                           <a:effectLst/>
                           <a:latin typeface="+mj-lt"/>
                         </a:rPr>
-                        <a:t>Существующее правило удаляется одним из </a:t>
-                      </a:r>
-                      <a:r>
-                        <a:rPr lang="ru-RU" sz="1200" dirty="0" smtClean="0">
-                          <a:effectLst/>
-                          <a:latin typeface="+mj-lt"/>
-                        </a:rPr>
-                        <a:t>классов</a:t>
+                        <a:t>Существующее правило удаляется одним из</a:t>
                       </a:r>
                     </a:p>
                     <a:p>
@@ -6985,18 +4101,11 @@
                         </a:spcAft>
                       </a:pPr>
                       <a:r>
-                        <a:rPr lang="ru-RU" sz="1200" dirty="0" smtClean="0">
+                        <a:rPr lang="ru-RU" sz="1400" dirty="0">
                           <a:effectLst/>
                           <a:latin typeface="+mj-lt"/>
                         </a:rPr>
-                        <a:t> </a:t>
-                      </a:r>
-                      <a:r>
-                        <a:rPr lang="ru-RU" sz="1200" dirty="0">
-                          <a:effectLst/>
-                          <a:latin typeface="+mj-lt"/>
-                        </a:rPr>
-                        <a:t>разработанной системы в конфигурационном файле.</a:t>
+                        <a:t>классов разработанной системы в</a:t>
                       </a:r>
                     </a:p>
                     <a:p>
@@ -7009,46 +4118,11 @@
                         </a:spcAft>
                       </a:pPr>
                       <a:r>
-                        <a:rPr lang="ru-RU" sz="1200" dirty="0">
+                        <a:rPr lang="ru-RU" sz="1400" dirty="0">
                           <a:effectLst/>
                           <a:latin typeface="+mj-lt"/>
                         </a:rPr>
-                        <a:t> </a:t>
-                      </a:r>
-                      <a:endParaRPr lang="ru-RU" sz="1200" dirty="0" smtClean="0">
-                        <a:effectLst/>
-                        <a:latin typeface="+mj-lt"/>
-                      </a:endParaRPr>
-                    </a:p>
-                    <a:p>
-                      <a:pPr indent="457200" algn="just">
-                        <a:lnSpc>
-                          <a:spcPct val="115000"/>
-                        </a:lnSpc>
-                        <a:spcAft>
-                          <a:spcPts val="0"/>
-                        </a:spcAft>
-                      </a:pPr>
-                      <a:r>
-                        <a:rPr lang="ru-RU" sz="1200" dirty="0" smtClean="0">
-                          <a:effectLst/>
-                          <a:latin typeface="+mj-lt"/>
-                        </a:rPr>
-                        <a:t>Корректность </a:t>
-                      </a:r>
-                      <a:r>
-                        <a:rPr lang="ru-RU" sz="1200" dirty="0">
-                          <a:effectLst/>
-                          <a:latin typeface="+mj-lt"/>
-                        </a:rPr>
-                        <a:t>работы будет проверяться в </a:t>
-                      </a:r>
-                      <a:r>
-                        <a:rPr lang="ru-RU" sz="1200" dirty="0" smtClean="0">
-                          <a:effectLst/>
-                          <a:latin typeface="+mj-lt"/>
-                        </a:rPr>
-                        <a:t>процессе</a:t>
+                        <a:t>конфигурационном файле.</a:t>
                       </a:r>
                     </a:p>
                     <a:p>
@@ -7061,45 +4135,12 @@
                         </a:spcAft>
                       </a:pPr>
                       <a:r>
-                        <a:rPr lang="ru-RU" sz="1200" dirty="0" smtClean="0">
-                          <a:effectLst/>
-                          <a:latin typeface="+mj-lt"/>
-                        </a:rPr>
-                        <a:t> </a:t>
-                      </a:r>
-                      <a:r>
-                        <a:rPr lang="ru-RU" sz="1200" dirty="0">
-                          <a:effectLst/>
-                          <a:latin typeface="+mj-lt"/>
-                        </a:rPr>
-                        <a:t>разработки с помощью юнит тестов.</a:t>
-                      </a:r>
-                    </a:p>
-                    <a:p>
-                      <a:pPr indent="457200" algn="just">
-                        <a:lnSpc>
-                          <a:spcPct val="115000"/>
-                        </a:lnSpc>
-                        <a:spcAft>
-                          <a:spcPts val="0"/>
-                        </a:spcAft>
-                      </a:pPr>
-                      <a:r>
-                        <a:rPr lang="ru-RU" sz="1200" dirty="0">
+                        <a:rPr lang="ru-RU" sz="1400" dirty="0">
                           <a:effectLst/>
                           <a:latin typeface="+mj-lt"/>
                         </a:rPr>
                         <a:t> </a:t>
                       </a:r>
-                      <a:endParaRPr lang="ru-RU" sz="1200" dirty="0">
-                        <a:solidFill>
-                          <a:srgbClr val="000000"/>
-                        </a:solidFill>
-                        <a:effectLst/>
-                        <a:latin typeface="+mj-lt"/>
-                        <a:ea typeface="Times New Roman" panose="02020603050405020304" pitchFamily="18" charset="0"/>
-                        <a:cs typeface="Times New Roman" panose="02020603050405020304" pitchFamily="18" charset="0"/>
-                      </a:endParaRPr>
                     </a:p>
                   </a:txBody>
                   <a:tcPr marL="51028" marR="51028" marT="0" marB="0"/>
@@ -7110,7 +4151,7 @@
                   </a:ext>
                 </a:extLst>
               </a:tr>
-              <a:tr h="1356836">
+              <a:tr h="1258956">
                 <a:tc>
                   <a:txBody>
                     <a:bodyPr/>
@@ -7125,7 +4166,7 @@
                         </a:spcAft>
                       </a:pPr>
                       <a:r>
-                        <a:rPr lang="ru-RU" sz="1200" b="1" dirty="0">
+                        <a:rPr lang="ru-RU" sz="1400" b="1" dirty="0">
                           <a:effectLst/>
                           <a:latin typeface="+mj-lt"/>
                         </a:rPr>
@@ -7142,7 +4183,7 @@
                         </a:spcAft>
                       </a:pPr>
                       <a:r>
-                        <a:rPr lang="ru-RU" sz="1200" b="1" dirty="0">
+                        <a:rPr lang="ru-RU" sz="1400" b="1" dirty="0">
                           <a:effectLst/>
                           <a:latin typeface="+mj-lt"/>
                         </a:rPr>
@@ -7159,18 +4200,11 @@
                         </a:spcAft>
                       </a:pPr>
                       <a:r>
-                        <a:rPr lang="ru-RU" sz="1200" b="1" dirty="0">
+                        <a:rPr lang="ru-RU" sz="1400" b="1" dirty="0">
                           <a:effectLst/>
                           <a:latin typeface="+mj-lt"/>
                         </a:rPr>
-                        <a:t>Возможность в </a:t>
-                      </a:r>
-                      <a:r>
-                        <a:rPr lang="ru-RU" sz="1200" b="1" dirty="0" smtClean="0">
-                          <a:effectLst/>
-                          <a:latin typeface="+mj-lt"/>
-                        </a:rPr>
-                        <a:t>дальнейшем</a:t>
+                        <a:t>Возможность в дальнейшем</a:t>
                       </a:r>
                     </a:p>
                     <a:p>
@@ -7183,25 +4217,11 @@
                         </a:spcAft>
                       </a:pPr>
                       <a:r>
-                        <a:rPr lang="ru-RU" sz="1200" b="1" dirty="0" smtClean="0">
+                        <a:rPr lang="ru-RU" sz="1400" b="1" dirty="0">
                           <a:effectLst/>
                           <a:latin typeface="+mj-lt"/>
                         </a:rPr>
-                        <a:t>совершенствовать систему</a:t>
-                      </a:r>
-                      <a:r>
-                        <a:rPr lang="ru-RU" sz="1200" b="1" dirty="0">
-                          <a:effectLst/>
-                          <a:latin typeface="+mj-lt"/>
-                        </a:rPr>
-                        <a:t>, </a:t>
-                      </a:r>
-                      <a:r>
-                        <a:rPr lang="ru-RU" sz="1200" b="1" dirty="0" smtClean="0">
-                          <a:effectLst/>
-                          <a:latin typeface="+mj-lt"/>
-                        </a:rPr>
-                        <a:t>например,</a:t>
+                        <a:t>совершенствовать систему, например,</a:t>
                       </a:r>
                     </a:p>
                     <a:p>
@@ -7214,41 +4234,27 @@
                         </a:spcAft>
                       </a:pPr>
                       <a:r>
-                        <a:rPr lang="ru-RU" sz="1200" b="1" dirty="0" smtClean="0">
+                        <a:rPr lang="ru-RU" sz="1400" b="1" dirty="0">
                           <a:effectLst/>
                           <a:latin typeface="+mj-lt"/>
                         </a:rPr>
-                        <a:t>добавляя </a:t>
+                        <a:t>добавляя новые модули и</a:t>
                       </a:r>
                       <a:r>
-                        <a:rPr lang="ru-RU" sz="1200" b="1" dirty="0">
-                          <a:effectLst/>
-                          <a:latin typeface="+mj-lt"/>
-                        </a:rPr>
-                        <a:t>новые модули </a:t>
-                      </a:r>
-                      <a:r>
-                        <a:rPr lang="ru-RU" sz="1200" b="1" dirty="0" smtClean="0">
-                          <a:effectLst/>
-                          <a:latin typeface="+mj-lt"/>
-                        </a:rPr>
-                        <a:t>и</a:t>
-                      </a:r>
-                      <a:r>
-                        <a:rPr lang="ru-RU" sz="1200" b="1" baseline="0" dirty="0" smtClean="0">
+                        <a:rPr lang="ru-RU" sz="1400" b="1" baseline="0" dirty="0">
                           <a:effectLst/>
                           <a:latin typeface="+mj-lt"/>
                         </a:rPr>
                         <a:t> </a:t>
                       </a:r>
                       <a:r>
-                        <a:rPr lang="ru-RU" sz="1200" b="1" dirty="0" smtClean="0">
+                        <a:rPr lang="ru-RU" sz="1400" b="1" dirty="0">
                           <a:effectLst/>
                           <a:latin typeface="+mj-lt"/>
                         </a:rPr>
                         <a:t>возможности</a:t>
                       </a:r>
-                      <a:endParaRPr lang="ru-RU" sz="1200" b="1" dirty="0">
+                      <a:endParaRPr lang="ru-RU" sz="1400" b="1" dirty="0">
                         <a:solidFill>
                           <a:srgbClr val="000000"/>
                         </a:solidFill>
@@ -7275,35 +4281,35 @@
                         </a:spcAft>
                       </a:pPr>
                       <a:r>
-                        <a:rPr lang="ru-RU" sz="1200" dirty="0">
+                        <a:rPr lang="ru-RU" sz="1400" dirty="0">
                           <a:effectLst/>
                           <a:latin typeface="+mj-lt"/>
                         </a:rPr>
                         <a:t>Код и настройки разрабатываемого менеджера будут находиться в системе </a:t>
                       </a:r>
                       <a:r>
-                        <a:rPr lang="en-US" sz="1200" dirty="0">
+                        <a:rPr lang="en-US" sz="1400" dirty="0">
                           <a:effectLst/>
                           <a:latin typeface="+mj-lt"/>
                         </a:rPr>
                         <a:t>GitHub</a:t>
                       </a:r>
                       <a:r>
-                        <a:rPr lang="ru-RU" sz="1200" dirty="0">
+                        <a:rPr lang="ru-RU" sz="1400" dirty="0">
                           <a:effectLst/>
                           <a:latin typeface="+mj-lt"/>
                         </a:rPr>
                         <a:t>. Контроль версий будет производиться с использованием системы </a:t>
                       </a:r>
                       <a:r>
-                        <a:rPr lang="en-US" sz="1200" dirty="0" err="1">
+                        <a:rPr lang="en-US" sz="1400" dirty="0" err="1">
                           <a:effectLst/>
                           <a:latin typeface="+mj-lt"/>
                         </a:rPr>
                         <a:t>Git</a:t>
                       </a:r>
                       <a:r>
-                        <a:rPr lang="ru-RU" sz="1200" dirty="0">
+                        <a:rPr lang="ru-RU" sz="1400" dirty="0">
                           <a:effectLst/>
                           <a:latin typeface="+mj-lt"/>
                         </a:rPr>
@@ -7320,7 +4326,7 @@
                         </a:spcAft>
                       </a:pPr>
                       <a:r>
-                        <a:rPr lang="ru-RU" sz="1200" dirty="0">
+                        <a:rPr lang="ru-RU" sz="1400" dirty="0">
                           <a:effectLst/>
                           <a:latin typeface="+mj-lt"/>
                         </a:rPr>
@@ -7337,21 +4343,21 @@
                         </a:spcAft>
                       </a:pPr>
                       <a:r>
-                        <a:rPr lang="ru-RU" sz="1200" dirty="0">
+                        <a:rPr lang="ru-RU" sz="1400" dirty="0">
                           <a:effectLst/>
                           <a:latin typeface="+mj-lt"/>
                         </a:rPr>
                         <a:t>Для модульного тестирования будет использована система </a:t>
                       </a:r>
                       <a:r>
-                        <a:rPr lang="en-US" sz="1200" dirty="0">
+                        <a:rPr lang="en-US" sz="1400" dirty="0">
                           <a:effectLst/>
                           <a:latin typeface="+mj-lt"/>
                         </a:rPr>
                         <a:t>JUnit</a:t>
                       </a:r>
                       <a:r>
-                        <a:rPr lang="ru-RU" sz="1200" dirty="0">
+                        <a:rPr lang="ru-RU" sz="1400" dirty="0">
                           <a:effectLst/>
                           <a:latin typeface="+mj-lt"/>
                         </a:rPr>
@@ -7368,13 +4374,13 @@
                         </a:spcAft>
                       </a:pPr>
                       <a:r>
-                        <a:rPr lang="ru-RU" sz="1200" dirty="0">
+                        <a:rPr lang="ru-RU" sz="1400" dirty="0">
                           <a:effectLst/>
                           <a:latin typeface="+mj-lt"/>
                         </a:rPr>
                         <a:t> </a:t>
                       </a:r>
-                      <a:endParaRPr lang="ru-RU" sz="1200" dirty="0">
+                      <a:endParaRPr lang="ru-RU" sz="1400" dirty="0">
                         <a:effectLst/>
                         <a:latin typeface="+mj-lt"/>
                         <a:ea typeface="Times New Roman" panose="02020603050405020304" pitchFamily="18" charset="0"/>
@@ -7390,7 +4396,7 @@
                   </a:ext>
                 </a:extLst>
               </a:tr>
-              <a:tr h="1014985">
+              <a:tr h="1132402">
                 <a:tc>
                   <a:txBody>
                     <a:bodyPr/>
@@ -7405,7 +4411,7 @@
                         </a:spcAft>
                       </a:pPr>
                       <a:r>
-                        <a:rPr lang="ru-RU" sz="1200" b="1" dirty="0">
+                        <a:rPr lang="ru-RU" sz="1400" b="1" dirty="0">
                           <a:effectLst/>
                           <a:latin typeface="+mj-lt"/>
                         </a:rPr>
@@ -7422,7 +4428,7 @@
                         </a:spcAft>
                       </a:pPr>
                       <a:r>
-                        <a:rPr lang="ru-RU" sz="1200" b="1" dirty="0">
+                        <a:rPr lang="ru-RU" sz="1400" b="1" dirty="0">
                           <a:effectLst/>
                           <a:latin typeface="+mj-lt"/>
                         </a:rPr>
@@ -7439,20 +4445,13 @@
                         </a:spcAft>
                       </a:pPr>
                       <a:r>
-                        <a:rPr lang="ru-RU" sz="1200" b="1" dirty="0">
+                        <a:rPr lang="ru-RU" sz="1400" b="1" dirty="0">
                           <a:effectLst/>
                           <a:latin typeface="+mj-lt"/>
                         </a:rPr>
-                        <a:t>Быстро внести изменения и проверить, </a:t>
+                        <a:t>Быстро внести изменения и проверить, что</a:t>
                       </a:r>
-                      <a:r>
-                        <a:rPr lang="ru-RU" sz="1200" b="1" dirty="0" smtClean="0">
-                          <a:effectLst/>
-                          <a:latin typeface="+mj-lt"/>
-                        </a:rPr>
-                        <a:t>что</a:t>
-                      </a:r>
-                      <a:endParaRPr lang="ru-RU" sz="1200" b="1" baseline="0" dirty="0" smtClean="0">
+                      <a:endParaRPr lang="ru-RU" sz="1400" b="1" baseline="0" dirty="0">
                         <a:effectLst/>
                         <a:latin typeface="+mj-lt"/>
                       </a:endParaRPr>
@@ -7467,39 +4466,25 @@
                         </a:spcAft>
                       </a:pPr>
                       <a:r>
-                        <a:rPr lang="ru-RU" sz="1200" b="1" dirty="0" smtClean="0">
+                        <a:rPr lang="ru-RU" sz="1400" b="1" dirty="0">
                           <a:effectLst/>
                           <a:latin typeface="+mj-lt"/>
                         </a:rPr>
                         <a:t>они не</a:t>
                       </a:r>
                       <a:r>
-                        <a:rPr lang="ru-RU" sz="1200" b="1" baseline="0" dirty="0" smtClean="0">
+                        <a:rPr lang="ru-RU" sz="1400" b="1" baseline="0" dirty="0">
                           <a:effectLst/>
                           <a:latin typeface="+mj-lt"/>
                         </a:rPr>
                         <a:t> </a:t>
                       </a:r>
                       <a:r>
-                        <a:rPr lang="ru-RU" sz="1200" b="1" dirty="0" smtClean="0">
+                        <a:rPr lang="ru-RU" sz="1400" b="1" dirty="0">
                           <a:effectLst/>
                           <a:latin typeface="+mj-lt"/>
                         </a:rPr>
-                        <a:t>нарушают </a:t>
-                      </a:r>
-                      <a:r>
-                        <a:rPr lang="ru-RU" sz="1200" b="1" dirty="0">
-                          <a:effectLst/>
-                          <a:latin typeface="+mj-lt"/>
-                        </a:rPr>
-                        <a:t>работу </a:t>
-                      </a:r>
-                      <a:r>
-                        <a:rPr lang="ru-RU" sz="1200" b="1" dirty="0" smtClean="0">
-                          <a:effectLst/>
-                          <a:latin typeface="+mj-lt"/>
-                        </a:rPr>
-                        <a:t>существующего</a:t>
+                        <a:t>нарушают работу существующего</a:t>
                       </a:r>
                     </a:p>
                     <a:p>
@@ -7512,20 +4497,13 @@
                         </a:spcAft>
                       </a:pPr>
                       <a:r>
-                        <a:rPr lang="ru-RU" sz="1200" b="1" dirty="0" smtClean="0">
+                        <a:rPr lang="ru-RU" sz="1400" b="1" dirty="0">
                           <a:effectLst/>
                           <a:latin typeface="+mj-lt"/>
                         </a:rPr>
-                        <a:t>функционала</a:t>
+                        <a:t>функционала.</a:t>
                       </a:r>
-                      <a:r>
-                        <a:rPr lang="ru-RU" sz="1200" b="1" dirty="0">
-                          <a:effectLst/>
-                          <a:latin typeface="+mj-lt"/>
-                        </a:rPr>
-                        <a:t>.</a:t>
-                      </a:r>
-                      <a:endParaRPr lang="ru-RU" sz="1200" b="1" dirty="0">
+                      <a:endParaRPr lang="ru-RU" sz="1400" b="1" dirty="0">
                         <a:solidFill>
                           <a:srgbClr val="000000"/>
                         </a:solidFill>
@@ -7552,20 +4530,20 @@
                         </a:spcAft>
                       </a:pPr>
                       <a:r>
-                        <a:rPr lang="ru-RU" sz="1200" dirty="0">
+                        <a:rPr lang="ru-RU" sz="1400" dirty="0">
                           <a:effectLst/>
                           <a:latin typeface="+mj-lt"/>
                         </a:rPr>
                         <a:t>Написаны аннотации с помощью </a:t>
                       </a:r>
                       <a:r>
-                        <a:rPr lang="en-US" sz="1200" dirty="0">
+                        <a:rPr lang="en-US" sz="1400" dirty="0">
                           <a:effectLst/>
                           <a:latin typeface="+mj-lt"/>
                         </a:rPr>
                         <a:t>Javadoc</a:t>
                       </a:r>
-                      <a:endParaRPr lang="ru-RU" sz="1200" dirty="0">
+                      <a:endParaRPr lang="ru-RU" sz="1400" dirty="0">
                         <a:effectLst/>
                         <a:latin typeface="+mj-lt"/>
                       </a:endParaRPr>
@@ -7580,7 +4558,7 @@
                         </a:spcAft>
                       </a:pPr>
                       <a:r>
-                        <a:rPr lang="ru-RU" sz="1200" dirty="0">
+                        <a:rPr lang="ru-RU" sz="1400" dirty="0">
                           <a:effectLst/>
                           <a:latin typeface="+mj-lt"/>
                         </a:rPr>
@@ -7597,13 +4575,13 @@
                         </a:spcAft>
                       </a:pPr>
                       <a:r>
-                        <a:rPr lang="ru-RU" sz="1200" dirty="0">
+                        <a:rPr lang="ru-RU" sz="1400" dirty="0">
                           <a:effectLst/>
                           <a:latin typeface="+mj-lt"/>
                         </a:rPr>
                         <a:t>Исходный код будет структурирован по пакетам. Повторно-используемые методы будут вынесены в родительские классы.</a:t>
                       </a:r>
-                      <a:endParaRPr lang="ru-RU" sz="1200" dirty="0">
+                      <a:endParaRPr lang="ru-RU" sz="1400" dirty="0">
                         <a:effectLst/>
                         <a:latin typeface="+mj-lt"/>
                         <a:ea typeface="Times New Roman" panose="02020603050405020304" pitchFamily="18" charset="0"/>
@@ -7640,7 +4618,7 @@
           <a:p>
             <a:fld id="{3177E89D-76AF-4E24-8F7F-2685DD826F0A}" type="slidenum">
               <a:rPr lang="ru-RU" sz="1800" smtClean="0"/>
-              <a:t>9</a:t>
+              <a:t>10</a:t>
             </a:fld>
             <a:endParaRPr lang="ru-RU" sz="1800" dirty="0"/>
           </a:p>
@@ -7710,13 +4688,2819 @@
   <p:clrMapOvr>
     <a:masterClrMapping/>
   </p:clrMapOvr>
-  <p:timing>
-    <p:tnLst>
-      <p:par>
-        <p:cTn id="1" dur="indefinite" restart="never" nodeType="tmRoot"/>
-      </p:par>
-    </p:tnLst>
-  </p:timing>
+</p:sld>
+</file>
+
+<file path=ppt/slides/slide11.xml><?xml version="1.0" encoding="utf-8"?>
+<p:sld xmlns:a="http://schemas.openxmlformats.org/drawingml/2006/main" xmlns:r="http://schemas.openxmlformats.org/officeDocument/2006/relationships" xmlns:p="http://schemas.openxmlformats.org/presentationml/2006/main">
+  <p:cSld>
+    <p:spTree>
+      <p:nvGrpSpPr>
+        <p:cNvPr id="1" name=""/>
+        <p:cNvGrpSpPr/>
+        <p:nvPr/>
+      </p:nvGrpSpPr>
+      <p:grpSpPr>
+        <a:xfrm>
+          <a:off x="0" y="0"/>
+          <a:ext cx="0" cy="0"/>
+          <a:chOff x="0" y="0"/>
+          <a:chExt cx="0" cy="0"/>
+        </a:xfrm>
+      </p:grpSpPr>
+      <p:pic>
+        <p:nvPicPr>
+          <p:cNvPr id="4" name="Объект 3" descr="https://pp.userapi.com/c830608/v830608115/2b390/NMNkQnINV98.jpg"/>
+          <p:cNvPicPr>
+            <a:picLocks noGrp="1"/>
+          </p:cNvPicPr>
+          <p:nvPr>
+            <p:ph idx="1"/>
+          </p:nvPr>
+        </p:nvPicPr>
+        <p:blipFill>
+          <a:blip r:embed="rId2">
+            <a:extLst>
+              <a:ext uri="{28A0092B-C50C-407E-A947-70E740481C1C}">
+                <a14:useLocalDpi xmlns:a14="http://schemas.microsoft.com/office/drawing/2010/main" val="0"/>
+              </a:ext>
+            </a:extLst>
+          </a:blip>
+          <a:srcRect/>
+          <a:stretch>
+            <a:fillRect/>
+          </a:stretch>
+        </p:blipFill>
+        <p:spPr bwMode="auto">
+          <a:xfrm>
+            <a:off x="183543" y="1298713"/>
+            <a:ext cx="7993048" cy="5620920"/>
+          </a:xfrm>
+          <a:prstGeom prst="rect">
+            <a:avLst/>
+          </a:prstGeom>
+          <a:noFill/>
+          <a:ln>
+            <a:noFill/>
+          </a:ln>
+        </p:spPr>
+      </p:pic>
+      <p:sp>
+        <p:nvSpPr>
+          <p:cNvPr id="3" name="Номер слайда 2"/>
+          <p:cNvSpPr>
+            <a:spLocks noGrp="1"/>
+          </p:cNvSpPr>
+          <p:nvPr>
+            <p:ph type="sldNum" sz="quarter" idx="12"/>
+          </p:nvPr>
+        </p:nvSpPr>
+        <p:spPr/>
+        <p:txBody>
+          <a:bodyPr/>
+          <a:lstStyle/>
+          <a:p>
+            <a:fld id="{3177E89D-76AF-4E24-8F7F-2685DD826F0A}" type="slidenum">
+              <a:rPr lang="ru-RU" sz="1800" smtClean="0"/>
+              <a:t>11</a:t>
+            </a:fld>
+            <a:endParaRPr lang="ru-RU" sz="1800" dirty="0"/>
+          </a:p>
+        </p:txBody>
+      </p:sp>
+      <p:sp>
+        <p:nvSpPr>
+          <p:cNvPr id="5" name="Заголовок 1"/>
+          <p:cNvSpPr txBox="1">
+            <a:spLocks/>
+          </p:cNvSpPr>
+          <p:nvPr/>
+        </p:nvSpPr>
+        <p:spPr>
+          <a:xfrm>
+            <a:off x="628650" y="365126"/>
+            <a:ext cx="7886700" cy="1325563"/>
+          </a:xfrm>
+          <a:prstGeom prst="rect">
+            <a:avLst/>
+          </a:prstGeom>
+        </p:spPr>
+        <p:txBody>
+          <a:bodyPr vert="horz" lIns="91440" tIns="45720" rIns="91440" bIns="45720" rtlCol="0" anchor="ctr">
+            <a:normAutofit/>
+          </a:bodyPr>
+          <a:lstStyle>
+            <a:lvl1pPr algn="l" defTabSz="914400" rtl="0" eaLnBrk="1" latinLnBrk="0" hangingPunct="1">
+              <a:lnSpc>
+                <a:spcPct val="90000"/>
+              </a:lnSpc>
+              <a:spcBef>
+                <a:spcPct val="0"/>
+              </a:spcBef>
+              <a:buNone/>
+              <a:defRPr sz="4400" kern="1200">
+                <a:solidFill>
+                  <a:schemeClr val="tx1"/>
+                </a:solidFill>
+                <a:latin typeface="+mj-lt"/>
+                <a:ea typeface="+mj-ea"/>
+                <a:cs typeface="+mj-cs"/>
+              </a:defRPr>
+            </a:lvl1pPr>
+          </a:lstStyle>
+          <a:p>
+            <a:r>
+              <a:rPr lang="ru-RU" dirty="0">
+                <a:latin typeface="+mn-lt"/>
+                <a:cs typeface="Times New Roman" pitchFamily="18" charset="0"/>
+                <a:sym typeface="Times New Roman" pitchFamily="18" charset="0"/>
+              </a:rPr>
+              <a:t>Диаграмма классов</a:t>
+            </a:r>
+            <a:endParaRPr lang="ru-RU" dirty="0">
+              <a:latin typeface="+mn-lt"/>
+            </a:endParaRPr>
+          </a:p>
+        </p:txBody>
+      </p:sp>
+    </p:spTree>
+    <p:extLst>
+      <p:ext uri="{BB962C8B-B14F-4D97-AF65-F5344CB8AC3E}">
+        <p14:creationId xmlns:p14="http://schemas.microsoft.com/office/powerpoint/2010/main" val="2046360976"/>
+      </p:ext>
+    </p:extLst>
+  </p:cSld>
+  <p:clrMapOvr>
+    <a:masterClrMapping/>
+  </p:clrMapOvr>
+</p:sld>
+</file>
+
+<file path=ppt/slides/slide12.xml><?xml version="1.0" encoding="utf-8"?>
+<p:sld xmlns:a="http://schemas.openxmlformats.org/drawingml/2006/main" xmlns:r="http://schemas.openxmlformats.org/officeDocument/2006/relationships" xmlns:p="http://schemas.openxmlformats.org/presentationml/2006/main">
+  <p:cSld>
+    <p:spTree>
+      <p:nvGrpSpPr>
+        <p:cNvPr id="1" name=""/>
+        <p:cNvGrpSpPr/>
+        <p:nvPr/>
+      </p:nvGrpSpPr>
+      <p:grpSpPr>
+        <a:xfrm>
+          <a:off x="0" y="0"/>
+          <a:ext cx="0" cy="0"/>
+          <a:chOff x="0" y="0"/>
+          <a:chExt cx="0" cy="0"/>
+        </a:xfrm>
+      </p:grpSpPr>
+      <p:sp>
+        <p:nvSpPr>
+          <p:cNvPr id="2" name="Заголовок 1"/>
+          <p:cNvSpPr>
+            <a:spLocks noGrp="1"/>
+          </p:cNvSpPr>
+          <p:nvPr>
+            <p:ph type="title"/>
+          </p:nvPr>
+        </p:nvSpPr>
+        <p:spPr/>
+        <p:txBody>
+          <a:bodyPr/>
+          <a:lstStyle/>
+          <a:p>
+            <a:r>
+              <a:rPr lang="ru-RU" dirty="0">
+                <a:latin typeface="+mn-lt"/>
+              </a:rPr>
+              <a:t>Соотношение пакетов проекта по их размеру</a:t>
+            </a:r>
+          </a:p>
+        </p:txBody>
+      </p:sp>
+      <p:pic>
+        <p:nvPicPr>
+          <p:cNvPr id="5" name="Рисунок 4"/>
+          <p:cNvPicPr/>
+          <p:nvPr/>
+        </p:nvPicPr>
+        <p:blipFill>
+          <a:blip r:embed="rId2"/>
+          <a:stretch>
+            <a:fillRect/>
+          </a:stretch>
+        </p:blipFill>
+        <p:spPr>
+          <a:xfrm>
+            <a:off x="137061" y="2208679"/>
+            <a:ext cx="8736786" cy="2906660"/>
+          </a:xfrm>
+          <a:prstGeom prst="rect">
+            <a:avLst/>
+          </a:prstGeom>
+        </p:spPr>
+      </p:pic>
+      <p:sp>
+        <p:nvSpPr>
+          <p:cNvPr id="3" name="Номер слайда 2"/>
+          <p:cNvSpPr>
+            <a:spLocks noGrp="1"/>
+          </p:cNvSpPr>
+          <p:nvPr>
+            <p:ph type="sldNum" sz="quarter" idx="12"/>
+          </p:nvPr>
+        </p:nvSpPr>
+        <p:spPr/>
+        <p:txBody>
+          <a:bodyPr/>
+          <a:lstStyle/>
+          <a:p>
+            <a:fld id="{3177E89D-76AF-4E24-8F7F-2685DD826F0A}" type="slidenum">
+              <a:rPr lang="ru-RU" sz="1800" smtClean="0"/>
+              <a:t>12</a:t>
+            </a:fld>
+            <a:endParaRPr lang="ru-RU" sz="1800" dirty="0"/>
+          </a:p>
+        </p:txBody>
+      </p:sp>
+    </p:spTree>
+    <p:extLst>
+      <p:ext uri="{BB962C8B-B14F-4D97-AF65-F5344CB8AC3E}">
+        <p14:creationId xmlns:p14="http://schemas.microsoft.com/office/powerpoint/2010/main" val="3223163229"/>
+      </p:ext>
+    </p:extLst>
+  </p:cSld>
+  <p:clrMapOvr>
+    <a:masterClrMapping/>
+  </p:clrMapOvr>
+</p:sld>
+</file>
+
+<file path=ppt/slides/slide13.xml><?xml version="1.0" encoding="utf-8"?>
+<p:sld xmlns:a="http://schemas.openxmlformats.org/drawingml/2006/main" xmlns:r="http://schemas.openxmlformats.org/officeDocument/2006/relationships" xmlns:p="http://schemas.openxmlformats.org/presentationml/2006/main">
+  <p:cSld>
+    <p:spTree>
+      <p:nvGrpSpPr>
+        <p:cNvPr id="1" name=""/>
+        <p:cNvGrpSpPr/>
+        <p:nvPr/>
+      </p:nvGrpSpPr>
+      <p:grpSpPr>
+        <a:xfrm>
+          <a:off x="0" y="0"/>
+          <a:ext cx="0" cy="0"/>
+          <a:chOff x="0" y="0"/>
+          <a:chExt cx="0" cy="0"/>
+        </a:xfrm>
+      </p:grpSpPr>
+      <p:sp>
+        <p:nvSpPr>
+          <p:cNvPr id="2" name="Заголовок 1"/>
+          <p:cNvSpPr>
+            <a:spLocks noGrp="1"/>
+          </p:cNvSpPr>
+          <p:nvPr>
+            <p:ph type="title"/>
+          </p:nvPr>
+        </p:nvSpPr>
+        <p:spPr/>
+        <p:txBody>
+          <a:bodyPr/>
+          <a:lstStyle/>
+          <a:p>
+            <a:r>
+              <a:rPr lang="ru-RU" dirty="0">
+                <a:latin typeface="+mn-lt"/>
+              </a:rPr>
+              <a:t>Зависимости в коде и метрики кода системы</a:t>
+            </a:r>
+          </a:p>
+        </p:txBody>
+      </p:sp>
+      <p:pic>
+        <p:nvPicPr>
+          <p:cNvPr id="4" name="Объект 3"/>
+          <p:cNvPicPr>
+            <a:picLocks noGrp="1"/>
+          </p:cNvPicPr>
+          <p:nvPr>
+            <p:ph idx="1"/>
+          </p:nvPr>
+        </p:nvPicPr>
+        <p:blipFill>
+          <a:blip r:embed="rId2"/>
+          <a:stretch>
+            <a:fillRect/>
+          </a:stretch>
+        </p:blipFill>
+        <p:spPr>
+          <a:xfrm>
+            <a:off x="0" y="2422117"/>
+            <a:ext cx="5429250" cy="2307431"/>
+          </a:xfrm>
+          <a:prstGeom prst="rect">
+            <a:avLst/>
+          </a:prstGeom>
+        </p:spPr>
+      </p:pic>
+      <p:pic>
+        <p:nvPicPr>
+          <p:cNvPr id="5" name="Рисунок 4"/>
+          <p:cNvPicPr/>
+          <p:nvPr/>
+        </p:nvPicPr>
+        <p:blipFill>
+          <a:blip r:embed="rId3"/>
+          <a:stretch>
+            <a:fillRect/>
+          </a:stretch>
+        </p:blipFill>
+        <p:spPr>
+          <a:xfrm>
+            <a:off x="5429250" y="1843928"/>
+            <a:ext cx="3636799" cy="4344837"/>
+          </a:xfrm>
+          <a:prstGeom prst="rect">
+            <a:avLst/>
+          </a:prstGeom>
+        </p:spPr>
+      </p:pic>
+      <p:sp>
+        <p:nvSpPr>
+          <p:cNvPr id="3" name="Номер слайда 2"/>
+          <p:cNvSpPr>
+            <a:spLocks noGrp="1"/>
+          </p:cNvSpPr>
+          <p:nvPr>
+            <p:ph type="sldNum" sz="quarter" idx="12"/>
+          </p:nvPr>
+        </p:nvSpPr>
+        <p:spPr/>
+        <p:txBody>
+          <a:bodyPr/>
+          <a:lstStyle/>
+          <a:p>
+            <a:fld id="{3177E89D-76AF-4E24-8F7F-2685DD826F0A}" type="slidenum">
+              <a:rPr lang="ru-RU" sz="1800" smtClean="0"/>
+              <a:t>13</a:t>
+            </a:fld>
+            <a:endParaRPr lang="ru-RU" sz="1800" dirty="0"/>
+          </a:p>
+        </p:txBody>
+      </p:sp>
+    </p:spTree>
+    <p:extLst>
+      <p:ext uri="{BB962C8B-B14F-4D97-AF65-F5344CB8AC3E}">
+        <p14:creationId xmlns:p14="http://schemas.microsoft.com/office/powerpoint/2010/main" val="1039970369"/>
+      </p:ext>
+    </p:extLst>
+  </p:cSld>
+  <p:clrMapOvr>
+    <a:masterClrMapping/>
+  </p:clrMapOvr>
+</p:sld>
+</file>
+
+<file path=ppt/slides/slide14.xml><?xml version="1.0" encoding="utf-8"?>
+<p:sld xmlns:a="http://schemas.openxmlformats.org/drawingml/2006/main" xmlns:r="http://schemas.openxmlformats.org/officeDocument/2006/relationships" xmlns:p="http://schemas.openxmlformats.org/presentationml/2006/main">
+  <p:cSld>
+    <p:spTree>
+      <p:nvGrpSpPr>
+        <p:cNvPr id="1" name=""/>
+        <p:cNvGrpSpPr/>
+        <p:nvPr/>
+      </p:nvGrpSpPr>
+      <p:grpSpPr>
+        <a:xfrm>
+          <a:off x="0" y="0"/>
+          <a:ext cx="0" cy="0"/>
+          <a:chOff x="0" y="0"/>
+          <a:chExt cx="0" cy="0"/>
+        </a:xfrm>
+      </p:grpSpPr>
+      <p:sp>
+        <p:nvSpPr>
+          <p:cNvPr id="2" name="Заголовок 1"/>
+          <p:cNvSpPr>
+            <a:spLocks noGrp="1"/>
+          </p:cNvSpPr>
+          <p:nvPr>
+            <p:ph type="title"/>
+          </p:nvPr>
+        </p:nvSpPr>
+        <p:spPr/>
+        <p:txBody>
+          <a:bodyPr/>
+          <a:lstStyle/>
+          <a:p>
+            <a:r>
+              <a:rPr lang="ru-RU" dirty="0">
+                <a:latin typeface="+mn-lt"/>
+              </a:rPr>
+              <a:t>Тестирование проекта и оценка покрытия</a:t>
+            </a:r>
+          </a:p>
+        </p:txBody>
+      </p:sp>
+      <p:pic>
+        <p:nvPicPr>
+          <p:cNvPr id="4" name="Объект 3"/>
+          <p:cNvPicPr>
+            <a:picLocks noGrp="1"/>
+          </p:cNvPicPr>
+          <p:nvPr>
+            <p:ph idx="1"/>
+          </p:nvPr>
+        </p:nvPicPr>
+        <p:blipFill>
+          <a:blip r:embed="rId2"/>
+          <a:stretch>
+            <a:fillRect/>
+          </a:stretch>
+        </p:blipFill>
+        <p:spPr>
+          <a:xfrm>
+            <a:off x="862073" y="1992743"/>
+            <a:ext cx="7653277" cy="1572091"/>
+          </a:xfrm>
+          <a:prstGeom prst="rect">
+            <a:avLst/>
+          </a:prstGeom>
+        </p:spPr>
+      </p:pic>
+      <p:pic>
+        <p:nvPicPr>
+          <p:cNvPr id="5" name="Рисунок 4"/>
+          <p:cNvPicPr/>
+          <p:nvPr/>
+        </p:nvPicPr>
+        <p:blipFill>
+          <a:blip r:embed="rId3"/>
+          <a:stretch>
+            <a:fillRect/>
+          </a:stretch>
+        </p:blipFill>
+        <p:spPr>
+          <a:xfrm>
+            <a:off x="84282" y="4217005"/>
+            <a:ext cx="9059718" cy="1208350"/>
+          </a:xfrm>
+          <a:prstGeom prst="rect">
+            <a:avLst/>
+          </a:prstGeom>
+        </p:spPr>
+      </p:pic>
+      <p:sp>
+        <p:nvSpPr>
+          <p:cNvPr id="3" name="Номер слайда 2"/>
+          <p:cNvSpPr>
+            <a:spLocks noGrp="1"/>
+          </p:cNvSpPr>
+          <p:nvPr>
+            <p:ph type="sldNum" sz="quarter" idx="12"/>
+          </p:nvPr>
+        </p:nvSpPr>
+        <p:spPr/>
+        <p:txBody>
+          <a:bodyPr/>
+          <a:lstStyle/>
+          <a:p>
+            <a:fld id="{3177E89D-76AF-4E24-8F7F-2685DD826F0A}" type="slidenum">
+              <a:rPr lang="ru-RU" sz="1800" smtClean="0"/>
+              <a:t>14</a:t>
+            </a:fld>
+            <a:endParaRPr lang="ru-RU" sz="1800" dirty="0"/>
+          </a:p>
+        </p:txBody>
+      </p:sp>
+    </p:spTree>
+    <p:extLst>
+      <p:ext uri="{BB962C8B-B14F-4D97-AF65-F5344CB8AC3E}">
+        <p14:creationId xmlns:p14="http://schemas.microsoft.com/office/powerpoint/2010/main" val="2693587103"/>
+      </p:ext>
+    </p:extLst>
+  </p:cSld>
+  <p:clrMapOvr>
+    <a:masterClrMapping/>
+  </p:clrMapOvr>
+</p:sld>
+</file>
+
+<file path=ppt/slides/slide15.xml><?xml version="1.0" encoding="utf-8"?>
+<p:sld xmlns:a="http://schemas.openxmlformats.org/drawingml/2006/main" xmlns:r="http://schemas.openxmlformats.org/officeDocument/2006/relationships" xmlns:p="http://schemas.openxmlformats.org/presentationml/2006/main">
+  <p:cSld>
+    <p:spTree>
+      <p:nvGrpSpPr>
+        <p:cNvPr id="1" name=""/>
+        <p:cNvGrpSpPr/>
+        <p:nvPr/>
+      </p:nvGrpSpPr>
+      <p:grpSpPr>
+        <a:xfrm>
+          <a:off x="0" y="0"/>
+          <a:ext cx="0" cy="0"/>
+          <a:chOff x="0" y="0"/>
+          <a:chExt cx="0" cy="0"/>
+        </a:xfrm>
+      </p:grpSpPr>
+      <p:sp>
+        <p:nvSpPr>
+          <p:cNvPr id="2" name="Заголовок 1"/>
+          <p:cNvSpPr>
+            <a:spLocks noGrp="1"/>
+          </p:cNvSpPr>
+          <p:nvPr>
+            <p:ph type="title"/>
+          </p:nvPr>
+        </p:nvSpPr>
+        <p:spPr/>
+        <p:txBody>
+          <a:bodyPr/>
+          <a:lstStyle/>
+          <a:p>
+            <a:r>
+              <a:rPr lang="ru-RU" dirty="0">
+                <a:latin typeface="+mn-lt"/>
+              </a:rPr>
+              <a:t>Оценка покрытия</a:t>
+            </a:r>
+          </a:p>
+        </p:txBody>
+      </p:sp>
+      <p:pic>
+        <p:nvPicPr>
+          <p:cNvPr id="6" name="Объект 5"/>
+          <p:cNvPicPr>
+            <a:picLocks noGrp="1" noChangeAspect="1"/>
+          </p:cNvPicPr>
+          <p:nvPr>
+            <p:ph idx="1"/>
+          </p:nvPr>
+        </p:nvPicPr>
+        <p:blipFill>
+          <a:blip r:embed="rId2"/>
+          <a:stretch>
+            <a:fillRect/>
+          </a:stretch>
+        </p:blipFill>
+        <p:spPr>
+          <a:xfrm>
+            <a:off x="198343" y="2124444"/>
+            <a:ext cx="5977169" cy="3057156"/>
+          </a:xfrm>
+          <a:prstGeom prst="rect">
+            <a:avLst/>
+          </a:prstGeom>
+        </p:spPr>
+      </p:pic>
+      <p:sp>
+        <p:nvSpPr>
+          <p:cNvPr id="7" name="Прямоугольник 6"/>
+          <p:cNvSpPr/>
+          <p:nvPr/>
+        </p:nvSpPr>
+        <p:spPr>
+          <a:xfrm>
+            <a:off x="4084544" y="3118615"/>
+            <a:ext cx="4572000" cy="1950534"/>
+          </a:xfrm>
+          <a:prstGeom prst="rect">
+            <a:avLst/>
+          </a:prstGeom>
+        </p:spPr>
+        <p:txBody>
+          <a:bodyPr>
+            <a:spAutoFit/>
+          </a:bodyPr>
+          <a:lstStyle/>
+          <a:p>
+            <a:pPr marL="214313" indent="-214313" algn="just">
+              <a:lnSpc>
+                <a:spcPct val="115000"/>
+              </a:lnSpc>
+              <a:buFont typeface="Arial" panose="020B0604020202020204" pitchFamily="34" charset="0"/>
+              <a:buChar char="•"/>
+            </a:pPr>
+            <a:r>
+              <a:rPr lang="ru-RU" sz="1500" dirty="0">
+                <a:solidFill>
+                  <a:srgbClr val="000000"/>
+                </a:solidFill>
+                <a:ea typeface="Times New Roman" panose="02020603050405020304" pitchFamily="18" charset="0"/>
+              </a:rPr>
+              <a:t>Зеленые участки – были пройдены при тестировании;</a:t>
+            </a:r>
+          </a:p>
+          <a:p>
+            <a:pPr marL="214313" indent="-214313" algn="just">
+              <a:lnSpc>
+                <a:spcPct val="115000"/>
+              </a:lnSpc>
+              <a:buFont typeface="Arial" panose="020B0604020202020204" pitchFamily="34" charset="0"/>
+              <a:buChar char="•"/>
+            </a:pPr>
+            <a:r>
+              <a:rPr lang="ru-RU" sz="1500" dirty="0">
+                <a:solidFill>
+                  <a:srgbClr val="000000"/>
+                </a:solidFill>
+                <a:ea typeface="Times New Roman" panose="02020603050405020304" pitchFamily="18" charset="0"/>
+              </a:rPr>
+              <a:t>Желтые участки – были частично затронуты при тестировании. Такими участками обычно являются условные операторы;</a:t>
+            </a:r>
+          </a:p>
+          <a:p>
+            <a:pPr marL="214313" indent="-214313" algn="just">
+              <a:lnSpc>
+                <a:spcPct val="115000"/>
+              </a:lnSpc>
+              <a:buFont typeface="Arial" panose="020B0604020202020204" pitchFamily="34" charset="0"/>
+              <a:buChar char="•"/>
+            </a:pPr>
+            <a:r>
+              <a:rPr lang="ru-RU" sz="1500" dirty="0">
+                <a:solidFill>
+                  <a:srgbClr val="000000"/>
+                </a:solidFill>
+                <a:ea typeface="Times New Roman" panose="02020603050405020304" pitchFamily="18" charset="0"/>
+              </a:rPr>
+              <a:t>Красные участки – код не был пройден при тестировании.</a:t>
+            </a:r>
+          </a:p>
+        </p:txBody>
+      </p:sp>
+      <p:sp>
+        <p:nvSpPr>
+          <p:cNvPr id="3" name="Номер слайда 2"/>
+          <p:cNvSpPr>
+            <a:spLocks noGrp="1"/>
+          </p:cNvSpPr>
+          <p:nvPr>
+            <p:ph type="sldNum" sz="quarter" idx="12"/>
+          </p:nvPr>
+        </p:nvSpPr>
+        <p:spPr/>
+        <p:txBody>
+          <a:bodyPr/>
+          <a:lstStyle/>
+          <a:p>
+            <a:fld id="{3177E89D-76AF-4E24-8F7F-2685DD826F0A}" type="slidenum">
+              <a:rPr lang="ru-RU" sz="1800" smtClean="0"/>
+              <a:t>15</a:t>
+            </a:fld>
+            <a:endParaRPr lang="ru-RU" sz="1800" dirty="0"/>
+          </a:p>
+        </p:txBody>
+      </p:sp>
+    </p:spTree>
+    <p:extLst>
+      <p:ext uri="{BB962C8B-B14F-4D97-AF65-F5344CB8AC3E}">
+        <p14:creationId xmlns:p14="http://schemas.microsoft.com/office/powerpoint/2010/main" val="1855996972"/>
+      </p:ext>
+    </p:extLst>
+  </p:cSld>
+  <p:clrMapOvr>
+    <a:masterClrMapping/>
+  </p:clrMapOvr>
+</p:sld>
+</file>
+
+<file path=ppt/slides/slide16.xml><?xml version="1.0" encoding="utf-8"?>
+<p:sld xmlns:a="http://schemas.openxmlformats.org/drawingml/2006/main" xmlns:r="http://schemas.openxmlformats.org/officeDocument/2006/relationships" xmlns:p="http://schemas.openxmlformats.org/presentationml/2006/main">
+  <p:cSld>
+    <p:spTree>
+      <p:nvGrpSpPr>
+        <p:cNvPr id="1" name=""/>
+        <p:cNvGrpSpPr/>
+        <p:nvPr/>
+      </p:nvGrpSpPr>
+      <p:grpSpPr>
+        <a:xfrm>
+          <a:off x="0" y="0"/>
+          <a:ext cx="0" cy="0"/>
+          <a:chOff x="0" y="0"/>
+          <a:chExt cx="0" cy="0"/>
+        </a:xfrm>
+      </p:grpSpPr>
+      <p:sp>
+        <p:nvSpPr>
+          <p:cNvPr id="3" name="Номер слайда 2"/>
+          <p:cNvSpPr>
+            <a:spLocks noGrp="1"/>
+          </p:cNvSpPr>
+          <p:nvPr>
+            <p:ph type="sldNum" sz="quarter" idx="12"/>
+          </p:nvPr>
+        </p:nvSpPr>
+        <p:spPr/>
+        <p:txBody>
+          <a:bodyPr/>
+          <a:lstStyle/>
+          <a:p>
+            <a:fld id="{3177E89D-76AF-4E24-8F7F-2685DD826F0A}" type="slidenum">
+              <a:rPr lang="ru-RU" sz="1800" smtClean="0"/>
+              <a:t>16</a:t>
+            </a:fld>
+            <a:endParaRPr lang="ru-RU" sz="1800" dirty="0"/>
+          </a:p>
+        </p:txBody>
+      </p:sp>
+      <p:sp>
+        <p:nvSpPr>
+          <p:cNvPr id="5" name="Заголовок 4">
+            <a:extLst>
+              <a:ext uri="{FF2B5EF4-FFF2-40B4-BE49-F238E27FC236}">
+                <a16:creationId xmlns:a16="http://schemas.microsoft.com/office/drawing/2014/main" id="{35256113-69C0-4537-8E5D-A88D982328A9}"/>
+              </a:ext>
+            </a:extLst>
+          </p:cNvPr>
+          <p:cNvSpPr>
+            <a:spLocks noGrp="1"/>
+          </p:cNvSpPr>
+          <p:nvPr>
+            <p:ph type="title"/>
+          </p:nvPr>
+        </p:nvSpPr>
+        <p:spPr/>
+        <p:txBody>
+          <a:bodyPr/>
+          <a:lstStyle/>
+          <a:p>
+            <a:r>
+              <a:rPr lang="ru-RU" dirty="0">
+                <a:latin typeface="+mn-lt"/>
+              </a:rPr>
+              <a:t>Выводы</a:t>
+            </a:r>
+          </a:p>
+        </p:txBody>
+      </p:sp>
+      <p:sp>
+        <p:nvSpPr>
+          <p:cNvPr id="6" name="Прямоугольник 5">
+            <a:extLst>
+              <a:ext uri="{FF2B5EF4-FFF2-40B4-BE49-F238E27FC236}">
+                <a16:creationId xmlns:a16="http://schemas.microsoft.com/office/drawing/2014/main" id="{A70FD434-0816-4495-A620-A67219D58C98}"/>
+              </a:ext>
+            </a:extLst>
+          </p:cNvPr>
+          <p:cNvSpPr/>
+          <p:nvPr/>
+        </p:nvSpPr>
+        <p:spPr>
+          <a:xfrm>
+            <a:off x="698638" y="1690689"/>
+            <a:ext cx="7746724" cy="4422749"/>
+          </a:xfrm>
+          <a:prstGeom prst="rect">
+            <a:avLst/>
+          </a:prstGeom>
+        </p:spPr>
+        <p:txBody>
+          <a:bodyPr wrap="square">
+            <a:spAutoFit/>
+          </a:bodyPr>
+          <a:lstStyle/>
+          <a:p>
+            <a:pPr marL="285750" indent="-285750">
+              <a:lnSpc>
+                <a:spcPct val="115000"/>
+              </a:lnSpc>
+              <a:buFont typeface="Arial" panose="020B0604020202020204" pitchFamily="34" charset="0"/>
+              <a:buChar char="•"/>
+              <a:tabLst>
+                <a:tab pos="180340" algn="l"/>
+              </a:tabLst>
+            </a:pPr>
+            <a:r>
+              <a:rPr lang="ru-RU" sz="2800" dirty="0">
+                <a:solidFill>
+                  <a:srgbClr val="000000"/>
+                </a:solidFill>
+                <a:ea typeface="Times New Roman" panose="02020603050405020304" pitchFamily="18" charset="0"/>
+              </a:rPr>
+              <a:t>Изучена </a:t>
+            </a:r>
+            <a:r>
+              <a:rPr lang="en-US" sz="2800" dirty="0">
+                <a:solidFill>
+                  <a:srgbClr val="000000"/>
+                </a:solidFill>
+                <a:ea typeface="Times New Roman" panose="02020603050405020304" pitchFamily="18" charset="0"/>
+              </a:rPr>
+              <a:t>IDS </a:t>
+            </a:r>
+            <a:r>
+              <a:rPr lang="en-US" sz="2800" dirty="0" err="1">
+                <a:solidFill>
+                  <a:srgbClr val="000000"/>
+                </a:solidFill>
+                <a:ea typeface="Times New Roman" panose="02020603050405020304" pitchFamily="18" charset="0"/>
+              </a:rPr>
+              <a:t>Suricata</a:t>
+            </a:r>
+            <a:r>
+              <a:rPr lang="en-US" sz="2800" dirty="0">
+                <a:solidFill>
+                  <a:srgbClr val="000000"/>
+                </a:solidFill>
+                <a:ea typeface="Times New Roman" panose="02020603050405020304" pitchFamily="18" charset="0"/>
+              </a:rPr>
+              <a:t> </a:t>
+            </a:r>
+            <a:r>
+              <a:rPr lang="ru-RU" sz="2800" dirty="0">
+                <a:solidFill>
+                  <a:srgbClr val="000000"/>
+                </a:solidFill>
+                <a:ea typeface="Times New Roman" panose="02020603050405020304" pitchFamily="18" charset="0"/>
+              </a:rPr>
+              <a:t>и ее преимущества перед другими системами обнаружения вторжений</a:t>
+            </a:r>
+            <a:endParaRPr lang="en-US" sz="2800" dirty="0">
+              <a:solidFill>
+                <a:srgbClr val="000000"/>
+              </a:solidFill>
+              <a:ea typeface="Times New Roman" panose="02020603050405020304" pitchFamily="18" charset="0"/>
+            </a:endParaRPr>
+          </a:p>
+          <a:p>
+            <a:pPr marL="285750" indent="-285750">
+              <a:lnSpc>
+                <a:spcPct val="115000"/>
+              </a:lnSpc>
+              <a:buFont typeface="Arial" panose="020B0604020202020204" pitchFamily="34" charset="0"/>
+              <a:buChar char="•"/>
+              <a:tabLst>
+                <a:tab pos="180340" algn="l"/>
+              </a:tabLst>
+            </a:pPr>
+            <a:r>
+              <a:rPr lang="ru-RU" sz="2800" dirty="0">
+                <a:solidFill>
+                  <a:srgbClr val="000000"/>
+                </a:solidFill>
+                <a:ea typeface="Times New Roman" panose="02020603050405020304" pitchFamily="18" charset="0"/>
+              </a:rPr>
+              <a:t>Разработана архитектура приложения, структура классов</a:t>
+            </a:r>
+          </a:p>
+          <a:p>
+            <a:pPr marL="285750" indent="-285750">
+              <a:lnSpc>
+                <a:spcPct val="115000"/>
+              </a:lnSpc>
+              <a:buFont typeface="Arial" panose="020B0604020202020204" pitchFamily="34" charset="0"/>
+              <a:buChar char="•"/>
+              <a:tabLst>
+                <a:tab pos="180340" algn="l"/>
+              </a:tabLst>
+            </a:pPr>
+            <a:r>
+              <a:rPr lang="ru-RU" sz="2800" dirty="0">
+                <a:solidFill>
+                  <a:srgbClr val="000000"/>
+                </a:solidFill>
+                <a:ea typeface="Times New Roman" panose="02020603050405020304" pitchFamily="18" charset="0"/>
+              </a:rPr>
+              <a:t>Реализован </a:t>
+            </a:r>
+            <a:r>
+              <a:rPr lang="en-US" sz="2800" dirty="0">
+                <a:solidFill>
+                  <a:srgbClr val="000000"/>
+                </a:solidFill>
+                <a:ea typeface="Times New Roman" panose="02020603050405020304" pitchFamily="18" charset="0"/>
+              </a:rPr>
+              <a:t>OSGI </a:t>
+            </a:r>
+            <a:r>
+              <a:rPr lang="ru-RU" sz="2800" dirty="0">
+                <a:solidFill>
+                  <a:srgbClr val="000000"/>
+                </a:solidFill>
+                <a:ea typeface="Times New Roman" panose="02020603050405020304" pitchFamily="18" charset="0"/>
+              </a:rPr>
+              <a:t>компонент настройки правил</a:t>
+            </a:r>
+          </a:p>
+          <a:p>
+            <a:pPr marL="285750" indent="-285750">
+              <a:lnSpc>
+                <a:spcPct val="115000"/>
+              </a:lnSpc>
+              <a:buFont typeface="Arial" panose="020B0604020202020204" pitchFamily="34" charset="0"/>
+              <a:buChar char="•"/>
+              <a:tabLst>
+                <a:tab pos="180340" algn="l"/>
+              </a:tabLst>
+            </a:pPr>
+            <a:r>
+              <a:rPr lang="ru-RU" sz="2800" dirty="0">
+                <a:solidFill>
+                  <a:srgbClr val="000000"/>
+                </a:solidFill>
+                <a:ea typeface="Times New Roman" panose="02020603050405020304" pitchFamily="18" charset="0"/>
+              </a:rPr>
+              <a:t>Работа была выполнена с помощью технологий </a:t>
+            </a:r>
+            <a:r>
+              <a:rPr lang="en-US" sz="2800" dirty="0">
+                <a:solidFill>
+                  <a:srgbClr val="000000"/>
+                </a:solidFill>
+                <a:ea typeface="Times New Roman" panose="02020603050405020304" pitchFamily="18" charset="0"/>
+              </a:rPr>
+              <a:t>OSGI </a:t>
+            </a:r>
+            <a:r>
+              <a:rPr lang="ru-RU" sz="2800" dirty="0">
+                <a:solidFill>
+                  <a:srgbClr val="000000"/>
+                </a:solidFill>
+                <a:ea typeface="Times New Roman" panose="02020603050405020304" pitchFamily="18" charset="0"/>
+              </a:rPr>
+              <a:t>и </a:t>
+            </a:r>
+            <a:r>
+              <a:rPr lang="en-US" sz="2800" dirty="0">
+                <a:solidFill>
+                  <a:srgbClr val="000000"/>
+                </a:solidFill>
+                <a:ea typeface="Times New Roman" panose="02020603050405020304" pitchFamily="18" charset="0"/>
+              </a:rPr>
+              <a:t>Junit </a:t>
+            </a:r>
+            <a:r>
+              <a:rPr lang="ru-RU" sz="2800" dirty="0">
+                <a:solidFill>
+                  <a:srgbClr val="000000"/>
+                </a:solidFill>
+                <a:ea typeface="Times New Roman" panose="02020603050405020304" pitchFamily="18" charset="0"/>
+              </a:rPr>
+              <a:t>в среде разработки </a:t>
+            </a:r>
+            <a:r>
+              <a:rPr lang="en-US" sz="2800" dirty="0">
+                <a:solidFill>
+                  <a:srgbClr val="000000"/>
+                </a:solidFill>
+                <a:ea typeface="Times New Roman" panose="02020603050405020304" pitchFamily="18" charset="0"/>
+              </a:rPr>
+              <a:t>Eclipse</a:t>
+            </a:r>
+            <a:r>
+              <a:rPr lang="ru-RU" sz="2800" dirty="0">
+                <a:solidFill>
+                  <a:srgbClr val="000000"/>
+                </a:solidFill>
+                <a:ea typeface="Times New Roman" panose="02020603050405020304" pitchFamily="18" charset="0"/>
+              </a:rPr>
+              <a:t>.</a:t>
+            </a:r>
+          </a:p>
+          <a:p>
+            <a:pPr marL="285750" indent="-285750">
+              <a:buFont typeface="Arial" panose="020B0604020202020204" pitchFamily="34" charset="0"/>
+              <a:buChar char="•"/>
+            </a:pPr>
+            <a:r>
+              <a:rPr lang="ru-RU" sz="2800" dirty="0">
+                <a:solidFill>
+                  <a:srgbClr val="000000"/>
+                </a:solidFill>
+                <a:ea typeface="Times New Roman" panose="02020603050405020304" pitchFamily="18" charset="0"/>
+              </a:rPr>
+              <a:t>Разработанная программа устойчиво выполняет все свои функции</a:t>
+            </a:r>
+            <a:endParaRPr lang="ru-RU" sz="2800" dirty="0"/>
+          </a:p>
+        </p:txBody>
+      </p:sp>
+    </p:spTree>
+    <p:extLst>
+      <p:ext uri="{BB962C8B-B14F-4D97-AF65-F5344CB8AC3E}">
+        <p14:creationId xmlns:p14="http://schemas.microsoft.com/office/powerpoint/2010/main" val="706660910"/>
+      </p:ext>
+    </p:extLst>
+  </p:cSld>
+  <p:clrMapOvr>
+    <a:masterClrMapping/>
+  </p:clrMapOvr>
+</p:sld>
+</file>
+
+<file path=ppt/slides/slide2.xml><?xml version="1.0" encoding="utf-8"?>
+<p:sld xmlns:a="http://schemas.openxmlformats.org/drawingml/2006/main" xmlns:r="http://schemas.openxmlformats.org/officeDocument/2006/relationships" xmlns:p="http://schemas.openxmlformats.org/presentationml/2006/main">
+  <p:cSld>
+    <p:spTree>
+      <p:nvGrpSpPr>
+        <p:cNvPr id="1" name=""/>
+        <p:cNvGrpSpPr/>
+        <p:nvPr/>
+      </p:nvGrpSpPr>
+      <p:grpSpPr>
+        <a:xfrm>
+          <a:off x="0" y="0"/>
+          <a:ext cx="0" cy="0"/>
+          <a:chOff x="0" y="0"/>
+          <a:chExt cx="0" cy="0"/>
+        </a:xfrm>
+      </p:grpSpPr>
+      <p:sp>
+        <p:nvSpPr>
+          <p:cNvPr id="2" name="Заголовок 1"/>
+          <p:cNvSpPr>
+            <a:spLocks noGrp="1"/>
+          </p:cNvSpPr>
+          <p:nvPr>
+            <p:ph type="title"/>
+          </p:nvPr>
+        </p:nvSpPr>
+        <p:spPr/>
+        <p:txBody>
+          <a:bodyPr/>
+          <a:lstStyle/>
+          <a:p>
+            <a:r>
+              <a:rPr lang="en-US" dirty="0">
+                <a:latin typeface="+mn-lt"/>
+              </a:rPr>
+              <a:t>IDS/IPS </a:t>
+            </a:r>
+            <a:r>
+              <a:rPr lang="en-US" dirty="0" err="1">
+                <a:latin typeface="+mn-lt"/>
+              </a:rPr>
+              <a:t>Suricata</a:t>
+            </a:r>
+            <a:endParaRPr lang="ru-RU" dirty="0">
+              <a:latin typeface="+mn-lt"/>
+            </a:endParaRPr>
+          </a:p>
+        </p:txBody>
+      </p:sp>
+      <p:sp>
+        <p:nvSpPr>
+          <p:cNvPr id="3" name="Объект 2"/>
+          <p:cNvSpPr>
+            <a:spLocks noGrp="1"/>
+          </p:cNvSpPr>
+          <p:nvPr>
+            <p:ph idx="1"/>
+          </p:nvPr>
+        </p:nvSpPr>
+        <p:spPr/>
+        <p:txBody>
+          <a:bodyPr/>
+          <a:lstStyle/>
+          <a:p>
+            <a:r>
+              <a:rPr lang="ru-RU" dirty="0" err="1"/>
+              <a:t>Suricata</a:t>
+            </a:r>
+            <a:r>
+              <a:rPr lang="ru-RU" dirty="0"/>
+              <a:t> - система обнаружения и предотвращения вторжений в сеть (IDS / IPS)</a:t>
+            </a:r>
+          </a:p>
+          <a:p>
+            <a:endParaRPr lang="ru-RU" dirty="0"/>
+          </a:p>
+          <a:p>
+            <a:r>
+              <a:rPr lang="ru-RU" dirty="0"/>
+              <a:t> Открытый исходный код</a:t>
+            </a:r>
+          </a:p>
+          <a:p>
+            <a:endParaRPr lang="ru-RU" dirty="0"/>
+          </a:p>
+          <a:p>
+            <a:r>
+              <a:rPr lang="ru-RU" dirty="0"/>
+              <a:t>Проверяет сетевые пакеты</a:t>
+            </a:r>
+          </a:p>
+          <a:p>
+            <a:endParaRPr lang="ru-RU" dirty="0"/>
+          </a:p>
+          <a:p>
+            <a:r>
+              <a:rPr lang="ru-RU" dirty="0"/>
+              <a:t>(Главным образом) проверка на основании сигнатур</a:t>
+            </a:r>
+          </a:p>
+        </p:txBody>
+      </p:sp>
+      <p:sp>
+        <p:nvSpPr>
+          <p:cNvPr id="4" name="Номер слайда 3"/>
+          <p:cNvSpPr>
+            <a:spLocks noGrp="1"/>
+          </p:cNvSpPr>
+          <p:nvPr>
+            <p:ph type="sldNum" sz="quarter" idx="12"/>
+          </p:nvPr>
+        </p:nvSpPr>
+        <p:spPr/>
+        <p:txBody>
+          <a:bodyPr/>
+          <a:lstStyle/>
+          <a:p>
+            <a:fld id="{642E39A4-CAD6-44B9-9EB2-7D4EA1A0AF1F}" type="slidenum">
+              <a:rPr lang="ru-RU" sz="1800" smtClean="0"/>
+              <a:t>2</a:t>
+            </a:fld>
+            <a:endParaRPr lang="ru-RU" sz="1800" dirty="0"/>
+          </a:p>
+        </p:txBody>
+      </p:sp>
+    </p:spTree>
+    <p:extLst>
+      <p:ext uri="{BB962C8B-B14F-4D97-AF65-F5344CB8AC3E}">
+        <p14:creationId xmlns:p14="http://schemas.microsoft.com/office/powerpoint/2010/main" val="130415054"/>
+      </p:ext>
+    </p:extLst>
+  </p:cSld>
+  <p:clrMapOvr>
+    <a:masterClrMapping/>
+  </p:clrMapOvr>
+</p:sld>
+</file>
+
+<file path=ppt/slides/slide3.xml><?xml version="1.0" encoding="utf-8"?>
+<p:sld xmlns:a="http://schemas.openxmlformats.org/drawingml/2006/main" xmlns:r="http://schemas.openxmlformats.org/officeDocument/2006/relationships" xmlns:p="http://schemas.openxmlformats.org/presentationml/2006/main">
+  <p:cSld>
+    <p:spTree>
+      <p:nvGrpSpPr>
+        <p:cNvPr id="1" name=""/>
+        <p:cNvGrpSpPr/>
+        <p:nvPr/>
+      </p:nvGrpSpPr>
+      <p:grpSpPr>
+        <a:xfrm>
+          <a:off x="0" y="0"/>
+          <a:ext cx="0" cy="0"/>
+          <a:chOff x="0" y="0"/>
+          <a:chExt cx="0" cy="0"/>
+        </a:xfrm>
+      </p:grpSpPr>
+      <p:sp>
+        <p:nvSpPr>
+          <p:cNvPr id="2" name="Заголовок 1"/>
+          <p:cNvSpPr>
+            <a:spLocks noGrp="1"/>
+          </p:cNvSpPr>
+          <p:nvPr>
+            <p:ph type="title"/>
+          </p:nvPr>
+        </p:nvSpPr>
+        <p:spPr/>
+        <p:txBody>
+          <a:bodyPr/>
+          <a:lstStyle/>
+          <a:p>
+            <a:r>
+              <a:rPr lang="ru-RU" dirty="0">
+                <a:latin typeface="+mn-lt"/>
+              </a:rPr>
+              <a:t>Как работает</a:t>
+            </a:r>
+            <a:r>
+              <a:rPr lang="ru-RU" dirty="0"/>
+              <a:t> </a:t>
+            </a:r>
+            <a:r>
+              <a:rPr lang="en-US" dirty="0">
+                <a:latin typeface="+mn-lt"/>
+              </a:rPr>
+              <a:t>IDS </a:t>
+            </a:r>
+            <a:r>
+              <a:rPr lang="en-US" dirty="0" err="1">
+                <a:latin typeface="+mn-lt"/>
+              </a:rPr>
+              <a:t>Suricata</a:t>
+            </a:r>
+            <a:endParaRPr lang="ru-RU" dirty="0">
+              <a:latin typeface="+mn-lt"/>
+            </a:endParaRPr>
+          </a:p>
+        </p:txBody>
+      </p:sp>
+      <p:sp>
+        <p:nvSpPr>
+          <p:cNvPr id="3" name="Объект 2"/>
+          <p:cNvSpPr>
+            <a:spLocks noGrp="1"/>
+          </p:cNvSpPr>
+          <p:nvPr>
+            <p:ph idx="1"/>
+          </p:nvPr>
+        </p:nvSpPr>
+        <p:spPr/>
+        <p:txBody>
+          <a:bodyPr/>
+          <a:lstStyle/>
+          <a:p>
+            <a:r>
+              <a:rPr lang="ru-RU" dirty="0"/>
+              <a:t>Размещается в сети для просмотра пакетов</a:t>
+            </a:r>
+          </a:p>
+          <a:p>
+            <a:r>
+              <a:rPr lang="ru-RU" dirty="0"/>
+              <a:t>Декодирует пакеты и разбивает их на потоки</a:t>
+            </a:r>
+          </a:p>
+          <a:p>
+            <a:r>
+              <a:rPr lang="ru-RU" dirty="0" err="1"/>
+              <a:t>Парсинг</a:t>
+            </a:r>
+            <a:r>
+              <a:rPr lang="ru-RU" dirty="0"/>
+              <a:t> протоколов более высокого уровня (например, HTTP)</a:t>
+            </a:r>
+          </a:p>
+          <a:p>
+            <a:r>
+              <a:rPr lang="ru-RU" dirty="0"/>
+              <a:t>Обнаруживает угрозы</a:t>
+            </a:r>
+          </a:p>
+          <a:p>
+            <a:r>
+              <a:rPr lang="ru-RU" dirty="0"/>
+              <a:t>Выводит  события и оповещения</a:t>
+            </a:r>
+          </a:p>
+        </p:txBody>
+      </p:sp>
+      <p:sp>
+        <p:nvSpPr>
+          <p:cNvPr id="4" name="Номер слайда 3"/>
+          <p:cNvSpPr>
+            <a:spLocks noGrp="1"/>
+          </p:cNvSpPr>
+          <p:nvPr>
+            <p:ph type="sldNum" sz="quarter" idx="12"/>
+          </p:nvPr>
+        </p:nvSpPr>
+        <p:spPr/>
+        <p:txBody>
+          <a:bodyPr/>
+          <a:lstStyle/>
+          <a:p>
+            <a:fld id="{3177E89D-76AF-4E24-8F7F-2685DD826F0A}" type="slidenum">
+              <a:rPr lang="ru-RU" sz="1800" smtClean="0"/>
+              <a:t>3</a:t>
+            </a:fld>
+            <a:endParaRPr lang="ru-RU" sz="1800" dirty="0"/>
+          </a:p>
+        </p:txBody>
+      </p:sp>
+    </p:spTree>
+    <p:extLst>
+      <p:ext uri="{BB962C8B-B14F-4D97-AF65-F5344CB8AC3E}">
+        <p14:creationId xmlns:p14="http://schemas.microsoft.com/office/powerpoint/2010/main" val="2845125234"/>
+      </p:ext>
+    </p:extLst>
+  </p:cSld>
+  <p:clrMapOvr>
+    <a:masterClrMapping/>
+  </p:clrMapOvr>
+</p:sld>
+</file>
+
+<file path=ppt/slides/slide4.xml><?xml version="1.0" encoding="utf-8"?>
+<p:sld xmlns:a="http://schemas.openxmlformats.org/drawingml/2006/main" xmlns:r="http://schemas.openxmlformats.org/officeDocument/2006/relationships" xmlns:p="http://schemas.openxmlformats.org/presentationml/2006/main">
+  <p:cSld>
+    <p:spTree>
+      <p:nvGrpSpPr>
+        <p:cNvPr id="1" name=""/>
+        <p:cNvGrpSpPr/>
+        <p:nvPr/>
+      </p:nvGrpSpPr>
+      <p:grpSpPr>
+        <a:xfrm>
+          <a:off x="0" y="0"/>
+          <a:ext cx="0" cy="0"/>
+          <a:chOff x="0" y="0"/>
+          <a:chExt cx="0" cy="0"/>
+        </a:xfrm>
+      </p:grpSpPr>
+      <p:sp>
+        <p:nvSpPr>
+          <p:cNvPr id="2" name="Заголовок 1"/>
+          <p:cNvSpPr>
+            <a:spLocks noGrp="1"/>
+          </p:cNvSpPr>
+          <p:nvPr>
+            <p:ph type="title"/>
+          </p:nvPr>
+        </p:nvSpPr>
+        <p:spPr/>
+        <p:txBody>
+          <a:bodyPr/>
+          <a:lstStyle/>
+          <a:p>
+            <a:r>
+              <a:rPr lang="ru-RU" dirty="0">
+                <a:latin typeface="+mn-lt"/>
+              </a:rPr>
+              <a:t>Как </a:t>
+            </a:r>
+            <a:r>
+              <a:rPr lang="en-US" dirty="0">
+                <a:latin typeface="+mn-lt"/>
+              </a:rPr>
+              <a:t>IDS </a:t>
+            </a:r>
+            <a:r>
+              <a:rPr lang="en-US" dirty="0" err="1">
+                <a:latin typeface="+mn-lt"/>
+              </a:rPr>
+              <a:t>Suricata</a:t>
+            </a:r>
+            <a:r>
+              <a:rPr lang="en-US" dirty="0">
+                <a:latin typeface="+mn-lt"/>
+              </a:rPr>
+              <a:t> </a:t>
+            </a:r>
+            <a:r>
+              <a:rPr lang="ru-RU" dirty="0">
+                <a:latin typeface="+mn-lt"/>
+              </a:rPr>
+              <a:t>работает</a:t>
+            </a:r>
+          </a:p>
+        </p:txBody>
+      </p:sp>
+      <p:pic>
+        <p:nvPicPr>
+          <p:cNvPr id="4" name="Объект 3" descr="Похожее изображение"/>
+          <p:cNvPicPr>
+            <a:picLocks noGrp="1"/>
+          </p:cNvPicPr>
+          <p:nvPr>
+            <p:ph idx="1"/>
+          </p:nvPr>
+        </p:nvPicPr>
+        <p:blipFill>
+          <a:blip r:embed="rId2">
+            <a:extLst>
+              <a:ext uri="{28A0092B-C50C-407E-A947-70E740481C1C}">
+                <a14:useLocalDpi xmlns:a14="http://schemas.microsoft.com/office/drawing/2010/main" val="0"/>
+              </a:ext>
+            </a:extLst>
+          </a:blip>
+          <a:srcRect/>
+          <a:stretch>
+            <a:fillRect/>
+          </a:stretch>
+        </p:blipFill>
+        <p:spPr bwMode="auto">
+          <a:xfrm>
+            <a:off x="431365" y="2412952"/>
+            <a:ext cx="4209528" cy="2630954"/>
+          </a:xfrm>
+          <a:prstGeom prst="rect">
+            <a:avLst/>
+          </a:prstGeom>
+          <a:noFill/>
+          <a:ln>
+            <a:noFill/>
+          </a:ln>
+        </p:spPr>
+      </p:pic>
+      <p:pic>
+        <p:nvPicPr>
+          <p:cNvPr id="2050" name="Picture 2" descr="https://home.regit.org/wp-content/uploads/2012/02/suricata-ecosystem1.png"/>
+          <p:cNvPicPr>
+            <a:picLocks noChangeAspect="1" noChangeArrowheads="1"/>
+          </p:cNvPicPr>
+          <p:nvPr/>
+        </p:nvPicPr>
+        <p:blipFill>
+          <a:blip r:embed="rId3">
+            <a:extLst>
+              <a:ext uri="{28A0092B-C50C-407E-A947-70E740481C1C}">
+                <a14:useLocalDpi xmlns:a14="http://schemas.microsoft.com/office/drawing/2010/main" val="0"/>
+              </a:ext>
+            </a:extLst>
+          </a:blip>
+          <a:srcRect/>
+          <a:stretch>
+            <a:fillRect/>
+          </a:stretch>
+        </p:blipFill>
+        <p:spPr bwMode="auto">
+          <a:xfrm>
+            <a:off x="5015142" y="2040715"/>
+            <a:ext cx="3500209" cy="3764669"/>
+          </a:xfrm>
+          <a:prstGeom prst="rect">
+            <a:avLst/>
+          </a:prstGeom>
+          <a:noFill/>
+          <a:extLst>
+            <a:ext uri="{909E8E84-426E-40DD-AFC4-6F175D3DCCD1}">
+              <a14:hiddenFill xmlns:a14="http://schemas.microsoft.com/office/drawing/2010/main">
+                <a:solidFill>
+                  <a:srgbClr val="FFFFFF"/>
+                </a:solidFill>
+              </a14:hiddenFill>
+            </a:ext>
+          </a:extLst>
+        </p:spPr>
+      </p:pic>
+      <p:sp>
+        <p:nvSpPr>
+          <p:cNvPr id="3" name="Номер слайда 2"/>
+          <p:cNvSpPr>
+            <a:spLocks noGrp="1"/>
+          </p:cNvSpPr>
+          <p:nvPr>
+            <p:ph type="sldNum" sz="quarter" idx="12"/>
+          </p:nvPr>
+        </p:nvSpPr>
+        <p:spPr/>
+        <p:txBody>
+          <a:bodyPr/>
+          <a:lstStyle/>
+          <a:p>
+            <a:fld id="{3177E89D-76AF-4E24-8F7F-2685DD826F0A}" type="slidenum">
+              <a:rPr lang="ru-RU" sz="1800" smtClean="0"/>
+              <a:t>4</a:t>
+            </a:fld>
+            <a:endParaRPr lang="ru-RU" sz="1800" dirty="0"/>
+          </a:p>
+        </p:txBody>
+      </p:sp>
+    </p:spTree>
+    <p:extLst>
+      <p:ext uri="{BB962C8B-B14F-4D97-AF65-F5344CB8AC3E}">
+        <p14:creationId xmlns:p14="http://schemas.microsoft.com/office/powerpoint/2010/main" val="3401770167"/>
+      </p:ext>
+    </p:extLst>
+  </p:cSld>
+  <p:clrMapOvr>
+    <a:masterClrMapping/>
+  </p:clrMapOvr>
+</p:sld>
+</file>
+
+<file path=ppt/slides/slide5.xml><?xml version="1.0" encoding="utf-8"?>
+<p:sld xmlns:a="http://schemas.openxmlformats.org/drawingml/2006/main" xmlns:r="http://schemas.openxmlformats.org/officeDocument/2006/relationships" xmlns:p="http://schemas.openxmlformats.org/presentationml/2006/main">
+  <p:cSld>
+    <p:spTree>
+      <p:nvGrpSpPr>
+        <p:cNvPr id="1" name=""/>
+        <p:cNvGrpSpPr/>
+        <p:nvPr/>
+      </p:nvGrpSpPr>
+      <p:grpSpPr>
+        <a:xfrm>
+          <a:off x="0" y="0"/>
+          <a:ext cx="0" cy="0"/>
+          <a:chOff x="0" y="0"/>
+          <a:chExt cx="0" cy="0"/>
+        </a:xfrm>
+      </p:grpSpPr>
+      <p:sp>
+        <p:nvSpPr>
+          <p:cNvPr id="2" name="Заголовок 1"/>
+          <p:cNvSpPr>
+            <a:spLocks noGrp="1"/>
+          </p:cNvSpPr>
+          <p:nvPr>
+            <p:ph type="title"/>
+          </p:nvPr>
+        </p:nvSpPr>
+        <p:spPr/>
+        <p:txBody>
+          <a:bodyPr/>
+          <a:lstStyle/>
+          <a:p>
+            <a:r>
+              <a:rPr lang="ru-RU" dirty="0">
+                <a:latin typeface="+mn-lt"/>
+              </a:rPr>
+              <a:t>Преимущества системы </a:t>
+            </a:r>
+            <a:r>
+              <a:rPr lang="en-US" dirty="0" err="1">
+                <a:latin typeface="+mn-lt"/>
+              </a:rPr>
+              <a:t>Suricata</a:t>
+            </a:r>
+            <a:endParaRPr lang="ru-RU" dirty="0">
+              <a:latin typeface="+mn-lt"/>
+            </a:endParaRPr>
+          </a:p>
+        </p:txBody>
+      </p:sp>
+      <p:sp>
+        <p:nvSpPr>
+          <p:cNvPr id="3" name="Объект 2"/>
+          <p:cNvSpPr>
+            <a:spLocks noGrp="1"/>
+          </p:cNvSpPr>
+          <p:nvPr>
+            <p:ph idx="1"/>
+          </p:nvPr>
+        </p:nvSpPr>
+        <p:spPr/>
+        <p:txBody>
+          <a:bodyPr>
+            <a:normAutofit/>
+          </a:bodyPr>
+          <a:lstStyle/>
+          <a:p>
+            <a:r>
+              <a:rPr lang="ru-RU" dirty="0"/>
+              <a:t>Максимально  эффективно использует ваше оборудование: многопоточная передача, карты захвата</a:t>
+            </a:r>
+            <a:r>
+              <a:rPr lang="en-US" dirty="0"/>
+              <a:t> </a:t>
+            </a:r>
+            <a:r>
+              <a:rPr lang="ru-RU" dirty="0"/>
+              <a:t>траффика, графический процессор</a:t>
+            </a:r>
+          </a:p>
+          <a:p>
+            <a:endParaRPr lang="ru-RU" dirty="0"/>
+          </a:p>
+          <a:p>
+            <a:pPr marL="0" indent="0">
+              <a:buNone/>
+            </a:pPr>
+            <a:endParaRPr lang="ru-RU" dirty="0"/>
+          </a:p>
+          <a:p>
+            <a:r>
+              <a:rPr lang="ru-RU" dirty="0"/>
+              <a:t>Высокоскоростное</a:t>
+            </a:r>
+            <a:r>
+              <a:rPr lang="en-US" dirty="0"/>
+              <a:t> </a:t>
+            </a:r>
+            <a:r>
+              <a:rPr lang="ru-RU" dirty="0"/>
+              <a:t>сопоставление IP-адресов</a:t>
+            </a:r>
+          </a:p>
+          <a:p>
+            <a:endParaRPr lang="ru-RU" dirty="0"/>
+          </a:p>
+          <a:p>
+            <a:r>
+              <a:rPr lang="ru-RU" dirty="0"/>
+              <a:t>Расширенная проверка и протоколирование HTTP</a:t>
+            </a:r>
+          </a:p>
+        </p:txBody>
+      </p:sp>
+      <p:sp>
+        <p:nvSpPr>
+          <p:cNvPr id="4" name="Номер слайда 3"/>
+          <p:cNvSpPr>
+            <a:spLocks noGrp="1"/>
+          </p:cNvSpPr>
+          <p:nvPr>
+            <p:ph type="sldNum" sz="quarter" idx="12"/>
+          </p:nvPr>
+        </p:nvSpPr>
+        <p:spPr/>
+        <p:txBody>
+          <a:bodyPr/>
+          <a:lstStyle/>
+          <a:p>
+            <a:fld id="{3177E89D-76AF-4E24-8F7F-2685DD826F0A}" type="slidenum">
+              <a:rPr lang="ru-RU" sz="1800" smtClean="0"/>
+              <a:t>5</a:t>
+            </a:fld>
+            <a:endParaRPr lang="ru-RU" sz="1800" dirty="0"/>
+          </a:p>
+        </p:txBody>
+      </p:sp>
+    </p:spTree>
+    <p:extLst>
+      <p:ext uri="{BB962C8B-B14F-4D97-AF65-F5344CB8AC3E}">
+        <p14:creationId xmlns:p14="http://schemas.microsoft.com/office/powerpoint/2010/main" val="102258184"/>
+      </p:ext>
+    </p:extLst>
+  </p:cSld>
+  <p:clrMapOvr>
+    <a:masterClrMapping/>
+  </p:clrMapOvr>
+</p:sld>
+</file>
+
+<file path=ppt/slides/slide6.xml><?xml version="1.0" encoding="utf-8"?>
+<p:sld xmlns:a="http://schemas.openxmlformats.org/drawingml/2006/main" xmlns:r="http://schemas.openxmlformats.org/officeDocument/2006/relationships" xmlns:p="http://schemas.openxmlformats.org/presentationml/2006/main">
+  <p:cSld>
+    <p:spTree>
+      <p:nvGrpSpPr>
+        <p:cNvPr id="1" name=""/>
+        <p:cNvGrpSpPr/>
+        <p:nvPr/>
+      </p:nvGrpSpPr>
+      <p:grpSpPr>
+        <a:xfrm>
+          <a:off x="0" y="0"/>
+          <a:ext cx="0" cy="0"/>
+          <a:chOff x="0" y="0"/>
+          <a:chExt cx="0" cy="0"/>
+        </a:xfrm>
+      </p:grpSpPr>
+      <p:sp>
+        <p:nvSpPr>
+          <p:cNvPr id="2" name="Заголовок 1"/>
+          <p:cNvSpPr>
+            <a:spLocks noGrp="1"/>
+          </p:cNvSpPr>
+          <p:nvPr>
+            <p:ph type="title"/>
+          </p:nvPr>
+        </p:nvSpPr>
+        <p:spPr/>
+        <p:txBody>
+          <a:bodyPr/>
+          <a:lstStyle/>
+          <a:p>
+            <a:r>
+              <a:rPr lang="ru-RU" dirty="0">
+                <a:latin typeface="+mn-lt"/>
+              </a:rPr>
+              <a:t>Недостатки системы </a:t>
+            </a:r>
+            <a:r>
+              <a:rPr lang="en-US" dirty="0" err="1">
+                <a:latin typeface="+mn-lt"/>
+              </a:rPr>
+              <a:t>Suricata</a:t>
+            </a:r>
+            <a:endParaRPr lang="ru-RU" dirty="0">
+              <a:latin typeface="+mn-lt"/>
+            </a:endParaRPr>
+          </a:p>
+        </p:txBody>
+      </p:sp>
+      <p:sp>
+        <p:nvSpPr>
+          <p:cNvPr id="3" name="Объект 2"/>
+          <p:cNvSpPr>
+            <a:spLocks noGrp="1"/>
+          </p:cNvSpPr>
+          <p:nvPr>
+            <p:ph idx="1"/>
+          </p:nvPr>
+        </p:nvSpPr>
+        <p:spPr/>
+        <p:txBody>
+          <a:bodyPr/>
+          <a:lstStyle/>
+          <a:p>
+            <a:r>
+              <a:rPr lang="ru-RU" dirty="0"/>
+              <a:t>Потеря пакетов</a:t>
+            </a:r>
+          </a:p>
+          <a:p>
+            <a:endParaRPr lang="ru-RU" dirty="0"/>
+          </a:p>
+          <a:p>
+            <a:r>
+              <a:rPr lang="ru-RU" dirty="0"/>
+              <a:t>Ложные срабатывания</a:t>
+            </a:r>
+          </a:p>
+          <a:p>
+            <a:endParaRPr lang="ru-RU" dirty="0"/>
+          </a:p>
+          <a:p>
+            <a:r>
+              <a:rPr lang="ru-RU" dirty="0"/>
+              <a:t>Ложные отбрасывания пакетов</a:t>
+            </a:r>
+          </a:p>
+        </p:txBody>
+      </p:sp>
+      <p:sp>
+        <p:nvSpPr>
+          <p:cNvPr id="4" name="Номер слайда 3"/>
+          <p:cNvSpPr>
+            <a:spLocks noGrp="1"/>
+          </p:cNvSpPr>
+          <p:nvPr>
+            <p:ph type="sldNum" sz="quarter" idx="12"/>
+          </p:nvPr>
+        </p:nvSpPr>
+        <p:spPr/>
+        <p:txBody>
+          <a:bodyPr/>
+          <a:lstStyle/>
+          <a:p>
+            <a:fld id="{3177E89D-76AF-4E24-8F7F-2685DD826F0A}" type="slidenum">
+              <a:rPr lang="ru-RU" sz="1800" smtClean="0"/>
+              <a:t>6</a:t>
+            </a:fld>
+            <a:endParaRPr lang="ru-RU" sz="1800" dirty="0"/>
+          </a:p>
+        </p:txBody>
+      </p:sp>
+    </p:spTree>
+    <p:extLst>
+      <p:ext uri="{BB962C8B-B14F-4D97-AF65-F5344CB8AC3E}">
+        <p14:creationId xmlns:p14="http://schemas.microsoft.com/office/powerpoint/2010/main" val="306326157"/>
+      </p:ext>
+    </p:extLst>
+  </p:cSld>
+  <p:clrMapOvr>
+    <a:masterClrMapping/>
+  </p:clrMapOvr>
+</p:sld>
+</file>
+
+<file path=ppt/slides/slide7.xml><?xml version="1.0" encoding="utf-8"?>
+<p:sld xmlns:a="http://schemas.openxmlformats.org/drawingml/2006/main" xmlns:r="http://schemas.openxmlformats.org/officeDocument/2006/relationships" xmlns:p="http://schemas.openxmlformats.org/presentationml/2006/main">
+  <p:cSld>
+    <p:spTree>
+      <p:nvGrpSpPr>
+        <p:cNvPr id="1" name=""/>
+        <p:cNvGrpSpPr/>
+        <p:nvPr/>
+      </p:nvGrpSpPr>
+      <p:grpSpPr>
+        <a:xfrm>
+          <a:off x="0" y="0"/>
+          <a:ext cx="0" cy="0"/>
+          <a:chOff x="0" y="0"/>
+          <a:chExt cx="0" cy="0"/>
+        </a:xfrm>
+      </p:grpSpPr>
+      <p:sp>
+        <p:nvSpPr>
+          <p:cNvPr id="4" name="Прямоугольник 3"/>
+          <p:cNvSpPr/>
+          <p:nvPr/>
+        </p:nvSpPr>
+        <p:spPr>
+          <a:xfrm>
+            <a:off x="388079" y="1584331"/>
+            <a:ext cx="8486743" cy="3808222"/>
+          </a:xfrm>
+          <a:prstGeom prst="rect">
+            <a:avLst/>
+          </a:prstGeom>
+        </p:spPr>
+        <p:txBody>
+          <a:bodyPr wrap="square">
+            <a:spAutoFit/>
+          </a:bodyPr>
+          <a:lstStyle/>
+          <a:p>
+            <a:pPr algn="just">
+              <a:lnSpc>
+                <a:spcPct val="115000"/>
+              </a:lnSpc>
+              <a:spcBef>
+                <a:spcPts val="1500"/>
+              </a:spcBef>
+              <a:spcAft>
+                <a:spcPts val="450"/>
+              </a:spcAft>
+              <a:tabLst>
+                <a:tab pos="205740" algn="l"/>
+              </a:tabLst>
+            </a:pPr>
+            <a:r>
+              <a:rPr lang="ru-RU" sz="2100" dirty="0">
+                <a:solidFill>
+                  <a:srgbClr val="000000"/>
+                </a:solidFill>
+                <a:latin typeface="Times New Roman" panose="02020603050405020304" pitchFamily="18" charset="0"/>
+                <a:ea typeface="Times New Roman" panose="02020603050405020304" pitchFamily="18" charset="0"/>
+                <a:cs typeface="Times New Roman" panose="02020603050405020304" pitchFamily="18" charset="0"/>
+              </a:rPr>
+              <a:t>Разработка </a:t>
+            </a:r>
+            <a:r>
+              <a:rPr lang="ru-RU" sz="2100" dirty="0" err="1">
+                <a:solidFill>
+                  <a:srgbClr val="000000"/>
+                </a:solidFill>
+                <a:latin typeface="Times New Roman" panose="02020603050405020304" pitchFamily="18" charset="0"/>
+                <a:ea typeface="Times New Roman" panose="02020603050405020304" pitchFamily="18" charset="0"/>
+                <a:cs typeface="Times New Roman" panose="02020603050405020304" pitchFamily="18" charset="0"/>
+              </a:rPr>
+              <a:t>OSGi</a:t>
+            </a:r>
+            <a:r>
+              <a:rPr lang="ru-RU" sz="2100" dirty="0">
+                <a:solidFill>
+                  <a:srgbClr val="000000"/>
+                </a:solidFill>
+                <a:latin typeface="Times New Roman" panose="02020603050405020304" pitchFamily="18" charset="0"/>
+                <a:ea typeface="Times New Roman" panose="02020603050405020304" pitchFamily="18" charset="0"/>
+                <a:cs typeface="Times New Roman" panose="02020603050405020304" pitchFamily="18" charset="0"/>
+              </a:rPr>
+              <a:t> сервиса настройки правил перехвата пакетов IDS системы </a:t>
+            </a:r>
+            <a:r>
+              <a:rPr lang="ru-RU" sz="2100" dirty="0" err="1">
+                <a:solidFill>
+                  <a:srgbClr val="000000"/>
+                </a:solidFill>
+                <a:latin typeface="Times New Roman" panose="02020603050405020304" pitchFamily="18" charset="0"/>
+                <a:ea typeface="Times New Roman" panose="02020603050405020304" pitchFamily="18" charset="0"/>
+                <a:cs typeface="Times New Roman" panose="02020603050405020304" pitchFamily="18" charset="0"/>
+              </a:rPr>
+              <a:t>Suricata</a:t>
+            </a:r>
+            <a:r>
+              <a:rPr lang="ru-RU" sz="2100" dirty="0">
+                <a:solidFill>
+                  <a:srgbClr val="000000"/>
+                </a:solidFill>
+                <a:latin typeface="Times New Roman" panose="02020603050405020304" pitchFamily="18" charset="0"/>
+                <a:ea typeface="Times New Roman" panose="02020603050405020304" pitchFamily="18" charset="0"/>
+                <a:cs typeface="Times New Roman" panose="02020603050405020304" pitchFamily="18" charset="0"/>
+              </a:rPr>
+              <a:t>:</a:t>
+            </a:r>
+          </a:p>
+          <a:p>
+            <a:pPr marL="257175" indent="-257175">
+              <a:lnSpc>
+                <a:spcPct val="150000"/>
+              </a:lnSpc>
+              <a:buFont typeface="Symbol" panose="05050102010706020507" pitchFamily="18" charset="2"/>
+              <a:buChar char=""/>
+              <a:tabLst>
+                <a:tab pos="514350" algn="l"/>
+              </a:tabLst>
+            </a:pPr>
+            <a:r>
+              <a:rPr lang="ru-RU" sz="2100" dirty="0">
+                <a:latin typeface="Times New Roman" panose="02020603050405020304" pitchFamily="18" charset="0"/>
+                <a:cs typeface="Times New Roman" panose="02020603050405020304" pitchFamily="18" charset="0"/>
+              </a:rPr>
+              <a:t>изучить соответствующую систему;</a:t>
+            </a:r>
+          </a:p>
+          <a:p>
+            <a:pPr marL="257175" indent="-257175">
+              <a:lnSpc>
+                <a:spcPct val="150000"/>
+              </a:lnSpc>
+              <a:buFont typeface="Symbol" panose="05050102010706020507" pitchFamily="18" charset="2"/>
+              <a:buChar char=""/>
+              <a:tabLst>
+                <a:tab pos="514350" algn="l"/>
+              </a:tabLst>
+            </a:pPr>
+            <a:r>
+              <a:rPr lang="ru-RU" sz="2100" dirty="0">
+                <a:latin typeface="Times New Roman" panose="02020603050405020304" pitchFamily="18" charset="0"/>
+                <a:cs typeface="Times New Roman" panose="02020603050405020304" pitchFamily="18" charset="0"/>
+              </a:rPr>
+              <a:t>спроектировать интерфейс компонента;</a:t>
+            </a:r>
+          </a:p>
+          <a:p>
+            <a:pPr marL="257175" indent="-257175">
+              <a:lnSpc>
+                <a:spcPct val="150000"/>
+              </a:lnSpc>
+              <a:buFont typeface="Symbol" panose="05050102010706020507" pitchFamily="18" charset="2"/>
+              <a:buChar char=""/>
+              <a:tabLst>
+                <a:tab pos="514350" algn="l"/>
+              </a:tabLst>
+            </a:pPr>
+            <a:r>
+              <a:rPr lang="ru-RU" sz="2100" dirty="0">
+                <a:latin typeface="Times New Roman" panose="02020603050405020304" pitchFamily="18" charset="0"/>
+                <a:cs typeface="Times New Roman" panose="02020603050405020304" pitchFamily="18" charset="0"/>
+              </a:rPr>
+              <a:t>реализовать компонент;</a:t>
+            </a:r>
+          </a:p>
+          <a:p>
+            <a:pPr marL="257175" indent="-257175">
+              <a:lnSpc>
+                <a:spcPct val="150000"/>
+              </a:lnSpc>
+              <a:buFont typeface="Symbol" panose="05050102010706020507" pitchFamily="18" charset="2"/>
+              <a:buChar char=""/>
+              <a:tabLst>
+                <a:tab pos="514350" algn="l"/>
+              </a:tabLst>
+            </a:pPr>
+            <a:r>
+              <a:rPr lang="ru-RU" sz="2100" dirty="0">
+                <a:latin typeface="Times New Roman" panose="02020603050405020304" pitchFamily="18" charset="0"/>
+                <a:cs typeface="Times New Roman" panose="02020603050405020304" pitchFamily="18" charset="0"/>
+              </a:rPr>
+              <a:t>спроектировать </a:t>
+            </a:r>
+            <a:r>
+              <a:rPr lang="ru-RU" sz="2100" dirty="0" err="1">
+                <a:latin typeface="Times New Roman" panose="02020603050405020304" pitchFamily="18" charset="0"/>
+                <a:cs typeface="Times New Roman" panose="02020603050405020304" pitchFamily="18" charset="0"/>
+              </a:rPr>
+              <a:t>JUnit</a:t>
+            </a:r>
+            <a:r>
+              <a:rPr lang="ru-RU" sz="2100" dirty="0">
+                <a:latin typeface="Times New Roman" panose="02020603050405020304" pitchFamily="18" charset="0"/>
+                <a:cs typeface="Times New Roman" panose="02020603050405020304" pitchFamily="18" charset="0"/>
+              </a:rPr>
+              <a:t> тесты, провести тестирование;</a:t>
+            </a:r>
+          </a:p>
+          <a:p>
+            <a:pPr marL="257175" indent="-257175">
+              <a:lnSpc>
+                <a:spcPct val="150000"/>
+              </a:lnSpc>
+              <a:buFont typeface="Symbol" panose="05050102010706020507" pitchFamily="18" charset="2"/>
+              <a:buChar char=""/>
+              <a:tabLst>
+                <a:tab pos="514350" algn="l"/>
+              </a:tabLst>
+            </a:pPr>
+            <a:r>
+              <a:rPr lang="ru-RU" sz="2100" dirty="0">
+                <a:latin typeface="Times New Roman" panose="02020603050405020304" pitchFamily="18" charset="0"/>
+                <a:cs typeface="Times New Roman" panose="02020603050405020304" pitchFamily="18" charset="0"/>
+              </a:rPr>
+              <a:t>описать требования, конструкцию, особенности сборки и запуска в документации.</a:t>
+            </a:r>
+          </a:p>
+        </p:txBody>
+      </p:sp>
+      <p:sp>
+        <p:nvSpPr>
+          <p:cNvPr id="2" name="Номер слайда 1"/>
+          <p:cNvSpPr>
+            <a:spLocks noGrp="1"/>
+          </p:cNvSpPr>
+          <p:nvPr>
+            <p:ph type="sldNum" sz="quarter" idx="12"/>
+          </p:nvPr>
+        </p:nvSpPr>
+        <p:spPr/>
+        <p:txBody>
+          <a:bodyPr/>
+          <a:lstStyle/>
+          <a:p>
+            <a:fld id="{3177E89D-76AF-4E24-8F7F-2685DD826F0A}" type="slidenum">
+              <a:rPr lang="ru-RU" sz="1800" smtClean="0"/>
+              <a:t>7</a:t>
+            </a:fld>
+            <a:endParaRPr lang="ru-RU" sz="1800" dirty="0"/>
+          </a:p>
+        </p:txBody>
+      </p:sp>
+      <p:sp>
+        <p:nvSpPr>
+          <p:cNvPr id="7" name="Заголовок 1"/>
+          <p:cNvSpPr>
+            <a:spLocks noGrp="1"/>
+          </p:cNvSpPr>
+          <p:nvPr>
+            <p:ph type="title"/>
+          </p:nvPr>
+        </p:nvSpPr>
+        <p:spPr>
+          <a:xfrm>
+            <a:off x="628650" y="365126"/>
+            <a:ext cx="7886700" cy="1325563"/>
+          </a:xfrm>
+        </p:spPr>
+        <p:txBody>
+          <a:bodyPr/>
+          <a:lstStyle/>
+          <a:p>
+            <a:r>
+              <a:rPr lang="ru-RU" kern="0" dirty="0">
+                <a:solidFill>
+                  <a:srgbClr val="000000"/>
+                </a:solidFill>
+                <a:latin typeface="+mn-lt"/>
+                <a:ea typeface="Times New Roman" panose="02020603050405020304" pitchFamily="18" charset="0"/>
+                <a:cs typeface="Times New Roman" panose="02020603050405020304" pitchFamily="18" charset="0"/>
+              </a:rPr>
+              <a:t>Техническое задание</a:t>
+            </a:r>
+            <a:endParaRPr lang="ru-RU" dirty="0">
+              <a:latin typeface="+mn-lt"/>
+            </a:endParaRPr>
+          </a:p>
+        </p:txBody>
+      </p:sp>
+    </p:spTree>
+    <p:extLst>
+      <p:ext uri="{BB962C8B-B14F-4D97-AF65-F5344CB8AC3E}">
+        <p14:creationId xmlns:p14="http://schemas.microsoft.com/office/powerpoint/2010/main" val="950923971"/>
+      </p:ext>
+    </p:extLst>
+  </p:cSld>
+  <p:clrMapOvr>
+    <a:masterClrMapping/>
+  </p:clrMapOvr>
+</p:sld>
+</file>
+
+<file path=ppt/slides/slide8.xml><?xml version="1.0" encoding="utf-8"?>
+<p:sld xmlns:a="http://schemas.openxmlformats.org/drawingml/2006/main" xmlns:r="http://schemas.openxmlformats.org/officeDocument/2006/relationships" xmlns:p="http://schemas.openxmlformats.org/presentationml/2006/main">
+  <p:cSld>
+    <p:spTree>
+      <p:nvGrpSpPr>
+        <p:cNvPr id="1" name=""/>
+        <p:cNvGrpSpPr/>
+        <p:nvPr/>
+      </p:nvGrpSpPr>
+      <p:grpSpPr>
+        <a:xfrm>
+          <a:off x="0" y="0"/>
+          <a:ext cx="0" cy="0"/>
+          <a:chOff x="0" y="0"/>
+          <a:chExt cx="0" cy="0"/>
+        </a:xfrm>
+      </p:grpSpPr>
+      <p:pic>
+        <p:nvPicPr>
+          <p:cNvPr id="4" name="Объект 3"/>
+          <p:cNvPicPr>
+            <a:picLocks noGrp="1"/>
+          </p:cNvPicPr>
+          <p:nvPr>
+            <p:ph idx="1"/>
+          </p:nvPr>
+        </p:nvPicPr>
+        <p:blipFill>
+          <a:blip r:embed="rId2"/>
+          <a:stretch>
+            <a:fillRect/>
+          </a:stretch>
+        </p:blipFill>
+        <p:spPr>
+          <a:xfrm>
+            <a:off x="2252870" y="1252919"/>
+            <a:ext cx="5035825" cy="5548831"/>
+          </a:xfrm>
+          <a:prstGeom prst="rect">
+            <a:avLst/>
+          </a:prstGeom>
+        </p:spPr>
+      </p:pic>
+      <p:sp>
+        <p:nvSpPr>
+          <p:cNvPr id="3" name="Номер слайда 2"/>
+          <p:cNvSpPr>
+            <a:spLocks noGrp="1"/>
+          </p:cNvSpPr>
+          <p:nvPr>
+            <p:ph type="sldNum" sz="quarter" idx="12"/>
+          </p:nvPr>
+        </p:nvSpPr>
+        <p:spPr/>
+        <p:txBody>
+          <a:bodyPr/>
+          <a:lstStyle/>
+          <a:p>
+            <a:fld id="{3177E89D-76AF-4E24-8F7F-2685DD826F0A}" type="slidenum">
+              <a:rPr lang="ru-RU" sz="1800" smtClean="0"/>
+              <a:t>8</a:t>
+            </a:fld>
+            <a:endParaRPr lang="ru-RU" sz="1800" dirty="0"/>
+          </a:p>
+        </p:txBody>
+      </p:sp>
+      <p:sp>
+        <p:nvSpPr>
+          <p:cNvPr id="5" name="Заголовок 1"/>
+          <p:cNvSpPr txBox="1">
+            <a:spLocks/>
+          </p:cNvSpPr>
+          <p:nvPr/>
+        </p:nvSpPr>
+        <p:spPr>
+          <a:xfrm>
+            <a:off x="628650" y="365126"/>
+            <a:ext cx="7886700" cy="1325563"/>
+          </a:xfrm>
+          <a:prstGeom prst="rect">
+            <a:avLst/>
+          </a:prstGeom>
+        </p:spPr>
+        <p:txBody>
+          <a:bodyPr vert="horz" lIns="91440" tIns="45720" rIns="91440" bIns="45720" rtlCol="0" anchor="ctr">
+            <a:normAutofit/>
+          </a:bodyPr>
+          <a:lstStyle>
+            <a:lvl1pPr algn="l" defTabSz="914400" rtl="0" eaLnBrk="1" latinLnBrk="0" hangingPunct="1">
+              <a:lnSpc>
+                <a:spcPct val="90000"/>
+              </a:lnSpc>
+              <a:spcBef>
+                <a:spcPct val="0"/>
+              </a:spcBef>
+              <a:buNone/>
+              <a:defRPr sz="4400" kern="1200">
+                <a:solidFill>
+                  <a:schemeClr val="tx1"/>
+                </a:solidFill>
+                <a:latin typeface="+mj-lt"/>
+                <a:ea typeface="+mj-ea"/>
+                <a:cs typeface="+mj-cs"/>
+              </a:defRPr>
+            </a:lvl1pPr>
+          </a:lstStyle>
+          <a:p>
+            <a:r>
+              <a:rPr lang="ru-RU" dirty="0">
+                <a:latin typeface="+mn-lt"/>
+              </a:rPr>
+              <a:t>Диаграмма компонентов</a:t>
+            </a:r>
+          </a:p>
+        </p:txBody>
+      </p:sp>
+    </p:spTree>
+    <p:extLst>
+      <p:ext uri="{BB962C8B-B14F-4D97-AF65-F5344CB8AC3E}">
+        <p14:creationId xmlns:p14="http://schemas.microsoft.com/office/powerpoint/2010/main" val="2183277275"/>
+      </p:ext>
+    </p:extLst>
+  </p:cSld>
+  <p:clrMapOvr>
+    <a:masterClrMapping/>
+  </p:clrMapOvr>
+</p:sld>
+</file>
+
+<file path=ppt/slides/slide9.xml><?xml version="1.0" encoding="utf-8"?>
+<p:sld xmlns:a="http://schemas.openxmlformats.org/drawingml/2006/main" xmlns:r="http://schemas.openxmlformats.org/officeDocument/2006/relationships" xmlns:p="http://schemas.openxmlformats.org/presentationml/2006/main">
+  <p:cSld>
+    <p:spTree>
+      <p:nvGrpSpPr>
+        <p:cNvPr id="1" name=""/>
+        <p:cNvGrpSpPr/>
+        <p:nvPr/>
+      </p:nvGrpSpPr>
+      <p:grpSpPr>
+        <a:xfrm>
+          <a:off x="0" y="0"/>
+          <a:ext cx="0" cy="0"/>
+          <a:chOff x="0" y="0"/>
+          <a:chExt cx="0" cy="0"/>
+        </a:xfrm>
+      </p:grpSpPr>
+      <p:graphicFrame>
+        <p:nvGraphicFramePr>
+          <p:cNvPr id="4" name="Объект 3"/>
+          <p:cNvGraphicFramePr>
+            <a:graphicFrameLocks noGrp="1"/>
+          </p:cNvGraphicFramePr>
+          <p:nvPr>
+            <p:ph idx="1"/>
+            <p:extLst>
+              <p:ext uri="{D42A27DB-BD31-4B8C-83A1-F6EECF244321}">
+                <p14:modId xmlns:p14="http://schemas.microsoft.com/office/powerpoint/2010/main" val="3033435200"/>
+              </p:ext>
+            </p:extLst>
+          </p:nvPr>
+        </p:nvGraphicFramePr>
+        <p:xfrm>
+          <a:off x="212035" y="1690689"/>
+          <a:ext cx="8534399" cy="4665662"/>
+        </p:xfrm>
+        <a:graphic>
+          <a:graphicData uri="http://schemas.openxmlformats.org/drawingml/2006/table">
+            <a:tbl>
+              <a:tblPr firstRow="1" firstCol="1" bandRow="1" bandCol="1">
+                <a:tableStyleId>{5C22544A-7EE6-4342-B048-85BDC9FD1C3A}</a:tableStyleId>
+              </a:tblPr>
+              <a:tblGrid>
+                <a:gridCol w="2379018">
+                  <a:extLst>
+                    <a:ext uri="{9D8B030D-6E8A-4147-A177-3AD203B41FA5}">
+                      <a16:colId xmlns:a16="http://schemas.microsoft.com/office/drawing/2014/main" val="268853680"/>
+                    </a:ext>
+                  </a:extLst>
+                </a:gridCol>
+                <a:gridCol w="6155381">
+                  <a:extLst>
+                    <a:ext uri="{9D8B030D-6E8A-4147-A177-3AD203B41FA5}">
+                      <a16:colId xmlns:a16="http://schemas.microsoft.com/office/drawing/2014/main" val="1879963911"/>
+                    </a:ext>
+                  </a:extLst>
+                </a:gridCol>
+              </a:tblGrid>
+              <a:tr h="696047">
+                <a:tc>
+                  <a:txBody>
+                    <a:bodyPr/>
+                    <a:lstStyle/>
+                    <a:p>
+                      <a:pPr marR="36830" lvl="0" indent="457200" algn="ctr">
+                        <a:lnSpc>
+                          <a:spcPct val="115000"/>
+                        </a:lnSpc>
+                        <a:spcAft>
+                          <a:spcPts val="0"/>
+                        </a:spcAft>
+                      </a:pPr>
+                      <a:r>
+                        <a:rPr lang="ru-RU" sz="1600" dirty="0">
+                          <a:effectLst/>
+                        </a:rPr>
+                        <a:t>Заинтересованные</a:t>
+                      </a:r>
+                      <a:endParaRPr lang="en-US" sz="1600" dirty="0">
+                        <a:effectLst/>
+                      </a:endParaRPr>
+                    </a:p>
+                    <a:p>
+                      <a:pPr marR="36830" lvl="0" indent="457200" algn="ctr">
+                        <a:lnSpc>
+                          <a:spcPct val="115000"/>
+                        </a:lnSpc>
+                        <a:spcAft>
+                          <a:spcPts val="0"/>
+                        </a:spcAft>
+                      </a:pPr>
+                      <a:r>
+                        <a:rPr lang="ru-RU" sz="1600" dirty="0">
+                          <a:effectLst/>
+                        </a:rPr>
+                        <a:t>стороны</a:t>
+                      </a:r>
+                      <a:endParaRPr lang="ru-RU" sz="1600" dirty="0">
+                        <a:solidFill>
+                          <a:srgbClr val="000000"/>
+                        </a:solidFill>
+                        <a:effectLst/>
+                        <a:latin typeface="Times New Roman" panose="02020603050405020304" pitchFamily="18" charset="0"/>
+                        <a:ea typeface="Times New Roman" panose="02020603050405020304" pitchFamily="18" charset="0"/>
+                        <a:cs typeface="Times New Roman" panose="02020603050405020304" pitchFamily="18" charset="0"/>
+                      </a:endParaRPr>
+                    </a:p>
+                  </a:txBody>
+                  <a:tcPr marL="82185" marR="82185" marT="0" marB="0"/>
+                </a:tc>
+                <a:tc>
+                  <a:txBody>
+                    <a:bodyPr/>
+                    <a:lstStyle/>
+                    <a:p>
+                      <a:pPr indent="457200" algn="ctr">
+                        <a:lnSpc>
+                          <a:spcPct val="115000"/>
+                        </a:lnSpc>
+                        <a:spcAft>
+                          <a:spcPts val="0"/>
+                        </a:spcAft>
+                      </a:pPr>
+                      <a:r>
+                        <a:rPr lang="ru-RU" sz="1600" dirty="0">
+                          <a:effectLst/>
+                        </a:rPr>
+                        <a:t>Интересы заинтересованных сторон</a:t>
+                      </a:r>
+                      <a:endParaRPr lang="ru-RU" sz="1600" dirty="0">
+                        <a:solidFill>
+                          <a:srgbClr val="000000"/>
+                        </a:solidFill>
+                        <a:effectLst/>
+                        <a:latin typeface="Times New Roman" panose="02020603050405020304" pitchFamily="18" charset="0"/>
+                        <a:ea typeface="Times New Roman" panose="02020603050405020304" pitchFamily="18" charset="0"/>
+                        <a:cs typeface="Times New Roman" panose="02020603050405020304" pitchFamily="18" charset="0"/>
+                      </a:endParaRPr>
+                    </a:p>
+                  </a:txBody>
+                  <a:tcPr marL="82185" marR="82185" marT="0" marB="0"/>
+                </a:tc>
+                <a:extLst>
+                  <a:ext uri="{0D108BD9-81ED-4DB2-BD59-A6C34878D82A}">
+                    <a16:rowId xmlns:a16="http://schemas.microsoft.com/office/drawing/2014/main" val="3729466663"/>
+                  </a:ext>
+                </a:extLst>
+              </a:tr>
+              <a:tr h="1078391">
+                <a:tc>
+                  <a:txBody>
+                    <a:bodyPr/>
+                    <a:lstStyle/>
+                    <a:p>
+                      <a:pPr marR="36830" indent="457200" algn="l">
+                        <a:lnSpc>
+                          <a:spcPct val="115000"/>
+                        </a:lnSpc>
+                        <a:spcAft>
+                          <a:spcPts val="0"/>
+                        </a:spcAft>
+                      </a:pPr>
+                      <a:r>
+                        <a:rPr lang="ru-RU" sz="1600" b="1" dirty="0">
+                          <a:effectLst/>
+                        </a:rPr>
+                        <a:t>Системный</a:t>
+                      </a:r>
+                    </a:p>
+                    <a:p>
+                      <a:pPr marR="36830" indent="457200" algn="l">
+                        <a:lnSpc>
+                          <a:spcPct val="115000"/>
+                        </a:lnSpc>
+                        <a:spcAft>
+                          <a:spcPts val="0"/>
+                        </a:spcAft>
+                      </a:pPr>
+                      <a:r>
+                        <a:rPr lang="ru-RU" sz="1600" b="1" dirty="0">
+                          <a:effectLst/>
+                        </a:rPr>
+                        <a:t>администратор </a:t>
+                      </a:r>
+                      <a:endParaRPr lang="ru-RU" sz="1600" b="1" dirty="0">
+                        <a:solidFill>
+                          <a:srgbClr val="000000"/>
+                        </a:solidFill>
+                        <a:effectLst/>
+                        <a:latin typeface="Times New Roman" panose="02020603050405020304" pitchFamily="18" charset="0"/>
+                        <a:ea typeface="Times New Roman" panose="02020603050405020304" pitchFamily="18" charset="0"/>
+                        <a:cs typeface="Times New Roman" panose="02020603050405020304" pitchFamily="18" charset="0"/>
+                      </a:endParaRPr>
+                    </a:p>
+                  </a:txBody>
+                  <a:tcPr marL="82185" marR="82185" marT="0" marB="0"/>
+                </a:tc>
+                <a:tc>
+                  <a:txBody>
+                    <a:bodyPr/>
+                    <a:lstStyle/>
+                    <a:p>
+                      <a:pPr lvl="1">
+                        <a:lnSpc>
+                          <a:spcPct val="115000"/>
+                        </a:lnSpc>
+                        <a:spcAft>
+                          <a:spcPts val="0"/>
+                        </a:spcAft>
+                      </a:pPr>
+                      <a:r>
+                        <a:rPr lang="ru-RU" sz="1600" dirty="0">
+                          <a:effectLst/>
+                        </a:rPr>
+                        <a:t>Добавление правил в конфигурационный файл </a:t>
+                      </a:r>
+                      <a:r>
+                        <a:rPr lang="en-US" sz="1600" dirty="0">
+                          <a:effectLst/>
+                        </a:rPr>
+                        <a:t>IDS </a:t>
+                      </a:r>
+                      <a:r>
+                        <a:rPr lang="en-US" sz="1600" dirty="0" err="1">
+                          <a:effectLst/>
+                        </a:rPr>
+                        <a:t>Suricata</a:t>
+                      </a:r>
+                      <a:endParaRPr lang="en-US" sz="1600" dirty="0">
+                        <a:effectLst/>
+                      </a:endParaRPr>
+                    </a:p>
+                    <a:p>
+                      <a:pPr lvl="1">
+                        <a:lnSpc>
+                          <a:spcPct val="115000"/>
+                        </a:lnSpc>
+                        <a:spcAft>
+                          <a:spcPts val="0"/>
+                        </a:spcAft>
+                      </a:pPr>
+                      <a:endParaRPr lang="ru-RU" sz="1600" dirty="0">
+                        <a:effectLst/>
+                      </a:endParaRPr>
+                    </a:p>
+                    <a:p>
+                      <a:pPr lvl="1">
+                        <a:lnSpc>
+                          <a:spcPct val="115000"/>
+                        </a:lnSpc>
+                        <a:spcAft>
+                          <a:spcPts val="0"/>
+                        </a:spcAft>
+                      </a:pPr>
+                      <a:r>
+                        <a:rPr lang="ru-RU" sz="1600" dirty="0">
+                          <a:effectLst/>
+                        </a:rPr>
+                        <a:t>Удаление правил из конфигурационного файла </a:t>
+                      </a:r>
+                      <a:r>
+                        <a:rPr lang="en-US" sz="1600" dirty="0">
+                          <a:effectLst/>
+                        </a:rPr>
+                        <a:t>IDS </a:t>
+                      </a:r>
+                      <a:r>
+                        <a:rPr lang="en-US" sz="1600" dirty="0" err="1">
+                          <a:effectLst/>
+                        </a:rPr>
+                        <a:t>Suricat</a:t>
+                      </a:r>
+                      <a:endParaRPr lang="ru-RU" sz="1600" dirty="0">
+                        <a:effectLst/>
+                      </a:endParaRPr>
+                    </a:p>
+                  </a:txBody>
+                  <a:tcPr marL="82185" marR="82185" marT="0" marB="0"/>
+                </a:tc>
+                <a:extLst>
+                  <a:ext uri="{0D108BD9-81ED-4DB2-BD59-A6C34878D82A}">
+                    <a16:rowId xmlns:a16="http://schemas.microsoft.com/office/drawing/2014/main" val="79674379"/>
+                  </a:ext>
+                </a:extLst>
+              </a:tr>
+              <a:tr h="1602702">
+                <a:tc>
+                  <a:txBody>
+                    <a:bodyPr/>
+                    <a:lstStyle/>
+                    <a:p>
+                      <a:pPr marR="36830" lvl="0" indent="457200" algn="l">
+                        <a:lnSpc>
+                          <a:spcPct val="115000"/>
+                        </a:lnSpc>
+                        <a:spcAft>
+                          <a:spcPts val="0"/>
+                        </a:spcAft>
+                      </a:pPr>
+                      <a:r>
+                        <a:rPr lang="ru-RU" sz="1600" b="1" dirty="0">
+                          <a:effectLst/>
+                        </a:rPr>
+                        <a:t>Владелец</a:t>
+                      </a:r>
+                    </a:p>
+                    <a:p>
+                      <a:pPr marR="36830" lvl="0" indent="457200" algn="l">
+                        <a:lnSpc>
+                          <a:spcPct val="115000"/>
+                        </a:lnSpc>
+                        <a:spcAft>
+                          <a:spcPts val="0"/>
+                        </a:spcAft>
+                      </a:pPr>
+                      <a:r>
+                        <a:rPr lang="ru-RU" sz="1600" b="1" dirty="0" err="1">
+                          <a:effectLst/>
+                        </a:rPr>
+                        <a:t>опенсорсного</a:t>
+                      </a:r>
+                      <a:endParaRPr lang="ru-RU" sz="1600" b="1" dirty="0">
+                        <a:effectLst/>
+                      </a:endParaRPr>
+                    </a:p>
+                    <a:p>
+                      <a:pPr marR="36830" lvl="0" indent="457200" algn="l">
+                        <a:lnSpc>
+                          <a:spcPct val="115000"/>
+                        </a:lnSpc>
+                        <a:spcAft>
+                          <a:spcPts val="0"/>
+                        </a:spcAft>
+                      </a:pPr>
+                      <a:r>
+                        <a:rPr lang="ru-RU" sz="1600" b="1" dirty="0">
+                          <a:effectLst/>
+                        </a:rPr>
+                        <a:t>проекта</a:t>
+                      </a:r>
+                      <a:endParaRPr lang="en-US" sz="1600" b="1" dirty="0">
+                        <a:effectLst/>
+                      </a:endParaRPr>
+                    </a:p>
+                    <a:p>
+                      <a:pPr marR="36830" lvl="0" indent="457200" algn="l">
+                        <a:lnSpc>
+                          <a:spcPct val="115000"/>
+                        </a:lnSpc>
+                        <a:spcAft>
+                          <a:spcPts val="0"/>
+                        </a:spcAft>
+                      </a:pPr>
+                      <a:r>
+                        <a:rPr lang="ru-RU" sz="1600" b="1" dirty="0">
+                          <a:effectLst/>
+                        </a:rPr>
+                        <a:t>(</a:t>
+                      </a:r>
+                      <a:r>
+                        <a:rPr lang="en-US" sz="1600" b="1" dirty="0">
+                          <a:effectLst/>
+                        </a:rPr>
+                        <a:t>project owner</a:t>
+                      </a:r>
+                      <a:r>
+                        <a:rPr lang="ru-RU" sz="1600" b="1" dirty="0">
+                          <a:effectLst/>
+                        </a:rPr>
+                        <a:t>)</a:t>
+                      </a:r>
+                      <a:endParaRPr lang="ru-RU" sz="1600" b="1" dirty="0">
+                        <a:solidFill>
+                          <a:srgbClr val="000000"/>
+                        </a:solidFill>
+                        <a:effectLst/>
+                        <a:latin typeface="Times New Roman" panose="02020603050405020304" pitchFamily="18" charset="0"/>
+                        <a:ea typeface="Times New Roman" panose="02020603050405020304" pitchFamily="18" charset="0"/>
+                        <a:cs typeface="Times New Roman" panose="02020603050405020304" pitchFamily="18" charset="0"/>
+                      </a:endParaRPr>
+                    </a:p>
+                  </a:txBody>
+                  <a:tcPr marL="82185" marR="82185" marT="0" marB="0"/>
+                </a:tc>
+                <a:tc>
+                  <a:txBody>
+                    <a:bodyPr/>
+                    <a:lstStyle/>
+                    <a:p>
+                      <a:pPr marL="457200" lvl="0" algn="just">
+                        <a:lnSpc>
+                          <a:spcPct val="106000"/>
+                        </a:lnSpc>
+                        <a:spcAft>
+                          <a:spcPts val="0"/>
+                        </a:spcAft>
+                      </a:pPr>
+                      <a:r>
+                        <a:rPr lang="ru-RU" sz="1600" dirty="0">
+                          <a:effectLst/>
+                        </a:rPr>
+                        <a:t>Быстрая и полная передача исходного кода, настроек,</a:t>
+                      </a:r>
+                      <a:r>
+                        <a:rPr lang="ru-RU" sz="1600" baseline="0" dirty="0">
+                          <a:effectLst/>
+                        </a:rPr>
+                        <a:t> </a:t>
+                      </a:r>
+                      <a:r>
+                        <a:rPr lang="ru-RU" sz="1600" dirty="0">
+                          <a:effectLst/>
+                        </a:rPr>
+                        <a:t>документов.</a:t>
+                      </a:r>
+                    </a:p>
+                    <a:p>
+                      <a:pPr marL="457200" lvl="0" algn="just">
+                        <a:lnSpc>
+                          <a:spcPct val="106000"/>
+                        </a:lnSpc>
+                        <a:spcAft>
+                          <a:spcPts val="0"/>
+                        </a:spcAft>
+                      </a:pPr>
+                      <a:r>
+                        <a:rPr lang="ru-RU" sz="1600" dirty="0">
+                          <a:effectLst/>
+                        </a:rPr>
+                        <a:t> </a:t>
+                      </a:r>
+                    </a:p>
+                    <a:p>
+                      <a:pPr marL="457200" lvl="0" algn="just">
+                        <a:lnSpc>
+                          <a:spcPct val="106000"/>
+                        </a:lnSpc>
+                        <a:spcAft>
+                          <a:spcPts val="0"/>
+                        </a:spcAft>
+                      </a:pPr>
+                      <a:r>
+                        <a:rPr lang="ru-RU" sz="1600" dirty="0">
+                          <a:effectLst/>
+                        </a:rPr>
+                        <a:t>Возможность в дальнейшем совершенствовать систему,     например, добавляя новые модули и возможности</a:t>
+                      </a:r>
+                      <a:endParaRPr lang="ru-RU" sz="1600" dirty="0">
+                        <a:solidFill>
+                          <a:srgbClr val="000000"/>
+                        </a:solidFill>
+                        <a:effectLst/>
+                        <a:latin typeface="Times New Roman" panose="02020603050405020304" pitchFamily="18" charset="0"/>
+                        <a:ea typeface="Times New Roman" panose="02020603050405020304" pitchFamily="18" charset="0"/>
+                        <a:cs typeface="Times New Roman" panose="02020603050405020304" pitchFamily="18" charset="0"/>
+                      </a:endParaRPr>
+                    </a:p>
+                  </a:txBody>
+                  <a:tcPr marL="82185" marR="82185" marT="0" marB="0"/>
+                </a:tc>
+                <a:extLst>
+                  <a:ext uri="{0D108BD9-81ED-4DB2-BD59-A6C34878D82A}">
+                    <a16:rowId xmlns:a16="http://schemas.microsoft.com/office/drawing/2014/main" val="2241759687"/>
+                  </a:ext>
+                </a:extLst>
+              </a:tr>
+              <a:tr h="1288522">
+                <a:tc>
+                  <a:txBody>
+                    <a:bodyPr/>
+                    <a:lstStyle/>
+                    <a:p>
+                      <a:pPr lvl="1" algn="l">
+                        <a:lnSpc>
+                          <a:spcPct val="115000"/>
+                        </a:lnSpc>
+                        <a:spcAft>
+                          <a:spcPts val="0"/>
+                        </a:spcAft>
+                      </a:pPr>
+                      <a:r>
+                        <a:rPr lang="ru-RU" sz="1600" b="1" dirty="0">
+                          <a:effectLst/>
+                        </a:rPr>
+                        <a:t>Новый разработчик системы</a:t>
+                      </a:r>
+                      <a:endParaRPr lang="ru-RU" sz="1600" b="1" dirty="0">
+                        <a:solidFill>
+                          <a:srgbClr val="000000"/>
+                        </a:solidFill>
+                        <a:effectLst/>
+                        <a:latin typeface="Times New Roman" panose="02020603050405020304" pitchFamily="18" charset="0"/>
+                        <a:ea typeface="Times New Roman" panose="02020603050405020304" pitchFamily="18" charset="0"/>
+                        <a:cs typeface="Times New Roman" panose="02020603050405020304" pitchFamily="18" charset="0"/>
+                      </a:endParaRPr>
+                    </a:p>
+                  </a:txBody>
+                  <a:tcPr marL="82185" marR="82185" marT="0" marB="0"/>
+                </a:tc>
+                <a:tc>
+                  <a:txBody>
+                    <a:bodyPr/>
+                    <a:lstStyle/>
+                    <a:p>
+                      <a:pPr marL="457200" lvl="0" algn="just">
+                        <a:lnSpc>
+                          <a:spcPct val="106000"/>
+                        </a:lnSpc>
+                        <a:spcAft>
+                          <a:spcPts val="0"/>
+                        </a:spcAft>
+                      </a:pPr>
+                      <a:r>
+                        <a:rPr lang="ru-RU" sz="1600" dirty="0">
+                          <a:effectLst/>
+                        </a:rPr>
+                        <a:t>Быстро понять принцип работы системы.</a:t>
+                      </a:r>
+                    </a:p>
+                    <a:p>
+                      <a:pPr marL="457200" lvl="0" algn="just">
+                        <a:lnSpc>
+                          <a:spcPct val="106000"/>
+                        </a:lnSpc>
+                        <a:spcAft>
+                          <a:spcPts val="0"/>
+                        </a:spcAft>
+                      </a:pPr>
+                      <a:r>
+                        <a:rPr lang="ru-RU" sz="1600" dirty="0">
+                          <a:effectLst/>
+                        </a:rPr>
+                        <a:t> </a:t>
+                      </a:r>
+                    </a:p>
+                    <a:p>
+                      <a:pPr marL="457200" lvl="0" algn="just">
+                        <a:lnSpc>
+                          <a:spcPct val="106000"/>
+                        </a:lnSpc>
+                        <a:spcAft>
+                          <a:spcPts val="0"/>
+                        </a:spcAft>
+                      </a:pPr>
+                      <a:r>
+                        <a:rPr lang="ru-RU" sz="1600" dirty="0">
+                          <a:effectLst/>
+                        </a:rPr>
+                        <a:t>Быстро внести изменения и проверить, что они не    нарушают работу существующего функционала.</a:t>
+                      </a:r>
+                    </a:p>
+                  </a:txBody>
+                  <a:tcPr marL="82185" marR="82185" marT="0" marB="0"/>
+                </a:tc>
+                <a:extLst>
+                  <a:ext uri="{0D108BD9-81ED-4DB2-BD59-A6C34878D82A}">
+                    <a16:rowId xmlns:a16="http://schemas.microsoft.com/office/drawing/2014/main" val="3761451928"/>
+                  </a:ext>
+                </a:extLst>
+              </a:tr>
+            </a:tbl>
+          </a:graphicData>
+        </a:graphic>
+      </p:graphicFrame>
+      <p:sp>
+        <p:nvSpPr>
+          <p:cNvPr id="3" name="Номер слайда 2"/>
+          <p:cNvSpPr>
+            <a:spLocks noGrp="1"/>
+          </p:cNvSpPr>
+          <p:nvPr>
+            <p:ph type="sldNum" sz="quarter" idx="12"/>
+          </p:nvPr>
+        </p:nvSpPr>
+        <p:spPr/>
+        <p:txBody>
+          <a:bodyPr/>
+          <a:lstStyle/>
+          <a:p>
+            <a:fld id="{3177E89D-76AF-4E24-8F7F-2685DD826F0A}" type="slidenum">
+              <a:rPr lang="ru-RU" sz="1800" smtClean="0"/>
+              <a:t>9</a:t>
+            </a:fld>
+            <a:endParaRPr lang="ru-RU" sz="1800" dirty="0"/>
+          </a:p>
+        </p:txBody>
+      </p:sp>
+      <p:sp>
+        <p:nvSpPr>
+          <p:cNvPr id="5" name="Заголовок 1"/>
+          <p:cNvSpPr txBox="1">
+            <a:spLocks/>
+          </p:cNvSpPr>
+          <p:nvPr/>
+        </p:nvSpPr>
+        <p:spPr>
+          <a:xfrm>
+            <a:off x="628650" y="365126"/>
+            <a:ext cx="7886700" cy="1325563"/>
+          </a:xfrm>
+          <a:prstGeom prst="rect">
+            <a:avLst/>
+          </a:prstGeom>
+        </p:spPr>
+        <p:txBody>
+          <a:bodyPr vert="horz" lIns="91440" tIns="45720" rIns="91440" bIns="45720" rtlCol="0" anchor="ctr">
+            <a:normAutofit/>
+          </a:bodyPr>
+          <a:lstStyle>
+            <a:lvl1pPr algn="l" defTabSz="914400" rtl="0" eaLnBrk="1" latinLnBrk="0" hangingPunct="1">
+              <a:lnSpc>
+                <a:spcPct val="90000"/>
+              </a:lnSpc>
+              <a:spcBef>
+                <a:spcPct val="0"/>
+              </a:spcBef>
+              <a:buNone/>
+              <a:defRPr sz="4400" kern="1200">
+                <a:solidFill>
+                  <a:schemeClr val="tx1"/>
+                </a:solidFill>
+                <a:latin typeface="+mj-lt"/>
+                <a:ea typeface="+mj-ea"/>
+                <a:cs typeface="+mj-cs"/>
+              </a:defRPr>
+            </a:lvl1pPr>
+          </a:lstStyle>
+          <a:p>
+            <a:r>
+              <a:rPr lang="ru-RU" dirty="0">
+                <a:latin typeface="+mn-lt"/>
+                <a:cs typeface="Times New Roman" panose="02020603050405020304" pitchFamily="18" charset="0"/>
+              </a:rPr>
+              <a:t>Выявление заинтересованных сторон и их интересов</a:t>
+            </a:r>
+            <a:endParaRPr lang="ru-RU" dirty="0">
+              <a:latin typeface="+mn-lt"/>
+            </a:endParaRPr>
+          </a:p>
+        </p:txBody>
+      </p:sp>
+    </p:spTree>
+    <p:extLst>
+      <p:ext uri="{BB962C8B-B14F-4D97-AF65-F5344CB8AC3E}">
+        <p14:creationId xmlns:p14="http://schemas.microsoft.com/office/powerpoint/2010/main" val="1009699656"/>
+      </p:ext>
+    </p:extLst>
+  </p:cSld>
+  <p:clrMapOvr>
+    <a:masterClrMapping/>
+  </p:clrMapOvr>
 </p:sld>
 </file>
 
